--- a/presentation/RabbitMQ.pptx
+++ b/presentation/RabbitMQ.pptx
@@ -30,6 +30,7 @@
     <p:sldId id="271" r:id="rId23"/>
     <p:sldId id="272" r:id="rId24"/>
     <p:sldId id="273" r:id="rId25"/>
+    <p:sldId id="274" r:id="rId26"/>
   </p:sldIdLst>
   <p:sldSz cx="12192000" cy="6858000"/>
   <p:notesSz cx="9144000" cy="6858000"/>
@@ -313,7 +314,7 @@
             <a:pPr algn="r">
               <a:buNone/>
             </a:pPr>
-            <a:fld id="{0C71E9EA-385D-494B-97D4-C3470DE31A7D}" type="slidenum">
+            <a:fld id="{72689394-F214-45BB-BA82-532AAFF64571}" type="slidenum">
               <a:rPr b="0" lang="ru-RU" sz="1400" spc="-1" strike="noStrike">
                 <a:latin typeface="Times New Roman"/>
               </a:rPr>
@@ -350,7 +351,7 @@
       </p:grpSpPr>
       <p:sp>
         <p:nvSpPr>
-          <p:cNvPr id="281" name="PlaceHolder 1"/>
+          <p:cNvPr id="286" name="PlaceHolder 1"/>
           <p:cNvSpPr>
             <a:spLocks noGrp="1"/>
           </p:cNvSpPr>
@@ -361,19 +362,19 @@
         <p:spPr>
           <a:xfrm>
             <a:off x="914400" y="857160"/>
-            <a:ext cx="7314120" cy="2313720"/>
-          </a:xfrm>
-          <a:prstGeom prst="rect">
-            <a:avLst/>
-          </a:prstGeom>
-          <a:ln w="0">
-            <a:noFill/>
-          </a:ln>
-        </p:spPr>
-      </p:sp>
-      <p:sp>
-        <p:nvSpPr>
-          <p:cNvPr id="282" name="PlaceHolder 2"/>
+            <a:ext cx="7313760" cy="2313360"/>
+          </a:xfrm>
+          <a:prstGeom prst="rect">
+            <a:avLst/>
+          </a:prstGeom>
+          <a:ln w="0">
+            <a:noFill/>
+          </a:ln>
+        </p:spPr>
+      </p:sp>
+      <p:sp>
+        <p:nvSpPr>
+          <p:cNvPr id="287" name="PlaceHolder 2"/>
           <p:cNvSpPr>
             <a:spLocks noGrp="1"/>
           </p:cNvSpPr>
@@ -384,7 +385,7 @@
         <p:spPr>
           <a:xfrm>
             <a:off x="914400" y="3300480"/>
-            <a:ext cx="7314120" cy="2699280"/>
+            <a:ext cx="7313760" cy="2698920"/>
           </a:xfrm>
           <a:prstGeom prst="rect">
             <a:avLst/>
@@ -412,13 +413,7 @@
               <a:rPr b="0" lang="ru-RU" sz="2000" spc="-1" strike="noStrike">
                 <a:latin typeface="Arial"/>
               </a:rPr>
-              <a:t>Всем привет. Меня зовут Константин Турунцев, я разработчик на проектах по </a:t>
-            </a:r>
-            <a:r>
-              <a:rPr b="0" lang="ru-RU" sz="2000" spc="-1" strike="noStrike">
-                <a:latin typeface="Arial"/>
-              </a:rPr>
-              <a:t>КСШ для администрации города Перми, Т-плюс.</a:t>
+              <a:t>Всем привет. Меня зовут Константин Турунцев, я разработчик на проектах по КСШ для администрации города Перми, Т-плюс.</a:t>
             </a:r>
             <a:endParaRPr b="0" lang="ru-RU" sz="2000" spc="-1" strike="noStrike">
               <a:latin typeface="Arial"/>
@@ -456,7 +451,7 @@
       </p:sp>
       <p:sp>
         <p:nvSpPr>
-          <p:cNvPr id="283" name="PlaceHolder 3"/>
+          <p:cNvPr id="288" name="PlaceHolder 3"/>
           <p:cNvSpPr>
             <a:spLocks noGrp="1"/>
           </p:cNvSpPr>
@@ -467,7 +462,7 @@
         <p:spPr>
           <a:xfrm>
             <a:off x="5179680" y="6513840"/>
-            <a:ext cx="3961080" cy="343080"/>
+            <a:ext cx="3960720" cy="342720"/>
           </a:xfrm>
           <a:prstGeom prst="rect">
             <a:avLst/>
@@ -503,7 +498,7 @@
               </a:lnSpc>
               <a:buNone/>
             </a:pPr>
-            <a:fld id="{781F7601-9572-40EF-B096-C65E56C78205}" type="slidenum">
+            <a:fld id="{1A8ECDB1-8A75-43CF-B5B8-008F1F2BB4E8}" type="slidenum">
               <a:rPr b="0" lang="ru-RU" sz="1200" spc="-1" strike="noStrike">
                 <a:solidFill>
                   <a:srgbClr val="000000"/>
@@ -543,7 +538,7 @@
       </p:grpSpPr>
       <p:sp>
         <p:nvSpPr>
-          <p:cNvPr id="297" name="PlaceHolder 1"/>
+          <p:cNvPr id="302" name="PlaceHolder 1"/>
           <p:cNvSpPr>
             <a:spLocks noGrp="1"/>
           </p:cNvSpPr>
@@ -554,19 +549,19 @@
         <p:spPr>
           <a:xfrm>
             <a:off x="914400" y="857160"/>
-            <a:ext cx="7314120" cy="2313720"/>
-          </a:xfrm>
-          <a:prstGeom prst="rect">
-            <a:avLst/>
-          </a:prstGeom>
-          <a:ln w="0">
-            <a:noFill/>
-          </a:ln>
-        </p:spPr>
-      </p:sp>
-      <p:sp>
-        <p:nvSpPr>
-          <p:cNvPr id="298" name="PlaceHolder 2"/>
+            <a:ext cx="7313760" cy="2313360"/>
+          </a:xfrm>
+          <a:prstGeom prst="rect">
+            <a:avLst/>
+          </a:prstGeom>
+          <a:ln w="0">
+            <a:noFill/>
+          </a:ln>
+        </p:spPr>
+      </p:sp>
+      <p:sp>
+        <p:nvSpPr>
+          <p:cNvPr id="303" name="PlaceHolder 2"/>
           <p:cNvSpPr>
             <a:spLocks noGrp="1"/>
           </p:cNvSpPr>
@@ -577,7 +572,7 @@
         <p:spPr>
           <a:xfrm>
             <a:off x="914400" y="3300480"/>
-            <a:ext cx="7314120" cy="2699280"/>
+            <a:ext cx="7313760" cy="2698920"/>
           </a:xfrm>
           <a:prstGeom prst="rect">
             <a:avLst/>
@@ -750,7 +745,7 @@
       </p:sp>
       <p:sp>
         <p:nvSpPr>
-          <p:cNvPr id="299" name="PlaceHolder 3"/>
+          <p:cNvPr id="304" name="PlaceHolder 3"/>
           <p:cNvSpPr>
             <a:spLocks noGrp="1"/>
           </p:cNvSpPr>
@@ -761,7 +756,7 @@
         <p:spPr>
           <a:xfrm>
             <a:off x="5179680" y="6513840"/>
-            <a:ext cx="3961080" cy="343080"/>
+            <a:ext cx="3960720" cy="342720"/>
           </a:xfrm>
           <a:prstGeom prst="rect">
             <a:avLst/>
@@ -797,7 +792,7 @@
               </a:lnSpc>
               <a:buNone/>
             </a:pPr>
-            <a:fld id="{CB8F057D-7BE9-4EB3-91AD-B56BD969D619}" type="slidenum">
+            <a:fld id="{B3940138-2F21-476E-91A1-430E19C85D9A}" type="slidenum">
               <a:rPr b="0" lang="ru-RU" sz="1200" spc="-1" strike="noStrike">
                 <a:solidFill>
                   <a:srgbClr val="000000"/>
@@ -837,7 +832,7 @@
       </p:grpSpPr>
       <p:sp>
         <p:nvSpPr>
-          <p:cNvPr id="300" name="PlaceHolder 1"/>
+          <p:cNvPr id="305" name="PlaceHolder 1"/>
           <p:cNvSpPr>
             <a:spLocks noGrp="1"/>
           </p:cNvSpPr>
@@ -848,19 +843,19 @@
         <p:spPr>
           <a:xfrm>
             <a:off x="914400" y="857160"/>
-            <a:ext cx="7314120" cy="2313720"/>
-          </a:xfrm>
-          <a:prstGeom prst="rect">
-            <a:avLst/>
-          </a:prstGeom>
-          <a:ln w="0">
-            <a:noFill/>
-          </a:ln>
-        </p:spPr>
-      </p:sp>
-      <p:sp>
-        <p:nvSpPr>
-          <p:cNvPr id="301" name="PlaceHolder 2"/>
+            <a:ext cx="7313760" cy="2313360"/>
+          </a:xfrm>
+          <a:prstGeom prst="rect">
+            <a:avLst/>
+          </a:prstGeom>
+          <a:ln w="0">
+            <a:noFill/>
+          </a:ln>
+        </p:spPr>
+      </p:sp>
+      <p:sp>
+        <p:nvSpPr>
+          <p:cNvPr id="306" name="PlaceHolder 2"/>
           <p:cNvSpPr>
             <a:spLocks noGrp="1"/>
           </p:cNvSpPr>
@@ -871,7 +866,7 @@
         <p:spPr>
           <a:xfrm>
             <a:off x="914400" y="3300480"/>
-            <a:ext cx="7314120" cy="2699280"/>
+            <a:ext cx="7313760" cy="2698920"/>
           </a:xfrm>
           <a:prstGeom prst="rect">
             <a:avLst/>
@@ -1591,7 +1586,7 @@
       </p:sp>
       <p:sp>
         <p:nvSpPr>
-          <p:cNvPr id="302" name="PlaceHolder 3"/>
+          <p:cNvPr id="307" name="PlaceHolder 3"/>
           <p:cNvSpPr>
             <a:spLocks noGrp="1"/>
           </p:cNvSpPr>
@@ -1602,7 +1597,7 @@
         <p:spPr>
           <a:xfrm>
             <a:off x="5179680" y="6513840"/>
-            <a:ext cx="3961080" cy="343080"/>
+            <a:ext cx="3960720" cy="342720"/>
           </a:xfrm>
           <a:prstGeom prst="rect">
             <a:avLst/>
@@ -1638,7 +1633,7 @@
               </a:lnSpc>
               <a:buNone/>
             </a:pPr>
-            <a:fld id="{183E6781-3C42-4FDD-9D05-4E07E518AE31}" type="slidenum">
+            <a:fld id="{FF73CF65-B4BE-4B81-92F2-6C3033A972B6}" type="slidenum">
               <a:rPr b="0" lang="ru-RU" sz="1200" spc="-1" strike="noStrike">
                 <a:solidFill>
                   <a:srgbClr val="000000"/>
@@ -1678,7 +1673,7 @@
       </p:grpSpPr>
       <p:sp>
         <p:nvSpPr>
-          <p:cNvPr id="303" name="PlaceHolder 1"/>
+          <p:cNvPr id="308" name="PlaceHolder 1"/>
           <p:cNvSpPr>
             <a:spLocks noGrp="1"/>
           </p:cNvSpPr>
@@ -1689,19 +1684,19 @@
         <p:spPr>
           <a:xfrm>
             <a:off x="914400" y="857160"/>
-            <a:ext cx="7314120" cy="2313720"/>
-          </a:xfrm>
-          <a:prstGeom prst="rect">
-            <a:avLst/>
-          </a:prstGeom>
-          <a:ln w="0">
-            <a:noFill/>
-          </a:ln>
-        </p:spPr>
-      </p:sp>
-      <p:sp>
-        <p:nvSpPr>
-          <p:cNvPr id="304" name="PlaceHolder 2"/>
+            <a:ext cx="7313760" cy="2313360"/>
+          </a:xfrm>
+          <a:prstGeom prst="rect">
+            <a:avLst/>
+          </a:prstGeom>
+          <a:ln w="0">
+            <a:noFill/>
+          </a:ln>
+        </p:spPr>
+      </p:sp>
+      <p:sp>
+        <p:nvSpPr>
+          <p:cNvPr id="309" name="PlaceHolder 2"/>
           <p:cNvSpPr>
             <a:spLocks noGrp="1"/>
           </p:cNvSpPr>
@@ -1712,7 +1707,7 @@
         <p:spPr>
           <a:xfrm>
             <a:off x="914400" y="3300480"/>
-            <a:ext cx="7314120" cy="2699280"/>
+            <a:ext cx="7313760" cy="2698920"/>
           </a:xfrm>
           <a:prstGeom prst="rect">
             <a:avLst/>
@@ -1936,7 +1931,7 @@
       </p:sp>
       <p:sp>
         <p:nvSpPr>
-          <p:cNvPr id="305" name="PlaceHolder 3"/>
+          <p:cNvPr id="310" name="PlaceHolder 3"/>
           <p:cNvSpPr>
             <a:spLocks noGrp="1"/>
           </p:cNvSpPr>
@@ -1947,7 +1942,7 @@
         <p:spPr>
           <a:xfrm>
             <a:off x="5179680" y="6513840"/>
-            <a:ext cx="3961080" cy="343080"/>
+            <a:ext cx="3960720" cy="342720"/>
           </a:xfrm>
           <a:prstGeom prst="rect">
             <a:avLst/>
@@ -1983,7 +1978,7 @@
               </a:lnSpc>
               <a:buNone/>
             </a:pPr>
-            <a:fld id="{5266A349-84E7-49A7-8940-E9B79CA91B40}" type="slidenum">
+            <a:fld id="{06D24F8B-5905-4802-9607-9686727B3B3B}" type="slidenum">
               <a:rPr b="0" lang="ru-RU" sz="1200" spc="-1" strike="noStrike">
                 <a:solidFill>
                   <a:srgbClr val="000000"/>
@@ -1991,7 +1986,7 @@
                 <a:latin typeface="+mn-lt"/>
                 <a:ea typeface="+mn-ea"/>
               </a:rPr>
-              <a:t>&lt;номер&gt;</a:t>
+              <a:t>15</a:t>
             </a:fld>
             <a:endParaRPr b="0" lang="ru-RU" sz="1200" spc="-1" strike="noStrike">
               <a:latin typeface="Times New Roman"/>
@@ -2023,7 +2018,7 @@
       </p:grpSpPr>
       <p:sp>
         <p:nvSpPr>
-          <p:cNvPr id="306" name="PlaceHolder 1"/>
+          <p:cNvPr id="311" name="PlaceHolder 1"/>
           <p:cNvSpPr>
             <a:spLocks noGrp="1"/>
           </p:cNvSpPr>
@@ -2034,19 +2029,19 @@
         <p:spPr>
           <a:xfrm>
             <a:off x="914400" y="857160"/>
-            <a:ext cx="7314120" cy="2313720"/>
-          </a:xfrm>
-          <a:prstGeom prst="rect">
-            <a:avLst/>
-          </a:prstGeom>
-          <a:ln w="0">
-            <a:noFill/>
-          </a:ln>
-        </p:spPr>
-      </p:sp>
-      <p:sp>
-        <p:nvSpPr>
-          <p:cNvPr id="307" name="PlaceHolder 2"/>
+            <a:ext cx="7313760" cy="2313360"/>
+          </a:xfrm>
+          <a:prstGeom prst="rect">
+            <a:avLst/>
+          </a:prstGeom>
+          <a:ln w="0">
+            <a:noFill/>
+          </a:ln>
+        </p:spPr>
+      </p:sp>
+      <p:sp>
+        <p:nvSpPr>
+          <p:cNvPr id="312" name="PlaceHolder 2"/>
           <p:cNvSpPr>
             <a:spLocks noGrp="1"/>
           </p:cNvSpPr>
@@ -2057,7 +2052,7 @@
         <p:spPr>
           <a:xfrm>
             <a:off x="914400" y="3300480"/>
-            <a:ext cx="7314120" cy="2699280"/>
+            <a:ext cx="7313760" cy="2698920"/>
           </a:xfrm>
           <a:prstGeom prst="rect">
             <a:avLst/>
@@ -2080,7 +2075,7 @@
       </p:sp>
       <p:sp>
         <p:nvSpPr>
-          <p:cNvPr id="308" name="PlaceHolder 3"/>
+          <p:cNvPr id="313" name="PlaceHolder 3"/>
           <p:cNvSpPr>
             <a:spLocks noGrp="1"/>
           </p:cNvSpPr>
@@ -2091,7 +2086,7 @@
         <p:spPr>
           <a:xfrm>
             <a:off x="5179680" y="6513840"/>
-            <a:ext cx="3961080" cy="343080"/>
+            <a:ext cx="3960720" cy="342720"/>
           </a:xfrm>
           <a:prstGeom prst="rect">
             <a:avLst/>
@@ -2127,7 +2122,7 @@
               </a:lnSpc>
               <a:buNone/>
             </a:pPr>
-            <a:fld id="{F4135CBE-C9D8-4C78-A5AD-2A2460F3234E}" type="slidenum">
+            <a:fld id="{78EDC01E-3E78-4665-9FC9-400D2FFC21C3}" type="slidenum">
               <a:rPr b="0" lang="ru-RU" sz="1200" spc="-1" strike="noStrike">
                 <a:solidFill>
                   <a:srgbClr val="000000"/>
@@ -2135,7 +2130,7 @@
                 <a:latin typeface="+mn-lt"/>
                 <a:ea typeface="+mn-ea"/>
               </a:rPr>
-              <a:t>&lt;номер&gt;</a:t>
+              <a:t>15</a:t>
             </a:fld>
             <a:endParaRPr b="0" lang="ru-RU" sz="1200" spc="-1" strike="noStrike">
               <a:latin typeface="Times New Roman"/>
@@ -2167,7 +2162,7 @@
       </p:grpSpPr>
       <p:sp>
         <p:nvSpPr>
-          <p:cNvPr id="309" name="PlaceHolder 1"/>
+          <p:cNvPr id="314" name="PlaceHolder 1"/>
           <p:cNvSpPr>
             <a:spLocks noGrp="1"/>
           </p:cNvSpPr>
@@ -2178,19 +2173,19 @@
         <p:spPr>
           <a:xfrm>
             <a:off x="914400" y="857160"/>
-            <a:ext cx="7314120" cy="2313720"/>
-          </a:xfrm>
-          <a:prstGeom prst="rect">
-            <a:avLst/>
-          </a:prstGeom>
-          <a:ln w="0">
-            <a:noFill/>
-          </a:ln>
-        </p:spPr>
-      </p:sp>
-      <p:sp>
-        <p:nvSpPr>
-          <p:cNvPr id="310" name="PlaceHolder 2"/>
+            <a:ext cx="7313760" cy="2313360"/>
+          </a:xfrm>
+          <a:prstGeom prst="rect">
+            <a:avLst/>
+          </a:prstGeom>
+          <a:ln w="0">
+            <a:noFill/>
+          </a:ln>
+        </p:spPr>
+      </p:sp>
+      <p:sp>
+        <p:nvSpPr>
+          <p:cNvPr id="315" name="PlaceHolder 2"/>
           <p:cNvSpPr>
             <a:spLocks noGrp="1"/>
           </p:cNvSpPr>
@@ -2201,7 +2196,7 @@
         <p:spPr>
           <a:xfrm>
             <a:off x="914400" y="3300480"/>
-            <a:ext cx="7314120" cy="2699280"/>
+            <a:ext cx="7313760" cy="2698920"/>
           </a:xfrm>
           <a:prstGeom prst="rect">
             <a:avLst/>
@@ -2275,7 +2270,7 @@
       </p:sp>
       <p:sp>
         <p:nvSpPr>
-          <p:cNvPr id="311" name="PlaceHolder 3"/>
+          <p:cNvPr id="316" name="PlaceHolder 3"/>
           <p:cNvSpPr>
             <a:spLocks noGrp="1"/>
           </p:cNvSpPr>
@@ -2286,7 +2281,7 @@
         <p:spPr>
           <a:xfrm>
             <a:off x="5179680" y="6513840"/>
-            <a:ext cx="3961080" cy="343080"/>
+            <a:ext cx="3960720" cy="342720"/>
           </a:xfrm>
           <a:prstGeom prst="rect">
             <a:avLst/>
@@ -2322,7 +2317,7 @@
               </a:lnSpc>
               <a:buNone/>
             </a:pPr>
-            <a:fld id="{B514AA39-2945-4C4A-837B-8120218BE437}" type="slidenum">
+            <a:fld id="{391D57E5-E501-4C81-9257-DF802AB02ED8}" type="slidenum">
               <a:rPr b="0" lang="ru-RU" sz="1200" spc="-1" strike="noStrike">
                 <a:solidFill>
                   <a:srgbClr val="000000"/>
@@ -2330,7 +2325,7 @@
                 <a:latin typeface="+mn-lt"/>
                 <a:ea typeface="+mn-ea"/>
               </a:rPr>
-              <a:t>&lt;номер&gt;</a:t>
+              <a:t>15</a:t>
             </a:fld>
             <a:endParaRPr b="0" lang="ru-RU" sz="1200" spc="-1" strike="noStrike">
               <a:latin typeface="Times New Roman"/>
@@ -2362,7 +2357,7 @@
       </p:grpSpPr>
       <p:sp>
         <p:nvSpPr>
-          <p:cNvPr id="312" name="PlaceHolder 1"/>
+          <p:cNvPr id="317" name="PlaceHolder 1"/>
           <p:cNvSpPr>
             <a:spLocks noGrp="1"/>
           </p:cNvSpPr>
@@ -2373,19 +2368,19 @@
         <p:spPr>
           <a:xfrm>
             <a:off x="914400" y="857160"/>
-            <a:ext cx="7314120" cy="2313720"/>
-          </a:xfrm>
-          <a:prstGeom prst="rect">
-            <a:avLst/>
-          </a:prstGeom>
-          <a:ln w="0">
-            <a:noFill/>
-          </a:ln>
-        </p:spPr>
-      </p:sp>
-      <p:sp>
-        <p:nvSpPr>
-          <p:cNvPr id="313" name="PlaceHolder 2"/>
+            <a:ext cx="7313760" cy="2313360"/>
+          </a:xfrm>
+          <a:prstGeom prst="rect">
+            <a:avLst/>
+          </a:prstGeom>
+          <a:ln w="0">
+            <a:noFill/>
+          </a:ln>
+        </p:spPr>
+      </p:sp>
+      <p:sp>
+        <p:nvSpPr>
+          <p:cNvPr id="318" name="PlaceHolder 2"/>
           <p:cNvSpPr>
             <a:spLocks noGrp="1"/>
           </p:cNvSpPr>
@@ -2396,7 +2391,7 @@
         <p:spPr>
           <a:xfrm>
             <a:off x="914400" y="3300480"/>
-            <a:ext cx="7314120" cy="2699280"/>
+            <a:ext cx="7313760" cy="2698920"/>
           </a:xfrm>
           <a:prstGeom prst="rect">
             <a:avLst/>
@@ -2470,7 +2465,7 @@
       </p:sp>
       <p:sp>
         <p:nvSpPr>
-          <p:cNvPr id="314" name="PlaceHolder 3"/>
+          <p:cNvPr id="319" name="PlaceHolder 3"/>
           <p:cNvSpPr>
             <a:spLocks noGrp="1"/>
           </p:cNvSpPr>
@@ -2481,7 +2476,7 @@
         <p:spPr>
           <a:xfrm>
             <a:off x="5179680" y="6513840"/>
-            <a:ext cx="3961080" cy="343080"/>
+            <a:ext cx="3960720" cy="342720"/>
           </a:xfrm>
           <a:prstGeom prst="rect">
             <a:avLst/>
@@ -2517,7 +2512,7 @@
               </a:lnSpc>
               <a:buNone/>
             </a:pPr>
-            <a:fld id="{BF71D39C-4222-4A52-985D-CDCE979CBF96}" type="slidenum">
+            <a:fld id="{1988A541-4388-45DB-81DF-9521AA020ECC}" type="slidenum">
               <a:rPr b="0" lang="ru-RU" sz="1200" spc="-1" strike="noStrike">
                 <a:solidFill>
                   <a:srgbClr val="000000"/>
@@ -2525,7 +2520,7 @@
                 <a:latin typeface="+mn-lt"/>
                 <a:ea typeface="+mn-ea"/>
               </a:rPr>
-              <a:t>&lt;номер&gt;</a:t>
+              <a:t>15</a:t>
             </a:fld>
             <a:endParaRPr b="0" lang="ru-RU" sz="1200" spc="-1" strike="noStrike">
               <a:latin typeface="Times New Roman"/>
@@ -2557,7 +2552,7 @@
       </p:grpSpPr>
       <p:sp>
         <p:nvSpPr>
-          <p:cNvPr id="315" name="PlaceHolder 1"/>
+          <p:cNvPr id="320" name="PlaceHolder 1"/>
           <p:cNvSpPr>
             <a:spLocks noGrp="1"/>
           </p:cNvSpPr>
@@ -2568,19 +2563,19 @@
         <p:spPr>
           <a:xfrm>
             <a:off x="914400" y="857160"/>
-            <a:ext cx="7314120" cy="2313720"/>
-          </a:xfrm>
-          <a:prstGeom prst="rect">
-            <a:avLst/>
-          </a:prstGeom>
-          <a:ln w="0">
-            <a:noFill/>
-          </a:ln>
-        </p:spPr>
-      </p:sp>
-      <p:sp>
-        <p:nvSpPr>
-          <p:cNvPr id="316" name="PlaceHolder 2"/>
+            <a:ext cx="7313760" cy="2313360"/>
+          </a:xfrm>
+          <a:prstGeom prst="rect">
+            <a:avLst/>
+          </a:prstGeom>
+          <a:ln w="0">
+            <a:noFill/>
+          </a:ln>
+        </p:spPr>
+      </p:sp>
+      <p:sp>
+        <p:nvSpPr>
+          <p:cNvPr id="321" name="PlaceHolder 2"/>
           <p:cNvSpPr>
             <a:spLocks noGrp="1"/>
           </p:cNvSpPr>
@@ -2591,7 +2586,7 @@
         <p:spPr>
           <a:xfrm>
             <a:off x="914400" y="3300480"/>
-            <a:ext cx="7314120" cy="2699280"/>
+            <a:ext cx="7313760" cy="2698920"/>
           </a:xfrm>
           <a:prstGeom prst="rect">
             <a:avLst/>
@@ -2606,6 +2601,57 @@
             <a:noAutofit/>
           </a:bodyPr>
           <a:p>
+            <a:pPr marL="216000" indent="-216000">
+              <a:lnSpc>
+                <a:spcPct val="100000"/>
+              </a:lnSpc>
+              <a:buNone/>
+              <a:tabLst>
+                <a:tab algn="l" pos="0"/>
+              </a:tabLst>
+            </a:pPr>
+            <a:r>
+              <a:rPr b="0" lang="ru-RU" sz="2000" spc="-1" strike="noStrike">
+                <a:latin typeface="Arial"/>
+              </a:rPr>
+              <a:t>Будет продемонстрирована возможность отправки сообщений в </a:t>
+            </a:r>
+            <a:r>
+              <a:rPr b="0" lang="en-US" sz="2000" spc="-1" strike="noStrike">
+                <a:latin typeface="Arial"/>
+              </a:rPr>
+              <a:t>RMQ </a:t>
+            </a:r>
+            <a:r>
+              <a:rPr b="0" lang="ru-RU" sz="2000" spc="-1" strike="noStrike">
+                <a:latin typeface="Arial"/>
+              </a:rPr>
+              <a:t>на примере консольного приложения на .</a:t>
+            </a:r>
+            <a:r>
+              <a:rPr b="0" lang="en-US" sz="2000" spc="-1" strike="noStrike">
+                <a:latin typeface="Arial"/>
+              </a:rPr>
+              <a:t>Net</a:t>
+            </a:r>
+            <a:r>
+              <a:rPr b="0" lang="ru-RU" sz="2000" spc="-1" strike="noStrike">
+                <a:latin typeface="Arial"/>
+              </a:rPr>
+              <a:t>. Также будут показаны возможности маршрутизации сообщений в </a:t>
+            </a:r>
+            <a:r>
+              <a:rPr b="0" lang="en-US" sz="2000" spc="-1" strike="noStrike">
+                <a:latin typeface="Arial"/>
+              </a:rPr>
+              <a:t>exchange</a:t>
+            </a:r>
+            <a:r>
+              <a:rPr b="0" lang="ru-RU" sz="2000" spc="-1" strike="noStrike">
+                <a:latin typeface="Arial"/>
+              </a:rPr>
+              <a:t>, описанные выше.</a:t>
+            </a:r>
             <a:endParaRPr b="0" lang="ru-RU" sz="2000" spc="-1" strike="noStrike">
               <a:latin typeface="Arial"/>
             </a:endParaRPr>
@@ -2614,7 +2660,7 @@
       </p:sp>
       <p:sp>
         <p:nvSpPr>
-          <p:cNvPr id="317" name="PlaceHolder 3"/>
+          <p:cNvPr id="322" name="PlaceHolder 3"/>
           <p:cNvSpPr>
             <a:spLocks noGrp="1"/>
           </p:cNvSpPr>
@@ -2625,7 +2671,7 @@
         <p:spPr>
           <a:xfrm>
             <a:off x="5179680" y="6513840"/>
-            <a:ext cx="3961080" cy="343080"/>
+            <a:ext cx="3960720" cy="342720"/>
           </a:xfrm>
           <a:prstGeom prst="rect">
             <a:avLst/>
@@ -2661,7 +2707,151 @@
               </a:lnSpc>
               <a:buNone/>
             </a:pPr>
-            <a:fld id="{01096CC6-E9DB-4C8C-B94C-7221904C0112}" type="slidenum">
+            <a:fld id="{75FACDF1-E8C1-4DBC-AAEE-D43C08A89755}" type="slidenum">
+              <a:rPr b="0" lang="ru-RU" sz="1200" spc="-1" strike="noStrike">
+                <a:solidFill>
+                  <a:srgbClr val="000000"/>
+                </a:solidFill>
+                <a:latin typeface="+mn-lt"/>
+                <a:ea typeface="+mn-ea"/>
+              </a:rPr>
+              <a:t>&lt;номер&gt;</a:t>
+            </a:fld>
+            <a:endParaRPr b="0" lang="ru-RU" sz="1200" spc="-1" strike="noStrike">
+              <a:latin typeface="Times New Roman"/>
+            </a:endParaRPr>
+          </a:p>
+        </p:txBody>
+      </p:sp>
+    </p:spTree>
+  </p:cSld>
+</p:notes>
+</file>
+
+<file path=ppt/notesSlides/notesSlide19.xml><?xml version="1.0" encoding="utf-8"?>
+<p:notes xmlns:a="http://schemas.openxmlformats.org/drawingml/2006/main" xmlns:p="http://schemas.openxmlformats.org/presentationml/2006/main" xmlns:r="http://schemas.openxmlformats.org/officeDocument/2006/relationships" xmlns:p14="http://schemas.microsoft.com/office/powerpoint/2010/main" xmlns:p15="http://schemas.microsoft.com/office/powerpoint/2012/main" xmlns:mc="http://schemas.openxmlformats.org/markup-compatibility/2006">
+  <p:cSld>
+    <p:spTree>
+      <p:nvGrpSpPr>
+        <p:cNvPr id="1" name=""/>
+        <p:cNvGrpSpPr/>
+        <p:nvPr/>
+      </p:nvGrpSpPr>
+      <p:grpSpPr>
+        <a:xfrm>
+          <a:off x="0" y="0"/>
+          <a:ext cx="0" cy="0"/>
+          <a:chOff x="0" y="0"/>
+          <a:chExt cx="0" cy="0"/>
+        </a:xfrm>
+      </p:grpSpPr>
+      <p:sp>
+        <p:nvSpPr>
+          <p:cNvPr id="323" name="PlaceHolder 1"/>
+          <p:cNvSpPr>
+            <a:spLocks noGrp="1"/>
+          </p:cNvSpPr>
+          <p:nvPr>
+            <p:ph type="sldImg"/>
+          </p:nvPr>
+        </p:nvSpPr>
+        <p:spPr>
+          <a:xfrm>
+            <a:off x="914400" y="857160"/>
+            <a:ext cx="7313760" cy="2313360"/>
+          </a:xfrm>
+          <a:prstGeom prst="rect">
+            <a:avLst/>
+          </a:prstGeom>
+          <a:ln w="0">
+            <a:noFill/>
+          </a:ln>
+        </p:spPr>
+      </p:sp>
+      <p:sp>
+        <p:nvSpPr>
+          <p:cNvPr id="324" name="PlaceHolder 2"/>
+          <p:cNvSpPr>
+            <a:spLocks noGrp="1"/>
+          </p:cNvSpPr>
+          <p:nvPr>
+            <p:ph type="body"/>
+          </p:nvPr>
+        </p:nvSpPr>
+        <p:spPr>
+          <a:xfrm>
+            <a:off x="914400" y="3300480"/>
+            <a:ext cx="7313760" cy="2698920"/>
+          </a:xfrm>
+          <a:prstGeom prst="rect">
+            <a:avLst/>
+          </a:prstGeom>
+          <a:noFill/>
+          <a:ln w="0">
+            <a:noFill/>
+          </a:ln>
+        </p:spPr>
+        <p:txBody>
+          <a:bodyPr lIns="0" rIns="0" tIns="0" bIns="0" anchor="t">
+            <a:noAutofit/>
+          </a:bodyPr>
+          <a:p>
+            <a:endParaRPr b="0" lang="ru-RU" sz="2000" spc="-1" strike="noStrike">
+              <a:latin typeface="Arial"/>
+            </a:endParaRPr>
+          </a:p>
+        </p:txBody>
+      </p:sp>
+      <p:sp>
+        <p:nvSpPr>
+          <p:cNvPr id="325" name="PlaceHolder 3"/>
+          <p:cNvSpPr>
+            <a:spLocks noGrp="1"/>
+          </p:cNvSpPr>
+          <p:nvPr>
+            <p:ph type="sldNum" idx="31"/>
+          </p:nvPr>
+        </p:nvSpPr>
+        <p:spPr>
+          <a:xfrm>
+            <a:off x="5179680" y="6513840"/>
+            <a:ext cx="3960720" cy="342720"/>
+          </a:xfrm>
+          <a:prstGeom prst="rect">
+            <a:avLst/>
+          </a:prstGeom>
+          <a:noFill/>
+          <a:ln w="0">
+            <a:noFill/>
+          </a:ln>
+        </p:spPr>
+        <p:txBody>
+          <a:bodyPr lIns="0" rIns="0" tIns="0" bIns="0" anchor="b">
+            <a:noAutofit/>
+          </a:bodyPr>
+          <a:lstStyle>
+            <a:lvl1pPr algn="r">
+              <a:lnSpc>
+                <a:spcPct val="100000"/>
+              </a:lnSpc>
+              <a:buNone/>
+              <a:defRPr b="0" lang="ru-RU" sz="1200" spc="-1" strike="noStrike">
+                <a:solidFill>
+                  <a:srgbClr val="000000"/>
+                </a:solidFill>
+                <a:latin typeface="+mn-lt"/>
+                <a:ea typeface="+mn-ea"/>
+              </a:defRPr>
+            </a:lvl1pPr>
+          </a:lstStyle>
+          <a:p>
+            <a:pPr algn="r">
+              <a:lnSpc>
+                <a:spcPct val="100000"/>
+              </a:lnSpc>
+              <a:buNone/>
+            </a:pPr>
+            <a:fld id="{291A9CD6-E263-42DB-BCDF-9828131F4C0F}" type="slidenum">
               <a:rPr b="0" lang="ru-RU" sz="1200" spc="-1" strike="noStrike">
                 <a:solidFill>
                   <a:srgbClr val="000000"/>
@@ -2701,7 +2891,7 @@
       </p:grpSpPr>
       <p:sp>
         <p:nvSpPr>
-          <p:cNvPr id="284" name="PlaceHolder 1"/>
+          <p:cNvPr id="289" name="PlaceHolder 1"/>
           <p:cNvSpPr>
             <a:spLocks noGrp="1"/>
           </p:cNvSpPr>
@@ -2712,7 +2902,7 @@
         <p:spPr>
           <a:xfrm>
             <a:off x="914400" y="3300480"/>
-            <a:ext cx="7314120" cy="2699280"/>
+            <a:ext cx="7313760" cy="2698920"/>
           </a:xfrm>
           <a:prstGeom prst="rect">
             <a:avLst/>
@@ -2824,7 +3014,7 @@
       </p:sp>
       <p:sp>
         <p:nvSpPr>
-          <p:cNvPr id="285" name="PlaceHolder 2"/>
+          <p:cNvPr id="290" name="PlaceHolder 2"/>
           <p:cNvSpPr>
             <a:spLocks noGrp="1"/>
           </p:cNvSpPr>
@@ -2835,7 +3025,7 @@
         <p:spPr>
           <a:xfrm>
             <a:off x="5179680" y="6513840"/>
-            <a:ext cx="3961080" cy="343080"/>
+            <a:ext cx="3960720" cy="342720"/>
           </a:xfrm>
           <a:prstGeom prst="rect">
             <a:avLst/>
@@ -2871,7 +3061,7 @@
               </a:lnSpc>
               <a:buNone/>
             </a:pPr>
-            <a:fld id="{E1DBABD4-15DC-4035-8249-1F6AA99A929E}" type="slidenum">
+            <a:fld id="{84A735F8-5A4B-45A6-8741-A424829B362F}" type="slidenum">
               <a:rPr b="0" lang="ru-RU" sz="1200" spc="-1" strike="noStrike">
                 <a:solidFill>
                   <a:srgbClr val="000000"/>
@@ -2911,7 +3101,7 @@
       </p:grpSpPr>
       <p:sp>
         <p:nvSpPr>
-          <p:cNvPr id="286" name="PlaceHolder 1"/>
+          <p:cNvPr id="291" name="PlaceHolder 1"/>
           <p:cNvSpPr>
             <a:spLocks noGrp="1"/>
           </p:cNvSpPr>
@@ -2922,19 +3112,19 @@
         <p:spPr>
           <a:xfrm>
             <a:off x="507960" y="520920"/>
-            <a:ext cx="8126640" cy="2570760"/>
-          </a:xfrm>
-          <a:prstGeom prst="rect">
-            <a:avLst/>
-          </a:prstGeom>
-          <a:ln w="0">
-            <a:noFill/>
-          </a:ln>
-        </p:spPr>
-      </p:sp>
-      <p:sp>
-        <p:nvSpPr>
-          <p:cNvPr id="287" name="PlaceHolder 2"/>
+            <a:ext cx="8126280" cy="2570400"/>
+          </a:xfrm>
+          <a:prstGeom prst="rect">
+            <a:avLst/>
+          </a:prstGeom>
+          <a:ln w="0">
+            <a:noFill/>
+          </a:ln>
+        </p:spPr>
+      </p:sp>
+      <p:sp>
+        <p:nvSpPr>
+          <p:cNvPr id="292" name="PlaceHolder 2"/>
           <p:cNvSpPr>
             <a:spLocks noGrp="1"/>
           </p:cNvSpPr>
@@ -2945,7 +3135,7 @@
         <p:spPr>
           <a:xfrm>
             <a:off x="914400" y="3257280"/>
-            <a:ext cx="7314120" cy="3085200"/>
+            <a:ext cx="7313760" cy="3084840"/>
           </a:xfrm>
           <a:prstGeom prst="rect">
             <a:avLst/>
@@ -3019,7 +3209,7 @@
       </p:grpSpPr>
       <p:sp>
         <p:nvSpPr>
-          <p:cNvPr id="288" name="PlaceHolder 1"/>
+          <p:cNvPr id="293" name="PlaceHolder 1"/>
           <p:cNvSpPr>
             <a:spLocks noGrp="1"/>
           </p:cNvSpPr>
@@ -3030,19 +3220,19 @@
         <p:spPr>
           <a:xfrm>
             <a:off x="914400" y="857160"/>
-            <a:ext cx="7314120" cy="2313720"/>
-          </a:xfrm>
-          <a:prstGeom prst="rect">
-            <a:avLst/>
-          </a:prstGeom>
-          <a:ln w="0">
-            <a:noFill/>
-          </a:ln>
-        </p:spPr>
-      </p:sp>
-      <p:sp>
-        <p:nvSpPr>
-          <p:cNvPr id="289" name="PlaceHolder 2"/>
+            <a:ext cx="7313760" cy="2313360"/>
+          </a:xfrm>
+          <a:prstGeom prst="rect">
+            <a:avLst/>
+          </a:prstGeom>
+          <a:ln w="0">
+            <a:noFill/>
+          </a:ln>
+        </p:spPr>
+      </p:sp>
+      <p:sp>
+        <p:nvSpPr>
+          <p:cNvPr id="294" name="PlaceHolder 2"/>
           <p:cNvSpPr>
             <a:spLocks noGrp="1"/>
           </p:cNvSpPr>
@@ -3053,7 +3243,7 @@
         <p:spPr>
           <a:xfrm>
             <a:off x="914400" y="3300480"/>
-            <a:ext cx="7314120" cy="2699280"/>
+            <a:ext cx="7313760" cy="2698920"/>
           </a:xfrm>
           <a:prstGeom prst="rect">
             <a:avLst/>
@@ -3076,7 +3266,7 @@
       </p:sp>
       <p:sp>
         <p:nvSpPr>
-          <p:cNvPr id="290" name="PlaceHolder 3"/>
+          <p:cNvPr id="295" name="PlaceHolder 3"/>
           <p:cNvSpPr>
             <a:spLocks noGrp="1"/>
           </p:cNvSpPr>
@@ -3087,7 +3277,7 @@
         <p:spPr>
           <a:xfrm>
             <a:off x="5179680" y="6513840"/>
-            <a:ext cx="3961080" cy="343080"/>
+            <a:ext cx="3960720" cy="342720"/>
           </a:xfrm>
           <a:prstGeom prst="rect">
             <a:avLst/>
@@ -3123,7 +3313,7 @@
               </a:lnSpc>
               <a:buNone/>
             </a:pPr>
-            <a:fld id="{303AF044-2E73-40B8-BAF6-0AFC68DD24DF}" type="slidenum">
+            <a:fld id="{56D59EB4-AEC0-4BF9-A96E-585ECC2F4F20}" type="slidenum">
               <a:rPr b="0" lang="ru-RU" sz="1200" spc="-1" strike="noStrike">
                 <a:solidFill>
                   <a:srgbClr val="000000"/>
@@ -3163,7 +3353,7 @@
       </p:grpSpPr>
       <p:sp>
         <p:nvSpPr>
-          <p:cNvPr id="291" name="PlaceHolder 1"/>
+          <p:cNvPr id="296" name="PlaceHolder 1"/>
           <p:cNvSpPr>
             <a:spLocks noGrp="1"/>
           </p:cNvSpPr>
@@ -3174,19 +3364,19 @@
         <p:spPr>
           <a:xfrm>
             <a:off x="914400" y="857160"/>
-            <a:ext cx="7314120" cy="2313720"/>
-          </a:xfrm>
-          <a:prstGeom prst="rect">
-            <a:avLst/>
-          </a:prstGeom>
-          <a:ln w="0">
-            <a:noFill/>
-          </a:ln>
-        </p:spPr>
-      </p:sp>
-      <p:sp>
-        <p:nvSpPr>
-          <p:cNvPr id="292" name="PlaceHolder 2"/>
+            <a:ext cx="7313760" cy="2313360"/>
+          </a:xfrm>
+          <a:prstGeom prst="rect">
+            <a:avLst/>
+          </a:prstGeom>
+          <a:ln w="0">
+            <a:noFill/>
+          </a:ln>
+        </p:spPr>
+      </p:sp>
+      <p:sp>
+        <p:nvSpPr>
+          <p:cNvPr id="297" name="PlaceHolder 2"/>
           <p:cNvSpPr>
             <a:spLocks noGrp="1"/>
           </p:cNvSpPr>
@@ -3197,7 +3387,7 @@
         <p:spPr>
           <a:xfrm>
             <a:off x="914400" y="3300480"/>
-            <a:ext cx="7314120" cy="2699280"/>
+            <a:ext cx="7313760" cy="2698920"/>
           </a:xfrm>
           <a:prstGeom prst="rect">
             <a:avLst/>
@@ -3220,7 +3410,7 @@
       </p:sp>
       <p:sp>
         <p:nvSpPr>
-          <p:cNvPr id="293" name="PlaceHolder 3"/>
+          <p:cNvPr id="298" name="PlaceHolder 3"/>
           <p:cNvSpPr>
             <a:spLocks noGrp="1"/>
           </p:cNvSpPr>
@@ -3231,7 +3421,7 @@
         <p:spPr>
           <a:xfrm>
             <a:off x="5179680" y="6513840"/>
-            <a:ext cx="3961080" cy="343080"/>
+            <a:ext cx="3960720" cy="342720"/>
           </a:xfrm>
           <a:prstGeom prst="rect">
             <a:avLst/>
@@ -3267,7 +3457,7 @@
               </a:lnSpc>
               <a:buNone/>
             </a:pPr>
-            <a:fld id="{7531160D-CD94-41C0-B485-8446877E6E66}" type="slidenum">
+            <a:fld id="{13965FBE-65B2-4EF1-8644-9C328A3E5CC3}" type="slidenum">
               <a:rPr b="0" lang="ru-RU" sz="1200" spc="-1" strike="noStrike">
                 <a:solidFill>
                   <a:srgbClr val="000000"/>
@@ -3307,7 +3497,7 @@
       </p:grpSpPr>
       <p:sp>
         <p:nvSpPr>
-          <p:cNvPr id="294" name="PlaceHolder 1"/>
+          <p:cNvPr id="299" name="PlaceHolder 1"/>
           <p:cNvSpPr>
             <a:spLocks noGrp="1"/>
           </p:cNvSpPr>
@@ -3318,19 +3508,19 @@
         <p:spPr>
           <a:xfrm>
             <a:off x="914400" y="857160"/>
-            <a:ext cx="7314120" cy="2313720"/>
-          </a:xfrm>
-          <a:prstGeom prst="rect">
-            <a:avLst/>
-          </a:prstGeom>
-          <a:ln w="0">
-            <a:noFill/>
-          </a:ln>
-        </p:spPr>
-      </p:sp>
-      <p:sp>
-        <p:nvSpPr>
-          <p:cNvPr id="295" name="PlaceHolder 2"/>
+            <a:ext cx="7313760" cy="2313360"/>
+          </a:xfrm>
+          <a:prstGeom prst="rect">
+            <a:avLst/>
+          </a:prstGeom>
+          <a:ln w="0">
+            <a:noFill/>
+          </a:ln>
+        </p:spPr>
+      </p:sp>
+      <p:sp>
+        <p:nvSpPr>
+          <p:cNvPr id="300" name="PlaceHolder 2"/>
           <p:cNvSpPr>
             <a:spLocks noGrp="1"/>
           </p:cNvSpPr>
@@ -3341,7 +3531,7 @@
         <p:spPr>
           <a:xfrm>
             <a:off x="914400" y="3300480"/>
-            <a:ext cx="7314120" cy="2699280"/>
+            <a:ext cx="7313760" cy="2698920"/>
           </a:xfrm>
           <a:prstGeom prst="rect">
             <a:avLst/>
@@ -3364,7 +3554,7 @@
       </p:sp>
       <p:sp>
         <p:nvSpPr>
-          <p:cNvPr id="296" name="PlaceHolder 3"/>
+          <p:cNvPr id="301" name="PlaceHolder 3"/>
           <p:cNvSpPr>
             <a:spLocks noGrp="1"/>
           </p:cNvSpPr>
@@ -3375,7 +3565,7 @@
         <p:spPr>
           <a:xfrm>
             <a:off x="5179680" y="6513840"/>
-            <a:ext cx="3961080" cy="343080"/>
+            <a:ext cx="3960720" cy="342720"/>
           </a:xfrm>
           <a:prstGeom prst="rect">
             <a:avLst/>
@@ -3411,7 +3601,7 @@
               </a:lnSpc>
               <a:buNone/>
             </a:pPr>
-            <a:fld id="{9B02C0DB-DE5F-44B8-AE29-689AFC6F8C11}" type="slidenum">
+            <a:fld id="{2D296CC3-A185-4336-A33C-9777C36A2602}" type="slidenum">
               <a:rPr b="0" lang="ru-RU" sz="1200" spc="-1" strike="noStrike">
                 <a:solidFill>
                   <a:srgbClr val="000000"/>
@@ -3483,7 +3673,7 @@
         <p:txBody>
           <a:bodyPr/>
           <a:p>
-            <a:fld id="{CF768FD4-EFFA-4730-B3D7-F312E64857D6}" type="slidenum">
+            <a:fld id="{52A546BE-D93C-4DB5-AAC4-F88FC592C43B}" type="slidenum">
               <a:t>&lt;#&gt;</a:t>
             </a:fld>
           </a:p>
@@ -3671,7 +3861,7 @@
         <p:txBody>
           <a:bodyPr/>
           <a:p>
-            <a:fld id="{6A43EEB6-A3A8-47BC-89A9-66C4899C595E}" type="slidenum">
+            <a:fld id="{934FD5CA-14E2-4D6B-B7BB-6EB280172F79}" type="slidenum">
               <a:t>&lt;#&gt;</a:t>
             </a:fld>
           </a:p>
@@ -3927,7 +4117,7 @@
         <p:txBody>
           <a:bodyPr/>
           <a:p>
-            <a:fld id="{FABCAC63-30D5-4EC9-866E-ACD1E1F22C23}" type="slidenum">
+            <a:fld id="{F5CC4BD3-5FF3-4550-B562-DCA36822007A}" type="slidenum">
               <a:t>&lt;#&gt;</a:t>
             </a:fld>
           </a:p>
@@ -4251,7 +4441,7 @@
         <p:txBody>
           <a:bodyPr/>
           <a:p>
-            <a:fld id="{FC202E04-0DC0-4091-A96D-CAEE66C5923F}" type="slidenum">
+            <a:fld id="{1C277AF5-ED6E-45FA-B2BC-196BEFC3DD07}" type="slidenum">
               <a:t>&lt;#&gt;</a:t>
             </a:fld>
           </a:p>
@@ -4334,7 +4524,7 @@
         <p:txBody>
           <a:bodyPr/>
           <a:p>
-            <a:fld id="{3D005A92-969F-4EEB-8737-F9040BC9E162}" type="slidenum">
+            <a:fld id="{34CAC453-79FD-4EB2-8E06-B9BFE0D74314}" type="slidenum">
               <a:t>&lt;#&gt;</a:t>
             </a:fld>
           </a:p>
@@ -4491,7 +4681,7 @@
         <p:txBody>
           <a:bodyPr/>
           <a:p>
-            <a:fld id="{045E8941-C17D-46C9-B404-233F44DF4F40}" type="slidenum">
+            <a:fld id="{AD5E2215-599E-410E-858A-C8ACC9C28C08}" type="slidenum">
               <a:t>&lt;#&gt;</a:t>
             </a:fld>
           </a:p>
@@ -4645,7 +4835,7 @@
         <p:txBody>
           <a:bodyPr/>
           <a:p>
-            <a:fld id="{85E93D51-1B20-4446-8F45-C0032EA49E62}" type="slidenum">
+            <a:fld id="{2A468EED-371A-45C9-8D42-50C16514B75B}" type="slidenum">
               <a:t>&lt;#&gt;</a:t>
             </a:fld>
           </a:p>
@@ -4833,7 +5023,7 @@
         <p:txBody>
           <a:bodyPr/>
           <a:p>
-            <a:fld id="{858D0D69-3F7C-415F-A02F-757CC0A77625}" type="slidenum">
+            <a:fld id="{A56A103D-0AAA-487A-9351-B85480AB66D4}" type="slidenum">
               <a:t>&lt;#&gt;</a:t>
             </a:fld>
           </a:p>
@@ -4953,7 +5143,7 @@
         <p:txBody>
           <a:bodyPr/>
           <a:p>
-            <a:fld id="{33436A8C-9ED7-4D86-AB35-A02AC1CE45B5}" type="slidenum">
+            <a:fld id="{757CD7F4-8312-467E-9C97-56130FD86A1E}" type="slidenum">
               <a:t>&lt;#&gt;</a:t>
             </a:fld>
           </a:p>
@@ -5073,7 +5263,7 @@
         <p:txBody>
           <a:bodyPr/>
           <a:p>
-            <a:fld id="{C75313A3-5C87-46E4-8E50-18DFF44E00C3}" type="slidenum">
+            <a:fld id="{C57FAEC1-DC39-43A5-8A45-AAB8E1AD2E8E}" type="slidenum">
               <a:t>&lt;#&gt;</a:t>
             </a:fld>
           </a:p>
@@ -5295,7 +5485,7 @@
         <p:txBody>
           <a:bodyPr/>
           <a:p>
-            <a:fld id="{1F1533D8-2E02-4FBB-A1D4-9B51E00E98F3}" type="slidenum">
+            <a:fld id="{01EA52B3-4E1C-4067-AD62-ABE043669344}" type="slidenum">
               <a:t>&lt;#&gt;</a:t>
             </a:fld>
           </a:p>
@@ -5452,7 +5642,7 @@
         <p:txBody>
           <a:bodyPr/>
           <a:p>
-            <a:fld id="{4E77BC93-5484-400F-8F12-BE2FF4751683}" type="slidenum">
+            <a:fld id="{BCF7507A-4D9C-4626-A177-71E4221A9C84}" type="slidenum">
               <a:t>&lt;#&gt;</a:t>
             </a:fld>
           </a:p>
@@ -5674,7 +5864,7 @@
         <p:txBody>
           <a:bodyPr/>
           <a:p>
-            <a:fld id="{B838465C-CABF-4365-9904-64F82D5C3C5A}" type="slidenum">
+            <a:fld id="{21800ECB-4796-4A0E-A4D3-015C5C148B01}" type="slidenum">
               <a:t>&lt;#&gt;</a:t>
             </a:fld>
           </a:p>
@@ -5896,7 +6086,7 @@
         <p:txBody>
           <a:bodyPr/>
           <a:p>
-            <a:fld id="{9FB63476-E941-481A-BEB5-2ED8D1724346}" type="slidenum">
+            <a:fld id="{B6AD0177-3FDE-423E-9112-3067BB7DAAD4}" type="slidenum">
               <a:t>&lt;#&gt;</a:t>
             </a:fld>
           </a:p>
@@ -6084,7 +6274,7 @@
         <p:txBody>
           <a:bodyPr/>
           <a:p>
-            <a:fld id="{D555E537-DBAD-42FF-B376-C1B352E15C9D}" type="slidenum">
+            <a:fld id="{C7653F83-620D-46C8-AE42-73F420A2FD21}" type="slidenum">
               <a:t>&lt;#&gt;</a:t>
             </a:fld>
           </a:p>
@@ -6340,7 +6530,7 @@
         <p:txBody>
           <a:bodyPr/>
           <a:p>
-            <a:fld id="{9FA549E6-DF01-429E-9737-D421A2AD5652}" type="slidenum">
+            <a:fld id="{9613FF9E-709F-4278-B245-65295CCF5A24}" type="slidenum">
               <a:t>&lt;#&gt;</a:t>
             </a:fld>
           </a:p>
@@ -6664,7 +6854,7 @@
         <p:txBody>
           <a:bodyPr/>
           <a:p>
-            <a:fld id="{BB65F7EF-6524-4BCC-B502-F67B7CAC0E47}" type="slidenum">
+            <a:fld id="{0A8D3132-4F24-4C69-A5D4-878BECB29952}" type="slidenum">
               <a:t>&lt;#&gt;</a:t>
             </a:fld>
           </a:p>
@@ -6747,7 +6937,7 @@
         <p:txBody>
           <a:bodyPr/>
           <a:p>
-            <a:fld id="{E59530D9-6CD0-445E-9347-2920A5B80C09}" type="slidenum">
+            <a:fld id="{37D88E8B-5EE4-4249-9016-C5D8CFE483AF}" type="slidenum">
               <a:t>&lt;#&gt;</a:t>
             </a:fld>
           </a:p>
@@ -6904,7 +7094,7 @@
         <p:txBody>
           <a:bodyPr/>
           <a:p>
-            <a:fld id="{A3A8DC6F-B3A3-4658-9632-D1F1E58F0F8A}" type="slidenum">
+            <a:fld id="{89A0AD38-30C3-4FBB-A321-B88B8327514C}" type="slidenum">
               <a:t>&lt;#&gt;</a:t>
             </a:fld>
           </a:p>
@@ -7058,7 +7248,7 @@
         <p:txBody>
           <a:bodyPr/>
           <a:p>
-            <a:fld id="{730B922B-A566-4CB2-ABFD-35A5A17075B5}" type="slidenum">
+            <a:fld id="{4362CB87-43F4-4FAD-B6E4-1EB6132B2E02}" type="slidenum">
               <a:t>&lt;#&gt;</a:t>
             </a:fld>
           </a:p>
@@ -7246,7 +7436,7 @@
         <p:txBody>
           <a:bodyPr/>
           <a:p>
-            <a:fld id="{10B48771-A370-471B-8FA2-7AB5D2DA7407}" type="slidenum">
+            <a:fld id="{1F216D3C-6579-4A21-9D11-D11BAF3743C8}" type="slidenum">
               <a:t>&lt;#&gt;</a:t>
             </a:fld>
           </a:p>
@@ -7366,7 +7556,7 @@
         <p:txBody>
           <a:bodyPr/>
           <a:p>
-            <a:fld id="{30821C5C-FC10-45B5-86B2-0ADDCABDBE20}" type="slidenum">
+            <a:fld id="{653A1FE7-FD55-48B4-AF51-120899E33688}" type="slidenum">
               <a:t>&lt;#&gt;</a:t>
             </a:fld>
           </a:p>
@@ -7520,7 +7710,7 @@
         <p:txBody>
           <a:bodyPr/>
           <a:p>
-            <a:fld id="{565F81EC-90CE-45FE-8B94-859353EDD829}" type="slidenum">
+            <a:fld id="{5C6DE454-4079-4528-92D2-25246CE4A235}" type="slidenum">
               <a:t>&lt;#&gt;</a:t>
             </a:fld>
           </a:p>
@@ -7640,7 +7830,7 @@
         <p:txBody>
           <a:bodyPr/>
           <a:p>
-            <a:fld id="{DD1370CD-2515-4BEF-902A-0F2679A90BCD}" type="slidenum">
+            <a:fld id="{FA9C7F63-F568-48A7-96BE-4C0F500C9D47}" type="slidenum">
               <a:t>&lt;#&gt;</a:t>
             </a:fld>
           </a:p>
@@ -7862,7 +8052,7 @@
         <p:txBody>
           <a:bodyPr/>
           <a:p>
-            <a:fld id="{743C2780-C55A-40F3-98E5-A6471F1DD81D}" type="slidenum">
+            <a:fld id="{2008E706-5E03-4288-954A-20E237EFB3C8}" type="slidenum">
               <a:t>&lt;#&gt;</a:t>
             </a:fld>
           </a:p>
@@ -8084,7 +8274,7 @@
         <p:txBody>
           <a:bodyPr/>
           <a:p>
-            <a:fld id="{C8ED1D4A-286F-4FB1-ACB5-8572EB074D0E}" type="slidenum">
+            <a:fld id="{96025681-930D-436E-9DA7-5E2E3B6D3725}" type="slidenum">
               <a:t>&lt;#&gt;</a:t>
             </a:fld>
           </a:p>
@@ -8306,7 +8496,7 @@
         <p:txBody>
           <a:bodyPr/>
           <a:p>
-            <a:fld id="{5BAB1775-955D-4067-82EA-ADE8CE777946}" type="slidenum">
+            <a:fld id="{1C04FE4B-95E2-45BB-94AE-0E68DFDD6038}" type="slidenum">
               <a:t>&lt;#&gt;</a:t>
             </a:fld>
           </a:p>
@@ -8494,7 +8684,7 @@
         <p:txBody>
           <a:bodyPr/>
           <a:p>
-            <a:fld id="{A323AC25-EDF3-4F9B-AF87-7F87580E4F6F}" type="slidenum">
+            <a:fld id="{7B90E373-BEBB-4C19-B6E5-47A158A5BE52}" type="slidenum">
               <a:t>&lt;#&gt;</a:t>
             </a:fld>
           </a:p>
@@ -8750,7 +8940,7 @@
         <p:txBody>
           <a:bodyPr/>
           <a:p>
-            <a:fld id="{ED456E19-0CFD-4BB1-8B01-191448191A43}" type="slidenum">
+            <a:fld id="{F0DBF581-1658-4FE8-A24D-DEFC2C4039CE}" type="slidenum">
               <a:t>&lt;#&gt;</a:t>
             </a:fld>
           </a:p>
@@ -9074,7 +9264,7 @@
         <p:txBody>
           <a:bodyPr/>
           <a:p>
-            <a:fld id="{1495919D-EB6F-447B-B9BF-F43B64D90DBA}" type="slidenum">
+            <a:fld id="{CDD58CA3-4573-4EDA-8906-3B4241B64C68}" type="slidenum">
               <a:t>&lt;#&gt;</a:t>
             </a:fld>
           </a:p>
@@ -9157,7 +9347,7 @@
         <p:txBody>
           <a:bodyPr/>
           <a:p>
-            <a:fld id="{DED4DBE5-005C-4CA4-8AE9-8B9AC33187C4}" type="slidenum">
+            <a:fld id="{9CC89E79-4CF2-4ADA-8FD6-840D39DE8DBC}" type="slidenum">
               <a:t>&lt;#&gt;</a:t>
             </a:fld>
           </a:p>
@@ -9314,7 +9504,7 @@
         <p:txBody>
           <a:bodyPr/>
           <a:p>
-            <a:fld id="{F7B05A9B-4C71-4CAD-9CF0-BBB30E58067E}" type="slidenum">
+            <a:fld id="{2D4551F3-FF4E-4A72-943F-F228074FCC8B}" type="slidenum">
               <a:t>&lt;#&gt;</a:t>
             </a:fld>
           </a:p>
@@ -9468,7 +9658,7 @@
         <p:txBody>
           <a:bodyPr/>
           <a:p>
-            <a:fld id="{7089EDEB-BA50-4A0B-A223-3481C0CDFF01}" type="slidenum">
+            <a:fld id="{F6DE681A-88BA-4B5B-9618-A4747BF3B499}" type="slidenum">
               <a:t>&lt;#&gt;</a:t>
             </a:fld>
           </a:p>
@@ -9656,7 +9846,7 @@
         <p:txBody>
           <a:bodyPr/>
           <a:p>
-            <a:fld id="{76337D73-7C62-4261-8410-BDF4D0ED6668}" type="slidenum">
+            <a:fld id="{22141DBB-5089-475A-B792-AA07DCC2D3DB}" type="slidenum">
               <a:t>&lt;#&gt;</a:t>
             </a:fld>
           </a:p>
@@ -9844,7 +10034,7 @@
         <p:txBody>
           <a:bodyPr/>
           <a:p>
-            <a:fld id="{263691FD-CD77-48A1-8A56-676ECA39D212}" type="slidenum">
+            <a:fld id="{2B80C0AF-E9DD-4D19-8412-E331DB1F50B3}" type="slidenum">
               <a:t>&lt;#&gt;</a:t>
             </a:fld>
           </a:p>
@@ -9964,7 +10154,7 @@
         <p:txBody>
           <a:bodyPr/>
           <a:p>
-            <a:fld id="{351584A3-77AE-4DDF-B663-E5F29EB92ED2}" type="slidenum">
+            <a:fld id="{886A6B8B-1B03-4ADF-BA00-37DF6E01CC9F}" type="slidenum">
               <a:t>&lt;#&gt;</a:t>
             </a:fld>
           </a:p>
@@ -10084,7 +10274,7 @@
         <p:txBody>
           <a:bodyPr/>
           <a:p>
-            <a:fld id="{4978232D-84CE-4A40-A01A-35F1EF534A2D}" type="slidenum">
+            <a:fld id="{A164355D-B033-4C5D-8FC5-8E6B75D7C767}" type="slidenum">
               <a:t>&lt;#&gt;</a:t>
             </a:fld>
           </a:p>
@@ -10306,7 +10496,7 @@
         <p:txBody>
           <a:bodyPr/>
           <a:p>
-            <a:fld id="{D8C0A16B-A94C-4D2A-8A6D-D55DDB915C3B}" type="slidenum">
+            <a:fld id="{447DE176-4ABF-4109-80FE-DCA2FCD99566}" type="slidenum">
               <a:t>&lt;#&gt;</a:t>
             </a:fld>
           </a:p>
@@ -10528,7 +10718,7 @@
         <p:txBody>
           <a:bodyPr/>
           <a:p>
-            <a:fld id="{999AE05F-97F7-49DF-9FC5-23E1F52618BC}" type="slidenum">
+            <a:fld id="{1A01A2B5-9999-47D4-B99B-8C1B267F1716}" type="slidenum">
               <a:t>&lt;#&gt;</a:t>
             </a:fld>
           </a:p>
@@ -10750,7 +10940,7 @@
         <p:txBody>
           <a:bodyPr/>
           <a:p>
-            <a:fld id="{53D9E4AD-FE38-485A-B30B-5AD8FF810F87}" type="slidenum">
+            <a:fld id="{9376F5D3-1843-4B35-A7E3-E95C6065F6BF}" type="slidenum">
               <a:t>&lt;#&gt;</a:t>
             </a:fld>
           </a:p>
@@ -10938,7 +11128,7 @@
         <p:txBody>
           <a:bodyPr/>
           <a:p>
-            <a:fld id="{CEA468FF-1454-4708-AA20-D40C2C3BA532}" type="slidenum">
+            <a:fld id="{9EC98263-894F-4904-9214-F56412D27811}" type="slidenum">
               <a:t>&lt;#&gt;</a:t>
             </a:fld>
           </a:p>
@@ -11194,7 +11384,7 @@
         <p:txBody>
           <a:bodyPr/>
           <a:p>
-            <a:fld id="{CA27FAD3-A33D-4972-ADDB-17FD72C9F638}" type="slidenum">
+            <a:fld id="{30191999-31B9-4D4D-A470-AE10407AED33}" type="slidenum">
               <a:t>&lt;#&gt;</a:t>
             </a:fld>
           </a:p>
@@ -11518,7 +11708,7 @@
         <p:txBody>
           <a:bodyPr/>
           <a:p>
-            <a:fld id="{FDD16AA7-677A-4AB3-86C6-DA1C01635101}" type="slidenum">
+            <a:fld id="{DA3AE254-ACE5-4393-82FF-FFC9B1B5965F}" type="slidenum">
               <a:t>&lt;#&gt;</a:t>
             </a:fld>
           </a:p>
@@ -11601,7 +11791,7 @@
         <p:txBody>
           <a:bodyPr/>
           <a:p>
-            <a:fld id="{05FA58A0-690E-44DA-8D0D-6A5E120358FC}" type="slidenum">
+            <a:fld id="{141660EE-505B-451E-B737-A5F6BBB7D68D}" type="slidenum">
               <a:t>&lt;#&gt;</a:t>
             </a:fld>
           </a:p>
@@ -11721,7 +11911,7 @@
         <p:txBody>
           <a:bodyPr/>
           <a:p>
-            <a:fld id="{FEA93BF3-4240-42FE-9277-CB71759628B0}" type="slidenum">
+            <a:fld id="{68DE22CD-5939-4EE1-9C97-1D5E9BE37805}" type="slidenum">
               <a:t>&lt;#&gt;</a:t>
             </a:fld>
           </a:p>
@@ -11878,7 +12068,7 @@
         <p:txBody>
           <a:bodyPr/>
           <a:p>
-            <a:fld id="{656B2507-89F3-4847-80F2-17775512BB16}" type="slidenum">
+            <a:fld id="{2A0C8441-8169-463A-B4FB-30A3EB993664}" type="slidenum">
               <a:t>&lt;#&gt;</a:t>
             </a:fld>
           </a:p>
@@ -12032,7 +12222,7 @@
         <p:txBody>
           <a:bodyPr/>
           <a:p>
-            <a:fld id="{C1C03AE3-D73D-465D-A2F5-8919F04CD646}" type="slidenum">
+            <a:fld id="{C79A637B-3BA3-4AFC-A92A-EEC897432DF9}" type="slidenum">
               <a:t>&lt;#&gt;</a:t>
             </a:fld>
           </a:p>
@@ -12220,7 +12410,7 @@
         <p:txBody>
           <a:bodyPr/>
           <a:p>
-            <a:fld id="{7641A451-6AF7-41AA-8F0A-31F6BCC9244F}" type="slidenum">
+            <a:fld id="{BB330EFE-3FD6-4FDF-B558-D3C9F342508E}" type="slidenum">
               <a:t>&lt;#&gt;</a:t>
             </a:fld>
           </a:p>
@@ -12340,7 +12530,7 @@
         <p:txBody>
           <a:bodyPr/>
           <a:p>
-            <a:fld id="{DB077BA2-4960-4E1C-970A-CA96BDE2D492}" type="slidenum">
+            <a:fld id="{3976992E-8309-420D-BE30-3F1A0236E118}" type="slidenum">
               <a:t>&lt;#&gt;</a:t>
             </a:fld>
           </a:p>
@@ -12460,7 +12650,7 @@
         <p:txBody>
           <a:bodyPr/>
           <a:p>
-            <a:fld id="{3795C14A-754D-4DB9-B140-E788BDC1F7FD}" type="slidenum">
+            <a:fld id="{C6730737-3FEC-4B23-92B2-BA70CC17AFD1}" type="slidenum">
               <a:t>&lt;#&gt;</a:t>
             </a:fld>
           </a:p>
@@ -12682,7 +12872,7 @@
         <p:txBody>
           <a:bodyPr/>
           <a:p>
-            <a:fld id="{25BF07F5-5EB2-4D5F-BA35-27D0ED6B4271}" type="slidenum">
+            <a:fld id="{1421837A-1290-4A47-82D3-914A4D8BCC7A}" type="slidenum">
               <a:t>&lt;#&gt;</a:t>
             </a:fld>
           </a:p>
@@ -12904,7 +13094,7 @@
         <p:txBody>
           <a:bodyPr/>
           <a:p>
-            <a:fld id="{D6FBD894-E7FC-4133-A9F1-442B7FEFA1D8}" type="slidenum">
+            <a:fld id="{053B8950-7E52-41B7-AD41-E31FE7461CBD}" type="slidenum">
               <a:t>&lt;#&gt;</a:t>
             </a:fld>
           </a:p>
@@ -13126,7 +13316,7 @@
         <p:txBody>
           <a:bodyPr/>
           <a:p>
-            <a:fld id="{91C62157-2DCC-46A3-811E-5F6C731B5FB4}" type="slidenum">
+            <a:fld id="{52CB1E5C-83AA-4A67-9985-09578517326C}" type="slidenum">
               <a:t>&lt;#&gt;</a:t>
             </a:fld>
           </a:p>
@@ -13314,7 +13504,7 @@
         <p:txBody>
           <a:bodyPr/>
           <a:p>
-            <a:fld id="{3FD0D907-6301-4689-BDA1-099694C832BB}" type="slidenum">
+            <a:fld id="{7A388C8A-FD91-4ED6-8907-1E75F5336D4D}" type="slidenum">
               <a:t>&lt;#&gt;</a:t>
             </a:fld>
           </a:p>
@@ -13570,7 +13760,7 @@
         <p:txBody>
           <a:bodyPr/>
           <a:p>
-            <a:fld id="{A644D4DB-70AA-429D-A5A3-09835394153D}" type="slidenum">
+            <a:fld id="{FBD3AB5B-0270-4D03-88A0-B0D507EB613B}" type="slidenum">
               <a:t>&lt;#&gt;</a:t>
             </a:fld>
           </a:p>
@@ -13690,7 +13880,7 @@
         <p:txBody>
           <a:bodyPr/>
           <a:p>
-            <a:fld id="{7440A0AA-4780-4B54-AB9D-735ED29169A6}" type="slidenum">
+            <a:fld id="{EDB2859E-89C6-4543-AA49-DF0ADBA8DA36}" type="slidenum">
               <a:t>&lt;#&gt;</a:t>
             </a:fld>
           </a:p>
@@ -14014,7 +14204,7 @@
         <p:txBody>
           <a:bodyPr/>
           <a:p>
-            <a:fld id="{1B060CB4-463D-4E05-ACF7-120601C3C854}" type="slidenum">
+            <a:fld id="{8C5725B7-1CA5-41AF-A63E-140BF8AFF6BC}" type="slidenum">
               <a:t>&lt;#&gt;</a:t>
             </a:fld>
           </a:p>
@@ -14236,7 +14426,7 @@
         <p:txBody>
           <a:bodyPr/>
           <a:p>
-            <a:fld id="{DB25B392-0D53-458C-8F4F-FF50321B97F3}" type="slidenum">
+            <a:fld id="{01C00656-EF18-4412-998A-C414BBDA5186}" type="slidenum">
               <a:t>&lt;#&gt;</a:t>
             </a:fld>
           </a:p>
@@ -14458,7 +14648,7 @@
         <p:txBody>
           <a:bodyPr/>
           <a:p>
-            <a:fld id="{D039F91E-5921-4771-8F3F-D77EE2247C4E}" type="slidenum">
+            <a:fld id="{E5B9334D-088D-4030-BC69-86286AF785BF}" type="slidenum">
               <a:t>&lt;#&gt;</a:t>
             </a:fld>
           </a:p>
@@ -14680,7 +14870,7 @@
         <p:txBody>
           <a:bodyPr/>
           <a:p>
-            <a:fld id="{E23BE33F-0A52-45AA-B5A0-A76196AD5D46}" type="slidenum">
+            <a:fld id="{945ADB3E-A128-48CE-A710-728ACFB29EE9}" type="slidenum">
               <a:t>&lt;#&gt;</a:t>
             </a:fld>
           </a:p>
@@ -14745,7 +14935,7 @@
         <p:spPr>
           <a:xfrm>
             <a:off x="0" y="6400800"/>
-            <a:ext cx="12191040" cy="456120"/>
+            <a:ext cx="12190680" cy="455760"/>
           </a:xfrm>
           <a:prstGeom prst="rect">
             <a:avLst/>
@@ -14781,7 +14971,7 @@
         <p:spPr>
           <a:xfrm>
             <a:off x="0" y="6334200"/>
-            <a:ext cx="12191040" cy="64800"/>
+            <a:ext cx="12190680" cy="64440"/>
           </a:xfrm>
           <a:prstGeom prst="rect">
             <a:avLst/>
@@ -14855,7 +15045,7 @@
         <p:spPr>
           <a:xfrm>
             <a:off x="11212560" y="5495040"/>
-            <a:ext cx="805320" cy="805320"/>
+            <a:ext cx="804960" cy="804960"/>
           </a:xfrm>
           <a:prstGeom prst="rect">
             <a:avLst/>
@@ -14874,7 +15064,7 @@
         <p:spPr>
           <a:xfrm>
             <a:off x="3240" y="6400800"/>
-            <a:ext cx="12187800" cy="456120"/>
+            <a:ext cx="12187440" cy="455760"/>
           </a:xfrm>
           <a:prstGeom prst="rect">
             <a:avLst/>
@@ -14910,7 +15100,7 @@
         <p:spPr>
           <a:xfrm>
             <a:off x="0" y="6334200"/>
-            <a:ext cx="12187800" cy="63000"/>
+            <a:ext cx="12187440" cy="62640"/>
           </a:xfrm>
           <a:prstGeom prst="rect">
             <a:avLst/>
@@ -14984,7 +15174,7 @@
         <p:spPr>
           <a:xfrm>
             <a:off x="11212560" y="5495040"/>
-            <a:ext cx="805320" cy="805320"/>
+            <a:ext cx="804960" cy="804960"/>
           </a:xfrm>
           <a:prstGeom prst="rect">
             <a:avLst/>
@@ -15001,13 +15191,180 @@
             <a:spLocks noGrp="1"/>
           </p:cNvSpPr>
           <p:nvPr>
+            <p:ph type="ftr" idx="1"/>
+          </p:nvPr>
+        </p:nvSpPr>
+        <p:spPr>
+          <a:xfrm>
+            <a:off x="3686040" y="6459840"/>
+            <a:ext cx="4821480" cy="363600"/>
+          </a:xfrm>
+          <a:prstGeom prst="rect">
+            <a:avLst/>
+          </a:prstGeom>
+          <a:noFill/>
+          <a:ln w="0">
+            <a:noFill/>
+          </a:ln>
+        </p:spPr>
+        <p:txBody>
+          <a:bodyPr lIns="90000" rIns="90000" tIns="45000" bIns="45000" anchor="ctr">
+            <a:noAutofit/>
+          </a:bodyPr>
+          <a:lstStyle>
+            <a:lvl1pPr algn="ctr">
+              <a:lnSpc>
+                <a:spcPct val="100000"/>
+              </a:lnSpc>
+              <a:buNone/>
+              <a:defRPr b="0" lang="ru-RU" sz="1400" spc="-1" strike="noStrike">
+                <a:latin typeface="Times New Roman"/>
+              </a:defRPr>
+            </a:lvl1pPr>
+          </a:lstStyle>
+          <a:p>
+            <a:pPr algn="ctr">
+              <a:lnSpc>
+                <a:spcPct val="100000"/>
+              </a:lnSpc>
+              <a:buNone/>
+            </a:pPr>
+            <a:r>
+              <a:rPr b="0" lang="ru-RU" sz="1400" spc="-1" strike="noStrike">
+                <a:latin typeface="Times New Roman"/>
+              </a:rPr>
+              <a:t> </a:t>
+            </a:r>
+            <a:endParaRPr b="0" lang="ru-RU" sz="1400" spc="-1" strike="noStrike">
+              <a:latin typeface="Times New Roman"/>
+            </a:endParaRPr>
+          </a:p>
+        </p:txBody>
+      </p:sp>
+      <p:sp>
+        <p:nvSpPr>
+          <p:cNvPr id="9" name="PlaceHolder 2"/>
+          <p:cNvSpPr>
+            <a:spLocks noGrp="1"/>
+          </p:cNvSpPr>
+          <p:nvPr>
+            <p:ph type="sldNum" idx="2"/>
+          </p:nvPr>
+        </p:nvSpPr>
+        <p:spPr>
+          <a:xfrm>
+            <a:off x="9900360" y="6459840"/>
+            <a:ext cx="1310760" cy="363600"/>
+          </a:xfrm>
+          <a:prstGeom prst="rect">
+            <a:avLst/>
+          </a:prstGeom>
+          <a:noFill/>
+          <a:ln w="0">
+            <a:noFill/>
+          </a:ln>
+        </p:spPr>
+        <p:txBody>
+          <a:bodyPr lIns="90000" rIns="90000" tIns="45000" bIns="45000" anchor="ctr">
+            <a:noAutofit/>
+          </a:bodyPr>
+          <a:lstStyle>
+            <a:lvl1pPr algn="r">
+              <a:lnSpc>
+                <a:spcPct val="100000"/>
+              </a:lnSpc>
+              <a:buNone/>
+              <a:defRPr b="0" lang="ru-RU" sz="1050" spc="-1" strike="noStrike">
+                <a:solidFill>
+                  <a:srgbClr val="ffffff"/>
+                </a:solidFill>
+                <a:latin typeface="Calibri"/>
+              </a:defRPr>
+            </a:lvl1pPr>
+          </a:lstStyle>
+          <a:p>
+            <a:pPr algn="r">
+              <a:lnSpc>
+                <a:spcPct val="100000"/>
+              </a:lnSpc>
+              <a:buNone/>
+            </a:pPr>
+            <a:fld id="{45CC2D4D-9DA3-4ACF-B567-0E2A5D91D37E}" type="slidenum">
+              <a:rPr b="0" lang="ru-RU" sz="1050" spc="-1" strike="noStrike">
+                <a:solidFill>
+                  <a:srgbClr val="ffffff"/>
+                </a:solidFill>
+                <a:latin typeface="Calibri"/>
+              </a:rPr>
+              <a:t>3</a:t>
+            </a:fld>
+            <a:endParaRPr b="0" lang="ru-RU" sz="1050" spc="-1" strike="noStrike">
+              <a:latin typeface="Times New Roman"/>
+            </a:endParaRPr>
+          </a:p>
+        </p:txBody>
+      </p:sp>
+      <p:sp>
+        <p:nvSpPr>
+          <p:cNvPr id="10" name="PlaceHolder 3"/>
+          <p:cNvSpPr>
+            <a:spLocks noGrp="1"/>
+          </p:cNvSpPr>
+          <p:nvPr>
+            <p:ph type="dt" idx="3"/>
+          </p:nvPr>
+        </p:nvSpPr>
+        <p:spPr>
+          <a:xfrm>
+            <a:off x="1097280" y="6459840"/>
+            <a:ext cx="2470680" cy="363600"/>
+          </a:xfrm>
+          <a:prstGeom prst="rect">
+            <a:avLst/>
+          </a:prstGeom>
+          <a:noFill/>
+          <a:ln w="0">
+            <a:noFill/>
+          </a:ln>
+        </p:spPr>
+        <p:txBody>
+          <a:bodyPr lIns="90000" rIns="90000" tIns="45000" bIns="45000" anchor="ctr">
+            <a:noAutofit/>
+          </a:bodyPr>
+          <a:lstStyle>
+            <a:lvl1pPr>
+              <a:defRPr b="0" lang="ru-RU" sz="1400" spc="-1" strike="noStrike">
+                <a:latin typeface="Times New Roman"/>
+              </a:defRPr>
+            </a:lvl1pPr>
+          </a:lstStyle>
+          <a:p>
+            <a:r>
+              <a:rPr b="0" lang="ru-RU" sz="1400" spc="-1" strike="noStrike">
+                <a:latin typeface="Times New Roman"/>
+              </a:rPr>
+              <a:t> </a:t>
+            </a:r>
+            <a:endParaRPr b="0" lang="ru-RU" sz="1400" spc="-1" strike="noStrike">
+              <a:latin typeface="Times New Roman"/>
+            </a:endParaRPr>
+          </a:p>
+        </p:txBody>
+      </p:sp>
+      <p:sp>
+        <p:nvSpPr>
+          <p:cNvPr id="11" name="PlaceHolder 4"/>
+          <p:cNvSpPr>
+            <a:spLocks noGrp="1"/>
+          </p:cNvSpPr>
+          <p:nvPr>
             <p:ph type="title"/>
           </p:nvPr>
         </p:nvSpPr>
         <p:spPr>
           <a:xfrm>
-            <a:off x="609480" y="221040"/>
-            <a:ext cx="10972080" cy="1249920"/>
+            <a:off x="609480" y="273600"/>
+            <a:ext cx="10972440" cy="1144800"/>
           </a:xfrm>
           <a:prstGeom prst="rect">
             <a:avLst/>
@@ -15022,21 +15379,24 @@
             <a:noAutofit/>
           </a:bodyPr>
           <a:p>
-            <a:r>
-              <a:rPr b="0" lang="ru-RU" sz="1800" spc="-1" strike="noStrike">
+            <a:pPr algn="ctr">
+              <a:buNone/>
+            </a:pPr>
+            <a:r>
+              <a:rPr b="0" lang="ru-RU" sz="4400" spc="-1" strike="noStrike">
                 <a:latin typeface="Arial"/>
               </a:rPr>
               <a:t>Для правки текста заглавия щёлкните мышью</a:t>
             </a:r>
-            <a:endParaRPr b="0" lang="ru-RU" sz="1800" spc="-1" strike="noStrike">
-              <a:latin typeface="Arial"/>
-            </a:endParaRPr>
-          </a:p>
-        </p:txBody>
-      </p:sp>
-      <p:sp>
-        <p:nvSpPr>
-          <p:cNvPr id="9" name="PlaceHolder 2"/>
+            <a:endParaRPr b="0" lang="ru-RU" sz="4400" spc="-1" strike="noStrike">
+              <a:latin typeface="Arial"/>
+            </a:endParaRPr>
+          </a:p>
+        </p:txBody>
+      </p:sp>
+      <p:sp>
+        <p:nvSpPr>
+          <p:cNvPr id="12" name="PlaceHolder 5"/>
           <p:cNvSpPr>
             <a:spLocks noGrp="1"/>
           </p:cNvSpPr>
@@ -15047,7 +15407,7 @@
         <p:spPr>
           <a:xfrm>
             <a:off x="609480" y="1604520"/>
-            <a:ext cx="10972080" cy="3976920"/>
+            <a:ext cx="10972440" cy="3977280"/>
           </a:xfrm>
           <a:prstGeom prst="rect">
             <a:avLst/>
@@ -15074,12 +15434,12 @@
               <a:buChar char=""/>
             </a:pPr>
             <a:r>
-              <a:rPr b="0" lang="ru-RU" sz="1800" spc="-1" strike="noStrike">
+              <a:rPr b="0" lang="ru-RU" sz="3200" spc="-1" strike="noStrike">
                 <a:latin typeface="Arial"/>
               </a:rPr>
               <a:t>Для правки структуры щёлкните мышью</a:t>
             </a:r>
-            <a:endParaRPr b="0" lang="ru-RU" sz="1800" spc="-1" strike="noStrike">
+            <a:endParaRPr b="0" lang="ru-RU" sz="3200" spc="-1" strike="noStrike">
               <a:latin typeface="Arial"/>
             </a:endParaRPr>
           </a:p>
@@ -15096,12 +15456,12 @@
               <a:buChar char=""/>
             </a:pPr>
             <a:r>
-              <a:rPr b="0" lang="ru-RU" sz="1800" spc="-1" strike="noStrike">
+              <a:rPr b="0" lang="ru-RU" sz="2800" spc="-1" strike="noStrike">
                 <a:latin typeface="Arial"/>
               </a:rPr>
               <a:t>Второй уровень структуры</a:t>
             </a:r>
-            <a:endParaRPr b="0" lang="ru-RU" sz="1800" spc="-1" strike="noStrike">
+            <a:endParaRPr b="0" lang="ru-RU" sz="2800" spc="-1" strike="noStrike">
               <a:latin typeface="Arial"/>
             </a:endParaRPr>
           </a:p>
@@ -15118,12 +15478,12 @@
               <a:buChar char=""/>
             </a:pPr>
             <a:r>
-              <a:rPr b="0" lang="ru-RU" sz="1800" spc="-1" strike="noStrike">
+              <a:rPr b="0" lang="ru-RU" sz="2400" spc="-1" strike="noStrike">
                 <a:latin typeface="Arial"/>
               </a:rPr>
               <a:t>Третий уровень структуры</a:t>
             </a:r>
-            <a:endParaRPr b="0" lang="ru-RU" sz="1800" spc="-1" strike="noStrike">
+            <a:endParaRPr b="0" lang="ru-RU" sz="2400" spc="-1" strike="noStrike">
               <a:latin typeface="Arial"/>
             </a:endParaRPr>
           </a:p>
@@ -15140,12 +15500,12 @@
               <a:buChar char=""/>
             </a:pPr>
             <a:r>
-              <a:rPr b="0" lang="ru-RU" sz="1800" spc="-1" strike="noStrike">
+              <a:rPr b="0" lang="ru-RU" sz="2000" spc="-1" strike="noStrike">
                 <a:latin typeface="Arial"/>
               </a:rPr>
               <a:t>Четвёртый уровень структуры</a:t>
             </a:r>
-            <a:endParaRPr b="0" lang="ru-RU" sz="1800" spc="-1" strike="noStrike">
+            <a:endParaRPr b="0" lang="ru-RU" sz="2000" spc="-1" strike="noStrike">
               <a:latin typeface="Arial"/>
             </a:endParaRPr>
           </a:p>
@@ -15162,12 +15522,12 @@
               <a:buChar char=""/>
             </a:pPr>
             <a:r>
-              <a:rPr b="0" lang="ru-RU" sz="1800" spc="-1" strike="noStrike">
+              <a:rPr b="0" lang="ru-RU" sz="2000" spc="-1" strike="noStrike">
                 <a:latin typeface="Arial"/>
               </a:rPr>
               <a:t>Пятый уровень структуры</a:t>
             </a:r>
-            <a:endParaRPr b="0" lang="ru-RU" sz="1800" spc="-1" strike="noStrike">
+            <a:endParaRPr b="0" lang="ru-RU" sz="2000" spc="-1" strike="noStrike">
               <a:latin typeface="Arial"/>
             </a:endParaRPr>
           </a:p>
@@ -15184,12 +15544,12 @@
               <a:buChar char=""/>
             </a:pPr>
             <a:r>
-              <a:rPr b="0" lang="ru-RU" sz="1800" spc="-1" strike="noStrike">
+              <a:rPr b="0" lang="ru-RU" sz="2000" spc="-1" strike="noStrike">
                 <a:latin typeface="Arial"/>
               </a:rPr>
               <a:t>Шестой уровень структуры</a:t>
             </a:r>
-            <a:endParaRPr b="0" lang="ru-RU" sz="1800" spc="-1" strike="noStrike">
+            <a:endParaRPr b="0" lang="ru-RU" sz="2000" spc="-1" strike="noStrike">
               <a:latin typeface="Arial"/>
             </a:endParaRPr>
           </a:p>
@@ -15206,180 +15566,13 @@
               <a:buChar char=""/>
             </a:pPr>
             <a:r>
-              <a:rPr b="0" lang="ru-RU" sz="1800" spc="-1" strike="noStrike">
+              <a:rPr b="0" lang="ru-RU" sz="2000" spc="-1" strike="noStrike">
                 <a:latin typeface="Arial"/>
               </a:rPr>
               <a:t>Седьмой уровень структуры</a:t>
             </a:r>
-            <a:endParaRPr b="0" lang="ru-RU" sz="1800" spc="-1" strike="noStrike">
-              <a:latin typeface="Arial"/>
-            </a:endParaRPr>
-          </a:p>
-        </p:txBody>
-      </p:sp>
-      <p:sp>
-        <p:nvSpPr>
-          <p:cNvPr id="10" name="PlaceHolder 3"/>
-          <p:cNvSpPr>
-            <a:spLocks noGrp="1"/>
-          </p:cNvSpPr>
-          <p:nvPr>
-            <p:ph type="ftr" idx="1"/>
-          </p:nvPr>
-        </p:nvSpPr>
-        <p:spPr>
-          <a:xfrm>
-            <a:off x="3686040" y="6459840"/>
-            <a:ext cx="4821840" cy="363960"/>
-          </a:xfrm>
-          <a:prstGeom prst="rect">
-            <a:avLst/>
-          </a:prstGeom>
-          <a:noFill/>
-          <a:ln w="0">
-            <a:noFill/>
-          </a:ln>
-        </p:spPr>
-        <p:txBody>
-          <a:bodyPr lIns="90000" rIns="90000" tIns="45000" bIns="45000" anchor="ctr">
-            <a:noAutofit/>
-          </a:bodyPr>
-          <a:lstStyle>
-            <a:lvl1pPr algn="ctr">
-              <a:lnSpc>
-                <a:spcPct val="100000"/>
-              </a:lnSpc>
-              <a:buNone/>
-              <a:defRPr b="0" lang="ru-RU" sz="1400" spc="-1" strike="noStrike">
-                <a:latin typeface="Times New Roman"/>
-              </a:defRPr>
-            </a:lvl1pPr>
-          </a:lstStyle>
-          <a:p>
-            <a:pPr algn="ctr">
-              <a:lnSpc>
-                <a:spcPct val="100000"/>
-              </a:lnSpc>
-              <a:buNone/>
-            </a:pPr>
-            <a:r>
-              <a:rPr b="0" lang="ru-RU" sz="1400" spc="-1" strike="noStrike">
-                <a:latin typeface="Times New Roman"/>
-              </a:rPr>
-              <a:t>&lt;нижний колонтитул&gt;</a:t>
-            </a:r>
-            <a:endParaRPr b="0" lang="ru-RU" sz="1400" spc="-1" strike="noStrike">
-              <a:latin typeface="Times New Roman"/>
-            </a:endParaRPr>
-          </a:p>
-        </p:txBody>
-      </p:sp>
-      <p:sp>
-        <p:nvSpPr>
-          <p:cNvPr id="11" name="PlaceHolder 4"/>
-          <p:cNvSpPr>
-            <a:spLocks noGrp="1"/>
-          </p:cNvSpPr>
-          <p:nvPr>
-            <p:ph type="sldNum" idx="2"/>
-          </p:nvPr>
-        </p:nvSpPr>
-        <p:spPr>
-          <a:xfrm>
-            <a:off x="9900360" y="6459840"/>
-            <a:ext cx="1311120" cy="363960"/>
-          </a:xfrm>
-          <a:prstGeom prst="rect">
-            <a:avLst/>
-          </a:prstGeom>
-          <a:noFill/>
-          <a:ln w="0">
-            <a:noFill/>
-          </a:ln>
-        </p:spPr>
-        <p:txBody>
-          <a:bodyPr lIns="90000" rIns="90000" tIns="45000" bIns="45000" anchor="ctr">
-            <a:noAutofit/>
-          </a:bodyPr>
-          <a:lstStyle>
-            <a:lvl1pPr algn="r">
-              <a:lnSpc>
-                <a:spcPct val="100000"/>
-              </a:lnSpc>
-              <a:buNone/>
-              <a:defRPr b="0" lang="ru-RU" sz="1050" spc="-1" strike="noStrike">
-                <a:solidFill>
-                  <a:srgbClr val="ffffff"/>
-                </a:solidFill>
-                <a:latin typeface="Calibri"/>
-              </a:defRPr>
-            </a:lvl1pPr>
-          </a:lstStyle>
-          <a:p>
-            <a:pPr algn="r">
-              <a:lnSpc>
-                <a:spcPct val="100000"/>
-              </a:lnSpc>
-              <a:buNone/>
-            </a:pPr>
-            <a:fld id="{0C51BC10-5B0E-4154-A0AB-C2EEA50874CE}" type="slidenum">
-              <a:rPr b="0" lang="ru-RU" sz="1050" spc="-1" strike="noStrike">
-                <a:solidFill>
-                  <a:srgbClr val="ffffff"/>
-                </a:solidFill>
-                <a:latin typeface="Calibri"/>
-              </a:rPr>
-              <a:t>&lt;номер&gt;</a:t>
-            </a:fld>
-            <a:endParaRPr b="0" lang="ru-RU" sz="1050" spc="-1" strike="noStrike">
-              <a:latin typeface="Times New Roman"/>
-            </a:endParaRPr>
-          </a:p>
-        </p:txBody>
-      </p:sp>
-      <p:sp>
-        <p:nvSpPr>
-          <p:cNvPr id="12" name="PlaceHolder 5"/>
-          <p:cNvSpPr>
-            <a:spLocks noGrp="1"/>
-          </p:cNvSpPr>
-          <p:nvPr>
-            <p:ph type="dt" idx="3"/>
-          </p:nvPr>
-        </p:nvSpPr>
-        <p:spPr>
-          <a:xfrm>
-            <a:off x="1097280" y="6459840"/>
-            <a:ext cx="2471040" cy="363960"/>
-          </a:xfrm>
-          <a:prstGeom prst="rect">
-            <a:avLst/>
-          </a:prstGeom>
-          <a:noFill/>
-          <a:ln w="0">
-            <a:noFill/>
-          </a:ln>
-        </p:spPr>
-        <p:txBody>
-          <a:bodyPr lIns="90000" rIns="90000" tIns="45000" bIns="45000" anchor="ctr">
-            <a:noAutofit/>
-          </a:bodyPr>
-          <a:lstStyle>
-            <a:lvl1pPr>
-              <a:defRPr b="0" lang="ru-RU" sz="1400" spc="-1" strike="noStrike">
-                <a:latin typeface="Times New Roman"/>
-              </a:defRPr>
-            </a:lvl1pPr>
-          </a:lstStyle>
-          <a:p>
-            <a:r>
-              <a:rPr b="0" lang="ru-RU" sz="1400" spc="-1" strike="noStrike">
-                <a:latin typeface="Times New Roman"/>
-              </a:rPr>
-              <a:t>&lt;дата/время&gt;</a:t>
-            </a:r>
-            <a:endParaRPr b="0" lang="ru-RU" sz="1400" spc="-1" strike="noStrike">
-              <a:latin typeface="Times New Roman"/>
+            <a:endParaRPr b="0" lang="ru-RU" sz="2000" spc="-1" strike="noStrike">
+              <a:latin typeface="Arial"/>
             </a:endParaRPr>
           </a:p>
         </p:txBody>
@@ -15437,7 +15630,7 @@
         <p:spPr>
           <a:xfrm>
             <a:off x="0" y="6400800"/>
-            <a:ext cx="12191040" cy="456120"/>
+            <a:ext cx="12190680" cy="455760"/>
           </a:xfrm>
           <a:prstGeom prst="rect">
             <a:avLst/>
@@ -15473,7 +15666,7 @@
         <p:spPr>
           <a:xfrm>
             <a:off x="0" y="6334200"/>
-            <a:ext cx="12191040" cy="64800"/>
+            <a:ext cx="12190680" cy="64440"/>
           </a:xfrm>
           <a:prstGeom prst="rect">
             <a:avLst/>
@@ -15547,7 +15740,7 @@
         <p:spPr>
           <a:xfrm>
             <a:off x="11212560" y="5495040"/>
-            <a:ext cx="805320" cy="805320"/>
+            <a:ext cx="804960" cy="804960"/>
           </a:xfrm>
           <a:prstGeom prst="rect">
             <a:avLst/>
@@ -15570,7 +15763,7 @@
         <p:spPr>
           <a:xfrm>
             <a:off x="3686040" y="6459840"/>
-            <a:ext cx="4821840" cy="363960"/>
+            <a:ext cx="4821480" cy="363600"/>
           </a:xfrm>
           <a:prstGeom prst="rect">
             <a:avLst/>
@@ -15627,7 +15820,7 @@
         <p:spPr>
           <a:xfrm>
             <a:off x="9900360" y="6459840"/>
-            <a:ext cx="1311120" cy="363960"/>
+            <a:ext cx="1310760" cy="363600"/>
           </a:xfrm>
           <a:prstGeom prst="rect">
             <a:avLst/>
@@ -15662,7 +15855,7 @@
               </a:lnSpc>
               <a:buNone/>
             </a:pPr>
-            <a:fld id="{4D6EE473-03E8-4EC0-97DF-E0B53EFFD0BA}" type="slidenum">
+            <a:fld id="{273CEDEE-D9EA-456D-91A8-871CC1993C0C}" type="slidenum">
               <a:rPr b="0" lang="ru-RU" sz="1050" spc="-1" strike="noStrike">
                 <a:solidFill>
                   <a:srgbClr val="ffffff"/>
@@ -15690,7 +15883,7 @@
         <p:spPr>
           <a:xfrm>
             <a:off x="1097280" y="6459840"/>
-            <a:ext cx="2471040" cy="363960"/>
+            <a:ext cx="2470680" cy="363600"/>
           </a:xfrm>
           <a:prstGeom prst="rect">
             <a:avLst/>
@@ -16003,7 +16196,7 @@
         <p:spPr>
           <a:xfrm>
             <a:off x="0" y="6400800"/>
-            <a:ext cx="12191040" cy="456120"/>
+            <a:ext cx="12190680" cy="455760"/>
           </a:xfrm>
           <a:prstGeom prst="rect">
             <a:avLst/>
@@ -16039,7 +16232,7 @@
         <p:spPr>
           <a:xfrm>
             <a:off x="0" y="6334200"/>
-            <a:ext cx="12191040" cy="64800"/>
+            <a:ext cx="12190680" cy="64440"/>
           </a:xfrm>
           <a:prstGeom prst="rect">
             <a:avLst/>
@@ -16113,7 +16306,7 @@
         <p:spPr>
           <a:xfrm>
             <a:off x="11212560" y="5495040"/>
-            <a:ext cx="805320" cy="805320"/>
+            <a:ext cx="804960" cy="804960"/>
           </a:xfrm>
           <a:prstGeom prst="rect">
             <a:avLst/>
@@ -16136,7 +16329,7 @@
         <p:spPr>
           <a:xfrm>
             <a:off x="3686040" y="6459840"/>
-            <a:ext cx="4821840" cy="363960"/>
+            <a:ext cx="4821480" cy="363600"/>
           </a:xfrm>
           <a:prstGeom prst="rect">
             <a:avLst/>
@@ -16193,7 +16386,7 @@
         <p:spPr>
           <a:xfrm>
             <a:off x="9900360" y="6459840"/>
-            <a:ext cx="1311120" cy="363960"/>
+            <a:ext cx="1310760" cy="363600"/>
           </a:xfrm>
           <a:prstGeom prst="rect">
             <a:avLst/>
@@ -16228,7 +16421,7 @@
               </a:lnSpc>
               <a:buNone/>
             </a:pPr>
-            <a:fld id="{09C90326-1541-48D4-A77F-C7906EB147DE}" type="slidenum">
+            <a:fld id="{6440E875-7EF8-47EB-838D-CF76A463B856}" type="slidenum">
               <a:rPr b="0" lang="ru-RU" sz="1050" spc="-1" strike="noStrike">
                 <a:solidFill>
                   <a:srgbClr val="ffffff"/>
@@ -16256,7 +16449,7 @@
         <p:spPr>
           <a:xfrm>
             <a:off x="1097280" y="6459840"/>
-            <a:ext cx="2471040" cy="363960"/>
+            <a:ext cx="2470680" cy="363600"/>
           </a:xfrm>
           <a:prstGeom prst="rect">
             <a:avLst/>
@@ -16569,7 +16762,7 @@
         <p:spPr>
           <a:xfrm>
             <a:off x="0" y="6400800"/>
-            <a:ext cx="12191040" cy="456120"/>
+            <a:ext cx="12190680" cy="455760"/>
           </a:xfrm>
           <a:prstGeom prst="rect">
             <a:avLst/>
@@ -16605,7 +16798,7 @@
         <p:spPr>
           <a:xfrm>
             <a:off x="0" y="6334200"/>
-            <a:ext cx="12191040" cy="64800"/>
+            <a:ext cx="12190680" cy="64440"/>
           </a:xfrm>
           <a:prstGeom prst="rect">
             <a:avLst/>
@@ -16679,7 +16872,7 @@
         <p:spPr>
           <a:xfrm>
             <a:off x="11212560" y="5495040"/>
-            <a:ext cx="805320" cy="805320"/>
+            <a:ext cx="804960" cy="804960"/>
           </a:xfrm>
           <a:prstGeom prst="rect">
             <a:avLst/>
@@ -16702,7 +16895,7 @@
         <p:spPr>
           <a:xfrm>
             <a:off x="333360" y="1993680"/>
-            <a:ext cx="2186280" cy="4165200"/>
+            <a:ext cx="2185920" cy="4164840"/>
           </a:xfrm>
           <a:prstGeom prst="rect">
             <a:avLst/>
@@ -16765,7 +16958,7 @@
         <p:spPr>
           <a:xfrm>
             <a:off x="3686040" y="6459840"/>
-            <a:ext cx="4821840" cy="363960"/>
+            <a:ext cx="4821480" cy="363600"/>
           </a:xfrm>
           <a:prstGeom prst="rect">
             <a:avLst/>
@@ -16822,7 +17015,7 @@
         <p:spPr>
           <a:xfrm>
             <a:off x="9900360" y="6459840"/>
-            <a:ext cx="1311120" cy="363960"/>
+            <a:ext cx="1310760" cy="363600"/>
           </a:xfrm>
           <a:prstGeom prst="rect">
             <a:avLst/>
@@ -16857,7 +17050,7 @@
               </a:lnSpc>
               <a:buNone/>
             </a:pPr>
-            <a:fld id="{532BA897-F4DF-4A61-A97A-4CF0A483B459}" type="slidenum">
+            <a:fld id="{6F9DF0C7-BBA7-4CF2-8591-534AD3DF4298}" type="slidenum">
               <a:rPr b="0" lang="ru-RU" sz="1050" spc="-1" strike="noStrike">
                 <a:solidFill>
                   <a:srgbClr val="ffffff"/>
@@ -16885,7 +17078,7 @@
         <p:spPr>
           <a:xfrm>
             <a:off x="1097280" y="6459840"/>
-            <a:ext cx="2471040" cy="363960"/>
+            <a:ext cx="2470680" cy="363600"/>
           </a:xfrm>
           <a:prstGeom prst="rect">
             <a:avLst/>
@@ -17155,7 +17348,7 @@
         <p:spPr>
           <a:xfrm>
             <a:off x="0" y="6400800"/>
-            <a:ext cx="12191040" cy="456120"/>
+            <a:ext cx="12190680" cy="455760"/>
           </a:xfrm>
           <a:prstGeom prst="rect">
             <a:avLst/>
@@ -17191,7 +17384,7 @@
         <p:spPr>
           <a:xfrm>
             <a:off x="0" y="6334200"/>
-            <a:ext cx="12191040" cy="64800"/>
+            <a:ext cx="12190680" cy="64440"/>
           </a:xfrm>
           <a:prstGeom prst="rect">
             <a:avLst/>
@@ -17265,7 +17458,7 @@
         <p:spPr>
           <a:xfrm>
             <a:off x="11212560" y="5495040"/>
-            <a:ext cx="805320" cy="805320"/>
+            <a:ext cx="804960" cy="804960"/>
           </a:xfrm>
           <a:prstGeom prst="rect">
             <a:avLst/>
@@ -17288,7 +17481,7 @@
         <p:spPr>
           <a:xfrm>
             <a:off x="4917960" y="2125440"/>
-            <a:ext cx="2298240" cy="4078080"/>
+            <a:ext cx="2297880" cy="4077720"/>
           </a:xfrm>
           <a:prstGeom prst="rect">
             <a:avLst/>
@@ -17311,7 +17504,7 @@
         <p:spPr>
           <a:xfrm>
             <a:off x="3686040" y="6459840"/>
-            <a:ext cx="4821840" cy="363960"/>
+            <a:ext cx="4821480" cy="363600"/>
           </a:xfrm>
           <a:prstGeom prst="rect">
             <a:avLst/>
@@ -17368,7 +17561,7 @@
         <p:spPr>
           <a:xfrm>
             <a:off x="9900360" y="6459840"/>
-            <a:ext cx="1311120" cy="363960"/>
+            <a:ext cx="1310760" cy="363600"/>
           </a:xfrm>
           <a:prstGeom prst="rect">
             <a:avLst/>
@@ -17403,7 +17596,7 @@
               </a:lnSpc>
               <a:buNone/>
             </a:pPr>
-            <a:fld id="{2A81CA6F-AA91-4B62-8EEF-0F3982D0C08E}" type="slidenum">
+            <a:fld id="{6C043468-5EF2-4C06-BB56-8BB4F08BD5F7}" type="slidenum">
               <a:rPr b="0" lang="ru-RU" sz="1050" spc="-1" strike="noStrike">
                 <a:solidFill>
                   <a:srgbClr val="ffffff"/>
@@ -17431,7 +17624,7 @@
         <p:spPr>
           <a:xfrm>
             <a:off x="1097280" y="6459840"/>
-            <a:ext cx="2471040" cy="363960"/>
+            <a:ext cx="2470680" cy="363600"/>
           </a:xfrm>
           <a:prstGeom prst="rect">
             <a:avLst/>
@@ -17741,7 +17934,7 @@
         <p:spPr>
           <a:xfrm>
             <a:off x="1260000" y="1440000"/>
-            <a:ext cx="9899640" cy="2665080"/>
+            <a:ext cx="9899280" cy="2664720"/>
           </a:xfrm>
           <a:prstGeom prst="rect">
             <a:avLst/>
@@ -17829,7 +18022,7 @@
         <p:spPr>
           <a:xfrm>
             <a:off x="1097280" y="286560"/>
-            <a:ext cx="10057320" cy="1449720"/>
+            <a:ext cx="10056960" cy="1449360"/>
           </a:xfrm>
           <a:prstGeom prst="rect">
             <a:avLst/>
@@ -17896,7 +18089,7 @@
         <p:spPr>
           <a:xfrm>
             <a:off x="1097280" y="1845720"/>
-            <a:ext cx="10057320" cy="1707840"/>
+            <a:ext cx="10056960" cy="1707480"/>
           </a:xfrm>
           <a:prstGeom prst="rect">
             <a:avLst/>
@@ -18149,7 +18342,7 @@
         <p:spPr>
           <a:xfrm>
             <a:off x="2873520" y="4003560"/>
-            <a:ext cx="3066120" cy="856080"/>
+            <a:ext cx="3065760" cy="855720"/>
           </a:xfrm>
           <a:prstGeom prst="rect">
             <a:avLst/>
@@ -18168,7 +18361,7 @@
         <p:spPr>
           <a:xfrm>
             <a:off x="1097280" y="4989240"/>
-            <a:ext cx="10057320" cy="989280"/>
+            <a:ext cx="10056960" cy="988920"/>
           </a:xfrm>
           <a:prstGeom prst="rect">
             <a:avLst/>
@@ -18378,7 +18571,7 @@
         <p:spPr>
           <a:xfrm>
             <a:off x="1066680" y="840240"/>
-            <a:ext cx="10057320" cy="755640"/>
+            <a:ext cx="10056960" cy="755280"/>
           </a:xfrm>
           <a:prstGeom prst="rect">
             <a:avLst/>
@@ -18436,7 +18629,7 @@
         <p:spPr>
           <a:xfrm>
             <a:off x="1025280" y="1871640"/>
-            <a:ext cx="9954720" cy="1008360"/>
+            <a:ext cx="9954360" cy="1008000"/>
           </a:xfrm>
           <a:prstGeom prst="rect">
             <a:avLst/>
@@ -18576,7 +18769,7 @@
         <p:spPr>
           <a:xfrm>
             <a:off x="7071480" y="4093560"/>
-            <a:ext cx="4037400" cy="1627560"/>
+            <a:ext cx="4037040" cy="1627200"/>
           </a:xfrm>
           <a:prstGeom prst="rect">
             <a:avLst/>
@@ -18595,7 +18788,7 @@
         <p:spPr>
           <a:xfrm>
             <a:off x="1077480" y="4118400"/>
-            <a:ext cx="5992920" cy="1004400"/>
+            <a:ext cx="5992560" cy="1004400"/>
           </a:xfrm>
           <a:prstGeom prst="rect">
             <a:avLst/>
@@ -18701,7 +18894,7 @@
         <p:spPr>
           <a:xfrm>
             <a:off x="1045800" y="2921040"/>
-            <a:ext cx="6100920" cy="1004400"/>
+            <a:ext cx="6100560" cy="1004400"/>
           </a:xfrm>
           <a:prstGeom prst="rect">
             <a:avLst/>
@@ -18771,7 +18964,7 @@
         <p:spPr>
           <a:xfrm>
             <a:off x="7110000" y="2614680"/>
-            <a:ext cx="3885120" cy="1627560"/>
+            <a:ext cx="3884760" cy="1627200"/>
           </a:xfrm>
           <a:prstGeom prst="rect">
             <a:avLst/>
@@ -18790,7 +18983,7 @@
         <p:spPr>
           <a:xfrm>
             <a:off x="1044000" y="5322960"/>
-            <a:ext cx="8099640" cy="976680"/>
+            <a:ext cx="8099280" cy="976320"/>
           </a:xfrm>
           <a:prstGeom prst="rect">
             <a:avLst/>
@@ -18901,7 +19094,7 @@
         <p:spPr>
           <a:xfrm>
             <a:off x="1097280" y="286560"/>
-            <a:ext cx="10057320" cy="1449720"/>
+            <a:ext cx="10056960" cy="1449360"/>
           </a:xfrm>
           <a:prstGeom prst="rect">
             <a:avLst/>
@@ -18950,7 +19143,7 @@
         <p:spPr>
           <a:xfrm>
             <a:off x="1097280" y="1845720"/>
-            <a:ext cx="10057320" cy="1900800"/>
+            <a:ext cx="10056960" cy="1900440"/>
           </a:xfrm>
           <a:prstGeom prst="rect">
             <a:avLst/>
@@ -19041,7 +19234,7 @@
         <p:spPr>
           <a:xfrm>
             <a:off x="1121400" y="3837960"/>
-            <a:ext cx="5485320" cy="1904040"/>
+            <a:ext cx="5484960" cy="1903680"/>
           </a:xfrm>
           <a:prstGeom prst="rect">
             <a:avLst/>
@@ -19094,7 +19287,7 @@
         <p:spPr>
           <a:xfrm>
             <a:off x="1097280" y="286560"/>
-            <a:ext cx="10057320" cy="1449720"/>
+            <a:ext cx="10056960" cy="1449360"/>
           </a:xfrm>
           <a:prstGeom prst="rect">
             <a:avLst/>
@@ -19143,7 +19336,7 @@
         <p:spPr>
           <a:xfrm>
             <a:off x="1097280" y="1845720"/>
-            <a:ext cx="10057320" cy="4022280"/>
+            <a:ext cx="10056960" cy="4021920"/>
           </a:xfrm>
           <a:prstGeom prst="rect">
             <a:avLst/>
@@ -19326,7 +19519,7 @@
         <p:spPr>
           <a:xfrm>
             <a:off x="1097280" y="286560"/>
-            <a:ext cx="10057320" cy="1449720"/>
+            <a:ext cx="10056960" cy="1449360"/>
           </a:xfrm>
           <a:prstGeom prst="rect">
             <a:avLst/>
@@ -19375,7 +19568,7 @@
         <p:spPr>
           <a:xfrm>
             <a:off x="1097280" y="1845720"/>
-            <a:ext cx="10057320" cy="4022280"/>
+            <a:ext cx="10056960" cy="4021920"/>
           </a:xfrm>
           <a:prstGeom prst="rect">
             <a:avLst/>
@@ -19728,7 +19921,7 @@
         <p:spPr>
           <a:xfrm>
             <a:off x="1097280" y="286560"/>
-            <a:ext cx="10057320" cy="1449720"/>
+            <a:ext cx="10056960" cy="1449360"/>
           </a:xfrm>
           <a:prstGeom prst="rect">
             <a:avLst/>
@@ -19795,7 +19988,7 @@
         <p:spPr>
           <a:xfrm>
             <a:off x="1097280" y="1845720"/>
-            <a:ext cx="10057320" cy="4022280"/>
+            <a:ext cx="10056960" cy="4021920"/>
           </a:xfrm>
           <a:prstGeom prst="rect">
             <a:avLst/>
@@ -20178,7 +20371,7 @@
         <p:spPr>
           <a:xfrm>
             <a:off x="1210680" y="2196000"/>
-            <a:ext cx="10057320" cy="2519640"/>
+            <a:ext cx="10056960" cy="2519280"/>
           </a:xfrm>
           <a:prstGeom prst="rect">
             <a:avLst/>
@@ -20275,7 +20468,7 @@
         <p:spPr>
           <a:xfrm>
             <a:off x="1102680" y="360"/>
-            <a:ext cx="10057320" cy="2519640"/>
+            <a:ext cx="10056960" cy="2519280"/>
           </a:xfrm>
           <a:prstGeom prst="rect">
             <a:avLst/>
@@ -20306,10 +20499,11 @@
               <a:t>Также у RabbitMQ имеется http-api, документация на него доступна по ссылке </a:t>
             </a:r>
             <a:r>
-              <a:rPr b="0" lang="ru-RU" sz="1800" spc="-52" strike="noStrike">
-                <a:solidFill>
-                  <a:srgbClr val="404040"/>
-                </a:solidFill>
+              <a:rPr b="0" lang="ru-RU" sz="1800" spc="-52" strike="noStrike" u="sng">
+                <a:solidFill>
+                  <a:srgbClr val="2998e3"/>
+                </a:solidFill>
+                <a:uFillTx/>
                 <a:latin typeface="Arial"/>
                 <a:hlinkClick r:id="rId1"/>
               </a:rPr>
@@ -20322,16 +20516,7 @@
                 </a:solidFill>
                 <a:latin typeface="Arial"/>
               </a:rPr>
-              <a:t> или по значку HTTP API в правом нижнем углу страницы </a:t>
-            </a:r>
-            <a:r>
-              <a:rPr b="0" lang="ru-RU" sz="1800" spc="-52" strike="noStrike">
-                <a:solidFill>
-                  <a:srgbClr val="404040"/>
-                </a:solidFill>
-                <a:latin typeface="Arial"/>
-              </a:rPr>
-              <a:t>админки</a:t>
+              <a:t> или по значку HTTP API в правом нижнем углу страницы админки</a:t>
             </a:r>
             <a:br>
               <a:rPr sz="1800"/>
@@ -20361,7 +20546,7 @@
         <p:spPr>
           <a:xfrm>
             <a:off x="864000" y="1899000"/>
-            <a:ext cx="7880400" cy="1809000"/>
+            <a:ext cx="7880040" cy="1808640"/>
           </a:xfrm>
           <a:prstGeom prst="rect">
             <a:avLst/>
@@ -20374,22 +20559,28 @@
       <p:sp>
         <p:nvSpPr>
           <p:cNvPr id="279" name=""/>
-          <p:cNvSpPr txBox="1"/>
+          <p:cNvSpPr/>
           <p:nvPr/>
         </p:nvSpPr>
         <p:spPr>
           <a:xfrm>
             <a:off x="1080000" y="3960000"/>
-            <a:ext cx="9540000" cy="1114200"/>
-          </a:xfrm>
-          <a:prstGeom prst="rect">
-            <a:avLst/>
-          </a:prstGeom>
-          <a:noFill/>
-          <a:ln w="0">
-            <a:noFill/>
-          </a:ln>
-        </p:spPr>
+            <a:ext cx="9539640" cy="1113840"/>
+          </a:xfrm>
+          <a:prstGeom prst="rect">
+            <a:avLst/>
+          </a:prstGeom>
+          <a:noFill/>
+          <a:ln w="0">
+            <a:noFill/>
+          </a:ln>
+        </p:spPr>
+        <p:style>
+          <a:lnRef idx="0"/>
+          <a:fillRef idx="0"/>
+          <a:effectRef idx="0"/>
+          <a:fontRef idx="minor"/>
+        </p:style>
         <p:txBody>
           <a:bodyPr lIns="90000" rIns="90000" tIns="45000" bIns="45000" anchor="t">
             <a:noAutofit/>
@@ -20405,13 +20596,7 @@
               <a:rPr b="0" lang="ru-RU" sz="1800" spc="-1" strike="noStrike">
                 <a:latin typeface="Arial"/>
               </a:rPr>
-              <a:t>Например при помощи такого запроса можно получить список всех очередей  </a:t>
-            </a:r>
-            <a:r>
-              <a:rPr b="0" lang="ru-RU" sz="1800" spc="-1" strike="noStrike">
-                <a:latin typeface="Arial"/>
-              </a:rPr>
-              <a:t>http://127.0.0.1:15672/api/queues</a:t>
+              <a:t>Например при помощи такого запроса можно получить список всех очередей  http://127.0.0.1:15672/api/queues</a:t>
             </a:r>
             <a:endParaRPr b="0" lang="ru-RU" sz="1800" spc="-1" strike="noStrike">
               <a:latin typeface="Arial"/>
@@ -20461,8 +20646,198 @@
         </p:nvSpPr>
         <p:spPr>
           <a:xfrm>
+            <a:off x="727560" y="1800000"/>
+            <a:ext cx="10972440" cy="1144800"/>
+          </a:xfrm>
+          <a:prstGeom prst="rect">
+            <a:avLst/>
+          </a:prstGeom>
+          <a:noFill/>
+          <a:ln w="0">
+            <a:noFill/>
+          </a:ln>
+        </p:spPr>
+        <p:txBody>
+          <a:bodyPr lIns="90000" rIns="90000" tIns="45000" bIns="45000" anchor="b">
+            <a:noAutofit/>
+          </a:bodyPr>
+          <a:p>
+            <a:pPr>
+              <a:lnSpc>
+                <a:spcPct val="115000"/>
+              </a:lnSpc>
+              <a:buNone/>
+            </a:pPr>
+            <a:r>
+              <a:rPr b="0" lang="ru-RU" sz="1800" spc="-52" strike="noStrike">
+                <a:latin typeface="Arial"/>
+              </a:rPr>
+              <a:t>В RabbitMQ также есть возможность задать права пользователям на конфигурирование, чтение и запись. Права задаются регулярными выражениями в разделе Permissions настроек соответствующего пользователя</a:t>
+            </a:r>
+            <a:br>
+              <a:rPr sz="1800"/>
+            </a:br>
+            <a:br>
+              <a:rPr sz="1800"/>
+            </a:br>
+            <a:br>
+              <a:rPr sz="1800"/>
+            </a:br>
+            <a:br>
+              <a:rPr sz="1800"/>
+            </a:br>
+            <a:br>
+              <a:rPr sz="1800"/>
+            </a:br>
+            <a:endParaRPr b="0" lang="ru-RU" sz="1800" spc="-1" strike="noStrike">
+              <a:latin typeface="Arial"/>
+            </a:endParaRPr>
+          </a:p>
+        </p:txBody>
+      </p:sp>
+      <p:sp>
+        <p:nvSpPr>
+          <p:cNvPr id="281" name=""/>
+          <p:cNvSpPr/>
+          <p:nvPr/>
+        </p:nvSpPr>
+        <p:spPr>
+          <a:xfrm>
+            <a:off x="1080000" y="3960000"/>
+            <a:ext cx="9539640" cy="1113840"/>
+          </a:xfrm>
+          <a:prstGeom prst="rect">
+            <a:avLst/>
+          </a:prstGeom>
+          <a:noFill/>
+          <a:ln w="0">
+            <a:noFill/>
+          </a:ln>
+        </p:spPr>
+        <p:style>
+          <a:lnRef idx="0"/>
+          <a:fillRef idx="0"/>
+          <a:effectRef idx="0"/>
+          <a:fontRef idx="minor"/>
+        </p:style>
+      </p:sp>
+      <p:pic>
+        <p:nvPicPr>
+          <p:cNvPr id="282" name="" descr=""/>
+          <p:cNvPicPr/>
+          <p:nvPr/>
+        </p:nvPicPr>
+        <p:blipFill>
+          <a:blip r:embed="rId1"/>
+          <a:stretch/>
+        </p:blipFill>
+        <p:spPr>
+          <a:xfrm>
+            <a:off x="540000" y="1800000"/>
+            <a:ext cx="11500560" cy="3104280"/>
+          </a:xfrm>
+          <a:prstGeom prst="rect">
+            <a:avLst/>
+          </a:prstGeom>
+          <a:ln w="0">
+            <a:noFill/>
+          </a:ln>
+        </p:spPr>
+      </p:pic>
+      <p:sp>
+        <p:nvSpPr>
+          <p:cNvPr id="283" name=""/>
+          <p:cNvSpPr txBox="1"/>
+          <p:nvPr/>
+        </p:nvSpPr>
+        <p:spPr>
+          <a:xfrm>
+            <a:off x="900000" y="5157360"/>
+            <a:ext cx="10471680" cy="602640"/>
+          </a:xfrm>
+          <a:prstGeom prst="rect">
+            <a:avLst/>
+          </a:prstGeom>
+          <a:noFill/>
+          <a:ln w="0">
+            <a:noFill/>
+          </a:ln>
+        </p:spPr>
+        <p:txBody>
+          <a:bodyPr lIns="90000" rIns="90000" tIns="45000" bIns="45000" anchor="t">
+            <a:noAutofit/>
+          </a:bodyPr>
+          <a:p>
+            <a:r>
+              <a:rPr b="0" lang="ru-RU" sz="1800" spc="-52" strike="noStrike">
+                <a:latin typeface="Arial"/>
+              </a:rPr>
+              <a:t>подробнее можно прочитать в документации </a:t>
+            </a:r>
+            <a:r>
+              <a:rPr b="0" lang="ru-RU" sz="1800" spc="-52" strike="noStrike">
+                <a:latin typeface="Arial"/>
+                <a:hlinkClick r:id="rId2"/>
+              </a:rPr>
+              <a:t>https://www.rabbitmq.com/access-control.html#authorisation</a:t>
+            </a:r>
+            <a:r>
+              <a:rPr b="0" lang="ru-RU" sz="1800" spc="-52" strike="noStrike">
+                <a:latin typeface="Arial"/>
+                <a:hlinkClick r:id="rId3"/>
+              </a:rPr>
+              <a:t>https://www.rabbitmq.com/access-control.html#authorisation</a:t>
+            </a:r>
+            <a:endParaRPr b="0" lang="ru-RU" sz="1800" spc="-1" strike="noStrike">
+              <a:latin typeface="Arial"/>
+            </a:endParaRPr>
+          </a:p>
+        </p:txBody>
+      </p:sp>
+    </p:spTree>
+  </p:cSld>
+  <mc:AlternateContent>
+    <mc:Choice Requires="p14">
+      <p:transition spd="slow" p14:dur="2000"/>
+    </mc:Choice>
+    <mc:Fallback>
+      <p:transition spd="slow"/>
+    </mc:Fallback>
+  </mc:AlternateContent>
+</p:sld>
+</file>
+
+<file path=ppt/slides/slide19.xml><?xml version="1.0" encoding="utf-8"?>
+<p:sld xmlns:a="http://schemas.openxmlformats.org/drawingml/2006/main" xmlns:p="http://schemas.openxmlformats.org/presentationml/2006/main" xmlns:r="http://schemas.openxmlformats.org/officeDocument/2006/relationships" xmlns:p14="http://schemas.microsoft.com/office/powerpoint/2010/main" xmlns:p15="http://schemas.microsoft.com/office/powerpoint/2012/main" xmlns:mc="http://schemas.openxmlformats.org/markup-compatibility/2006">
+  <p:cSld>
+    <p:spTree>
+      <p:nvGrpSpPr>
+        <p:cNvPr id="1" name=""/>
+        <p:cNvGrpSpPr/>
+        <p:nvPr/>
+      </p:nvGrpSpPr>
+      <p:grpSpPr>
+        <a:xfrm>
+          <a:off x="0" y="0"/>
+          <a:ext cx="0" cy="0"/>
+          <a:chOff x="0" y="0"/>
+          <a:chExt cx="0" cy="0"/>
+        </a:xfrm>
+      </p:grpSpPr>
+      <p:sp>
+        <p:nvSpPr>
+          <p:cNvPr id="284" name="PlaceHolder 1"/>
+          <p:cNvSpPr>
+            <a:spLocks noGrp="1"/>
+          </p:cNvSpPr>
+          <p:nvPr>
+            <p:ph type="title"/>
+          </p:nvPr>
+        </p:nvSpPr>
+        <p:spPr>
+          <a:xfrm>
             <a:off x="1097280" y="286560"/>
-            <a:ext cx="10057320" cy="1449720"/>
+            <a:ext cx="10056960" cy="1449360"/>
           </a:xfrm>
           <a:prstGeom prst="rect">
             <a:avLst/>
@@ -20493,6 +20868,42 @@
               <a:t>Спасибо за внимание</a:t>
             </a:r>
             <a:endParaRPr b="0" lang="ru-RU" sz="4800" spc="-1" strike="noStrike">
+              <a:latin typeface="Arial"/>
+            </a:endParaRPr>
+          </a:p>
+        </p:txBody>
+      </p:sp>
+      <p:sp>
+        <p:nvSpPr>
+          <p:cNvPr id="285" name=""/>
+          <p:cNvSpPr txBox="1"/>
+          <p:nvPr/>
+        </p:nvSpPr>
+        <p:spPr>
+          <a:xfrm>
+            <a:off x="5706000" y="3324960"/>
+            <a:ext cx="837720" cy="232560"/>
+          </a:xfrm>
+          <a:prstGeom prst="rect">
+            <a:avLst/>
+          </a:prstGeom>
+          <a:noFill/>
+          <a:ln w="0">
+            <a:noFill/>
+          </a:ln>
+        </p:spPr>
+        <p:txBody>
+          <a:bodyPr lIns="90000" rIns="90000" tIns="45000" bIns="45000" anchor="t">
+            <a:noAutofit/>
+          </a:bodyPr>
+          <a:p>
+            <a:r>
+              <a:rPr b="0" lang="ru-RU" sz="1000" spc="-1" strike="noStrike">
+                <a:latin typeface="Arial"/>
+              </a:rPr>
+              <a:t>^(qwe123)$</a:t>
+            </a:r>
+            <a:endParaRPr b="0" lang="ru-RU" sz="1000" spc="-1" strike="noStrike">
               <a:latin typeface="Arial"/>
             </a:endParaRPr>
           </a:p>
@@ -20541,7 +20952,7 @@
         <p:spPr>
           <a:xfrm>
             <a:off x="1097280" y="286560"/>
-            <a:ext cx="10057320" cy="1449720"/>
+            <a:ext cx="10056960" cy="1449360"/>
           </a:xfrm>
           <a:prstGeom prst="rect">
             <a:avLst/>
@@ -20590,7 +21001,7 @@
         <p:spPr>
           <a:xfrm>
             <a:off x="1097280" y="1845720"/>
-            <a:ext cx="10057320" cy="4022280"/>
+            <a:ext cx="10056960" cy="4021920"/>
           </a:xfrm>
           <a:prstGeom prst="rect">
             <a:avLst/>
@@ -20799,7 +21210,7 @@
         <p:spPr>
           <a:xfrm>
             <a:off x="1097280" y="286560"/>
-            <a:ext cx="10057320" cy="1449720"/>
+            <a:ext cx="10056960" cy="1449360"/>
           </a:xfrm>
           <a:prstGeom prst="rect">
             <a:avLst/>
@@ -20857,7 +21268,7 @@
         <p:spPr>
           <a:xfrm>
             <a:off x="1097280" y="1845720"/>
-            <a:ext cx="10057320" cy="4022280"/>
+            <a:ext cx="10056960" cy="4021920"/>
           </a:xfrm>
           <a:prstGeom prst="rect">
             <a:avLst/>
@@ -21069,10 +21480,11 @@
               <a:t>по адресу </a:t>
             </a:r>
             <a:r>
-              <a:rPr b="0" lang="ru-RU" sz="2000" spc="-1" strike="noStrike">
-                <a:solidFill>
-                  <a:srgbClr val="404040"/>
-                </a:solidFill>
+              <a:rPr b="0" lang="ru-RU" sz="2000" spc="-1" strike="noStrike" u="sng">
+                <a:solidFill>
+                  <a:srgbClr val="2998e3"/>
+                </a:solidFill>
+                <a:uFillTx/>
                 <a:latin typeface="Calibri"/>
                 <a:hlinkClick r:id="rId1"/>
               </a:rPr>
@@ -21171,7 +21583,7 @@
         <p:spPr>
           <a:xfrm>
             <a:off x="1097280" y="286560"/>
-            <a:ext cx="10422000" cy="1449720"/>
+            <a:ext cx="10421640" cy="1449360"/>
           </a:xfrm>
           <a:prstGeom prst="rect">
             <a:avLst/>
@@ -21225,7 +21637,7 @@
         <p:spPr>
           <a:xfrm>
             <a:off x="1080000" y="1737000"/>
-            <a:ext cx="10079280" cy="4319280"/>
+            <a:ext cx="10078920" cy="4318920"/>
           </a:xfrm>
           <a:prstGeom prst="rect">
             <a:avLst/>
@@ -21632,7 +22044,7 @@
         <p:spPr>
           <a:xfrm>
             <a:off x="0" y="0"/>
-            <a:ext cx="12191040" cy="6856920"/>
+            <a:ext cx="12190680" cy="6856560"/>
           </a:xfrm>
           <a:prstGeom prst="rect">
             <a:avLst/>
@@ -21685,7 +22097,7 @@
         <p:spPr>
           <a:xfrm>
             <a:off x="14400" y="14400"/>
-            <a:ext cx="12176640" cy="6842520"/>
+            <a:ext cx="12176280" cy="6842160"/>
           </a:xfrm>
           <a:prstGeom prst="rect">
             <a:avLst/>
@@ -21738,7 +22150,7 @@
         <p:spPr>
           <a:xfrm>
             <a:off x="1097280" y="286560"/>
-            <a:ext cx="10057320" cy="1449720"/>
+            <a:ext cx="10056960" cy="1449360"/>
           </a:xfrm>
           <a:prstGeom prst="rect">
             <a:avLst/>
@@ -21817,7 +22229,7 @@
         <p:spPr>
           <a:xfrm>
             <a:off x="1097280" y="286560"/>
-            <a:ext cx="10057320" cy="1449720"/>
+            <a:ext cx="10056960" cy="1449360"/>
           </a:xfrm>
           <a:prstGeom prst="rect">
             <a:avLst/>
@@ -21866,7 +22278,7 @@
         <p:spPr>
           <a:xfrm>
             <a:off x="1097280" y="1845720"/>
-            <a:ext cx="10057320" cy="1119960"/>
+            <a:ext cx="10056960" cy="1119600"/>
           </a:xfrm>
           <a:prstGeom prst="rect">
             <a:avLst/>
@@ -21904,34 +22316,7 @@
                 </a:solidFill>
                 <a:latin typeface="Calibri"/>
               </a:rPr>
-              <a:t>Сообщения в RabbitMQ могут храниться только в очереди, отправитель </a:t>
-            </a:r>
-            <a:r>
-              <a:rPr b="0" lang="ru-RU" sz="2000" spc="-1" strike="noStrike">
-                <a:solidFill>
-                  <a:srgbClr val="404040"/>
-                </a:solidFill>
-                <a:latin typeface="Calibri"/>
-              </a:rPr>
-              <a:t>(P на рисунке ниже) создает сообщение и доставляет его в очередь, а </a:t>
-            </a:r>
-            <a:r>
-              <a:rPr b="0" lang="ru-RU" sz="2000" spc="-1" strike="noStrike">
-                <a:solidFill>
-                  <a:srgbClr val="404040"/>
-                </a:solidFill>
-                <a:latin typeface="Calibri"/>
-              </a:rPr>
-              <a:t>потребитель (C на рисунке ниже) может получить сообщение из </a:t>
-            </a:r>
-            <a:r>
-              <a:rPr b="0" lang="ru-RU" sz="2000" spc="-1" strike="noStrike">
-                <a:solidFill>
-                  <a:srgbClr val="404040"/>
-                </a:solidFill>
-                <a:latin typeface="Calibri"/>
-              </a:rPr>
-              <a:t>очереди и использовать его</a:t>
+              <a:t>Сообщения в RabbitMQ могут храниться только в очереди, отправитель (P на рисунке ниже) создает сообщение и доставляет его в очередь, а потребитель (C на рисунке ниже) может получить сообщение из очереди и использовать его</a:t>
             </a:r>
             <a:r>
               <a:rPr b="0" lang="en-US" sz="2000" spc="-1" strike="noStrike">
@@ -21961,7 +22346,7 @@
         <p:spPr>
           <a:xfrm>
             <a:off x="1176840" y="2873520"/>
-            <a:ext cx="3732840" cy="551520"/>
+            <a:ext cx="3732480" cy="551160"/>
           </a:xfrm>
           <a:prstGeom prst="rect">
             <a:avLst/>
@@ -21984,7 +22369,7 @@
         <p:spPr>
           <a:xfrm>
             <a:off x="1176840" y="5138640"/>
-            <a:ext cx="3161160" cy="1056240"/>
+            <a:ext cx="3160800" cy="1055880"/>
           </a:xfrm>
           <a:prstGeom prst="rect">
             <a:avLst/>
@@ -22003,7 +22388,7 @@
         <p:spPr>
           <a:xfrm>
             <a:off x="1097280" y="3721680"/>
-            <a:ext cx="10057320" cy="1119960"/>
+            <a:ext cx="10056960" cy="1119600"/>
           </a:xfrm>
           <a:prstGeom prst="rect">
             <a:avLst/>
@@ -22099,7 +22484,7 @@
         <p:spPr>
           <a:xfrm>
             <a:off x="1097280" y="286560"/>
-            <a:ext cx="10057320" cy="1449720"/>
+            <a:ext cx="10056960" cy="1449360"/>
           </a:xfrm>
           <a:prstGeom prst="rect">
             <a:avLst/>
@@ -22148,7 +22533,7 @@
         <p:spPr>
           <a:xfrm>
             <a:off x="1097280" y="1845720"/>
-            <a:ext cx="9796680" cy="1275840"/>
+            <a:ext cx="9796320" cy="1275480"/>
           </a:xfrm>
           <a:prstGeom prst="rect">
             <a:avLst/>
@@ -22207,7 +22592,7 @@
         <p:spPr>
           <a:xfrm>
             <a:off x="1097280" y="2839320"/>
-            <a:ext cx="3161160" cy="1046520"/>
+            <a:ext cx="3160800" cy="1046160"/>
           </a:xfrm>
           <a:prstGeom prst="rect">
             <a:avLst/>
@@ -22226,7 +22611,7 @@
         <p:spPr>
           <a:xfrm>
             <a:off x="1097280" y="4326840"/>
-            <a:ext cx="9796680" cy="1004400"/>
+            <a:ext cx="9796320" cy="1004400"/>
           </a:xfrm>
           <a:prstGeom prst="rect">
             <a:avLst/>

--- a/presentation/RabbitMQ.pptx
+++ b/presentation/RabbitMQ.pptx
@@ -39,6 +39,10 @@
     <p:sldId id="279" r:id="rId32"/>
     <p:sldId id="280" r:id="rId33"/>
     <p:sldId id="281" r:id="rId34"/>
+    <p:sldId id="282" r:id="rId35"/>
+    <p:sldId id="283" r:id="rId36"/>
+    <p:sldId id="284" r:id="rId37"/>
+    <p:sldId id="285" r:id="rId38"/>
   </p:sldIdLst>
   <p:sldSz cx="12192000" cy="6858000"/>
   <p:notesSz cx="9144000" cy="6858000"/>
@@ -322,7 +326,7 @@
             <a:pPr algn="r">
               <a:buNone/>
             </a:pPr>
-            <a:fld id="{14983918-1B51-404C-91D5-9EB942DC605D}" type="slidenum">
+            <a:fld id="{E537D5AF-13AD-4C45-8D67-E9AF3D6680F3}" type="slidenum">
               <a:rPr b="0" lang="ru-RU" sz="1400" spc="-1" strike="noStrike">
                 <a:latin typeface="Times New Roman"/>
               </a:rPr>
@@ -359,7 +363,7 @@
       </p:grpSpPr>
       <p:sp>
         <p:nvSpPr>
-          <p:cNvPr id="350" name="PlaceHolder 1"/>
+          <p:cNvPr id="357" name="PlaceHolder 1"/>
           <p:cNvSpPr>
             <a:spLocks noGrp="1"/>
           </p:cNvSpPr>
@@ -370,19 +374,19 @@
         <p:spPr>
           <a:xfrm>
             <a:off x="914400" y="857160"/>
-            <a:ext cx="7310160" cy="2309760"/>
-          </a:xfrm>
-          <a:prstGeom prst="rect">
-            <a:avLst/>
-          </a:prstGeom>
-          <a:ln w="0">
-            <a:noFill/>
-          </a:ln>
-        </p:spPr>
-      </p:sp>
-      <p:sp>
-        <p:nvSpPr>
-          <p:cNvPr id="351" name="PlaceHolder 2"/>
+            <a:ext cx="7309440" cy="2309040"/>
+          </a:xfrm>
+          <a:prstGeom prst="rect">
+            <a:avLst/>
+          </a:prstGeom>
+          <a:ln w="0">
+            <a:noFill/>
+          </a:ln>
+        </p:spPr>
+      </p:sp>
+      <p:sp>
+        <p:nvSpPr>
+          <p:cNvPr id="358" name="PlaceHolder 2"/>
           <p:cNvSpPr>
             <a:spLocks noGrp="1"/>
           </p:cNvSpPr>
@@ -393,7 +397,7 @@
         <p:spPr>
           <a:xfrm>
             <a:off x="914400" y="3300480"/>
-            <a:ext cx="7310160" cy="2695320"/>
+            <a:ext cx="7309440" cy="2694600"/>
           </a:xfrm>
           <a:prstGeom prst="rect">
             <a:avLst/>
@@ -459,7 +463,7 @@
       </p:sp>
       <p:sp>
         <p:nvSpPr>
-          <p:cNvPr id="352" name="PlaceHolder 3"/>
+          <p:cNvPr id="359" name="PlaceHolder 3"/>
           <p:cNvSpPr>
             <a:spLocks noGrp="1"/>
           </p:cNvSpPr>
@@ -470,7 +474,7 @@
         <p:spPr>
           <a:xfrm>
             <a:off x="5179680" y="6513840"/>
-            <a:ext cx="3957120" cy="339120"/>
+            <a:ext cx="3956400" cy="338400"/>
           </a:xfrm>
           <a:prstGeom prst="rect">
             <a:avLst/>
@@ -506,7 +510,7 @@
               </a:lnSpc>
               <a:buNone/>
             </a:pPr>
-            <a:fld id="{2E72DF08-1C1E-4802-94AA-C75C3B1338F9}" type="slidenum">
+            <a:fld id="{75991819-79F1-4622-8DB1-45769E340B12}" type="slidenum">
               <a:rPr b="0" lang="ru-RU" sz="1200" spc="-1" strike="noStrike">
                 <a:solidFill>
                   <a:srgbClr val="000000"/>
@@ -514,7 +518,7 @@
                 <a:latin typeface="+mn-lt"/>
                 <a:ea typeface="+mn-ea"/>
               </a:rPr>
-              <a:t>22</a:t>
+              <a:t>&lt;номер&gt;</a:t>
             </a:fld>
             <a:endParaRPr b="0" lang="ru-RU" sz="1200" spc="-1" strike="noStrike">
               <a:latin typeface="Times New Roman"/>
@@ -546,7 +550,7 @@
       </p:grpSpPr>
       <p:sp>
         <p:nvSpPr>
-          <p:cNvPr id="359" name="PlaceHolder 1"/>
+          <p:cNvPr id="366" name="PlaceHolder 1"/>
           <p:cNvSpPr>
             <a:spLocks noGrp="1"/>
           </p:cNvSpPr>
@@ -557,19 +561,19 @@
         <p:spPr>
           <a:xfrm>
             <a:off x="507960" y="520920"/>
-            <a:ext cx="8122680" cy="2566800"/>
-          </a:xfrm>
-          <a:prstGeom prst="rect">
-            <a:avLst/>
-          </a:prstGeom>
-          <a:ln w="0">
-            <a:noFill/>
-          </a:ln>
-        </p:spPr>
-      </p:sp>
-      <p:sp>
-        <p:nvSpPr>
-          <p:cNvPr id="360" name="PlaceHolder 2"/>
+            <a:ext cx="8121960" cy="2566080"/>
+          </a:xfrm>
+          <a:prstGeom prst="rect">
+            <a:avLst/>
+          </a:prstGeom>
+          <a:ln w="0">
+            <a:noFill/>
+          </a:ln>
+        </p:spPr>
+      </p:sp>
+      <p:sp>
+        <p:nvSpPr>
+          <p:cNvPr id="367" name="PlaceHolder 2"/>
           <p:cNvSpPr>
             <a:spLocks noGrp="1"/>
           </p:cNvSpPr>
@@ -580,7 +584,7 @@
         <p:spPr>
           <a:xfrm>
             <a:off x="914400" y="3257280"/>
-            <a:ext cx="7310160" cy="3081240"/>
+            <a:ext cx="7309440" cy="3080520"/>
           </a:xfrm>
           <a:prstGeom prst="rect">
             <a:avLst/>
@@ -654,7 +658,7 @@
       </p:grpSpPr>
       <p:sp>
         <p:nvSpPr>
-          <p:cNvPr id="361" name="PlaceHolder 1"/>
+          <p:cNvPr id="368" name="PlaceHolder 1"/>
           <p:cNvSpPr>
             <a:spLocks noGrp="1"/>
           </p:cNvSpPr>
@@ -665,19 +669,19 @@
         <p:spPr>
           <a:xfrm>
             <a:off x="914400" y="857160"/>
-            <a:ext cx="7310160" cy="2309760"/>
-          </a:xfrm>
-          <a:prstGeom prst="rect">
-            <a:avLst/>
-          </a:prstGeom>
-          <a:ln w="0">
-            <a:noFill/>
-          </a:ln>
-        </p:spPr>
-      </p:sp>
-      <p:sp>
-        <p:nvSpPr>
-          <p:cNvPr id="362" name="PlaceHolder 2"/>
+            <a:ext cx="7309440" cy="2309040"/>
+          </a:xfrm>
+          <a:prstGeom prst="rect">
+            <a:avLst/>
+          </a:prstGeom>
+          <a:ln w="0">
+            <a:noFill/>
+          </a:ln>
+        </p:spPr>
+      </p:sp>
+      <p:sp>
+        <p:nvSpPr>
+          <p:cNvPr id="369" name="PlaceHolder 2"/>
           <p:cNvSpPr>
             <a:spLocks noGrp="1"/>
           </p:cNvSpPr>
@@ -688,7 +692,7 @@
         <p:spPr>
           <a:xfrm>
             <a:off x="914400" y="3300480"/>
-            <a:ext cx="7310160" cy="2695320"/>
+            <a:ext cx="7309440" cy="2694600"/>
           </a:xfrm>
           <a:prstGeom prst="rect">
             <a:avLst/>
@@ -711,7 +715,7 @@
       </p:sp>
       <p:sp>
         <p:nvSpPr>
-          <p:cNvPr id="363" name="PlaceHolder 3"/>
+          <p:cNvPr id="370" name="PlaceHolder 3"/>
           <p:cNvSpPr>
             <a:spLocks noGrp="1"/>
           </p:cNvSpPr>
@@ -722,7 +726,7 @@
         <p:spPr>
           <a:xfrm>
             <a:off x="5179680" y="6513840"/>
-            <a:ext cx="3957120" cy="339120"/>
+            <a:ext cx="3956400" cy="338400"/>
           </a:xfrm>
           <a:prstGeom prst="rect">
             <a:avLst/>
@@ -758,7 +762,7 @@
               </a:lnSpc>
               <a:buNone/>
             </a:pPr>
-            <a:fld id="{9374238D-2741-4511-88FD-9A21594AAE9C}" type="slidenum">
+            <a:fld id="{24F2A77E-1A1E-40CF-AC94-883899EF7034}" type="slidenum">
               <a:rPr b="0" lang="ru-RU" sz="1200" spc="-1" strike="noStrike">
                 <a:solidFill>
                   <a:srgbClr val="000000"/>
@@ -766,7 +770,7 @@
                 <a:latin typeface="+mn-lt"/>
                 <a:ea typeface="+mn-ea"/>
               </a:rPr>
-              <a:t>22</a:t>
+              <a:t>&lt;номер&gt;</a:t>
             </a:fld>
             <a:endParaRPr b="0" lang="ru-RU" sz="1200" spc="-1" strike="noStrike">
               <a:latin typeface="Times New Roman"/>
@@ -798,7 +802,7 @@
       </p:grpSpPr>
       <p:sp>
         <p:nvSpPr>
-          <p:cNvPr id="364" name="PlaceHolder 1"/>
+          <p:cNvPr id="371" name="PlaceHolder 1"/>
           <p:cNvSpPr>
             <a:spLocks noGrp="1"/>
           </p:cNvSpPr>
@@ -809,19 +813,19 @@
         <p:spPr>
           <a:xfrm>
             <a:off x="914400" y="857160"/>
-            <a:ext cx="7310160" cy="2309760"/>
-          </a:xfrm>
-          <a:prstGeom prst="rect">
-            <a:avLst/>
-          </a:prstGeom>
-          <a:ln w="0">
-            <a:noFill/>
-          </a:ln>
-        </p:spPr>
-      </p:sp>
-      <p:sp>
-        <p:nvSpPr>
-          <p:cNvPr id="365" name="PlaceHolder 2"/>
+            <a:ext cx="7309440" cy="2309040"/>
+          </a:xfrm>
+          <a:prstGeom prst="rect">
+            <a:avLst/>
+          </a:prstGeom>
+          <a:ln w="0">
+            <a:noFill/>
+          </a:ln>
+        </p:spPr>
+      </p:sp>
+      <p:sp>
+        <p:nvSpPr>
+          <p:cNvPr id="372" name="PlaceHolder 2"/>
           <p:cNvSpPr>
             <a:spLocks noGrp="1"/>
           </p:cNvSpPr>
@@ -832,7 +836,7 @@
         <p:spPr>
           <a:xfrm>
             <a:off x="914400" y="3300480"/>
-            <a:ext cx="7310160" cy="2695320"/>
+            <a:ext cx="7309440" cy="2694600"/>
           </a:xfrm>
           <a:prstGeom prst="rect">
             <a:avLst/>
@@ -855,7 +859,7 @@
       </p:sp>
       <p:sp>
         <p:nvSpPr>
-          <p:cNvPr id="366" name="PlaceHolder 3"/>
+          <p:cNvPr id="373" name="PlaceHolder 3"/>
           <p:cNvSpPr>
             <a:spLocks noGrp="1"/>
           </p:cNvSpPr>
@@ -866,7 +870,7 @@
         <p:spPr>
           <a:xfrm>
             <a:off x="5179680" y="6513840"/>
-            <a:ext cx="3957120" cy="339120"/>
+            <a:ext cx="3956400" cy="338400"/>
           </a:xfrm>
           <a:prstGeom prst="rect">
             <a:avLst/>
@@ -902,7 +906,7 @@
               </a:lnSpc>
               <a:buNone/>
             </a:pPr>
-            <a:fld id="{E65C5318-B51D-47C6-AC61-6856DC37BCAA}" type="slidenum">
+            <a:fld id="{A7C041B4-4B83-4EEB-8A39-A93F002D93C9}" type="slidenum">
               <a:rPr b="0" lang="ru-RU" sz="1200" spc="-1" strike="noStrike">
                 <a:solidFill>
                   <a:srgbClr val="000000"/>
@@ -910,7 +914,7 @@
                 <a:latin typeface="+mn-lt"/>
                 <a:ea typeface="+mn-ea"/>
               </a:rPr>
-              <a:t>22</a:t>
+              <a:t>&lt;номер&gt;</a:t>
             </a:fld>
             <a:endParaRPr b="0" lang="ru-RU" sz="1200" spc="-1" strike="noStrike">
               <a:latin typeface="Times New Roman"/>
@@ -942,7 +946,7 @@
       </p:grpSpPr>
       <p:sp>
         <p:nvSpPr>
-          <p:cNvPr id="367" name="PlaceHolder 1"/>
+          <p:cNvPr id="374" name="PlaceHolder 1"/>
           <p:cNvSpPr>
             <a:spLocks noGrp="1"/>
           </p:cNvSpPr>
@@ -953,19 +957,19 @@
         <p:spPr>
           <a:xfrm>
             <a:off x="914400" y="857160"/>
-            <a:ext cx="7310160" cy="2309760"/>
-          </a:xfrm>
-          <a:prstGeom prst="rect">
-            <a:avLst/>
-          </a:prstGeom>
-          <a:ln w="0">
-            <a:noFill/>
-          </a:ln>
-        </p:spPr>
-      </p:sp>
-      <p:sp>
-        <p:nvSpPr>
-          <p:cNvPr id="368" name="PlaceHolder 2"/>
+            <a:ext cx="7309440" cy="2309040"/>
+          </a:xfrm>
+          <a:prstGeom prst="rect">
+            <a:avLst/>
+          </a:prstGeom>
+          <a:ln w="0">
+            <a:noFill/>
+          </a:ln>
+        </p:spPr>
+      </p:sp>
+      <p:sp>
+        <p:nvSpPr>
+          <p:cNvPr id="375" name="PlaceHolder 2"/>
           <p:cNvSpPr>
             <a:spLocks noGrp="1"/>
           </p:cNvSpPr>
@@ -976,7 +980,7 @@
         <p:spPr>
           <a:xfrm>
             <a:off x="914400" y="3300480"/>
-            <a:ext cx="7310160" cy="2695320"/>
+            <a:ext cx="7309440" cy="2694600"/>
           </a:xfrm>
           <a:prstGeom prst="rect">
             <a:avLst/>
@@ -999,7 +1003,7 @@
       </p:sp>
       <p:sp>
         <p:nvSpPr>
-          <p:cNvPr id="369" name="PlaceHolder 3"/>
+          <p:cNvPr id="376" name="PlaceHolder 3"/>
           <p:cNvSpPr>
             <a:spLocks noGrp="1"/>
           </p:cNvSpPr>
@@ -1010,7 +1014,7 @@
         <p:spPr>
           <a:xfrm>
             <a:off x="5179680" y="6513840"/>
-            <a:ext cx="3957120" cy="339120"/>
+            <a:ext cx="3956400" cy="338400"/>
           </a:xfrm>
           <a:prstGeom prst="rect">
             <a:avLst/>
@@ -1046,7 +1050,7 @@
               </a:lnSpc>
               <a:buNone/>
             </a:pPr>
-            <a:fld id="{B250C164-FB53-4248-8DB8-E2E5DA14CD50}" type="slidenum">
+            <a:fld id="{0FA56D6F-83F0-449E-AA9F-F0D83D5EEFE4}" type="slidenum">
               <a:rPr b="0" lang="ru-RU" sz="1200" spc="-1" strike="noStrike">
                 <a:solidFill>
                   <a:srgbClr val="000000"/>
@@ -1054,7 +1058,7 @@
                 <a:latin typeface="+mn-lt"/>
                 <a:ea typeface="+mn-ea"/>
               </a:rPr>
-              <a:t>22</a:t>
+              <a:t>&lt;номер&gt;</a:t>
             </a:fld>
             <a:endParaRPr b="0" lang="ru-RU" sz="1200" spc="-1" strike="noStrike">
               <a:latin typeface="Times New Roman"/>
@@ -1086,7 +1090,7 @@
       </p:grpSpPr>
       <p:sp>
         <p:nvSpPr>
-          <p:cNvPr id="370" name="PlaceHolder 1"/>
+          <p:cNvPr id="377" name="PlaceHolder 1"/>
           <p:cNvSpPr>
             <a:spLocks noGrp="1"/>
           </p:cNvSpPr>
@@ -1097,19 +1101,19 @@
         <p:spPr>
           <a:xfrm>
             <a:off x="914400" y="857160"/>
-            <a:ext cx="7310160" cy="2309760"/>
-          </a:xfrm>
-          <a:prstGeom prst="rect">
-            <a:avLst/>
-          </a:prstGeom>
-          <a:ln w="0">
-            <a:noFill/>
-          </a:ln>
-        </p:spPr>
-      </p:sp>
-      <p:sp>
-        <p:nvSpPr>
-          <p:cNvPr id="371" name="PlaceHolder 2"/>
+            <a:ext cx="7309440" cy="2309040"/>
+          </a:xfrm>
+          <a:prstGeom prst="rect">
+            <a:avLst/>
+          </a:prstGeom>
+          <a:ln w="0">
+            <a:noFill/>
+          </a:ln>
+        </p:spPr>
+      </p:sp>
+      <p:sp>
+        <p:nvSpPr>
+          <p:cNvPr id="378" name="PlaceHolder 2"/>
           <p:cNvSpPr>
             <a:spLocks noGrp="1"/>
           </p:cNvSpPr>
@@ -1120,7 +1124,7 @@
         <p:spPr>
           <a:xfrm>
             <a:off x="914400" y="3300480"/>
-            <a:ext cx="7310160" cy="2695320"/>
+            <a:ext cx="7309440" cy="2694600"/>
           </a:xfrm>
           <a:prstGeom prst="rect">
             <a:avLst/>
@@ -1293,7 +1297,7 @@
       </p:sp>
       <p:sp>
         <p:nvSpPr>
-          <p:cNvPr id="372" name="PlaceHolder 3"/>
+          <p:cNvPr id="379" name="PlaceHolder 3"/>
           <p:cNvSpPr>
             <a:spLocks noGrp="1"/>
           </p:cNvSpPr>
@@ -1304,7 +1308,7 @@
         <p:spPr>
           <a:xfrm>
             <a:off x="5179680" y="6513840"/>
-            <a:ext cx="3957120" cy="339120"/>
+            <a:ext cx="3956400" cy="338400"/>
           </a:xfrm>
           <a:prstGeom prst="rect">
             <a:avLst/>
@@ -1340,7 +1344,7 @@
               </a:lnSpc>
               <a:buNone/>
             </a:pPr>
-            <a:fld id="{474844C5-DBE9-4053-8210-C8675962B748}" type="slidenum">
+            <a:fld id="{2D69C625-9D77-4D1B-B80C-558DC1C55783}" type="slidenum">
               <a:rPr b="0" lang="ru-RU" sz="1200" spc="-1" strike="noStrike">
                 <a:solidFill>
                   <a:srgbClr val="000000"/>
@@ -1348,7 +1352,7 @@
                 <a:latin typeface="+mn-lt"/>
                 <a:ea typeface="+mn-ea"/>
               </a:rPr>
-              <a:t>22</a:t>
+              <a:t>&lt;номер&gt;</a:t>
             </a:fld>
             <a:endParaRPr b="0" lang="ru-RU" sz="1200" spc="-1" strike="noStrike">
               <a:latin typeface="Times New Roman"/>
@@ -1380,30 +1384,7 @@
       </p:grpSpPr>
       <p:sp>
         <p:nvSpPr>
-          <p:cNvPr id="373" name="PlaceHolder 1"/>
-          <p:cNvSpPr>
-            <a:spLocks noGrp="1"/>
-          </p:cNvSpPr>
-          <p:nvPr>
-            <p:ph type="sldImg"/>
-          </p:nvPr>
-        </p:nvSpPr>
-        <p:spPr>
-          <a:xfrm>
-            <a:off x="914400" y="857160"/>
-            <a:ext cx="7310160" cy="2309760"/>
-          </a:xfrm>
-          <a:prstGeom prst="rect">
-            <a:avLst/>
-          </a:prstGeom>
-          <a:ln w="0">
-            <a:noFill/>
-          </a:ln>
-        </p:spPr>
-      </p:sp>
-      <p:sp>
-        <p:nvSpPr>
-          <p:cNvPr id="374" name="PlaceHolder 2"/>
+          <p:cNvPr id="380" name="PlaceHolder 1"/>
           <p:cNvSpPr>
             <a:spLocks noGrp="1"/>
           </p:cNvSpPr>
@@ -1414,7 +1395,7 @@
         <p:spPr>
           <a:xfrm>
             <a:off x="914400" y="3300480"/>
-            <a:ext cx="7310160" cy="2695320"/>
+            <a:ext cx="7309440" cy="2694600"/>
           </a:xfrm>
           <a:prstGeom prst="rect">
             <a:avLst/>
@@ -2134,7 +2115,7 @@
       </p:sp>
       <p:sp>
         <p:nvSpPr>
-          <p:cNvPr id="375" name="PlaceHolder 3"/>
+          <p:cNvPr id="381" name="PlaceHolder 2"/>
           <p:cNvSpPr>
             <a:spLocks noGrp="1"/>
           </p:cNvSpPr>
@@ -2145,7 +2126,7 @@
         <p:spPr>
           <a:xfrm>
             <a:off x="5179680" y="6513840"/>
-            <a:ext cx="3957120" cy="339120"/>
+            <a:ext cx="3956400" cy="338400"/>
           </a:xfrm>
           <a:prstGeom prst="rect">
             <a:avLst/>
@@ -2181,7 +2162,7 @@
               </a:lnSpc>
               <a:buNone/>
             </a:pPr>
-            <a:fld id="{5E1E2783-9C5B-4156-8638-9DDB54EE4CCD}" type="slidenum">
+            <a:fld id="{663F456E-8764-454D-8A60-B0119660223A}" type="slidenum">
               <a:rPr b="0" lang="ru-RU" sz="1200" spc="-1" strike="noStrike">
                 <a:solidFill>
                   <a:srgbClr val="000000"/>
@@ -2189,7 +2170,7 @@
                 <a:latin typeface="+mn-lt"/>
                 <a:ea typeface="+mn-ea"/>
               </a:rPr>
-              <a:t>22</a:t>
+              <a:t>&lt;номер&gt;</a:t>
             </a:fld>
             <a:endParaRPr b="0" lang="ru-RU" sz="1200" spc="-1" strike="noStrike">
               <a:latin typeface="Times New Roman"/>
@@ -2197,31 +2178,9 @@
           </a:p>
         </p:txBody>
       </p:sp>
-    </p:spTree>
-  </p:cSld>
-</p:notes>
-</file>
-
-<file path=ppt/notesSlides/notesSlide19.xml><?xml version="1.0" encoding="utf-8"?>
-<p:notes xmlns:a="http://schemas.openxmlformats.org/drawingml/2006/main" xmlns:p="http://schemas.openxmlformats.org/presentationml/2006/main" xmlns:r="http://schemas.openxmlformats.org/officeDocument/2006/relationships" xmlns:p14="http://schemas.microsoft.com/office/powerpoint/2010/main" xmlns:p15="http://schemas.microsoft.com/office/powerpoint/2012/main" xmlns:mc="http://schemas.openxmlformats.org/markup-compatibility/2006">
-  <p:cSld>
-    <p:spTree>
-      <p:nvGrpSpPr>
-        <p:cNvPr id="1" name=""/>
-        <p:cNvGrpSpPr/>
-        <p:nvPr/>
-      </p:nvGrpSpPr>
-      <p:grpSpPr>
-        <a:xfrm>
-          <a:off x="0" y="0"/>
-          <a:ext cx="0" cy="0"/>
-          <a:chOff x="0" y="0"/>
-          <a:chExt cx="0" cy="0"/>
-        </a:xfrm>
-      </p:grpSpPr>
-      <p:sp>
-        <p:nvSpPr>
-          <p:cNvPr id="376" name="PlaceHolder 1"/>
+      <p:sp>
+        <p:nvSpPr>
+          <p:cNvPr id="382" name="PlaceHolder 3"/>
           <p:cNvSpPr>
             <a:spLocks noGrp="1"/>
           </p:cNvSpPr>
@@ -2232,315 +2191,15 @@
         <p:spPr>
           <a:xfrm>
             <a:off x="914400" y="857160"/>
-            <a:ext cx="7310160" cy="2309760"/>
-          </a:xfrm>
-          <a:prstGeom prst="rect">
-            <a:avLst/>
-          </a:prstGeom>
-          <a:ln w="0">
-            <a:noFill/>
-          </a:ln>
-        </p:spPr>
-      </p:sp>
-      <p:sp>
-        <p:nvSpPr>
-          <p:cNvPr id="377" name="PlaceHolder 2"/>
-          <p:cNvSpPr>
-            <a:spLocks noGrp="1"/>
-          </p:cNvSpPr>
-          <p:nvPr>
-            <p:ph type="body"/>
-          </p:nvPr>
-        </p:nvSpPr>
-        <p:spPr>
-          <a:xfrm>
-            <a:off x="914400" y="3300480"/>
-            <a:ext cx="7310160" cy="2695320"/>
-          </a:xfrm>
-          <a:prstGeom prst="rect">
-            <a:avLst/>
-          </a:prstGeom>
-          <a:noFill/>
-          <a:ln w="0">
-            <a:noFill/>
-          </a:ln>
-        </p:spPr>
-        <p:txBody>
-          <a:bodyPr lIns="0" rIns="0" tIns="0" bIns="0" anchor="t">
-            <a:noAutofit/>
-          </a:bodyPr>
-          <a:p>
-            <a:pPr marL="216000" indent="-216000">
-              <a:lnSpc>
-                <a:spcPct val="100000"/>
-              </a:lnSpc>
-              <a:buNone/>
-              <a:tabLst>
-                <a:tab algn="l" pos="0"/>
-              </a:tabLst>
-            </a:pPr>
-            <a:r>
-              <a:rPr b="0" lang="ru-RU" sz="1200" spc="-1" strike="noStrike">
-                <a:solidFill>
-                  <a:srgbClr val="000000"/>
-                </a:solidFill>
-                <a:latin typeface="+mn-lt"/>
-                <a:ea typeface="+mn-ea"/>
-              </a:rPr>
-              <a:t>Механизм реализации RPC в RabbitMQ:</a:t>
-            </a:r>
-            <a:endParaRPr b="0" lang="ru-RU" sz="1200" spc="-1" strike="noStrike">
-              <a:latin typeface="Arial"/>
-            </a:endParaRPr>
-          </a:p>
-          <a:p>
-            <a:pPr marL="171360" indent="-171360">
-              <a:lnSpc>
-                <a:spcPct val="100000"/>
-              </a:lnSpc>
-              <a:buClr>
-                <a:srgbClr val="000000"/>
-              </a:buClr>
-              <a:buFont typeface="Arial"/>
-              <a:buChar char="•"/>
-              <a:tabLst>
-                <a:tab algn="l" pos="0"/>
-              </a:tabLst>
-            </a:pPr>
-            <a:r>
-              <a:rPr b="0" lang="ru-RU" sz="1200" spc="-1" strike="noStrike">
-                <a:solidFill>
-                  <a:srgbClr val="000000"/>
-                </a:solidFill>
-                <a:latin typeface="+mn-lt"/>
-                <a:ea typeface="+mn-ea"/>
-              </a:rPr>
-              <a:t>Когда клиент отправляет запрос (сообщение), задает два значения в свойствах сообщения (MessageProperties, эти свойства будут отправляться вместе с сообщением) </a:t>
-            </a:r>
-            <a:endParaRPr b="0" lang="ru-RU" sz="1200" spc="-1" strike="noStrike">
-              <a:latin typeface="Arial"/>
-            </a:endParaRPr>
-          </a:p>
-          <a:p>
-            <a:pPr lvl="1" marL="685800" indent="-228600">
-              <a:lnSpc>
-                <a:spcPct val="100000"/>
-              </a:lnSpc>
-              <a:buClr>
-                <a:srgbClr val="000000"/>
-              </a:buClr>
-              <a:buFont typeface="+mj-lt"/>
-              <a:buAutoNum type="arabicPeriod"/>
-              <a:tabLst>
-                <a:tab algn="l" pos="0"/>
-              </a:tabLst>
-            </a:pPr>
-            <a:r>
-              <a:rPr b="0" lang="ru-RU" sz="1200" spc="-1" strike="noStrike">
-                <a:solidFill>
-                  <a:srgbClr val="000000"/>
-                </a:solidFill>
-                <a:latin typeface="+mn-lt"/>
-                <a:ea typeface="+mn-ea"/>
-              </a:rPr>
-              <a:t>replyTo (имя очереди, используемое для сообщения серверу После завершения обработки сообщение, которое информирует меня, будет отправлено в эту очередь)</a:t>
-            </a:r>
-            <a:endParaRPr b="0" lang="ru-RU" sz="1200" spc="-1" strike="noStrike">
-              <a:latin typeface="Arial"/>
-            </a:endParaRPr>
-          </a:p>
-          <a:p>
-            <a:pPr lvl="1" marL="685800" indent="-228600">
-              <a:lnSpc>
-                <a:spcPct val="100000"/>
-              </a:lnSpc>
-              <a:buClr>
-                <a:srgbClr val="000000"/>
-              </a:buClr>
-              <a:buFont typeface="+mj-lt"/>
-              <a:buAutoNum type="arabicPeriod"/>
-              <a:tabLst>
-                <a:tab algn="l" pos="0"/>
-              </a:tabLst>
-            </a:pPr>
-            <a:r>
-              <a:rPr b="0" lang="ru-RU" sz="1200" spc="-1" strike="noStrike">
-                <a:solidFill>
-                  <a:srgbClr val="000000"/>
-                </a:solidFill>
-                <a:latin typeface="+mn-lt"/>
-                <a:ea typeface="+mn-ea"/>
-              </a:rPr>
-              <a:t>correlationId (идентификационный номер этого запроса, сервер должен вернуть этот атрибут после завершения обработки, и клиент будет знать, какой запрос был выполнен)</a:t>
-            </a:r>
-            <a:endParaRPr b="0" lang="ru-RU" sz="1200" spc="-1" strike="noStrike">
-              <a:latin typeface="Arial"/>
-            </a:endParaRPr>
-          </a:p>
-          <a:p>
-            <a:pPr marL="171360" indent="-171360">
-              <a:lnSpc>
-                <a:spcPct val="100000"/>
-              </a:lnSpc>
-              <a:buClr>
-                <a:srgbClr val="000000"/>
-              </a:buClr>
-              <a:buFont typeface="Arial"/>
-              <a:buChar char="•"/>
-              <a:tabLst>
-                <a:tab algn="l" pos="0"/>
-              </a:tabLst>
-            </a:pPr>
-            <a:r>
-              <a:rPr b="0" lang="ru-RU" sz="1200" spc="-1" strike="noStrike">
-                <a:solidFill>
-                  <a:srgbClr val="000000"/>
-                </a:solidFill>
-                <a:latin typeface="+mn-lt"/>
-                <a:ea typeface="+mn-ea"/>
-              </a:rPr>
-              <a:t>Сервер получает сообщение и обрабатывает его</a:t>
-            </a:r>
-            <a:endParaRPr b="0" lang="ru-RU" sz="1200" spc="-1" strike="noStrike">
-              <a:latin typeface="Arial"/>
-            </a:endParaRPr>
-          </a:p>
-          <a:p>
-            <a:pPr marL="171360" indent="-171360">
-              <a:lnSpc>
-                <a:spcPct val="100000"/>
-              </a:lnSpc>
-              <a:buClr>
-                <a:srgbClr val="000000"/>
-              </a:buClr>
-              <a:buFont typeface="Arial"/>
-              <a:buChar char="•"/>
-              <a:tabLst>
-                <a:tab algn="l" pos="0"/>
-              </a:tabLst>
-            </a:pPr>
-            <a:r>
-              <a:rPr b="0" lang="ru-RU" sz="1200" spc="-1" strike="noStrike">
-                <a:solidFill>
-                  <a:srgbClr val="000000"/>
-                </a:solidFill>
-                <a:latin typeface="+mn-lt"/>
-                <a:ea typeface="+mn-ea"/>
-              </a:rPr>
-              <a:t>После обработки сообщения сервер сгенерирует ответное сообщение в очередь, указанную в replyTo, и принесет атрибут correlationId.</a:t>
-            </a:r>
-            <a:endParaRPr b="0" lang="ru-RU" sz="1200" spc="-1" strike="noStrike">
-              <a:latin typeface="Arial"/>
-            </a:endParaRPr>
-          </a:p>
-          <a:p>
-            <a:pPr marL="171360" indent="-171360">
-              <a:lnSpc>
-                <a:spcPct val="100000"/>
-              </a:lnSpc>
-              <a:buClr>
-                <a:srgbClr val="000000"/>
-              </a:buClr>
-              <a:buFont typeface="Arial"/>
-              <a:buChar char="•"/>
-              <a:tabLst>
-                <a:tab algn="l" pos="0"/>
-              </a:tabLst>
-            </a:pPr>
-            <a:r>
-              <a:rPr b="0" lang="ru-RU" sz="1200" spc="-1" strike="noStrike">
-                <a:solidFill>
-                  <a:srgbClr val="000000"/>
-                </a:solidFill>
-                <a:latin typeface="+mn-lt"/>
-                <a:ea typeface="+mn-ea"/>
-              </a:rPr>
-              <a:t>Клиент подписался на очередь, указанную в replyTo. Получив ответное сообщение от сервера, он анализирует, какой запрос был выполнен в соответствии с атрибутом correlationId, и выполняет последующую бизнес-обработку на основе результата выполнения.</a:t>
-            </a:r>
-            <a:endParaRPr b="0" lang="ru-RU" sz="1200" spc="-1" strike="noStrike">
-              <a:latin typeface="Arial"/>
-            </a:endParaRPr>
-          </a:p>
-          <a:p>
-            <a:pPr>
-              <a:lnSpc>
-                <a:spcPct val="100000"/>
-              </a:lnSpc>
-              <a:buNone/>
-              <a:tabLst>
-                <a:tab algn="l" pos="0"/>
-              </a:tabLst>
-            </a:pPr>
-            <a:endParaRPr b="0" lang="ru-RU" sz="1200" spc="-1" strike="noStrike">
-              <a:latin typeface="Arial"/>
-            </a:endParaRPr>
-          </a:p>
-        </p:txBody>
-      </p:sp>
-      <p:sp>
-        <p:nvSpPr>
-          <p:cNvPr id="378" name="PlaceHolder 3"/>
-          <p:cNvSpPr>
-            <a:spLocks noGrp="1"/>
-          </p:cNvSpPr>
-          <p:nvPr>
-            <p:ph type="sldNum" idx="29"/>
-          </p:nvPr>
-        </p:nvSpPr>
-        <p:spPr>
-          <a:xfrm>
-            <a:off x="5179680" y="6513840"/>
-            <a:ext cx="3957120" cy="339120"/>
-          </a:xfrm>
-          <a:prstGeom prst="rect">
-            <a:avLst/>
-          </a:prstGeom>
-          <a:noFill/>
-          <a:ln w="0">
-            <a:noFill/>
-          </a:ln>
-        </p:spPr>
-        <p:txBody>
-          <a:bodyPr lIns="0" rIns="0" tIns="0" bIns="0" anchor="b">
-            <a:noAutofit/>
-          </a:bodyPr>
-          <a:lstStyle>
-            <a:lvl1pPr algn="r">
-              <a:lnSpc>
-                <a:spcPct val="100000"/>
-              </a:lnSpc>
-              <a:buNone/>
-              <a:defRPr b="0" lang="ru-RU" sz="1200" spc="-1" strike="noStrike">
-                <a:solidFill>
-                  <a:srgbClr val="000000"/>
-                </a:solidFill>
-                <a:latin typeface="+mn-lt"/>
-                <a:ea typeface="+mn-ea"/>
-              </a:defRPr>
-            </a:lvl1pPr>
-          </a:lstStyle>
-          <a:p>
-            <a:pPr algn="r">
-              <a:lnSpc>
-                <a:spcPct val="100000"/>
-              </a:lnSpc>
-              <a:buNone/>
-            </a:pPr>
-            <a:fld id="{56E52553-9AA2-490D-9189-EEBF3CC76C89}" type="slidenum">
-              <a:rPr b="0" lang="ru-RU" sz="1200" spc="-1" strike="noStrike">
-                <a:solidFill>
-                  <a:srgbClr val="000000"/>
-                </a:solidFill>
-                <a:latin typeface="+mn-lt"/>
-                <a:ea typeface="+mn-ea"/>
-              </a:rPr>
-              <a:t>22</a:t>
-            </a:fld>
-            <a:endParaRPr b="0" lang="ru-RU" sz="1200" spc="-1" strike="noStrike">
-              <a:latin typeface="Times New Roman"/>
-            </a:endParaRPr>
-          </a:p>
-        </p:txBody>
+            <a:ext cx="7309440" cy="2309040"/>
+          </a:xfrm>
+          <a:prstGeom prst="rect">
+            <a:avLst/>
+          </a:prstGeom>
+          <a:ln w="0">
+            <a:noFill/>
+          </a:ln>
+        </p:spPr>
       </p:sp>
     </p:spTree>
   </p:cSld>
@@ -2566,7 +2225,7 @@
       </p:grpSpPr>
       <p:sp>
         <p:nvSpPr>
-          <p:cNvPr id="353" name="PlaceHolder 1"/>
+          <p:cNvPr id="360" name="PlaceHolder 1"/>
           <p:cNvSpPr>
             <a:spLocks noGrp="1"/>
           </p:cNvSpPr>
@@ -2577,19 +2236,19 @@
         <p:spPr>
           <a:xfrm>
             <a:off x="216000" y="812520"/>
-            <a:ext cx="7124400" cy="4006080"/>
-          </a:xfrm>
-          <a:prstGeom prst="rect">
-            <a:avLst/>
-          </a:prstGeom>
-          <a:ln w="0">
-            <a:noFill/>
-          </a:ln>
-        </p:spPr>
-      </p:sp>
-      <p:sp>
-        <p:nvSpPr>
-          <p:cNvPr id="354" name="PlaceHolder 2"/>
+            <a:ext cx="7123680" cy="4005360"/>
+          </a:xfrm>
+          <a:prstGeom prst="rect">
+            <a:avLst/>
+          </a:prstGeom>
+          <a:ln w="0">
+            <a:noFill/>
+          </a:ln>
+        </p:spPr>
+      </p:sp>
+      <p:sp>
+        <p:nvSpPr>
+          <p:cNvPr id="361" name="PlaceHolder 2"/>
           <p:cNvSpPr>
             <a:spLocks noGrp="1"/>
           </p:cNvSpPr>
@@ -2600,7 +2259,7 @@
         <p:spPr>
           <a:xfrm>
             <a:off x="756000" y="5078520"/>
-            <a:ext cx="6044760" cy="4808160"/>
+            <a:ext cx="6044040" cy="4807440"/>
           </a:xfrm>
           <a:prstGeom prst="rect">
             <a:avLst/>
@@ -2623,14 +2282,14 @@
       </p:sp>
       <p:sp>
         <p:nvSpPr>
-          <p:cNvPr id="355" name=""/>
+          <p:cNvPr id="362" name=""/>
           <p:cNvSpPr/>
           <p:nvPr/>
         </p:nvSpPr>
         <p:spPr>
           <a:xfrm>
             <a:off x="893880" y="1224000"/>
-            <a:ext cx="1151640" cy="343440"/>
+            <a:ext cx="1150920" cy="342720"/>
           </a:xfrm>
           <a:prstGeom prst="rect">
             <a:avLst/>
@@ -2674,14 +2333,14 @@
       </p:sp>
       <p:sp>
         <p:nvSpPr>
-          <p:cNvPr id="356" name=""/>
+          <p:cNvPr id="363" name=""/>
           <p:cNvSpPr/>
           <p:nvPr/>
         </p:nvSpPr>
         <p:spPr>
           <a:xfrm>
             <a:off x="900000" y="1800000"/>
-            <a:ext cx="5757120" cy="2135160"/>
+            <a:ext cx="5756400" cy="2134440"/>
           </a:xfrm>
           <a:prstGeom prst="rect">
             <a:avLst/>
@@ -2789,150 +2448,6 @@
             </a:r>
             <a:endParaRPr b="0" lang="ru-RU" sz="1800" spc="-1" strike="noStrike">
               <a:latin typeface="Arial"/>
-            </a:endParaRPr>
-          </a:p>
-        </p:txBody>
-      </p:sp>
-    </p:spTree>
-  </p:cSld>
-</p:notes>
-</file>
-
-<file path=ppt/notesSlides/notesSlide21.xml><?xml version="1.0" encoding="utf-8"?>
-<p:notes xmlns:a="http://schemas.openxmlformats.org/drawingml/2006/main" xmlns:p="http://schemas.openxmlformats.org/presentationml/2006/main" xmlns:r="http://schemas.openxmlformats.org/officeDocument/2006/relationships" xmlns:p14="http://schemas.microsoft.com/office/powerpoint/2010/main" xmlns:p15="http://schemas.microsoft.com/office/powerpoint/2012/main" xmlns:mc="http://schemas.openxmlformats.org/markup-compatibility/2006">
-  <p:cSld>
-    <p:spTree>
-      <p:nvGrpSpPr>
-        <p:cNvPr id="1" name=""/>
-        <p:cNvGrpSpPr/>
-        <p:nvPr/>
-      </p:nvGrpSpPr>
-      <p:grpSpPr>
-        <a:xfrm>
-          <a:off x="0" y="0"/>
-          <a:ext cx="0" cy="0"/>
-          <a:chOff x="0" y="0"/>
-          <a:chExt cx="0" cy="0"/>
-        </a:xfrm>
-      </p:grpSpPr>
-      <p:sp>
-        <p:nvSpPr>
-          <p:cNvPr id="379" name="PlaceHolder 1"/>
-          <p:cNvSpPr>
-            <a:spLocks noGrp="1"/>
-          </p:cNvSpPr>
-          <p:nvPr>
-            <p:ph type="sldImg"/>
-          </p:nvPr>
-        </p:nvSpPr>
-        <p:spPr>
-          <a:xfrm>
-            <a:off x="914400" y="857160"/>
-            <a:ext cx="7310160" cy="2309760"/>
-          </a:xfrm>
-          <a:prstGeom prst="rect">
-            <a:avLst/>
-          </a:prstGeom>
-          <a:ln w="0">
-            <a:noFill/>
-          </a:ln>
-        </p:spPr>
-      </p:sp>
-      <p:sp>
-        <p:nvSpPr>
-          <p:cNvPr id="380" name="PlaceHolder 2"/>
-          <p:cNvSpPr>
-            <a:spLocks noGrp="1"/>
-          </p:cNvSpPr>
-          <p:nvPr>
-            <p:ph type="body"/>
-          </p:nvPr>
-        </p:nvSpPr>
-        <p:spPr>
-          <a:xfrm>
-            <a:off x="914400" y="3300480"/>
-            <a:ext cx="7310160" cy="2695320"/>
-          </a:xfrm>
-          <a:prstGeom prst="rect">
-            <a:avLst/>
-          </a:prstGeom>
-          <a:noFill/>
-          <a:ln w="0">
-            <a:noFill/>
-          </a:ln>
-        </p:spPr>
-        <p:txBody>
-          <a:bodyPr lIns="0" rIns="0" tIns="0" bIns="0" anchor="t">
-            <a:noAutofit/>
-          </a:bodyPr>
-          <a:p>
-            <a:endParaRPr b="0" lang="ru-RU" sz="2000" spc="-1" strike="noStrike">
-              <a:latin typeface="Arial"/>
-            </a:endParaRPr>
-          </a:p>
-        </p:txBody>
-      </p:sp>
-      <p:sp>
-        <p:nvSpPr>
-          <p:cNvPr id="381" name="PlaceHolder 3"/>
-          <p:cNvSpPr>
-            <a:spLocks noGrp="1"/>
-          </p:cNvSpPr>
-          <p:nvPr>
-            <p:ph type="sldNum" idx="30"/>
-          </p:nvPr>
-        </p:nvSpPr>
-        <p:spPr>
-          <a:xfrm>
-            <a:off x="5179680" y="6513840"/>
-            <a:ext cx="3957120" cy="339120"/>
-          </a:xfrm>
-          <a:prstGeom prst="rect">
-            <a:avLst/>
-          </a:prstGeom>
-          <a:noFill/>
-          <a:ln w="0">
-            <a:noFill/>
-          </a:ln>
-        </p:spPr>
-        <p:txBody>
-          <a:bodyPr lIns="0" rIns="0" tIns="0" bIns="0" anchor="b">
-            <a:noAutofit/>
-          </a:bodyPr>
-          <a:lstStyle>
-            <a:lvl1pPr algn="r">
-              <a:lnSpc>
-                <a:spcPct val="100000"/>
-              </a:lnSpc>
-              <a:buNone/>
-              <a:defRPr b="0" lang="ru-RU" sz="1200" spc="-1" strike="noStrike">
-                <a:solidFill>
-                  <a:srgbClr val="000000"/>
-                </a:solidFill>
-                <a:latin typeface="+mn-lt"/>
-                <a:ea typeface="+mn-ea"/>
-              </a:defRPr>
-            </a:lvl1pPr>
-          </a:lstStyle>
-          <a:p>
-            <a:pPr algn="r">
-              <a:lnSpc>
-                <a:spcPct val="100000"/>
-              </a:lnSpc>
-              <a:buNone/>
-            </a:pPr>
-            <a:fld id="{F257FE73-FD5C-4F23-B9E9-C6AF094A1A83}" type="slidenum">
-              <a:rPr b="0" lang="ru-RU" sz="1200" spc="-1" strike="noStrike">
-                <a:solidFill>
-                  <a:srgbClr val="000000"/>
-                </a:solidFill>
-                <a:latin typeface="+mn-lt"/>
-                <a:ea typeface="+mn-ea"/>
-              </a:rPr>
-              <a:t>22</a:t>
-            </a:fld>
-            <a:endParaRPr b="0" lang="ru-RU" sz="1200" spc="-1" strike="noStrike">
-              <a:latin typeface="Times New Roman"/>
             </a:endParaRPr>
           </a:p>
         </p:txBody>
@@ -2961,7 +2476,7 @@
       </p:grpSpPr>
       <p:sp>
         <p:nvSpPr>
-          <p:cNvPr id="382" name="PlaceHolder 1"/>
+          <p:cNvPr id="383" name="PlaceHolder 1"/>
           <p:cNvSpPr>
             <a:spLocks noGrp="1"/>
           </p:cNvSpPr>
@@ -2972,19 +2487,19 @@
         <p:spPr>
           <a:xfrm>
             <a:off x="914400" y="857160"/>
-            <a:ext cx="7310160" cy="2309760"/>
-          </a:xfrm>
-          <a:prstGeom prst="rect">
-            <a:avLst/>
-          </a:prstGeom>
-          <a:ln w="0">
-            <a:noFill/>
-          </a:ln>
-        </p:spPr>
-      </p:sp>
-      <p:sp>
-        <p:nvSpPr>
-          <p:cNvPr id="383" name="PlaceHolder 2"/>
+            <a:ext cx="7309440" cy="2309040"/>
+          </a:xfrm>
+          <a:prstGeom prst="rect">
+            <a:avLst/>
+          </a:prstGeom>
+          <a:ln w="0">
+            <a:noFill/>
+          </a:ln>
+        </p:spPr>
+      </p:sp>
+      <p:sp>
+        <p:nvSpPr>
+          <p:cNvPr id="384" name="PlaceHolder 2"/>
           <p:cNvSpPr>
             <a:spLocks noGrp="1"/>
           </p:cNvSpPr>
@@ -2995,7 +2510,7 @@
         <p:spPr>
           <a:xfrm>
             <a:off x="914400" y="3300480"/>
-            <a:ext cx="7310160" cy="2695320"/>
+            <a:ext cx="7309440" cy="2694600"/>
           </a:xfrm>
           <a:prstGeom prst="rect">
             <a:avLst/>
@@ -3020,67 +2535,217 @@
               </a:tabLst>
             </a:pPr>
             <a:r>
-              <a:rPr b="0" lang="ru-RU" sz="2000" spc="-1" strike="noStrike">
-                <a:latin typeface="Arial"/>
-              </a:rPr>
-              <a:t>Будет продемонстрирована возможность отправки сообщений в </a:t>
-            </a:r>
-            <a:r>
-              <a:rPr b="0" lang="en-US" sz="2000" spc="-1" strike="noStrike">
-                <a:latin typeface="Arial"/>
-              </a:rPr>
-              <a:t>RMQ </a:t>
-            </a:r>
-            <a:r>
-              <a:rPr b="0" lang="ru-RU" sz="2000" spc="-1" strike="noStrike">
-                <a:latin typeface="Arial"/>
-              </a:rPr>
-              <a:t>на примере консольного приложения на .</a:t>
-            </a:r>
-            <a:r>
-              <a:rPr b="0" lang="en-US" sz="2000" spc="-1" strike="noStrike">
-                <a:latin typeface="Arial"/>
-              </a:rPr>
-              <a:t>Net</a:t>
-            </a:r>
-            <a:r>
-              <a:rPr b="0" lang="ru-RU" sz="2000" spc="-1" strike="noStrike">
-                <a:latin typeface="Arial"/>
-              </a:rPr>
-              <a:t>. Также будут показаны возможности маршрутизации сообщений в </a:t>
-            </a:r>
-            <a:r>
-              <a:rPr b="0" lang="en-US" sz="2000" spc="-1" strike="noStrike">
-                <a:latin typeface="Arial"/>
-              </a:rPr>
-              <a:t>exchange</a:t>
-            </a:r>
-            <a:r>
-              <a:rPr b="0" lang="ru-RU" sz="2000" spc="-1" strike="noStrike">
-                <a:latin typeface="Arial"/>
-              </a:rPr>
-              <a:t>, описанные выше.</a:t>
-            </a:r>
-            <a:endParaRPr b="0" lang="ru-RU" sz="2000" spc="-1" strike="noStrike">
-              <a:latin typeface="Arial"/>
-            </a:endParaRPr>
-          </a:p>
-        </p:txBody>
-      </p:sp>
-      <p:sp>
-        <p:nvSpPr>
-          <p:cNvPr id="384" name="PlaceHolder 3"/>
-          <p:cNvSpPr>
-            <a:spLocks noGrp="1"/>
-          </p:cNvSpPr>
-          <p:nvPr>
-            <p:ph type="sldNum" idx="31"/>
+              <a:rPr b="0" lang="ru-RU" sz="1200" spc="-1" strike="noStrike">
+                <a:solidFill>
+                  <a:srgbClr val="000000"/>
+                </a:solidFill>
+                <a:latin typeface="+mn-lt"/>
+                <a:ea typeface="+mn-ea"/>
+              </a:rPr>
+              <a:t>Механизм реализации RPC в RabbitMQ:</a:t>
+            </a:r>
+            <a:endParaRPr b="0" lang="ru-RU" sz="1200" spc="-1" strike="noStrike">
+              <a:latin typeface="Arial"/>
+            </a:endParaRPr>
+          </a:p>
+          <a:p>
+            <a:pPr marL="171360" indent="-171360">
+              <a:lnSpc>
+                <a:spcPct val="100000"/>
+              </a:lnSpc>
+              <a:buClr>
+                <a:srgbClr val="000000"/>
+              </a:buClr>
+              <a:buFont typeface="Arial"/>
+              <a:buChar char="•"/>
+              <a:tabLst>
+                <a:tab algn="l" pos="0"/>
+              </a:tabLst>
+            </a:pPr>
+            <a:r>
+              <a:rPr b="0" lang="ru-RU" sz="1200" spc="-1" strike="noStrike">
+                <a:solidFill>
+                  <a:srgbClr val="000000"/>
+                </a:solidFill>
+                <a:latin typeface="+mn-lt"/>
+                <a:ea typeface="+mn-ea"/>
+              </a:rPr>
+              <a:t>Когда клиент отправляет запрос (сообщение), задает два значения в свойствах сообщения (MessageProperties, эти свойства будут отправляться вместе с сообщением) </a:t>
+            </a:r>
+            <a:endParaRPr b="0" lang="ru-RU" sz="1200" spc="-1" strike="noStrike">
+              <a:latin typeface="Arial"/>
+            </a:endParaRPr>
+          </a:p>
+          <a:p>
+            <a:pPr lvl="1" marL="685800" indent="-228600">
+              <a:lnSpc>
+                <a:spcPct val="100000"/>
+              </a:lnSpc>
+              <a:buClr>
+                <a:srgbClr val="000000"/>
+              </a:buClr>
+              <a:buFont typeface="+mj-lt"/>
+              <a:buAutoNum type="arabicPeriod"/>
+              <a:tabLst>
+                <a:tab algn="l" pos="0"/>
+              </a:tabLst>
+            </a:pPr>
+            <a:r>
+              <a:rPr b="0" lang="ru-RU" sz="1200" spc="-1" strike="noStrike">
+                <a:solidFill>
+                  <a:srgbClr val="000000"/>
+                </a:solidFill>
+                <a:latin typeface="+mn-lt"/>
+                <a:ea typeface="+mn-ea"/>
+              </a:rPr>
+              <a:t>replyTo (имя очереди, используемое для сообщения серверу После завершения обработки сообщение, которое информирует меня, будет отправлено в эту очередь)</a:t>
+            </a:r>
+            <a:endParaRPr b="0" lang="ru-RU" sz="1200" spc="-1" strike="noStrike">
+              <a:latin typeface="Arial"/>
+            </a:endParaRPr>
+          </a:p>
+          <a:p>
+            <a:pPr lvl="1" marL="685800" indent="-228600">
+              <a:lnSpc>
+                <a:spcPct val="100000"/>
+              </a:lnSpc>
+              <a:buClr>
+                <a:srgbClr val="000000"/>
+              </a:buClr>
+              <a:buFont typeface="+mj-lt"/>
+              <a:buAutoNum type="arabicPeriod"/>
+              <a:tabLst>
+                <a:tab algn="l" pos="0"/>
+              </a:tabLst>
+            </a:pPr>
+            <a:r>
+              <a:rPr b="0" lang="ru-RU" sz="1200" spc="-1" strike="noStrike">
+                <a:solidFill>
+                  <a:srgbClr val="000000"/>
+                </a:solidFill>
+                <a:latin typeface="+mn-lt"/>
+                <a:ea typeface="+mn-ea"/>
+              </a:rPr>
+              <a:t>correlationId (идентификационный номер этого запроса, сервер должен вернуть этот атрибут после завершения обработки, и клиент будет знать, какой запрос был выполнен)</a:t>
+            </a:r>
+            <a:endParaRPr b="0" lang="ru-RU" sz="1200" spc="-1" strike="noStrike">
+              <a:latin typeface="Arial"/>
+            </a:endParaRPr>
+          </a:p>
+          <a:p>
+            <a:pPr marL="171360" indent="-171360">
+              <a:lnSpc>
+                <a:spcPct val="100000"/>
+              </a:lnSpc>
+              <a:buClr>
+                <a:srgbClr val="000000"/>
+              </a:buClr>
+              <a:buFont typeface="Arial"/>
+              <a:buChar char="•"/>
+              <a:tabLst>
+                <a:tab algn="l" pos="0"/>
+              </a:tabLst>
+            </a:pPr>
+            <a:r>
+              <a:rPr b="0" lang="ru-RU" sz="1200" spc="-1" strike="noStrike">
+                <a:solidFill>
+                  <a:srgbClr val="000000"/>
+                </a:solidFill>
+                <a:latin typeface="+mn-lt"/>
+                <a:ea typeface="+mn-ea"/>
+              </a:rPr>
+              <a:t>Сервер получает сообщение и обрабатывает его</a:t>
+            </a:r>
+            <a:endParaRPr b="0" lang="ru-RU" sz="1200" spc="-1" strike="noStrike">
+              <a:latin typeface="Arial"/>
+            </a:endParaRPr>
+          </a:p>
+          <a:p>
+            <a:pPr marL="171360" indent="-171360">
+              <a:lnSpc>
+                <a:spcPct val="100000"/>
+              </a:lnSpc>
+              <a:buClr>
+                <a:srgbClr val="000000"/>
+              </a:buClr>
+              <a:buFont typeface="Arial"/>
+              <a:buChar char="•"/>
+              <a:tabLst>
+                <a:tab algn="l" pos="0"/>
+              </a:tabLst>
+            </a:pPr>
+            <a:r>
+              <a:rPr b="0" lang="ru-RU" sz="1200" spc="-1" strike="noStrike">
+                <a:solidFill>
+                  <a:srgbClr val="000000"/>
+                </a:solidFill>
+                <a:latin typeface="+mn-lt"/>
+                <a:ea typeface="+mn-ea"/>
+              </a:rPr>
+              <a:t>После обработки сообщения сервер сгенерирует ответное сообщение в очередь, указанную в replyTo, и принесет атрибут correlationId.</a:t>
+            </a:r>
+            <a:endParaRPr b="0" lang="ru-RU" sz="1200" spc="-1" strike="noStrike">
+              <a:latin typeface="Arial"/>
+            </a:endParaRPr>
+          </a:p>
+          <a:p>
+            <a:pPr marL="171360" indent="-171360">
+              <a:lnSpc>
+                <a:spcPct val="100000"/>
+              </a:lnSpc>
+              <a:buClr>
+                <a:srgbClr val="000000"/>
+              </a:buClr>
+              <a:buFont typeface="Arial"/>
+              <a:buChar char="•"/>
+              <a:tabLst>
+                <a:tab algn="l" pos="0"/>
+              </a:tabLst>
+            </a:pPr>
+            <a:r>
+              <a:rPr b="0" lang="ru-RU" sz="1200" spc="-1" strike="noStrike">
+                <a:solidFill>
+                  <a:srgbClr val="000000"/>
+                </a:solidFill>
+                <a:latin typeface="+mn-lt"/>
+                <a:ea typeface="+mn-ea"/>
+              </a:rPr>
+              <a:t>Клиент подписался на очередь, указанную в replyTo. Получив ответное сообщение от сервера, он анализирует, какой запрос был выполнен в соответствии с атрибутом correlationId, и выполняет последующую бизнес-обработку на основе результата выполнения.</a:t>
+            </a:r>
+            <a:endParaRPr b="0" lang="ru-RU" sz="1200" spc="-1" strike="noStrike">
+              <a:latin typeface="Arial"/>
+            </a:endParaRPr>
+          </a:p>
+          <a:p>
+            <a:pPr>
+              <a:lnSpc>
+                <a:spcPct val="100000"/>
+              </a:lnSpc>
+              <a:buNone/>
+              <a:tabLst>
+                <a:tab algn="l" pos="0"/>
+              </a:tabLst>
+            </a:pPr>
+            <a:endParaRPr b="0" lang="ru-RU" sz="1200" spc="-1" strike="noStrike">
+              <a:latin typeface="Arial"/>
+            </a:endParaRPr>
+          </a:p>
+        </p:txBody>
+      </p:sp>
+      <p:sp>
+        <p:nvSpPr>
+          <p:cNvPr id="385" name="PlaceHolder 3"/>
+          <p:cNvSpPr>
+            <a:spLocks noGrp="1"/>
+          </p:cNvSpPr>
+          <p:nvPr>
+            <p:ph type="sldNum" idx="29"/>
           </p:nvPr>
         </p:nvSpPr>
         <p:spPr>
           <a:xfrm>
             <a:off x="5179680" y="6513840"/>
-            <a:ext cx="3957120" cy="339120"/>
+            <a:ext cx="3956400" cy="338400"/>
           </a:xfrm>
           <a:prstGeom prst="rect">
             <a:avLst/>
@@ -3116,202 +2781,7 @@
               </a:lnSpc>
               <a:buNone/>
             </a:pPr>
-            <a:fld id="{2785B72B-FD9B-4AF4-A6D9-AF145E65ADF6}" type="slidenum">
-              <a:rPr b="0" lang="ru-RU" sz="1200" spc="-1" strike="noStrike">
-                <a:solidFill>
-                  <a:srgbClr val="000000"/>
-                </a:solidFill>
-                <a:latin typeface="+mn-lt"/>
-                <a:ea typeface="+mn-ea"/>
-              </a:rPr>
-              <a:t>&lt;номер&gt;</a:t>
-            </a:fld>
-            <a:endParaRPr b="0" lang="ru-RU" sz="1200" spc="-1" strike="noStrike">
-              <a:latin typeface="Times New Roman"/>
-            </a:endParaRPr>
-          </a:p>
-        </p:txBody>
-      </p:sp>
-    </p:spTree>
-  </p:cSld>
-</p:notes>
-</file>
-
-<file path=ppt/notesSlides/notesSlide24.xml><?xml version="1.0" encoding="utf-8"?>
-<p:notes xmlns:a="http://schemas.openxmlformats.org/drawingml/2006/main" xmlns:p="http://schemas.openxmlformats.org/presentationml/2006/main" xmlns:r="http://schemas.openxmlformats.org/officeDocument/2006/relationships" xmlns:p14="http://schemas.microsoft.com/office/powerpoint/2010/main" xmlns:p15="http://schemas.microsoft.com/office/powerpoint/2012/main" xmlns:mc="http://schemas.openxmlformats.org/markup-compatibility/2006">
-  <p:cSld>
-    <p:spTree>
-      <p:nvGrpSpPr>
-        <p:cNvPr id="1" name=""/>
-        <p:cNvGrpSpPr/>
-        <p:nvPr/>
-      </p:nvGrpSpPr>
-      <p:grpSpPr>
-        <a:xfrm>
-          <a:off x="0" y="0"/>
-          <a:ext cx="0" cy="0"/>
-          <a:chOff x="0" y="0"/>
-          <a:chExt cx="0" cy="0"/>
-        </a:xfrm>
-      </p:grpSpPr>
-      <p:sp>
-        <p:nvSpPr>
-          <p:cNvPr id="385" name="PlaceHolder 1"/>
-          <p:cNvSpPr>
-            <a:spLocks noGrp="1"/>
-          </p:cNvSpPr>
-          <p:nvPr>
-            <p:ph type="sldImg"/>
-          </p:nvPr>
-        </p:nvSpPr>
-        <p:spPr>
-          <a:xfrm>
-            <a:off x="914400" y="857160"/>
-            <a:ext cx="7310160" cy="2309760"/>
-          </a:xfrm>
-          <a:prstGeom prst="rect">
-            <a:avLst/>
-          </a:prstGeom>
-          <a:ln w="0">
-            <a:noFill/>
-          </a:ln>
-        </p:spPr>
-      </p:sp>
-      <p:sp>
-        <p:nvSpPr>
-          <p:cNvPr id="386" name="PlaceHolder 2"/>
-          <p:cNvSpPr>
-            <a:spLocks noGrp="1"/>
-          </p:cNvSpPr>
-          <p:nvPr>
-            <p:ph type="body"/>
-          </p:nvPr>
-        </p:nvSpPr>
-        <p:spPr>
-          <a:xfrm>
-            <a:off x="914400" y="3300480"/>
-            <a:ext cx="7310160" cy="2695320"/>
-          </a:xfrm>
-          <a:prstGeom prst="rect">
-            <a:avLst/>
-          </a:prstGeom>
-          <a:noFill/>
-          <a:ln w="0">
-            <a:noFill/>
-          </a:ln>
-        </p:spPr>
-        <p:txBody>
-          <a:bodyPr lIns="0" rIns="0" tIns="0" bIns="0" anchor="t">
-            <a:noAutofit/>
-          </a:bodyPr>
-          <a:p>
-            <a:pPr marL="216000" indent="-216000">
-              <a:lnSpc>
-                <a:spcPct val="100000"/>
-              </a:lnSpc>
-              <a:buNone/>
-              <a:tabLst>
-                <a:tab algn="l" pos="0"/>
-              </a:tabLst>
-            </a:pPr>
-            <a:r>
-              <a:rPr b="0" lang="ru-RU" sz="2000" spc="-1" strike="noStrike">
-                <a:latin typeface="Arial"/>
-              </a:rPr>
-              <a:t>Будет продемонстрирована возможность отправки сообщений в </a:t>
-            </a:r>
-            <a:r>
-              <a:rPr b="0" lang="en-US" sz="2000" spc="-1" strike="noStrike">
-                <a:latin typeface="Arial"/>
-              </a:rPr>
-              <a:t>RMQ </a:t>
-            </a:r>
-            <a:r>
-              <a:rPr b="0" lang="ru-RU" sz="2000" spc="-1" strike="noStrike">
-                <a:latin typeface="Arial"/>
-              </a:rPr>
-              <a:t>на примере консольного приложения на .</a:t>
-            </a:r>
-            <a:r>
-              <a:rPr b="0" lang="en-US" sz="2000" spc="-1" strike="noStrike">
-                <a:latin typeface="Arial"/>
-              </a:rPr>
-              <a:t>Net</a:t>
-            </a:r>
-            <a:r>
-              <a:rPr b="0" lang="ru-RU" sz="2000" spc="-1" strike="noStrike">
-                <a:latin typeface="Arial"/>
-              </a:rPr>
-              <a:t>. Также будут показаны возможности маршрутизации сообщений в </a:t>
-            </a:r>
-            <a:r>
-              <a:rPr b="0" lang="en-US" sz="2000" spc="-1" strike="noStrike">
-                <a:latin typeface="Arial"/>
-              </a:rPr>
-              <a:t>exchange</a:t>
-            </a:r>
-            <a:r>
-              <a:rPr b="0" lang="ru-RU" sz="2000" spc="-1" strike="noStrike">
-                <a:latin typeface="Arial"/>
-              </a:rPr>
-              <a:t>, описанные выше.</a:t>
-            </a:r>
-            <a:endParaRPr b="0" lang="ru-RU" sz="2000" spc="-1" strike="noStrike">
-              <a:latin typeface="Arial"/>
-            </a:endParaRPr>
-          </a:p>
-        </p:txBody>
-      </p:sp>
-      <p:sp>
-        <p:nvSpPr>
-          <p:cNvPr id="387" name="PlaceHolder 3"/>
-          <p:cNvSpPr>
-            <a:spLocks noGrp="1"/>
-          </p:cNvSpPr>
-          <p:nvPr>
-            <p:ph type="sldNum" idx="32"/>
-          </p:nvPr>
-        </p:nvSpPr>
-        <p:spPr>
-          <a:xfrm>
-            <a:off x="5179680" y="6513840"/>
-            <a:ext cx="3957120" cy="339120"/>
-          </a:xfrm>
-          <a:prstGeom prst="rect">
-            <a:avLst/>
-          </a:prstGeom>
-          <a:noFill/>
-          <a:ln w="0">
-            <a:noFill/>
-          </a:ln>
-        </p:spPr>
-        <p:txBody>
-          <a:bodyPr lIns="0" rIns="0" tIns="0" bIns="0" anchor="b">
-            <a:noAutofit/>
-          </a:bodyPr>
-          <a:lstStyle>
-            <a:lvl1pPr algn="r">
-              <a:lnSpc>
-                <a:spcPct val="100000"/>
-              </a:lnSpc>
-              <a:buNone/>
-              <a:defRPr b="0" lang="ru-RU" sz="1200" spc="-1" strike="noStrike">
-                <a:solidFill>
-                  <a:srgbClr val="000000"/>
-                </a:solidFill>
-                <a:latin typeface="+mn-lt"/>
-                <a:ea typeface="+mn-ea"/>
-              </a:defRPr>
-            </a:lvl1pPr>
-          </a:lstStyle>
-          <a:p>
-            <a:pPr algn="r">
-              <a:lnSpc>
-                <a:spcPct val="100000"/>
-              </a:lnSpc>
-              <a:buNone/>
-            </a:pPr>
-            <a:fld id="{0854D960-C225-48A6-A5C8-13F83C4B9D15}" type="slidenum">
+            <a:fld id="{F991A068-2556-4227-A4F1-358C343F237F}" type="slidenum">
               <a:rPr b="0" lang="ru-RU" sz="1200" spc="-1" strike="noStrike">
                 <a:solidFill>
                   <a:srgbClr val="000000"/>
@@ -3351,7 +2821,7 @@
       </p:grpSpPr>
       <p:sp>
         <p:nvSpPr>
-          <p:cNvPr id="388" name="PlaceHolder 1"/>
+          <p:cNvPr id="386" name="PlaceHolder 1"/>
           <p:cNvSpPr>
             <a:spLocks noGrp="1"/>
           </p:cNvSpPr>
@@ -3362,19 +2832,19 @@
         <p:spPr>
           <a:xfrm>
             <a:off x="914400" y="857160"/>
-            <a:ext cx="7310160" cy="2309760"/>
-          </a:xfrm>
-          <a:prstGeom prst="rect">
-            <a:avLst/>
-          </a:prstGeom>
-          <a:ln w="0">
-            <a:noFill/>
-          </a:ln>
-        </p:spPr>
-      </p:sp>
-      <p:sp>
-        <p:nvSpPr>
-          <p:cNvPr id="389" name="PlaceHolder 2"/>
+            <a:ext cx="7309440" cy="2309040"/>
+          </a:xfrm>
+          <a:prstGeom prst="rect">
+            <a:avLst/>
+          </a:prstGeom>
+          <a:ln w="0">
+            <a:noFill/>
+          </a:ln>
+        </p:spPr>
+      </p:sp>
+      <p:sp>
+        <p:nvSpPr>
+          <p:cNvPr id="387" name="PlaceHolder 2"/>
           <p:cNvSpPr>
             <a:spLocks noGrp="1"/>
           </p:cNvSpPr>
@@ -3385,7 +2855,7 @@
         <p:spPr>
           <a:xfrm>
             <a:off x="914400" y="3300480"/>
-            <a:ext cx="7310160" cy="2695320"/>
+            <a:ext cx="7309440" cy="2694600"/>
           </a:xfrm>
           <a:prstGeom prst="rect">
             <a:avLst/>
@@ -3400,57 +2870,6 @@
             <a:noAutofit/>
           </a:bodyPr>
           <a:p>
-            <a:pPr marL="216000" indent="-216000">
-              <a:lnSpc>
-                <a:spcPct val="100000"/>
-              </a:lnSpc>
-              <a:buNone/>
-              <a:tabLst>
-                <a:tab algn="l" pos="0"/>
-              </a:tabLst>
-            </a:pPr>
-            <a:r>
-              <a:rPr b="0" lang="ru-RU" sz="2000" spc="-1" strike="noStrike">
-                <a:latin typeface="Arial"/>
-              </a:rPr>
-              <a:t>Будет продемонстрирована возможность отправки сообщений в </a:t>
-            </a:r>
-            <a:r>
-              <a:rPr b="0" lang="en-US" sz="2000" spc="-1" strike="noStrike">
-                <a:latin typeface="Arial"/>
-              </a:rPr>
-              <a:t>RMQ </a:t>
-            </a:r>
-            <a:r>
-              <a:rPr b="0" lang="ru-RU" sz="2000" spc="-1" strike="noStrike">
-                <a:latin typeface="Arial"/>
-              </a:rPr>
-              <a:t>на примере консольного приложения на .</a:t>
-            </a:r>
-            <a:r>
-              <a:rPr b="0" lang="en-US" sz="2000" spc="-1" strike="noStrike">
-                <a:latin typeface="Arial"/>
-              </a:rPr>
-              <a:t>Net</a:t>
-            </a:r>
-            <a:r>
-              <a:rPr b="0" lang="ru-RU" sz="2000" spc="-1" strike="noStrike">
-                <a:latin typeface="Arial"/>
-              </a:rPr>
-              <a:t>. Также будут показаны возможности маршрутизации сообщений в </a:t>
-            </a:r>
-            <a:r>
-              <a:rPr b="0" lang="en-US" sz="2000" spc="-1" strike="noStrike">
-                <a:latin typeface="Arial"/>
-              </a:rPr>
-              <a:t>exchange</a:t>
-            </a:r>
-            <a:r>
-              <a:rPr b="0" lang="ru-RU" sz="2000" spc="-1" strike="noStrike">
-                <a:latin typeface="Arial"/>
-              </a:rPr>
-              <a:t>, описанные выше.</a:t>
-            </a:r>
             <a:endParaRPr b="0" lang="ru-RU" sz="2000" spc="-1" strike="noStrike">
               <a:latin typeface="Arial"/>
             </a:endParaRPr>
@@ -3459,18 +2878,18 @@
       </p:sp>
       <p:sp>
         <p:nvSpPr>
-          <p:cNvPr id="390" name="PlaceHolder 3"/>
-          <p:cNvSpPr>
-            <a:spLocks noGrp="1"/>
-          </p:cNvSpPr>
-          <p:nvPr>
-            <p:ph type="sldNum" idx="33"/>
+          <p:cNvPr id="388" name="PlaceHolder 3"/>
+          <p:cNvSpPr>
+            <a:spLocks noGrp="1"/>
+          </p:cNvSpPr>
+          <p:nvPr>
+            <p:ph type="sldNum" idx="30"/>
           </p:nvPr>
         </p:nvSpPr>
         <p:spPr>
           <a:xfrm>
             <a:off x="5179680" y="6513840"/>
-            <a:ext cx="3957120" cy="339120"/>
+            <a:ext cx="3956400" cy="338400"/>
           </a:xfrm>
           <a:prstGeom prst="rect">
             <a:avLst/>
@@ -3506,7 +2925,7 @@
               </a:lnSpc>
               <a:buNone/>
             </a:pPr>
-            <a:fld id="{2C6F0980-9D59-4259-B980-0D374E40F7BC}" type="slidenum">
+            <a:fld id="{84DE8690-0BCC-4F90-B2D6-E4B0FB86389D}" type="slidenum">
               <a:rPr b="0" lang="ru-RU" sz="1200" spc="-1" strike="noStrike">
                 <a:solidFill>
                   <a:srgbClr val="000000"/>
@@ -3527,7 +2946,7 @@
 </p:notes>
 </file>
 
-<file path=ppt/notesSlides/notesSlide26.xml><?xml version="1.0" encoding="utf-8"?>
+<file path=ppt/notesSlides/notesSlide27.xml><?xml version="1.0" encoding="utf-8"?>
 <p:notes xmlns:a="http://schemas.openxmlformats.org/drawingml/2006/main" xmlns:p="http://schemas.openxmlformats.org/presentationml/2006/main" xmlns:r="http://schemas.openxmlformats.org/officeDocument/2006/relationships" xmlns:p14="http://schemas.microsoft.com/office/powerpoint/2010/main" xmlns:p15="http://schemas.microsoft.com/office/powerpoint/2012/main" xmlns:mc="http://schemas.openxmlformats.org/markup-compatibility/2006">
   <p:cSld>
     <p:spTree>
@@ -3546,7 +2965,7 @@
       </p:grpSpPr>
       <p:sp>
         <p:nvSpPr>
-          <p:cNvPr id="391" name="PlaceHolder 1"/>
+          <p:cNvPr id="389" name="PlaceHolder 1"/>
           <p:cNvSpPr>
             <a:spLocks noGrp="1"/>
           </p:cNvSpPr>
@@ -3557,19 +2976,19 @@
         <p:spPr>
           <a:xfrm>
             <a:off x="914400" y="857160"/>
-            <a:ext cx="7310160" cy="2309760"/>
-          </a:xfrm>
-          <a:prstGeom prst="rect">
-            <a:avLst/>
-          </a:prstGeom>
-          <a:ln w="0">
-            <a:noFill/>
-          </a:ln>
-        </p:spPr>
-      </p:sp>
-      <p:sp>
-        <p:nvSpPr>
-          <p:cNvPr id="392" name="PlaceHolder 2"/>
+            <a:ext cx="7309440" cy="2309040"/>
+          </a:xfrm>
+          <a:prstGeom prst="rect">
+            <a:avLst/>
+          </a:prstGeom>
+          <a:ln w="0">
+            <a:noFill/>
+          </a:ln>
+        </p:spPr>
+      </p:sp>
+      <p:sp>
+        <p:nvSpPr>
+          <p:cNvPr id="390" name="PlaceHolder 2"/>
           <p:cNvSpPr>
             <a:spLocks noGrp="1"/>
           </p:cNvSpPr>
@@ -3580,7 +2999,7 @@
         <p:spPr>
           <a:xfrm>
             <a:off x="914400" y="3300480"/>
-            <a:ext cx="7310160" cy="2695320"/>
+            <a:ext cx="7309440" cy="2694600"/>
           </a:xfrm>
           <a:prstGeom prst="rect">
             <a:avLst/>
@@ -3595,6 +3014,57 @@
             <a:noAutofit/>
           </a:bodyPr>
           <a:p>
+            <a:pPr marL="216000" indent="-216000">
+              <a:lnSpc>
+                <a:spcPct val="100000"/>
+              </a:lnSpc>
+              <a:buNone/>
+              <a:tabLst>
+                <a:tab algn="l" pos="0"/>
+              </a:tabLst>
+            </a:pPr>
+            <a:r>
+              <a:rPr b="0" lang="ru-RU" sz="2000" spc="-1" strike="noStrike">
+                <a:latin typeface="Arial"/>
+              </a:rPr>
+              <a:t>Будет продемонстрирована возможность отправки сообщений в </a:t>
+            </a:r>
+            <a:r>
+              <a:rPr b="0" lang="en-US" sz="2000" spc="-1" strike="noStrike">
+                <a:latin typeface="Arial"/>
+              </a:rPr>
+              <a:t>RMQ </a:t>
+            </a:r>
+            <a:r>
+              <a:rPr b="0" lang="ru-RU" sz="2000" spc="-1" strike="noStrike">
+                <a:latin typeface="Arial"/>
+              </a:rPr>
+              <a:t>на примере консольного приложения на .</a:t>
+            </a:r>
+            <a:r>
+              <a:rPr b="0" lang="en-US" sz="2000" spc="-1" strike="noStrike">
+                <a:latin typeface="Arial"/>
+              </a:rPr>
+              <a:t>Net</a:t>
+            </a:r>
+            <a:r>
+              <a:rPr b="0" lang="ru-RU" sz="2000" spc="-1" strike="noStrike">
+                <a:latin typeface="Arial"/>
+              </a:rPr>
+              <a:t>. Также будут показаны возможности маршрутизации сообщений в </a:t>
+            </a:r>
+            <a:r>
+              <a:rPr b="0" lang="en-US" sz="2000" spc="-1" strike="noStrike">
+                <a:latin typeface="Arial"/>
+              </a:rPr>
+              <a:t>exchange</a:t>
+            </a:r>
+            <a:r>
+              <a:rPr b="0" lang="ru-RU" sz="2000" spc="-1" strike="noStrike">
+                <a:latin typeface="Arial"/>
+              </a:rPr>
+              <a:t>, описанные выше.</a:t>
+            </a:r>
             <a:endParaRPr b="0" lang="ru-RU" sz="2000" spc="-1" strike="noStrike">
               <a:latin typeface="Arial"/>
             </a:endParaRPr>
@@ -3603,18 +3073,18 @@
       </p:sp>
       <p:sp>
         <p:nvSpPr>
-          <p:cNvPr id="393" name="PlaceHolder 3"/>
-          <p:cNvSpPr>
-            <a:spLocks noGrp="1"/>
-          </p:cNvSpPr>
-          <p:nvPr>
-            <p:ph type="sldNum" idx="34"/>
+          <p:cNvPr id="391" name="PlaceHolder 3"/>
+          <p:cNvSpPr>
+            <a:spLocks noGrp="1"/>
+          </p:cNvSpPr>
+          <p:nvPr>
+            <p:ph type="sldNum" idx="31"/>
           </p:nvPr>
         </p:nvSpPr>
         <p:spPr>
           <a:xfrm>
             <a:off x="5179680" y="6513840"/>
-            <a:ext cx="3957120" cy="339120"/>
+            <a:ext cx="3956400" cy="338400"/>
           </a:xfrm>
           <a:prstGeom prst="rect">
             <a:avLst/>
@@ -3650,7 +3120,541 @@
               </a:lnSpc>
               <a:buNone/>
             </a:pPr>
-            <a:fld id="{967469EE-3C26-4096-8FB5-E51DBB0555A9}" type="slidenum">
+            <a:fld id="{06577ED1-C5C2-4DFB-98C8-69EBE2373DE9}" type="slidenum">
+              <a:rPr b="0" lang="ru-RU" sz="1200" spc="-1" strike="noStrike">
+                <a:solidFill>
+                  <a:srgbClr val="000000"/>
+                </a:solidFill>
+                <a:latin typeface="+mn-lt"/>
+                <a:ea typeface="+mn-ea"/>
+              </a:rPr>
+              <a:t>&lt;номер&gt;</a:t>
+            </a:fld>
+            <a:endParaRPr b="0" lang="ru-RU" sz="1200" spc="-1" strike="noStrike">
+              <a:latin typeface="Times New Roman"/>
+            </a:endParaRPr>
+          </a:p>
+        </p:txBody>
+      </p:sp>
+    </p:spTree>
+  </p:cSld>
+</p:notes>
+</file>
+
+<file path=ppt/notesSlides/notesSlide28.xml><?xml version="1.0" encoding="utf-8"?>
+<p:notes xmlns:a="http://schemas.openxmlformats.org/drawingml/2006/main" xmlns:p="http://schemas.openxmlformats.org/presentationml/2006/main" xmlns:r="http://schemas.openxmlformats.org/officeDocument/2006/relationships" xmlns:p14="http://schemas.microsoft.com/office/powerpoint/2010/main" xmlns:p15="http://schemas.microsoft.com/office/powerpoint/2012/main" xmlns:mc="http://schemas.openxmlformats.org/markup-compatibility/2006">
+  <p:cSld>
+    <p:spTree>
+      <p:nvGrpSpPr>
+        <p:cNvPr id="1" name=""/>
+        <p:cNvGrpSpPr/>
+        <p:nvPr/>
+      </p:nvGrpSpPr>
+      <p:grpSpPr>
+        <a:xfrm>
+          <a:off x="0" y="0"/>
+          <a:ext cx="0" cy="0"/>
+          <a:chOff x="0" y="0"/>
+          <a:chExt cx="0" cy="0"/>
+        </a:xfrm>
+      </p:grpSpPr>
+      <p:sp>
+        <p:nvSpPr>
+          <p:cNvPr id="392" name="PlaceHolder 1"/>
+          <p:cNvSpPr>
+            <a:spLocks noGrp="1"/>
+          </p:cNvSpPr>
+          <p:nvPr>
+            <p:ph type="sldImg"/>
+          </p:nvPr>
+        </p:nvSpPr>
+        <p:spPr>
+          <a:xfrm>
+            <a:off x="914400" y="857160"/>
+            <a:ext cx="7309440" cy="2309040"/>
+          </a:xfrm>
+          <a:prstGeom prst="rect">
+            <a:avLst/>
+          </a:prstGeom>
+          <a:ln w="0">
+            <a:noFill/>
+          </a:ln>
+        </p:spPr>
+      </p:sp>
+      <p:sp>
+        <p:nvSpPr>
+          <p:cNvPr id="393" name="PlaceHolder 2"/>
+          <p:cNvSpPr>
+            <a:spLocks noGrp="1"/>
+          </p:cNvSpPr>
+          <p:nvPr>
+            <p:ph type="body"/>
+          </p:nvPr>
+        </p:nvSpPr>
+        <p:spPr>
+          <a:xfrm>
+            <a:off x="914400" y="3300480"/>
+            <a:ext cx="7309440" cy="2694600"/>
+          </a:xfrm>
+          <a:prstGeom prst="rect">
+            <a:avLst/>
+          </a:prstGeom>
+          <a:noFill/>
+          <a:ln w="0">
+            <a:noFill/>
+          </a:ln>
+        </p:spPr>
+        <p:txBody>
+          <a:bodyPr lIns="0" rIns="0" tIns="0" bIns="0" anchor="t">
+            <a:noAutofit/>
+          </a:bodyPr>
+          <a:p>
+            <a:pPr marL="216000" indent="-216000">
+              <a:lnSpc>
+                <a:spcPct val="100000"/>
+              </a:lnSpc>
+              <a:buNone/>
+              <a:tabLst>
+                <a:tab algn="l" pos="0"/>
+              </a:tabLst>
+            </a:pPr>
+            <a:r>
+              <a:rPr b="0" lang="ru-RU" sz="2000" spc="-1" strike="noStrike">
+                <a:latin typeface="Arial"/>
+              </a:rPr>
+              <a:t>Будет продемонстрирована возможность отправки сообщений в </a:t>
+            </a:r>
+            <a:r>
+              <a:rPr b="0" lang="en-US" sz="2000" spc="-1" strike="noStrike">
+                <a:latin typeface="Arial"/>
+              </a:rPr>
+              <a:t>RMQ </a:t>
+            </a:r>
+            <a:r>
+              <a:rPr b="0" lang="ru-RU" sz="2000" spc="-1" strike="noStrike">
+                <a:latin typeface="Arial"/>
+              </a:rPr>
+              <a:t>на примере консольного приложения на .</a:t>
+            </a:r>
+            <a:r>
+              <a:rPr b="0" lang="en-US" sz="2000" spc="-1" strike="noStrike">
+                <a:latin typeface="Arial"/>
+              </a:rPr>
+              <a:t>Net</a:t>
+            </a:r>
+            <a:r>
+              <a:rPr b="0" lang="ru-RU" sz="2000" spc="-1" strike="noStrike">
+                <a:latin typeface="Arial"/>
+              </a:rPr>
+              <a:t>. Также будут показаны возможности маршрутизации сообщений в </a:t>
+            </a:r>
+            <a:r>
+              <a:rPr b="0" lang="en-US" sz="2000" spc="-1" strike="noStrike">
+                <a:latin typeface="Arial"/>
+              </a:rPr>
+              <a:t>exchange</a:t>
+            </a:r>
+            <a:r>
+              <a:rPr b="0" lang="ru-RU" sz="2000" spc="-1" strike="noStrike">
+                <a:latin typeface="Arial"/>
+              </a:rPr>
+              <a:t>, описанные выше.</a:t>
+            </a:r>
+            <a:endParaRPr b="0" lang="ru-RU" sz="2000" spc="-1" strike="noStrike">
+              <a:latin typeface="Arial"/>
+            </a:endParaRPr>
+          </a:p>
+        </p:txBody>
+      </p:sp>
+      <p:sp>
+        <p:nvSpPr>
+          <p:cNvPr id="394" name="PlaceHolder 3"/>
+          <p:cNvSpPr>
+            <a:spLocks noGrp="1"/>
+          </p:cNvSpPr>
+          <p:nvPr>
+            <p:ph type="sldNum" idx="32"/>
+          </p:nvPr>
+        </p:nvSpPr>
+        <p:spPr>
+          <a:xfrm>
+            <a:off x="5179680" y="6513840"/>
+            <a:ext cx="3956400" cy="338400"/>
+          </a:xfrm>
+          <a:prstGeom prst="rect">
+            <a:avLst/>
+          </a:prstGeom>
+          <a:noFill/>
+          <a:ln w="0">
+            <a:noFill/>
+          </a:ln>
+        </p:spPr>
+        <p:txBody>
+          <a:bodyPr lIns="0" rIns="0" tIns="0" bIns="0" anchor="b">
+            <a:noAutofit/>
+          </a:bodyPr>
+          <a:lstStyle>
+            <a:lvl1pPr algn="r">
+              <a:lnSpc>
+                <a:spcPct val="100000"/>
+              </a:lnSpc>
+              <a:buNone/>
+              <a:defRPr b="0" lang="ru-RU" sz="1200" spc="-1" strike="noStrike">
+                <a:solidFill>
+                  <a:srgbClr val="000000"/>
+                </a:solidFill>
+                <a:latin typeface="+mn-lt"/>
+                <a:ea typeface="+mn-ea"/>
+              </a:defRPr>
+            </a:lvl1pPr>
+          </a:lstStyle>
+          <a:p>
+            <a:pPr algn="r">
+              <a:lnSpc>
+                <a:spcPct val="100000"/>
+              </a:lnSpc>
+              <a:buNone/>
+            </a:pPr>
+            <a:fld id="{85361500-DC5B-4714-9C17-04ABC0041717}" type="slidenum">
+              <a:rPr b="0" lang="ru-RU" sz="1200" spc="-1" strike="noStrike">
+                <a:solidFill>
+                  <a:srgbClr val="000000"/>
+                </a:solidFill>
+                <a:latin typeface="+mn-lt"/>
+                <a:ea typeface="+mn-ea"/>
+              </a:rPr>
+              <a:t>&lt;номер&gt;</a:t>
+            </a:fld>
+            <a:endParaRPr b="0" lang="ru-RU" sz="1200" spc="-1" strike="noStrike">
+              <a:latin typeface="Times New Roman"/>
+            </a:endParaRPr>
+          </a:p>
+        </p:txBody>
+      </p:sp>
+    </p:spTree>
+  </p:cSld>
+</p:notes>
+</file>
+
+<file path=ppt/notesSlides/notesSlide29.xml><?xml version="1.0" encoding="utf-8"?>
+<p:notes xmlns:a="http://schemas.openxmlformats.org/drawingml/2006/main" xmlns:p="http://schemas.openxmlformats.org/presentationml/2006/main" xmlns:r="http://schemas.openxmlformats.org/officeDocument/2006/relationships" xmlns:p14="http://schemas.microsoft.com/office/powerpoint/2010/main" xmlns:p15="http://schemas.microsoft.com/office/powerpoint/2012/main" xmlns:mc="http://schemas.openxmlformats.org/markup-compatibility/2006">
+  <p:cSld>
+    <p:spTree>
+      <p:nvGrpSpPr>
+        <p:cNvPr id="1" name=""/>
+        <p:cNvGrpSpPr/>
+        <p:nvPr/>
+      </p:nvGrpSpPr>
+      <p:grpSpPr>
+        <a:xfrm>
+          <a:off x="0" y="0"/>
+          <a:ext cx="0" cy="0"/>
+          <a:chOff x="0" y="0"/>
+          <a:chExt cx="0" cy="0"/>
+        </a:xfrm>
+      </p:grpSpPr>
+      <p:sp>
+        <p:nvSpPr>
+          <p:cNvPr id="395" name="PlaceHolder 1"/>
+          <p:cNvSpPr>
+            <a:spLocks noGrp="1"/>
+          </p:cNvSpPr>
+          <p:nvPr>
+            <p:ph type="sldImg"/>
+          </p:nvPr>
+        </p:nvSpPr>
+        <p:spPr>
+          <a:xfrm>
+            <a:off x="914400" y="857160"/>
+            <a:ext cx="7309440" cy="2309040"/>
+          </a:xfrm>
+          <a:prstGeom prst="rect">
+            <a:avLst/>
+          </a:prstGeom>
+          <a:ln w="0">
+            <a:noFill/>
+          </a:ln>
+        </p:spPr>
+      </p:sp>
+      <p:sp>
+        <p:nvSpPr>
+          <p:cNvPr id="396" name="PlaceHolder 2"/>
+          <p:cNvSpPr>
+            <a:spLocks noGrp="1"/>
+          </p:cNvSpPr>
+          <p:nvPr>
+            <p:ph type="body"/>
+          </p:nvPr>
+        </p:nvSpPr>
+        <p:spPr>
+          <a:xfrm>
+            <a:off x="914400" y="3300480"/>
+            <a:ext cx="7309440" cy="2694600"/>
+          </a:xfrm>
+          <a:prstGeom prst="rect">
+            <a:avLst/>
+          </a:prstGeom>
+          <a:noFill/>
+          <a:ln w="0">
+            <a:noFill/>
+          </a:ln>
+        </p:spPr>
+        <p:txBody>
+          <a:bodyPr lIns="0" rIns="0" tIns="0" bIns="0" anchor="t">
+            <a:noAutofit/>
+          </a:bodyPr>
+          <a:p>
+            <a:pPr marL="216000" indent="-216000">
+              <a:lnSpc>
+                <a:spcPct val="100000"/>
+              </a:lnSpc>
+              <a:buNone/>
+              <a:tabLst>
+                <a:tab algn="l" pos="0"/>
+              </a:tabLst>
+            </a:pPr>
+            <a:r>
+              <a:rPr b="0" lang="ru-RU" sz="2000" spc="-1" strike="noStrike">
+                <a:latin typeface="Arial"/>
+              </a:rPr>
+              <a:t>Будет продемонстрирована возможность отправки сообщений в </a:t>
+            </a:r>
+            <a:r>
+              <a:rPr b="0" lang="en-US" sz="2000" spc="-1" strike="noStrike">
+                <a:latin typeface="Arial"/>
+              </a:rPr>
+              <a:t>RMQ </a:t>
+            </a:r>
+            <a:r>
+              <a:rPr b="0" lang="ru-RU" sz="2000" spc="-1" strike="noStrike">
+                <a:latin typeface="Arial"/>
+              </a:rPr>
+              <a:t>на примере консольного приложения на .</a:t>
+            </a:r>
+            <a:r>
+              <a:rPr b="0" lang="en-US" sz="2000" spc="-1" strike="noStrike">
+                <a:latin typeface="Arial"/>
+              </a:rPr>
+              <a:t>Net</a:t>
+            </a:r>
+            <a:r>
+              <a:rPr b="0" lang="ru-RU" sz="2000" spc="-1" strike="noStrike">
+                <a:latin typeface="Arial"/>
+              </a:rPr>
+              <a:t>. Также будут показаны возможности маршрутизации сообщений в </a:t>
+            </a:r>
+            <a:r>
+              <a:rPr b="0" lang="en-US" sz="2000" spc="-1" strike="noStrike">
+                <a:latin typeface="Arial"/>
+              </a:rPr>
+              <a:t>exchange</a:t>
+            </a:r>
+            <a:r>
+              <a:rPr b="0" lang="ru-RU" sz="2000" spc="-1" strike="noStrike">
+                <a:latin typeface="Arial"/>
+              </a:rPr>
+              <a:t>, описанные выше.</a:t>
+            </a:r>
+            <a:endParaRPr b="0" lang="ru-RU" sz="2000" spc="-1" strike="noStrike">
+              <a:latin typeface="Arial"/>
+            </a:endParaRPr>
+          </a:p>
+        </p:txBody>
+      </p:sp>
+      <p:sp>
+        <p:nvSpPr>
+          <p:cNvPr id="397" name="PlaceHolder 3"/>
+          <p:cNvSpPr>
+            <a:spLocks noGrp="1"/>
+          </p:cNvSpPr>
+          <p:nvPr>
+            <p:ph type="sldNum" idx="33"/>
+          </p:nvPr>
+        </p:nvSpPr>
+        <p:spPr>
+          <a:xfrm>
+            <a:off x="5179680" y="6513840"/>
+            <a:ext cx="3956400" cy="338400"/>
+          </a:xfrm>
+          <a:prstGeom prst="rect">
+            <a:avLst/>
+          </a:prstGeom>
+          <a:noFill/>
+          <a:ln w="0">
+            <a:noFill/>
+          </a:ln>
+        </p:spPr>
+        <p:txBody>
+          <a:bodyPr lIns="0" rIns="0" tIns="0" bIns="0" anchor="b">
+            <a:noAutofit/>
+          </a:bodyPr>
+          <a:lstStyle>
+            <a:lvl1pPr algn="r">
+              <a:lnSpc>
+                <a:spcPct val="100000"/>
+              </a:lnSpc>
+              <a:buNone/>
+              <a:defRPr b="0" lang="ru-RU" sz="1200" spc="-1" strike="noStrike">
+                <a:solidFill>
+                  <a:srgbClr val="000000"/>
+                </a:solidFill>
+                <a:latin typeface="+mn-lt"/>
+                <a:ea typeface="+mn-ea"/>
+              </a:defRPr>
+            </a:lvl1pPr>
+          </a:lstStyle>
+          <a:p>
+            <a:pPr algn="r">
+              <a:lnSpc>
+                <a:spcPct val="100000"/>
+              </a:lnSpc>
+              <a:buNone/>
+            </a:pPr>
+            <a:fld id="{F4325B92-DF11-4CAD-9ABA-913104873D24}" type="slidenum">
+              <a:rPr b="0" lang="ru-RU" sz="1200" spc="-1" strike="noStrike">
+                <a:solidFill>
+                  <a:srgbClr val="000000"/>
+                </a:solidFill>
+                <a:latin typeface="+mn-lt"/>
+                <a:ea typeface="+mn-ea"/>
+              </a:rPr>
+              <a:t>&lt;номер&gt;</a:t>
+            </a:fld>
+            <a:endParaRPr b="0" lang="ru-RU" sz="1200" spc="-1" strike="noStrike">
+              <a:latin typeface="Times New Roman"/>
+            </a:endParaRPr>
+          </a:p>
+        </p:txBody>
+      </p:sp>
+    </p:spTree>
+  </p:cSld>
+</p:notes>
+</file>
+
+<file path=ppt/notesSlides/notesSlide30.xml><?xml version="1.0" encoding="utf-8"?>
+<p:notes xmlns:a="http://schemas.openxmlformats.org/drawingml/2006/main" xmlns:p="http://schemas.openxmlformats.org/presentationml/2006/main" xmlns:r="http://schemas.openxmlformats.org/officeDocument/2006/relationships" xmlns:p14="http://schemas.microsoft.com/office/powerpoint/2010/main" xmlns:p15="http://schemas.microsoft.com/office/powerpoint/2012/main" xmlns:mc="http://schemas.openxmlformats.org/markup-compatibility/2006">
+  <p:cSld>
+    <p:spTree>
+      <p:nvGrpSpPr>
+        <p:cNvPr id="1" name=""/>
+        <p:cNvGrpSpPr/>
+        <p:nvPr/>
+      </p:nvGrpSpPr>
+      <p:grpSpPr>
+        <a:xfrm>
+          <a:off x="0" y="0"/>
+          <a:ext cx="0" cy="0"/>
+          <a:chOff x="0" y="0"/>
+          <a:chExt cx="0" cy="0"/>
+        </a:xfrm>
+      </p:grpSpPr>
+      <p:sp>
+        <p:nvSpPr>
+          <p:cNvPr id="398" name="PlaceHolder 1"/>
+          <p:cNvSpPr>
+            <a:spLocks noGrp="1"/>
+          </p:cNvSpPr>
+          <p:nvPr>
+            <p:ph type="sldImg"/>
+          </p:nvPr>
+        </p:nvSpPr>
+        <p:spPr>
+          <a:xfrm>
+            <a:off x="914400" y="857160"/>
+            <a:ext cx="7309440" cy="2309040"/>
+          </a:xfrm>
+          <a:prstGeom prst="rect">
+            <a:avLst/>
+          </a:prstGeom>
+          <a:ln w="0">
+            <a:noFill/>
+          </a:ln>
+        </p:spPr>
+      </p:sp>
+      <p:sp>
+        <p:nvSpPr>
+          <p:cNvPr id="399" name="PlaceHolder 2"/>
+          <p:cNvSpPr>
+            <a:spLocks noGrp="1"/>
+          </p:cNvSpPr>
+          <p:nvPr>
+            <p:ph type="body"/>
+          </p:nvPr>
+        </p:nvSpPr>
+        <p:spPr>
+          <a:xfrm>
+            <a:off x="914400" y="3300480"/>
+            <a:ext cx="7309440" cy="2694600"/>
+          </a:xfrm>
+          <a:prstGeom prst="rect">
+            <a:avLst/>
+          </a:prstGeom>
+          <a:noFill/>
+          <a:ln w="0">
+            <a:noFill/>
+          </a:ln>
+        </p:spPr>
+        <p:txBody>
+          <a:bodyPr lIns="0" rIns="0" tIns="0" bIns="0" anchor="t">
+            <a:noAutofit/>
+          </a:bodyPr>
+          <a:p>
+            <a:endParaRPr b="0" lang="ru-RU" sz="2000" spc="-1" strike="noStrike">
+              <a:latin typeface="Arial"/>
+            </a:endParaRPr>
+          </a:p>
+        </p:txBody>
+      </p:sp>
+      <p:sp>
+        <p:nvSpPr>
+          <p:cNvPr id="400" name="PlaceHolder 3"/>
+          <p:cNvSpPr>
+            <a:spLocks noGrp="1"/>
+          </p:cNvSpPr>
+          <p:nvPr>
+            <p:ph type="sldNum" idx="34"/>
+          </p:nvPr>
+        </p:nvSpPr>
+        <p:spPr>
+          <a:xfrm>
+            <a:off x="5179680" y="6513840"/>
+            <a:ext cx="3956400" cy="338400"/>
+          </a:xfrm>
+          <a:prstGeom prst="rect">
+            <a:avLst/>
+          </a:prstGeom>
+          <a:noFill/>
+          <a:ln w="0">
+            <a:noFill/>
+          </a:ln>
+        </p:spPr>
+        <p:txBody>
+          <a:bodyPr lIns="0" rIns="0" tIns="0" bIns="0" anchor="b">
+            <a:noAutofit/>
+          </a:bodyPr>
+          <a:lstStyle>
+            <a:lvl1pPr algn="r">
+              <a:lnSpc>
+                <a:spcPct val="100000"/>
+              </a:lnSpc>
+              <a:buNone/>
+              <a:defRPr b="0" lang="ru-RU" sz="1200" spc="-1" strike="noStrike">
+                <a:solidFill>
+                  <a:srgbClr val="000000"/>
+                </a:solidFill>
+                <a:latin typeface="+mn-lt"/>
+                <a:ea typeface="+mn-ea"/>
+              </a:defRPr>
+            </a:lvl1pPr>
+          </a:lstStyle>
+          <a:p>
+            <a:pPr algn="r">
+              <a:lnSpc>
+                <a:spcPct val="100000"/>
+              </a:lnSpc>
+              <a:buNone/>
+            </a:pPr>
+            <a:fld id="{8B073D2D-DF38-4EA4-97A4-1A94B556F058}" type="slidenum">
               <a:rPr b="0" lang="ru-RU" sz="1200" spc="-1" strike="noStrike">
                 <a:solidFill>
                   <a:srgbClr val="000000"/>
@@ -3690,7 +3694,7 @@
       </p:grpSpPr>
       <p:sp>
         <p:nvSpPr>
-          <p:cNvPr id="357" name="PlaceHolder 1"/>
+          <p:cNvPr id="364" name="PlaceHolder 1"/>
           <p:cNvSpPr>
             <a:spLocks noGrp="1"/>
           </p:cNvSpPr>
@@ -3701,7 +3705,7 @@
         <p:spPr>
           <a:xfrm>
             <a:off x="914400" y="3300480"/>
-            <a:ext cx="7310160" cy="2695320"/>
+            <a:ext cx="7309440" cy="2694600"/>
           </a:xfrm>
           <a:prstGeom prst="rect">
             <a:avLst/>
@@ -3813,7 +3817,7 @@
       </p:sp>
       <p:sp>
         <p:nvSpPr>
-          <p:cNvPr id="358" name="PlaceHolder 2"/>
+          <p:cNvPr id="365" name="PlaceHolder 2"/>
           <p:cNvSpPr>
             <a:spLocks noGrp="1"/>
           </p:cNvSpPr>
@@ -3824,7 +3828,7 @@
         <p:spPr>
           <a:xfrm>
             <a:off x="5179680" y="6513840"/>
-            <a:ext cx="3957120" cy="339120"/>
+            <a:ext cx="3956400" cy="338400"/>
           </a:xfrm>
           <a:prstGeom prst="rect">
             <a:avLst/>
@@ -3860,7 +3864,7 @@
               </a:lnSpc>
               <a:buNone/>
             </a:pPr>
-            <a:fld id="{84D48773-428C-4958-AA9F-8A2C1750CF11}" type="slidenum">
+            <a:fld id="{8C9BDA6E-2592-4B53-B63F-244BF52BA9D2}" type="slidenum">
               <a:rPr b="0" lang="ru-RU" sz="1200" spc="-1" strike="noStrike">
                 <a:solidFill>
                   <a:srgbClr val="000000"/>
@@ -3868,7 +3872,7 @@
                 <a:latin typeface="+mn-lt"/>
                 <a:ea typeface="+mn-ea"/>
               </a:rPr>
-              <a:t>22</a:t>
+              <a:t>&lt;номер&gt;</a:t>
             </a:fld>
             <a:endParaRPr b="0" lang="ru-RU" sz="1200" spc="-1" strike="noStrike">
               <a:latin typeface="Times New Roman"/>
@@ -3932,7 +3936,7 @@
         <p:txBody>
           <a:bodyPr/>
           <a:p>
-            <a:fld id="{852BA28C-64FE-40C5-A36A-904872A3E72A}" type="slidenum">
+            <a:fld id="{F4B88E81-CAC1-47E5-95DA-236B1B0AE2E5}" type="slidenum">
               <a:t>&lt;#&gt;</a:t>
             </a:fld>
           </a:p>
@@ -4120,7 +4124,7 @@
         <p:txBody>
           <a:bodyPr/>
           <a:p>
-            <a:fld id="{D9B8BF3E-957E-428B-B16C-6928E5D02EB9}" type="slidenum">
+            <a:fld id="{20EDC8CE-8D04-4B99-9C71-8738EE79CB74}" type="slidenum">
               <a:t>&lt;#&gt;</a:t>
             </a:fld>
           </a:p>
@@ -4376,7 +4380,7 @@
         <p:txBody>
           <a:bodyPr/>
           <a:p>
-            <a:fld id="{9BA0CE09-61CD-488E-9C15-EE55961AED6E}" type="slidenum">
+            <a:fld id="{DF201CE0-8F51-40B9-8DB1-84196E6D2F3D}" type="slidenum">
               <a:t>&lt;#&gt;</a:t>
             </a:fld>
           </a:p>
@@ -4700,7 +4704,7 @@
         <p:txBody>
           <a:bodyPr/>
           <a:p>
-            <a:fld id="{FECAB71A-709E-4562-9AEA-AEDEB0199D7D}" type="slidenum">
+            <a:fld id="{B9382265-F57F-447D-B856-2D1FB071F2C9}" type="slidenum">
               <a:t>&lt;#&gt;</a:t>
             </a:fld>
           </a:p>
@@ -4783,7 +4787,7 @@
         <p:txBody>
           <a:bodyPr/>
           <a:p>
-            <a:fld id="{598DDB82-1C78-487B-94C8-9FA1C924F066}" type="slidenum">
+            <a:fld id="{4A68FDB0-2EBA-437C-BA98-BBD9C8947CE6}" type="slidenum">
               <a:t>&lt;#&gt;</a:t>
             </a:fld>
           </a:p>
@@ -4940,7 +4944,7 @@
         <p:txBody>
           <a:bodyPr/>
           <a:p>
-            <a:fld id="{AAA3BFE1-5063-45B2-896E-12DB1881FE2B}" type="slidenum">
+            <a:fld id="{1266B634-718E-4551-8140-1BDB50D4DF4F}" type="slidenum">
               <a:t>&lt;#&gt;</a:t>
             </a:fld>
           </a:p>
@@ -5094,7 +5098,7 @@
         <p:txBody>
           <a:bodyPr/>
           <a:p>
-            <a:fld id="{17052188-6B46-4FF8-86CB-AB3A1DAA827F}" type="slidenum">
+            <a:fld id="{65B13C6F-7432-4E29-9231-F06CCAC01E65}" type="slidenum">
               <a:t>&lt;#&gt;</a:t>
             </a:fld>
           </a:p>
@@ -5282,7 +5286,7 @@
         <p:txBody>
           <a:bodyPr/>
           <a:p>
-            <a:fld id="{53A98D23-830B-481A-AD3C-C468F2491F50}" type="slidenum">
+            <a:fld id="{4931776F-F6EA-4059-B0D6-39358AE09CAD}" type="slidenum">
               <a:t>&lt;#&gt;</a:t>
             </a:fld>
           </a:p>
@@ -5402,7 +5406,7 @@
         <p:txBody>
           <a:bodyPr/>
           <a:p>
-            <a:fld id="{CF74AB49-3447-4BFA-BC65-021CFEA6384D}" type="slidenum">
+            <a:fld id="{83E35514-57BD-411F-8B02-94CDA742530A}" type="slidenum">
               <a:t>&lt;#&gt;</a:t>
             </a:fld>
           </a:p>
@@ -5522,7 +5526,7 @@
         <p:txBody>
           <a:bodyPr/>
           <a:p>
-            <a:fld id="{81C6A682-AA32-4E21-9CD3-77ED38DDDE8F}" type="slidenum">
+            <a:fld id="{A265E11B-168D-47A9-B160-15F08D93F80B}" type="slidenum">
               <a:t>&lt;#&gt;</a:t>
             </a:fld>
           </a:p>
@@ -5744,7 +5748,7 @@
         <p:txBody>
           <a:bodyPr/>
           <a:p>
-            <a:fld id="{F39759A2-8F5A-46D5-96F9-509C8FE72B2D}" type="slidenum">
+            <a:fld id="{DC1AE1BB-F96D-4386-BBD8-68BB3923A3F4}" type="slidenum">
               <a:t>&lt;#&gt;</a:t>
             </a:fld>
           </a:p>
@@ -5901,7 +5905,7 @@
         <p:txBody>
           <a:bodyPr/>
           <a:p>
-            <a:fld id="{0C576B70-ABCF-4A07-8F2E-460EAA6CA992}" type="slidenum">
+            <a:fld id="{1CF686FD-DCFC-4332-AD64-496FA98CD0FC}" type="slidenum">
               <a:t>&lt;#&gt;</a:t>
             </a:fld>
           </a:p>
@@ -6123,7 +6127,7 @@
         <p:txBody>
           <a:bodyPr/>
           <a:p>
-            <a:fld id="{9FCB5494-D57C-4761-9352-E375124D417A}" type="slidenum">
+            <a:fld id="{9F596A11-B0D1-4744-8A7E-4D4B39064619}" type="slidenum">
               <a:t>&lt;#&gt;</a:t>
             </a:fld>
           </a:p>
@@ -6345,7 +6349,7 @@
         <p:txBody>
           <a:bodyPr/>
           <a:p>
-            <a:fld id="{EEE3688E-F21C-4A8F-A563-D8B8F74061B8}" type="slidenum">
+            <a:fld id="{3237C6AA-F2E3-4174-8EFE-9F43AAC70771}" type="slidenum">
               <a:t>&lt;#&gt;</a:t>
             </a:fld>
           </a:p>
@@ -6533,7 +6537,7 @@
         <p:txBody>
           <a:bodyPr/>
           <a:p>
-            <a:fld id="{79761EBE-26E8-4A71-A90E-BA90CAD63452}" type="slidenum">
+            <a:fld id="{AC5BC161-8D9C-41EF-B685-6149A9D8FB78}" type="slidenum">
               <a:t>&lt;#&gt;</a:t>
             </a:fld>
           </a:p>
@@ -6789,7 +6793,7 @@
         <p:txBody>
           <a:bodyPr/>
           <a:p>
-            <a:fld id="{BC6DD384-B8F4-408A-9B98-059660E0230A}" type="slidenum">
+            <a:fld id="{FB85E083-85BB-49B8-9D7A-2F184D74F0B7}" type="slidenum">
               <a:t>&lt;#&gt;</a:t>
             </a:fld>
           </a:p>
@@ -7113,7 +7117,7 @@
         <p:txBody>
           <a:bodyPr/>
           <a:p>
-            <a:fld id="{AC7773C0-3B29-48F6-BF43-6E93BA67D860}" type="slidenum">
+            <a:fld id="{D358CA73-6486-43F2-B81A-FD28CC96D0D1}" type="slidenum">
               <a:t>&lt;#&gt;</a:t>
             </a:fld>
           </a:p>
@@ -7196,7 +7200,7 @@
         <p:txBody>
           <a:bodyPr/>
           <a:p>
-            <a:fld id="{6D61978E-E65D-4927-A9B8-BB49DDAA9E5A}" type="slidenum">
+            <a:fld id="{660B244B-E49A-4923-8858-ADF70770E400}" type="slidenum">
               <a:t>&lt;#&gt;</a:t>
             </a:fld>
           </a:p>
@@ -7353,7 +7357,7 @@
         <p:txBody>
           <a:bodyPr/>
           <a:p>
-            <a:fld id="{39AA29ED-B94A-4C98-BE0C-28C4E66C008C}" type="slidenum">
+            <a:fld id="{ACD9A4A9-0B06-4A6F-9F34-6178A3D14795}" type="slidenum">
               <a:t>&lt;#&gt;</a:t>
             </a:fld>
           </a:p>
@@ -7507,7 +7511,7 @@
         <p:txBody>
           <a:bodyPr/>
           <a:p>
-            <a:fld id="{81623422-EB6E-44E4-B25B-8AD4FF394D51}" type="slidenum">
+            <a:fld id="{7461FE44-9193-459B-B3AD-9DEB1108AAB3}" type="slidenum">
               <a:t>&lt;#&gt;</a:t>
             </a:fld>
           </a:p>
@@ -7695,7 +7699,7 @@
         <p:txBody>
           <a:bodyPr/>
           <a:p>
-            <a:fld id="{B46CC2E3-B6B2-4315-B8E4-38F8C79F3B1C}" type="slidenum">
+            <a:fld id="{F4CD5342-B6DD-4DBD-8F5C-DEEF454E36B2}" type="slidenum">
               <a:t>&lt;#&gt;</a:t>
             </a:fld>
           </a:p>
@@ -7815,7 +7819,7 @@
         <p:txBody>
           <a:bodyPr/>
           <a:p>
-            <a:fld id="{EDE90688-D735-48C5-858F-4E05DC9ED281}" type="slidenum">
+            <a:fld id="{EBFF1ED6-DB48-41A8-8050-62AD71E63D85}" type="slidenum">
               <a:t>&lt;#&gt;</a:t>
             </a:fld>
           </a:p>
@@ -7969,7 +7973,7 @@
         <p:txBody>
           <a:bodyPr/>
           <a:p>
-            <a:fld id="{E6D6D6D3-C82D-4EA6-A266-127627A990AC}" type="slidenum">
+            <a:fld id="{681C5192-B0C4-4AFC-B2F3-F5614AED6B68}" type="slidenum">
               <a:t>&lt;#&gt;</a:t>
             </a:fld>
           </a:p>
@@ -8089,7 +8093,7 @@
         <p:txBody>
           <a:bodyPr/>
           <a:p>
-            <a:fld id="{F9B5AFED-B664-4FAA-8B98-33B445B1CC77}" type="slidenum">
+            <a:fld id="{91929781-C9D5-40A2-A00A-C00335E7CC5A}" type="slidenum">
               <a:t>&lt;#&gt;</a:t>
             </a:fld>
           </a:p>
@@ -8311,7 +8315,7 @@
         <p:txBody>
           <a:bodyPr/>
           <a:p>
-            <a:fld id="{CF37FBC6-5DC6-4AE0-AE02-EECD255CB60B}" type="slidenum">
+            <a:fld id="{EE39302E-C8D0-4F41-B885-489FE185587B}" type="slidenum">
               <a:t>&lt;#&gt;</a:t>
             </a:fld>
           </a:p>
@@ -8533,7 +8537,7 @@
         <p:txBody>
           <a:bodyPr/>
           <a:p>
-            <a:fld id="{D484BE4A-CB48-4096-A9B6-ADFAB234ECA9}" type="slidenum">
+            <a:fld id="{3CC59746-6B6D-4C01-B1AF-67AF0D7ED672}" type="slidenum">
               <a:t>&lt;#&gt;</a:t>
             </a:fld>
           </a:p>
@@ -8755,7 +8759,7 @@
         <p:txBody>
           <a:bodyPr/>
           <a:p>
-            <a:fld id="{432F400E-43D7-4C92-A0E8-D36C5C6C7DB6}" type="slidenum">
+            <a:fld id="{7BEA0B74-A859-4B64-BF5E-3A362B3FE55E}" type="slidenum">
               <a:t>&lt;#&gt;</a:t>
             </a:fld>
           </a:p>
@@ -8943,7 +8947,7 @@
         <p:txBody>
           <a:bodyPr/>
           <a:p>
-            <a:fld id="{0C7A1BF3-38E0-4F47-859B-3AF5651A5ACC}" type="slidenum">
+            <a:fld id="{E51C275D-C334-4AB1-8D2A-ECF9F08CABB1}" type="slidenum">
               <a:t>&lt;#&gt;</a:t>
             </a:fld>
           </a:p>
@@ -9199,7 +9203,7 @@
         <p:txBody>
           <a:bodyPr/>
           <a:p>
-            <a:fld id="{93F7E239-2441-47CA-ABAB-785788A524DE}" type="slidenum">
+            <a:fld id="{99FBC5BB-2773-471B-9948-2D23C31D359A}" type="slidenum">
               <a:t>&lt;#&gt;</a:t>
             </a:fld>
           </a:p>
@@ -9523,7 +9527,7 @@
         <p:txBody>
           <a:bodyPr/>
           <a:p>
-            <a:fld id="{97B6FB40-FC7C-45FB-B000-BBADF1251F68}" type="slidenum">
+            <a:fld id="{FD029C02-0576-4CDD-AFAD-98AC1D347471}" type="slidenum">
               <a:t>&lt;#&gt;</a:t>
             </a:fld>
           </a:p>
@@ -9606,7 +9610,7 @@
         <p:txBody>
           <a:bodyPr/>
           <a:p>
-            <a:fld id="{4632C1A3-22BD-4C2E-9A5E-4A73F6986DD3}" type="slidenum">
+            <a:fld id="{330B76C0-6878-4C06-B838-8C3B8E7D8DEE}" type="slidenum">
               <a:t>&lt;#&gt;</a:t>
             </a:fld>
           </a:p>
@@ -9763,7 +9767,7 @@
         <p:txBody>
           <a:bodyPr/>
           <a:p>
-            <a:fld id="{C6E01B17-4ECD-4765-ADC3-7C28F37E9402}" type="slidenum">
+            <a:fld id="{FD8DD9F0-7F7E-45C8-B897-54ACAA37F088}" type="slidenum">
               <a:t>&lt;#&gt;</a:t>
             </a:fld>
           </a:p>
@@ -9917,7 +9921,7 @@
         <p:txBody>
           <a:bodyPr/>
           <a:p>
-            <a:fld id="{A76E3953-05CB-4043-A880-5A02A54A23B1}" type="slidenum">
+            <a:fld id="{942F8A6F-8BC3-4BAC-9903-641BDCAD0E80}" type="slidenum">
               <a:t>&lt;#&gt;</a:t>
             </a:fld>
           </a:p>
@@ -10105,7 +10109,7 @@
         <p:txBody>
           <a:bodyPr/>
           <a:p>
-            <a:fld id="{3BA912E6-5146-443B-8526-02C0D6565441}" type="slidenum">
+            <a:fld id="{39B5C47C-1ABA-451A-9F23-8BCF3D38B259}" type="slidenum">
               <a:t>&lt;#&gt;</a:t>
             </a:fld>
           </a:p>
@@ -10293,7 +10297,7 @@
         <p:txBody>
           <a:bodyPr/>
           <a:p>
-            <a:fld id="{3074D4A4-CEFF-4EFF-8594-36BEFA84BA98}" type="slidenum">
+            <a:fld id="{26D9D73D-4A5C-4B91-934E-A649ECB909A3}" type="slidenum">
               <a:t>&lt;#&gt;</a:t>
             </a:fld>
           </a:p>
@@ -10413,7 +10417,7 @@
         <p:txBody>
           <a:bodyPr/>
           <a:p>
-            <a:fld id="{2B92269E-BCA1-440F-AA41-A6AED625DD1B}" type="slidenum">
+            <a:fld id="{DC5398EE-F5B4-4349-BC1C-2D90AB13D4B4}" type="slidenum">
               <a:t>&lt;#&gt;</a:t>
             </a:fld>
           </a:p>
@@ -10533,7 +10537,7 @@
         <p:txBody>
           <a:bodyPr/>
           <a:p>
-            <a:fld id="{37FD48DD-FD57-43A5-943C-6761AB2775F9}" type="slidenum">
+            <a:fld id="{132BA1AC-5691-49B3-B75B-90F965C9C171}" type="slidenum">
               <a:t>&lt;#&gt;</a:t>
             </a:fld>
           </a:p>
@@ -10755,7 +10759,7 @@
         <p:txBody>
           <a:bodyPr/>
           <a:p>
-            <a:fld id="{6F4972CA-4D23-4FDF-93FC-0FF291F7A91C}" type="slidenum">
+            <a:fld id="{C6EDF792-82BF-4B3A-9A15-D3ACD40C3B31}" type="slidenum">
               <a:t>&lt;#&gt;</a:t>
             </a:fld>
           </a:p>
@@ -10977,7 +10981,7 @@
         <p:txBody>
           <a:bodyPr/>
           <a:p>
-            <a:fld id="{94054E92-FA5E-43D0-AA3D-D0E588D6D7AC}" type="slidenum">
+            <a:fld id="{CE9EF4D3-5441-4876-90B5-658CFFFE26C0}" type="slidenum">
               <a:t>&lt;#&gt;</a:t>
             </a:fld>
           </a:p>
@@ -11199,7 +11203,7 @@
         <p:txBody>
           <a:bodyPr/>
           <a:p>
-            <a:fld id="{D92659D7-DEBF-45A1-94D1-0D3214CBE4C4}" type="slidenum">
+            <a:fld id="{42E88167-1A05-4787-A8F8-AB0197C4DEA6}" type="slidenum">
               <a:t>&lt;#&gt;</a:t>
             </a:fld>
           </a:p>
@@ -11387,7 +11391,7 @@
         <p:txBody>
           <a:bodyPr/>
           <a:p>
-            <a:fld id="{3DFDCC43-BCED-476E-A065-120DA1F09939}" type="slidenum">
+            <a:fld id="{CA89166A-5E76-414E-986D-CEE0530808A7}" type="slidenum">
               <a:t>&lt;#&gt;</a:t>
             </a:fld>
           </a:p>
@@ -11643,7 +11647,7 @@
         <p:txBody>
           <a:bodyPr/>
           <a:p>
-            <a:fld id="{EB748D1B-FE9E-4C0D-ACA0-9ACBFA55BAFE}" type="slidenum">
+            <a:fld id="{84130DAE-D53A-40A7-A96A-55D7F4DCD168}" type="slidenum">
               <a:t>&lt;#&gt;</a:t>
             </a:fld>
           </a:p>
@@ -11967,7 +11971,7 @@
         <p:txBody>
           <a:bodyPr/>
           <a:p>
-            <a:fld id="{CAAA2C0D-4AC7-4CC5-9E82-BEA030796156}" type="slidenum">
+            <a:fld id="{F6C57042-2881-4FB6-99F0-EDB4D87508F9}" type="slidenum">
               <a:t>&lt;#&gt;</a:t>
             </a:fld>
           </a:p>
@@ -12050,7 +12054,7 @@
         <p:txBody>
           <a:bodyPr/>
           <a:p>
-            <a:fld id="{6E8A133B-57FA-4AE6-8E7D-B94B3B166DCF}" type="slidenum">
+            <a:fld id="{973E7111-5992-44B7-AD7B-3741E4896934}" type="slidenum">
               <a:t>&lt;#&gt;</a:t>
             </a:fld>
           </a:p>
@@ -12170,7 +12174,7 @@
         <p:txBody>
           <a:bodyPr/>
           <a:p>
-            <a:fld id="{9E6C89EC-643A-4595-ABFA-882597E9A2E1}" type="slidenum">
+            <a:fld id="{E29988D3-825F-4D43-899B-36856A41F774}" type="slidenum">
               <a:t>&lt;#&gt;</a:t>
             </a:fld>
           </a:p>
@@ -12327,7 +12331,7 @@
         <p:txBody>
           <a:bodyPr/>
           <a:p>
-            <a:fld id="{CCC7F97A-9CAA-4F08-9293-0FB6A4F041CC}" type="slidenum">
+            <a:fld id="{676D384A-5749-445E-A197-40D548518B7D}" type="slidenum">
               <a:t>&lt;#&gt;</a:t>
             </a:fld>
           </a:p>
@@ -12481,7 +12485,7 @@
         <p:txBody>
           <a:bodyPr/>
           <a:p>
-            <a:fld id="{7CF40C92-AAD3-4702-B655-5830BC0EFD81}" type="slidenum">
+            <a:fld id="{43D26D53-9666-4E6B-AE6B-5E879CC5CD27}" type="slidenum">
               <a:t>&lt;#&gt;</a:t>
             </a:fld>
           </a:p>
@@ -12669,7 +12673,7 @@
         <p:txBody>
           <a:bodyPr/>
           <a:p>
-            <a:fld id="{55D45362-1928-44D8-8DC5-1B083A63C620}" type="slidenum">
+            <a:fld id="{F4E16757-B62A-4F93-9823-A8A18EE5D258}" type="slidenum">
               <a:t>&lt;#&gt;</a:t>
             </a:fld>
           </a:p>
@@ -12789,7 +12793,7 @@
         <p:txBody>
           <a:bodyPr/>
           <a:p>
-            <a:fld id="{3B978AEA-E517-482F-BFE3-D4DC81A76302}" type="slidenum">
+            <a:fld id="{27D58EE4-3674-4F66-A40F-DD062C2D2BF9}" type="slidenum">
               <a:t>&lt;#&gt;</a:t>
             </a:fld>
           </a:p>
@@ -12909,7 +12913,7 @@
         <p:txBody>
           <a:bodyPr/>
           <a:p>
-            <a:fld id="{57824704-5821-489F-9FFF-AB14DBFD9F81}" type="slidenum">
+            <a:fld id="{BE8C0C07-5808-497E-AD55-9D4CF45DDD4A}" type="slidenum">
               <a:t>&lt;#&gt;</a:t>
             </a:fld>
           </a:p>
@@ -13131,7 +13135,7 @@
         <p:txBody>
           <a:bodyPr/>
           <a:p>
-            <a:fld id="{B0F619A1-64AD-4F26-B9E9-83A95C43EDFE}" type="slidenum">
+            <a:fld id="{B5CBCA41-30E6-43D1-AB68-87101DDED7D1}" type="slidenum">
               <a:t>&lt;#&gt;</a:t>
             </a:fld>
           </a:p>
@@ -13353,7 +13357,7 @@
         <p:txBody>
           <a:bodyPr/>
           <a:p>
-            <a:fld id="{F8888CAE-02BF-4423-B365-14D423BAC782}" type="slidenum">
+            <a:fld id="{EE94DB99-3354-4F00-85AF-2688134F3A87}" type="slidenum">
               <a:t>&lt;#&gt;</a:t>
             </a:fld>
           </a:p>
@@ -13575,7 +13579,7 @@
         <p:txBody>
           <a:bodyPr/>
           <a:p>
-            <a:fld id="{68F1302D-A1FD-4678-9EA2-1281E2DDCD38}" type="slidenum">
+            <a:fld id="{B47A4441-2BF8-49EC-8DB1-BAC00FD91B08}" type="slidenum">
               <a:t>&lt;#&gt;</a:t>
             </a:fld>
           </a:p>
@@ -13763,7 +13767,7 @@
         <p:txBody>
           <a:bodyPr/>
           <a:p>
-            <a:fld id="{01513CCF-0C64-4AD9-B8AD-D3D5B6C07D50}" type="slidenum">
+            <a:fld id="{F5273750-58C2-4116-A4D3-403B2AE6F7B9}" type="slidenum">
               <a:t>&lt;#&gt;</a:t>
             </a:fld>
           </a:p>
@@ -14019,7 +14023,7 @@
         <p:txBody>
           <a:bodyPr/>
           <a:p>
-            <a:fld id="{D609E945-B403-45B8-9015-1B9A675E51AC}" type="slidenum">
+            <a:fld id="{13C30EA5-11CB-4022-94D0-00ADC0231EED}" type="slidenum">
               <a:t>&lt;#&gt;</a:t>
             </a:fld>
           </a:p>
@@ -14139,7 +14143,7 @@
         <p:txBody>
           <a:bodyPr/>
           <a:p>
-            <a:fld id="{36D60999-1B08-4E37-A692-1FA2715BEA49}" type="slidenum">
+            <a:fld id="{1AEABB7A-1213-42D5-8E22-4988D664D4F7}" type="slidenum">
               <a:t>&lt;#&gt;</a:t>
             </a:fld>
           </a:p>
@@ -14463,7 +14467,7 @@
         <p:txBody>
           <a:bodyPr/>
           <a:p>
-            <a:fld id="{234FDE20-1B16-4F3C-A0A2-B08973F9730A}" type="slidenum">
+            <a:fld id="{861B4B25-0A04-4024-B6A5-ADA038922E1A}" type="slidenum">
               <a:t>&lt;#&gt;</a:t>
             </a:fld>
           </a:p>
@@ -14546,7 +14550,7 @@
         <p:txBody>
           <a:bodyPr/>
           <a:p>
-            <a:fld id="{7CD31DB0-2C31-4DFF-9063-EA32B08663B4}" type="slidenum">
+            <a:fld id="{CF97AD75-0F82-42AD-8F09-5DC9282C99F5}" type="slidenum">
               <a:t>&lt;#&gt;</a:t>
             </a:fld>
           </a:p>
@@ -14703,7 +14707,7 @@
         <p:txBody>
           <a:bodyPr/>
           <a:p>
-            <a:fld id="{C0D5AAD8-3242-4674-B8A4-CCB4C9FFE473}" type="slidenum">
+            <a:fld id="{14D893DD-98C2-4792-9E73-4D337AEE27CF}" type="slidenum">
               <a:t>&lt;#&gt;</a:t>
             </a:fld>
           </a:p>
@@ -14857,7 +14861,7 @@
         <p:txBody>
           <a:bodyPr/>
           <a:p>
-            <a:fld id="{B2A602F8-8AC2-4160-87E6-EA6D8305954E}" type="slidenum">
+            <a:fld id="{7F79276C-5500-4A1A-90CD-7CB99B6C5FB7}" type="slidenum">
               <a:t>&lt;#&gt;</a:t>
             </a:fld>
           </a:p>
@@ -15045,7 +15049,7 @@
         <p:txBody>
           <a:bodyPr/>
           <a:p>
-            <a:fld id="{5A4B4AC8-4022-4D06-B63F-D07C580D4B14}" type="slidenum">
+            <a:fld id="{B55832B6-D295-4343-B23E-BB465BAD43A9}" type="slidenum">
               <a:t>&lt;#&gt;</a:t>
             </a:fld>
           </a:p>
@@ -15165,7 +15169,7 @@
         <p:txBody>
           <a:bodyPr/>
           <a:p>
-            <a:fld id="{8FF85303-A4AA-484C-9D01-1D2E6C79A8EB}" type="slidenum">
+            <a:fld id="{138DFE85-A0CD-4D0D-8D54-EFF74423DA08}" type="slidenum">
               <a:t>&lt;#&gt;</a:t>
             </a:fld>
           </a:p>
@@ -15285,7 +15289,7 @@
         <p:txBody>
           <a:bodyPr/>
           <a:p>
-            <a:fld id="{78FDC6A3-7E1E-40A9-B9B6-A58593595BB5}" type="slidenum">
+            <a:fld id="{5AA537FA-C2C5-41AD-8E41-3E9EADC08961}" type="slidenum">
               <a:t>&lt;#&gt;</a:t>
             </a:fld>
           </a:p>
@@ -15507,7 +15511,7 @@
         <p:txBody>
           <a:bodyPr/>
           <a:p>
-            <a:fld id="{83F6DEE5-AA34-4695-911F-E425BF4E3E57}" type="slidenum">
+            <a:fld id="{AE7344D7-2FFA-4168-AEF8-7F466C7E4957}" type="slidenum">
               <a:t>&lt;#&gt;</a:t>
             </a:fld>
           </a:p>
@@ -15729,7 +15733,7 @@
         <p:txBody>
           <a:bodyPr/>
           <a:p>
-            <a:fld id="{CC95C15E-B8B1-4145-886F-FB63C64EEB80}" type="slidenum">
+            <a:fld id="{2426E223-D59E-45F1-851E-04A1363FDB01}" type="slidenum">
               <a:t>&lt;#&gt;</a:t>
             </a:fld>
           </a:p>
@@ -15951,7 +15955,7 @@
         <p:txBody>
           <a:bodyPr/>
           <a:p>
-            <a:fld id="{7A44130E-B122-43D0-91E1-329CAF70ACD1}" type="slidenum">
+            <a:fld id="{3968FD1F-05F6-4AA4-AB77-9C407EC2EF13}" type="slidenum">
               <a:t>&lt;#&gt;</a:t>
             </a:fld>
           </a:p>
@@ -16173,7 +16177,7 @@
         <p:txBody>
           <a:bodyPr/>
           <a:p>
-            <a:fld id="{A31CBE76-CE4C-4472-99F0-BA14D83174E7}" type="slidenum">
+            <a:fld id="{2B69C277-5487-4660-BD1C-BEE348D9D117}" type="slidenum">
               <a:t>&lt;#&gt;</a:t>
             </a:fld>
           </a:p>
@@ -16361,7 +16365,7 @@
         <p:txBody>
           <a:bodyPr/>
           <a:p>
-            <a:fld id="{90A1A39B-7CE7-49BF-8BC5-A29964A60AE8}" type="slidenum">
+            <a:fld id="{9536DA8F-125C-4599-8329-A936DA5C435D}" type="slidenum">
               <a:t>&lt;#&gt;</a:t>
             </a:fld>
           </a:p>
@@ -16617,7 +16621,7 @@
         <p:txBody>
           <a:bodyPr/>
           <a:p>
-            <a:fld id="{63C2BF89-E878-44AD-B927-4A52E9D4B609}" type="slidenum">
+            <a:fld id="{E488E68C-6E25-4C84-99B8-5B10D2E0093C}" type="slidenum">
               <a:t>&lt;#&gt;</a:t>
             </a:fld>
           </a:p>
@@ -16941,7 +16945,7 @@
         <p:txBody>
           <a:bodyPr/>
           <a:p>
-            <a:fld id="{5A670CA3-497D-4F81-AF98-70F4C0737B20}" type="slidenum">
+            <a:fld id="{0834D5DF-1FEB-4A19-B757-17F3DFB9E4BC}" type="slidenum">
               <a:t>&lt;#&gt;</a:t>
             </a:fld>
           </a:p>
@@ -17163,7 +17167,7 @@
         <p:txBody>
           <a:bodyPr/>
           <a:p>
-            <a:fld id="{1C265714-44BE-4AC6-91B2-12A7290693BE}" type="slidenum">
+            <a:fld id="{E44D0A69-0E52-40A5-8E4F-07602AFB7ECB}" type="slidenum">
               <a:t>&lt;#&gt;</a:t>
             </a:fld>
           </a:p>
@@ -17385,7 +17389,7 @@
         <p:txBody>
           <a:bodyPr/>
           <a:p>
-            <a:fld id="{D70C3DD9-A176-46AD-A180-8660CC5001E9}" type="slidenum">
+            <a:fld id="{CA34AB8F-8576-414C-A5E8-FF8AF3F65461}" type="slidenum">
               <a:t>&lt;#&gt;</a:t>
             </a:fld>
           </a:p>
@@ -17450,7 +17454,7 @@
         <p:spPr>
           <a:xfrm>
             <a:off x="0" y="6400800"/>
-            <a:ext cx="12187080" cy="452160"/>
+            <a:ext cx="12186360" cy="451440"/>
           </a:xfrm>
           <a:prstGeom prst="rect">
             <a:avLst/>
@@ -17486,7 +17490,7 @@
         <p:spPr>
           <a:xfrm>
             <a:off x="0" y="6334200"/>
-            <a:ext cx="12187080" cy="60840"/>
+            <a:ext cx="12186360" cy="60120"/>
           </a:xfrm>
           <a:prstGeom prst="rect">
             <a:avLst/>
@@ -17560,7 +17564,7 @@
         <p:spPr>
           <a:xfrm>
             <a:off x="11212560" y="5495040"/>
-            <a:ext cx="801360" cy="801360"/>
+            <a:ext cx="800640" cy="800640"/>
           </a:xfrm>
           <a:prstGeom prst="rect">
             <a:avLst/>
@@ -17579,7 +17583,7 @@
         <p:spPr>
           <a:xfrm>
             <a:off x="3240" y="6400800"/>
-            <a:ext cx="12183840" cy="452160"/>
+            <a:ext cx="12183120" cy="451440"/>
           </a:xfrm>
           <a:prstGeom prst="rect">
             <a:avLst/>
@@ -17615,7 +17619,7 @@
         <p:spPr>
           <a:xfrm>
             <a:off x="0" y="6334200"/>
-            <a:ext cx="12183840" cy="59040"/>
+            <a:ext cx="12183120" cy="58320"/>
           </a:xfrm>
           <a:prstGeom prst="rect">
             <a:avLst/>
@@ -17689,7 +17693,7 @@
         <p:spPr>
           <a:xfrm>
             <a:off x="11212560" y="5495040"/>
-            <a:ext cx="801360" cy="801360"/>
+            <a:ext cx="800640" cy="800640"/>
           </a:xfrm>
           <a:prstGeom prst="rect">
             <a:avLst/>
@@ -17712,7 +17716,7 @@
         <p:spPr>
           <a:xfrm>
             <a:off x="3686040" y="6459840"/>
-            <a:ext cx="4817880" cy="360000"/>
+            <a:ext cx="4817160" cy="359280"/>
           </a:xfrm>
           <a:prstGeom prst="rect">
             <a:avLst/>
@@ -17769,7 +17773,7 @@
         <p:spPr>
           <a:xfrm>
             <a:off x="9900360" y="6459840"/>
-            <a:ext cx="1307160" cy="360000"/>
+            <a:ext cx="1306440" cy="359280"/>
           </a:xfrm>
           <a:prstGeom prst="rect">
             <a:avLst/>
@@ -17804,7 +17808,7 @@
               </a:lnSpc>
               <a:buNone/>
             </a:pPr>
-            <a:fld id="{4718B385-0F46-42F6-A3AE-AFAE8FF88EE6}" type="slidenum">
+            <a:fld id="{9996BE46-80D0-479C-9278-B40EF41442F8}" type="slidenum">
               <a:rPr b="0" lang="ru-RU" sz="1050" spc="-1" strike="noStrike">
                 <a:solidFill>
                   <a:srgbClr val="ffffff"/>
@@ -17832,7 +17836,7 @@
         <p:spPr>
           <a:xfrm>
             <a:off x="1097280" y="6459840"/>
-            <a:ext cx="2467080" cy="360000"/>
+            <a:ext cx="2466360" cy="359280"/>
           </a:xfrm>
           <a:prstGeom prst="rect">
             <a:avLst/>
@@ -18145,7 +18149,7 @@
         <p:spPr>
           <a:xfrm>
             <a:off x="0" y="6400800"/>
-            <a:ext cx="12187080" cy="452160"/>
+            <a:ext cx="12186360" cy="451440"/>
           </a:xfrm>
           <a:prstGeom prst="rect">
             <a:avLst/>
@@ -18181,7 +18185,7 @@
         <p:spPr>
           <a:xfrm>
             <a:off x="0" y="6334200"/>
-            <a:ext cx="12187080" cy="60840"/>
+            <a:ext cx="12186360" cy="60120"/>
           </a:xfrm>
           <a:prstGeom prst="rect">
             <a:avLst/>
@@ -18255,7 +18259,7 @@
         <p:spPr>
           <a:xfrm>
             <a:off x="11212560" y="5495040"/>
-            <a:ext cx="801360" cy="801360"/>
+            <a:ext cx="800640" cy="800640"/>
           </a:xfrm>
           <a:prstGeom prst="rect">
             <a:avLst/>
@@ -18278,7 +18282,7 @@
         <p:spPr>
           <a:xfrm>
             <a:off x="3686040" y="6459840"/>
-            <a:ext cx="4817880" cy="360000"/>
+            <a:ext cx="4817160" cy="359280"/>
           </a:xfrm>
           <a:prstGeom prst="rect">
             <a:avLst/>
@@ -18335,7 +18339,7 @@
         <p:spPr>
           <a:xfrm>
             <a:off x="9900360" y="6459840"/>
-            <a:ext cx="1307160" cy="360000"/>
+            <a:ext cx="1306440" cy="359280"/>
           </a:xfrm>
           <a:prstGeom prst="rect">
             <a:avLst/>
@@ -18370,7 +18374,7 @@
               </a:lnSpc>
               <a:buNone/>
             </a:pPr>
-            <a:fld id="{C7F88488-4043-4991-9960-45913538E20C}" type="slidenum">
+            <a:fld id="{1689DE3F-DC5A-4DF4-AF5A-B0D45121C9F0}" type="slidenum">
               <a:rPr b="0" lang="ru-RU" sz="1050" spc="-1" strike="noStrike">
                 <a:solidFill>
                   <a:srgbClr val="ffffff"/>
@@ -18398,7 +18402,7 @@
         <p:spPr>
           <a:xfrm>
             <a:off x="1097280" y="6459840"/>
-            <a:ext cx="2467080" cy="360000"/>
+            <a:ext cx="2466360" cy="359280"/>
           </a:xfrm>
           <a:prstGeom prst="rect">
             <a:avLst/>
@@ -18711,7 +18715,7 @@
         <p:spPr>
           <a:xfrm>
             <a:off x="0" y="6400800"/>
-            <a:ext cx="12187080" cy="452160"/>
+            <a:ext cx="12186360" cy="451440"/>
           </a:xfrm>
           <a:prstGeom prst="rect">
             <a:avLst/>
@@ -18747,7 +18751,7 @@
         <p:spPr>
           <a:xfrm>
             <a:off x="0" y="6334200"/>
-            <a:ext cx="12187080" cy="60840"/>
+            <a:ext cx="12186360" cy="60120"/>
           </a:xfrm>
           <a:prstGeom prst="rect">
             <a:avLst/>
@@ -18821,7 +18825,7 @@
         <p:spPr>
           <a:xfrm>
             <a:off x="11212560" y="5495040"/>
-            <a:ext cx="801360" cy="801360"/>
+            <a:ext cx="800640" cy="800640"/>
           </a:xfrm>
           <a:prstGeom prst="rect">
             <a:avLst/>
@@ -18844,7 +18848,7 @@
         <p:spPr>
           <a:xfrm>
             <a:off x="3686040" y="6459840"/>
-            <a:ext cx="4817880" cy="360000"/>
+            <a:ext cx="4817160" cy="359280"/>
           </a:xfrm>
           <a:prstGeom prst="rect">
             <a:avLst/>
@@ -18901,7 +18905,7 @@
         <p:spPr>
           <a:xfrm>
             <a:off x="9900360" y="6459840"/>
-            <a:ext cx="1307160" cy="360000"/>
+            <a:ext cx="1306440" cy="359280"/>
           </a:xfrm>
           <a:prstGeom prst="rect">
             <a:avLst/>
@@ -18936,7 +18940,7 @@
               </a:lnSpc>
               <a:buNone/>
             </a:pPr>
-            <a:fld id="{62104DFE-8543-4480-A6BA-77F486F15B76}" type="slidenum">
+            <a:fld id="{6A6BE893-313C-4D42-A177-86FFEA8D02E2}" type="slidenum">
               <a:rPr b="0" lang="ru-RU" sz="1050" spc="-1" strike="noStrike">
                 <a:solidFill>
                   <a:srgbClr val="ffffff"/>
@@ -18964,7 +18968,7 @@
         <p:spPr>
           <a:xfrm>
             <a:off x="1097280" y="6459840"/>
-            <a:ext cx="2467080" cy="360000"/>
+            <a:ext cx="2466360" cy="359280"/>
           </a:xfrm>
           <a:prstGeom prst="rect">
             <a:avLst/>
@@ -19277,7 +19281,7 @@
         <p:spPr>
           <a:xfrm>
             <a:off x="0" y="6400800"/>
-            <a:ext cx="12187080" cy="452160"/>
+            <a:ext cx="12186360" cy="451440"/>
           </a:xfrm>
           <a:prstGeom prst="rect">
             <a:avLst/>
@@ -19313,7 +19317,7 @@
         <p:spPr>
           <a:xfrm>
             <a:off x="0" y="6334200"/>
-            <a:ext cx="12187080" cy="60840"/>
+            <a:ext cx="12186360" cy="60120"/>
           </a:xfrm>
           <a:prstGeom prst="rect">
             <a:avLst/>
@@ -19387,7 +19391,7 @@
         <p:spPr>
           <a:xfrm>
             <a:off x="11212560" y="5495040"/>
-            <a:ext cx="801360" cy="801360"/>
+            <a:ext cx="800640" cy="800640"/>
           </a:xfrm>
           <a:prstGeom prst="rect">
             <a:avLst/>
@@ -19410,7 +19414,7 @@
         <p:spPr>
           <a:xfrm>
             <a:off x="333360" y="1993680"/>
-            <a:ext cx="2182320" cy="4161240"/>
+            <a:ext cx="2181600" cy="4160520"/>
           </a:xfrm>
           <a:prstGeom prst="rect">
             <a:avLst/>
@@ -19473,7 +19477,7 @@
         <p:spPr>
           <a:xfrm>
             <a:off x="3686040" y="6459840"/>
-            <a:ext cx="4817880" cy="360000"/>
+            <a:ext cx="4817160" cy="359280"/>
           </a:xfrm>
           <a:prstGeom prst="rect">
             <a:avLst/>
@@ -19530,7 +19534,7 @@
         <p:spPr>
           <a:xfrm>
             <a:off x="9900360" y="6459840"/>
-            <a:ext cx="1307160" cy="360000"/>
+            <a:ext cx="1306440" cy="359280"/>
           </a:xfrm>
           <a:prstGeom prst="rect">
             <a:avLst/>
@@ -19565,7 +19569,7 @@
               </a:lnSpc>
               <a:buNone/>
             </a:pPr>
-            <a:fld id="{7A47D96C-EB66-4B94-8BFE-0BF2EA9CB1D3}" type="slidenum">
+            <a:fld id="{6CA29B12-80CB-4267-8E73-2F0703475F4E}" type="slidenum">
               <a:rPr b="0" lang="ru-RU" sz="1050" spc="-1" strike="noStrike">
                 <a:solidFill>
                   <a:srgbClr val="ffffff"/>
@@ -19593,7 +19597,7 @@
         <p:spPr>
           <a:xfrm>
             <a:off x="1097280" y="6459840"/>
-            <a:ext cx="2467080" cy="360000"/>
+            <a:ext cx="2466360" cy="359280"/>
           </a:xfrm>
           <a:prstGeom prst="rect">
             <a:avLst/>
@@ -19863,7 +19867,7 @@
         <p:spPr>
           <a:xfrm>
             <a:off x="0" y="6400800"/>
-            <a:ext cx="12187080" cy="452160"/>
+            <a:ext cx="12186360" cy="451440"/>
           </a:xfrm>
           <a:prstGeom prst="rect">
             <a:avLst/>
@@ -19899,7 +19903,7 @@
         <p:spPr>
           <a:xfrm>
             <a:off x="0" y="6334200"/>
-            <a:ext cx="12187080" cy="60840"/>
+            <a:ext cx="12186360" cy="60120"/>
           </a:xfrm>
           <a:prstGeom prst="rect">
             <a:avLst/>
@@ -19973,7 +19977,7 @@
         <p:spPr>
           <a:xfrm>
             <a:off x="11212560" y="5495040"/>
-            <a:ext cx="801360" cy="801360"/>
+            <a:ext cx="800640" cy="800640"/>
           </a:xfrm>
           <a:prstGeom prst="rect">
             <a:avLst/>
@@ -20036,7 +20040,7 @@
         <p:spPr>
           <a:xfrm>
             <a:off x="3686040" y="6459840"/>
-            <a:ext cx="4817880" cy="360000"/>
+            <a:ext cx="4817160" cy="359280"/>
           </a:xfrm>
           <a:prstGeom prst="rect">
             <a:avLst/>
@@ -20093,7 +20097,7 @@
         <p:spPr>
           <a:xfrm>
             <a:off x="9900360" y="6459840"/>
-            <a:ext cx="1307160" cy="360000"/>
+            <a:ext cx="1306440" cy="359280"/>
           </a:xfrm>
           <a:prstGeom prst="rect">
             <a:avLst/>
@@ -20128,7 +20132,7 @@
               </a:lnSpc>
               <a:buNone/>
             </a:pPr>
-            <a:fld id="{5B30C80D-93FA-47AB-BE83-B5F5214C4269}" type="slidenum">
+            <a:fld id="{7C2FEF4F-B264-4425-B955-E775B4DB56B1}" type="slidenum">
               <a:rPr b="0" lang="ru-RU" sz="1050" spc="-1" strike="noStrike">
                 <a:solidFill>
                   <a:srgbClr val="ffffff"/>
@@ -20156,7 +20160,7 @@
         <p:spPr>
           <a:xfrm>
             <a:off x="1097280" y="6459840"/>
-            <a:ext cx="2467080" cy="360000"/>
+            <a:ext cx="2466360" cy="359280"/>
           </a:xfrm>
           <a:prstGeom prst="rect">
             <a:avLst/>
@@ -20426,7 +20430,7 @@
         <p:spPr>
           <a:xfrm>
             <a:off x="0" y="6400800"/>
-            <a:ext cx="12187080" cy="452160"/>
+            <a:ext cx="12186360" cy="451440"/>
           </a:xfrm>
           <a:prstGeom prst="rect">
             <a:avLst/>
@@ -20462,7 +20466,7 @@
         <p:spPr>
           <a:xfrm>
             <a:off x="0" y="6334200"/>
-            <a:ext cx="12187080" cy="60840"/>
+            <a:ext cx="12186360" cy="60120"/>
           </a:xfrm>
           <a:prstGeom prst="rect">
             <a:avLst/>
@@ -20536,7 +20540,7 @@
         <p:spPr>
           <a:xfrm>
             <a:off x="11212560" y="5495040"/>
-            <a:ext cx="801360" cy="801360"/>
+            <a:ext cx="800640" cy="800640"/>
           </a:xfrm>
           <a:prstGeom prst="rect">
             <a:avLst/>
@@ -20559,7 +20563,7 @@
         <p:spPr>
           <a:xfrm>
             <a:off x="4917960" y="2125440"/>
-            <a:ext cx="2294280" cy="4074120"/>
+            <a:ext cx="2293560" cy="4073400"/>
           </a:xfrm>
           <a:prstGeom prst="rect">
             <a:avLst/>
@@ -20582,7 +20586,7 @@
         <p:spPr>
           <a:xfrm>
             <a:off x="3686040" y="6459840"/>
-            <a:ext cx="4817880" cy="360000"/>
+            <a:ext cx="4817160" cy="359280"/>
           </a:xfrm>
           <a:prstGeom prst="rect">
             <a:avLst/>
@@ -20639,7 +20643,7 @@
         <p:spPr>
           <a:xfrm>
             <a:off x="9900360" y="6459840"/>
-            <a:ext cx="1307160" cy="360000"/>
+            <a:ext cx="1306440" cy="359280"/>
           </a:xfrm>
           <a:prstGeom prst="rect">
             <a:avLst/>
@@ -20674,7 +20678,7 @@
               </a:lnSpc>
               <a:buNone/>
             </a:pPr>
-            <a:fld id="{BDC9AF2B-BEC7-4AF5-A498-19E479F2BE46}" type="slidenum">
+            <a:fld id="{AC0DCE75-5C76-46BB-A270-74889C425540}" type="slidenum">
               <a:rPr b="0" lang="ru-RU" sz="1050" spc="-1" strike="noStrike">
                 <a:solidFill>
                   <a:srgbClr val="ffffff"/>
@@ -20702,7 +20706,7 @@
         <p:spPr>
           <a:xfrm>
             <a:off x="1097280" y="6459840"/>
-            <a:ext cx="2467080" cy="360000"/>
+            <a:ext cx="2466360" cy="359280"/>
           </a:xfrm>
           <a:prstGeom prst="rect">
             <a:avLst/>
@@ -20771,19 +20775,7 @@
               <a:rPr b="0" lang="ru-RU" sz="4400" spc="-1" strike="noStrike">
                 <a:latin typeface="Arial"/>
               </a:rPr>
-              <a:t>Для правки текста </a:t>
-            </a:r>
-            <a:r>
-              <a:rPr b="0" lang="ru-RU" sz="4400" spc="-1" strike="noStrike">
-                <a:latin typeface="Arial"/>
-              </a:rPr>
-              <a:t>заглавия щёлкните </a:t>
-            </a:r>
-            <a:r>
-              <a:rPr b="0" lang="ru-RU" sz="4400" spc="-1" strike="noStrike">
-                <a:latin typeface="Arial"/>
-              </a:rPr>
-              <a:t>мышью</a:t>
+              <a:t>Для правки текста заглавия щёлкните мышью</a:t>
             </a:r>
             <a:endParaRPr b="0" lang="ru-RU" sz="4400" spc="-1" strike="noStrike">
               <a:latin typeface="Arial"/>
@@ -21024,7 +21016,7 @@
         <p:spPr>
           <a:xfrm>
             <a:off x="1260000" y="1440000"/>
-            <a:ext cx="9895680" cy="2661120"/>
+            <a:ext cx="9894960" cy="2660400"/>
           </a:xfrm>
           <a:prstGeom prst="rect">
             <a:avLst/>
@@ -21112,7 +21104,7 @@
         <p:spPr>
           <a:xfrm>
             <a:off x="1097280" y="286560"/>
-            <a:ext cx="10418040" cy="1445760"/>
+            <a:ext cx="10417320" cy="1445040"/>
           </a:xfrm>
           <a:prstGeom prst="rect">
             <a:avLst/>
@@ -21149,16 +21141,7 @@
                 </a:solidFill>
                 <a:latin typeface="Calibri Light"/>
               </a:rPr>
-              <a:t>docker-</a:t>
-            </a:r>
-            <a:r>
-              <a:rPr b="0" lang="en-US" sz="4800" spc="-52" strike="noStrike">
-                <a:solidFill>
-                  <a:srgbClr val="404040"/>
-                </a:solidFill>
-                <a:latin typeface="Calibri Light"/>
-              </a:rPr>
-              <a:t>compose</a:t>
+              <a:t>docker-compose</a:t>
             </a:r>
             <a:endParaRPr b="0" lang="ru-RU" sz="4800" spc="-1" strike="noStrike">
               <a:latin typeface="Arial"/>
@@ -21175,7 +21158,7 @@
         <p:spPr>
           <a:xfrm>
             <a:off x="1080000" y="1737000"/>
-            <a:ext cx="10075320" cy="4315320"/>
+            <a:ext cx="10074600" cy="4314600"/>
           </a:xfrm>
           <a:prstGeom prst="rect">
             <a:avLst/>
@@ -21582,7 +21565,7 @@
         <p:spPr>
           <a:xfrm>
             <a:off x="0" y="0"/>
-            <a:ext cx="12187080" cy="6852960"/>
+            <a:ext cx="12186360" cy="6852240"/>
           </a:xfrm>
           <a:prstGeom prst="rect">
             <a:avLst/>
@@ -21635,7 +21618,7 @@
         <p:spPr>
           <a:xfrm>
             <a:off x="14400" y="14400"/>
-            <a:ext cx="12172680" cy="6838560"/>
+            <a:ext cx="12171960" cy="6837840"/>
           </a:xfrm>
           <a:prstGeom prst="rect">
             <a:avLst/>
@@ -21688,7 +21671,7 @@
         <p:spPr>
           <a:xfrm>
             <a:off x="1097280" y="286560"/>
-            <a:ext cx="10053360" cy="1445760"/>
+            <a:ext cx="10052640" cy="1445040"/>
           </a:xfrm>
           <a:prstGeom prst="rect">
             <a:avLst/>
@@ -21767,7 +21750,7 @@
         <p:spPr>
           <a:xfrm>
             <a:off x="609480" y="273600"/>
-            <a:ext cx="10970280" cy="1142640"/>
+            <a:ext cx="10969560" cy="1141920"/>
           </a:xfrm>
           <a:prstGeom prst="rect">
             <a:avLst/>
@@ -21813,7 +21796,7 @@
         <p:spPr>
           <a:xfrm>
             <a:off x="1260000" y="1823400"/>
-            <a:ext cx="9897840" cy="3771360"/>
+            <a:ext cx="9897120" cy="3770640"/>
           </a:xfrm>
           <a:prstGeom prst="rect">
             <a:avLst/>
@@ -21866,7 +21849,7 @@
         <p:spPr>
           <a:xfrm>
             <a:off x="1097280" y="286560"/>
-            <a:ext cx="10053360" cy="1445760"/>
+            <a:ext cx="10052640" cy="1445040"/>
           </a:xfrm>
           <a:prstGeom prst="rect">
             <a:avLst/>
@@ -21915,7 +21898,7 @@
         <p:spPr>
           <a:xfrm>
             <a:off x="1097280" y="1845720"/>
-            <a:ext cx="10053360" cy="1116000"/>
+            <a:ext cx="10052640" cy="1115280"/>
           </a:xfrm>
           <a:prstGeom prst="rect">
             <a:avLst/>
@@ -21983,7 +21966,7 @@
         <p:spPr>
           <a:xfrm>
             <a:off x="1176840" y="2873520"/>
-            <a:ext cx="3728880" cy="547560"/>
+            <a:ext cx="3728160" cy="546840"/>
           </a:xfrm>
           <a:prstGeom prst="rect">
             <a:avLst/>
@@ -22006,7 +21989,7 @@
         <p:spPr>
           <a:xfrm>
             <a:off x="1176840" y="5138640"/>
-            <a:ext cx="3157200" cy="1052280"/>
+            <a:ext cx="3156480" cy="1051560"/>
           </a:xfrm>
           <a:prstGeom prst="rect">
             <a:avLst/>
@@ -22025,7 +22008,7 @@
         <p:spPr>
           <a:xfrm>
             <a:off x="1097280" y="3721680"/>
-            <a:ext cx="10053360" cy="1116000"/>
+            <a:ext cx="10052640" cy="1115280"/>
           </a:xfrm>
           <a:prstGeom prst="rect">
             <a:avLst/>
@@ -22121,7 +22104,7 @@
         <p:spPr>
           <a:xfrm>
             <a:off x="1097280" y="286560"/>
-            <a:ext cx="10053360" cy="1445760"/>
+            <a:ext cx="10052640" cy="1445040"/>
           </a:xfrm>
           <a:prstGeom prst="rect">
             <a:avLst/>
@@ -22170,7 +22153,7 @@
         <p:spPr>
           <a:xfrm>
             <a:off x="1097280" y="1845720"/>
-            <a:ext cx="9792720" cy="1271880"/>
+            <a:ext cx="9792000" cy="1271160"/>
           </a:xfrm>
           <a:prstGeom prst="rect">
             <a:avLst/>
@@ -22229,7 +22212,7 @@
         <p:spPr>
           <a:xfrm>
             <a:off x="1097280" y="2839320"/>
-            <a:ext cx="3157200" cy="1042560"/>
+            <a:ext cx="3156480" cy="1041840"/>
           </a:xfrm>
           <a:prstGeom prst="rect">
             <a:avLst/>
@@ -22248,7 +22231,7 @@
         <p:spPr>
           <a:xfrm>
             <a:off x="1097280" y="4326840"/>
-            <a:ext cx="9792720" cy="699480"/>
+            <a:ext cx="9792000" cy="699480"/>
           </a:xfrm>
           <a:prstGeom prst="rect">
             <a:avLst/>
@@ -22334,7 +22317,7 @@
         <p:spPr>
           <a:xfrm>
             <a:off x="1097280" y="286560"/>
-            <a:ext cx="10053360" cy="1445760"/>
+            <a:ext cx="10052640" cy="1445040"/>
           </a:xfrm>
           <a:prstGeom prst="rect">
             <a:avLst/>
@@ -22383,7 +22366,7 @@
         <p:spPr>
           <a:xfrm>
             <a:off x="1097280" y="1845720"/>
-            <a:ext cx="10053360" cy="1703880"/>
+            <a:ext cx="10052640" cy="1703160"/>
           </a:xfrm>
           <a:prstGeom prst="rect">
             <a:avLst/>
@@ -22636,7 +22619,7 @@
         <p:spPr>
           <a:xfrm>
             <a:off x="2873520" y="4003560"/>
-            <a:ext cx="3062160" cy="852120"/>
+            <a:ext cx="3061440" cy="851400"/>
           </a:xfrm>
           <a:prstGeom prst="rect">
             <a:avLst/>
@@ -22655,7 +22638,7 @@
         <p:spPr>
           <a:xfrm>
             <a:off x="1097280" y="4989240"/>
-            <a:ext cx="10053360" cy="985320"/>
+            <a:ext cx="10052640" cy="984600"/>
           </a:xfrm>
           <a:prstGeom prst="rect">
             <a:avLst/>
@@ -22865,7 +22848,7 @@
         <p:spPr>
           <a:xfrm>
             <a:off x="1066680" y="840240"/>
-            <a:ext cx="10053360" cy="751680"/>
+            <a:ext cx="10052640" cy="750960"/>
           </a:xfrm>
           <a:prstGeom prst="rect">
             <a:avLst/>
@@ -22923,7 +22906,7 @@
         <p:spPr>
           <a:xfrm>
             <a:off x="1025280" y="1871640"/>
-            <a:ext cx="9950760" cy="1004400"/>
+            <a:ext cx="9950040" cy="1003680"/>
           </a:xfrm>
           <a:prstGeom prst="rect">
             <a:avLst/>
@@ -23050,39 +23033,16 @@
           </a:p>
         </p:txBody>
       </p:sp>
-      <p:pic>
-        <p:nvPicPr>
-          <p:cNvPr id="326" name="Picture 4" descr="https://www.rabbitmq.com/img/tutorials/python-five.png"/>
-          <p:cNvPicPr/>
-          <p:nvPr/>
-        </p:nvPicPr>
-        <p:blipFill>
-          <a:blip r:embed="rId1"/>
-          <a:stretch/>
-        </p:blipFill>
-        <p:spPr>
-          <a:xfrm>
-            <a:off x="7071480" y="4093560"/>
-            <a:ext cx="4033440" cy="1623600"/>
-          </a:xfrm>
-          <a:prstGeom prst="rect">
-            <a:avLst/>
-          </a:prstGeom>
-          <a:ln w="0">
-            <a:noFill/>
-          </a:ln>
-        </p:spPr>
-      </p:pic>
-      <p:sp>
-        <p:nvSpPr>
-          <p:cNvPr id="327" name="Прямоугольник 4"/>
+      <p:sp>
+        <p:nvSpPr>
+          <p:cNvPr id="326" name="Прямоугольник 4"/>
           <p:cNvSpPr/>
           <p:nvPr/>
         </p:nvSpPr>
         <p:spPr>
           <a:xfrm>
             <a:off x="1041480" y="4118400"/>
-            <a:ext cx="5988960" cy="1004400"/>
+            <a:ext cx="9398520" cy="700200"/>
           </a:xfrm>
           <a:prstGeom prst="rect">
             <a:avLst/>
@@ -23179,39 +23139,16 @@
           </a:p>
         </p:txBody>
       </p:sp>
-      <p:pic>
-        <p:nvPicPr>
-          <p:cNvPr id="328" name="Рисунок 8" descr=""/>
-          <p:cNvPicPr/>
-          <p:nvPr/>
-        </p:nvPicPr>
-        <p:blipFill>
-          <a:blip r:embed="rId2"/>
-          <a:stretch/>
-        </p:blipFill>
-        <p:spPr>
-          <a:xfrm>
-            <a:off x="7110000" y="2614680"/>
-            <a:ext cx="3881160" cy="1623600"/>
-          </a:xfrm>
-          <a:prstGeom prst="rect">
-            <a:avLst/>
-          </a:prstGeom>
-          <a:ln w="0">
-            <a:noFill/>
-          </a:ln>
-        </p:spPr>
-      </p:pic>
-      <p:sp>
-        <p:nvSpPr>
-          <p:cNvPr id="329" name=""/>
+      <p:sp>
+        <p:nvSpPr>
+          <p:cNvPr id="327" name=""/>
           <p:cNvSpPr/>
           <p:nvPr/>
         </p:nvSpPr>
         <p:spPr>
           <a:xfrm>
             <a:off x="1044000" y="5322960"/>
-            <a:ext cx="8095680" cy="972720"/>
+            <a:ext cx="9396000" cy="972000"/>
           </a:xfrm>
           <a:prstGeom prst="rect">
             <a:avLst/>
@@ -23281,14 +23218,14 @@
       </p:sp>
       <p:sp>
         <p:nvSpPr>
-          <p:cNvPr id="330" name=""/>
+          <p:cNvPr id="328" name=""/>
           <p:cNvSpPr/>
           <p:nvPr/>
         </p:nvSpPr>
         <p:spPr>
           <a:xfrm>
             <a:off x="1014480" y="3060000"/>
-            <a:ext cx="5789160" cy="976680"/>
+            <a:ext cx="9605520" cy="975960"/>
           </a:xfrm>
           <a:prstGeom prst="rect">
             <a:avLst/>
@@ -23376,138 +23313,9 @@
           <a:chExt cx="0" cy="0"/>
         </a:xfrm>
       </p:grpSpPr>
-      <p:sp>
-        <p:nvSpPr>
-          <p:cNvPr id="331" name="PlaceHolder 1"/>
-          <p:cNvSpPr>
-            <a:spLocks noGrp="1"/>
-          </p:cNvSpPr>
-          <p:nvPr>
-            <p:ph type="title"/>
-          </p:nvPr>
-        </p:nvSpPr>
-        <p:spPr>
-          <a:xfrm>
-            <a:off x="1097280" y="286560"/>
-            <a:ext cx="10053360" cy="1445760"/>
-          </a:xfrm>
-          <a:prstGeom prst="rect">
-            <a:avLst/>
-          </a:prstGeom>
-          <a:noFill/>
-          <a:ln w="0">
-            <a:noFill/>
-          </a:ln>
-        </p:spPr>
-        <p:txBody>
-          <a:bodyPr lIns="90000" rIns="90000" tIns="45000" bIns="45000" anchor="b">
-            <a:noAutofit/>
-          </a:bodyPr>
-          <a:p>
-            <a:pPr>
-              <a:lnSpc>
-                <a:spcPct val="85000"/>
-              </a:lnSpc>
-              <a:buNone/>
-            </a:pPr>
-            <a:r>
-              <a:rPr b="0" lang="en-US" sz="4800" spc="-52" strike="noStrike">
-                <a:solidFill>
-                  <a:srgbClr val="404040"/>
-                </a:solidFill>
-                <a:latin typeface="Calibri Light"/>
-              </a:rPr>
-              <a:t>Remote procedure call (RPC)</a:t>
-            </a:r>
-            <a:endParaRPr b="0" lang="ru-RU" sz="4800" spc="-1" strike="noStrike">
-              <a:latin typeface="Arial"/>
-            </a:endParaRPr>
-          </a:p>
-        </p:txBody>
-      </p:sp>
-      <p:sp>
-        <p:nvSpPr>
-          <p:cNvPr id="332" name="PlaceHolder 2"/>
-          <p:cNvSpPr>
-            <a:spLocks noGrp="1"/>
-          </p:cNvSpPr>
-          <p:nvPr>
-            <p:ph/>
-          </p:nvPr>
-        </p:nvSpPr>
-        <p:spPr>
-          <a:xfrm>
-            <a:off x="900000" y="1800000"/>
-            <a:ext cx="10800000" cy="1896840"/>
-          </a:xfrm>
-          <a:prstGeom prst="rect">
-            <a:avLst/>
-          </a:prstGeom>
-          <a:noFill/>
-          <a:ln w="0">
-            <a:noFill/>
-          </a:ln>
-        </p:spPr>
-        <p:txBody>
-          <a:bodyPr lIns="0" rIns="0" tIns="45000" bIns="45000" anchor="t">
-            <a:normAutofit fontScale="61000"/>
-          </a:bodyPr>
-          <a:p>
-            <a:pPr marL="432000" indent="-324000">
-              <a:spcBef>
-                <a:spcPts val="1417"/>
-              </a:spcBef>
-              <a:buClr>
-                <a:srgbClr val="000000"/>
-              </a:buClr>
-              <a:buSzPct val="45000"/>
-              <a:buFont typeface="Wingdings" charset="2"/>
-              <a:buChar char=""/>
-            </a:pPr>
-            <a:r>
-              <a:rPr b="0" lang="ru-RU" sz="3200" spc="-1" strike="noStrike">
-                <a:latin typeface="Arial"/>
-              </a:rPr>
-              <a:t>Сам MQ основан на асинхронной обработке сообщений. Все отправители отправляют сообщения в RabbitMQ, не зная, была ли успешной или неудачной обработка у потребителя.</a:t>
-            </a:r>
-            <a:br>
-              <a:rPr sz="3200"/>
-            </a:br>
-            <a:br>
-              <a:rPr sz="3200"/>
-            </a:br>
-            <a:r>
-              <a:rPr b="0" lang="ru-RU" sz="3200" spc="-1" strike="noStrike">
-                <a:latin typeface="Arial"/>
-              </a:rPr>
-              <a:t>В реальном сценарии приложения может потребоваться некоторая обработка синхронизации.</a:t>
-            </a:r>
-            <a:endParaRPr b="0" lang="ru-RU" sz="3200" spc="-1" strike="noStrike">
-              <a:latin typeface="Arial"/>
-            </a:endParaRPr>
-          </a:p>
-          <a:p>
-            <a:pPr>
-              <a:lnSpc>
-                <a:spcPct val="90000"/>
-              </a:lnSpc>
-              <a:spcBef>
-                <a:spcPts val="1199"/>
-              </a:spcBef>
-              <a:spcAft>
-                <a:spcPts val="201"/>
-              </a:spcAft>
-              <a:buNone/>
-            </a:pPr>
-            <a:endParaRPr b="0" lang="ru-RU" sz="2000" spc="-1" strike="noStrike">
-              <a:latin typeface="Arial"/>
-            </a:endParaRPr>
-          </a:p>
-        </p:txBody>
-      </p:sp>
       <p:pic>
         <p:nvPicPr>
-          <p:cNvPr id="333" name="Picture 2" descr="RabbitMQ "/>
+          <p:cNvPr id="329" name="" descr=""/>
           <p:cNvPicPr/>
           <p:nvPr/>
         </p:nvPicPr>
@@ -23517,8 +23325,8 @@
         </p:blipFill>
         <p:spPr>
           <a:xfrm>
-            <a:off x="1121400" y="3837960"/>
-            <a:ext cx="5481360" cy="1900080"/>
+            <a:off x="1260000" y="1980000"/>
+            <a:ext cx="8639640" cy="3504600"/>
           </a:xfrm>
           <a:prstGeom prst="rect">
             <a:avLst/>
@@ -23528,6 +23336,105 @@
           </a:ln>
         </p:spPr>
       </p:pic>
+      <p:sp>
+        <p:nvSpPr>
+          <p:cNvPr id="330" name=""/>
+          <p:cNvSpPr/>
+          <p:nvPr/>
+        </p:nvSpPr>
+        <p:spPr>
+          <a:xfrm>
+            <a:off x="1116000" y="1080000"/>
+            <a:ext cx="5939640" cy="719640"/>
+          </a:xfrm>
+          <a:prstGeom prst="rect">
+            <a:avLst/>
+          </a:prstGeom>
+          <a:noFill/>
+          <a:ln w="0">
+            <a:noFill/>
+          </a:ln>
+        </p:spPr>
+        <p:style>
+          <a:lnRef idx="0"/>
+          <a:fillRef idx="0"/>
+          <a:effectRef idx="0"/>
+          <a:fontRef idx="minor"/>
+        </p:style>
+        <p:txBody>
+          <a:bodyPr lIns="90000" rIns="90000" tIns="45000" bIns="45000" anchor="t">
+            <a:noAutofit/>
+          </a:bodyPr>
+          <a:p>
+            <a:pPr>
+              <a:lnSpc>
+                <a:spcPct val="100000"/>
+              </a:lnSpc>
+              <a:buNone/>
+            </a:pPr>
+            <a:r>
+              <a:rPr b="0" lang="ru-RU" sz="3600" spc="-1" strike="noStrike">
+                <a:latin typeface="Arial"/>
+              </a:rPr>
+              <a:t>FANOUT EXCHANGE</a:t>
+            </a:r>
+            <a:endParaRPr b="0" lang="ru-RU" sz="3600" spc="-1" strike="noStrike">
+              <a:latin typeface="Arial"/>
+            </a:endParaRPr>
+          </a:p>
+        </p:txBody>
+      </p:sp>
+      <p:sp>
+        <p:nvSpPr>
+          <p:cNvPr id="331" name=""/>
+          <p:cNvSpPr/>
+          <p:nvPr/>
+        </p:nvSpPr>
+        <p:spPr>
+          <a:xfrm>
+            <a:off x="1453320" y="5362200"/>
+            <a:ext cx="8446320" cy="757440"/>
+          </a:xfrm>
+          <a:prstGeom prst="rect">
+            <a:avLst/>
+          </a:prstGeom>
+          <a:noFill/>
+          <a:ln w="0">
+            <a:noFill/>
+          </a:ln>
+        </p:spPr>
+        <p:style>
+          <a:lnRef idx="0"/>
+          <a:fillRef idx="0"/>
+          <a:effectRef idx="0"/>
+          <a:fontRef idx="minor"/>
+        </p:style>
+        <p:txBody>
+          <a:bodyPr lIns="90000" rIns="90000" tIns="45000" bIns="45000" anchor="t">
+            <a:noAutofit/>
+          </a:bodyPr>
+          <a:p>
+            <a:pPr>
+              <a:lnSpc>
+                <a:spcPct val="100000"/>
+              </a:lnSpc>
+              <a:buNone/>
+            </a:pPr>
+            <a:r>
+              <a:rPr b="0" lang="ru-RU" sz="2000" spc="-1" strike="noStrike">
+                <a:solidFill>
+                  <a:srgbClr val="000000"/>
+                </a:solidFill>
+                <a:latin typeface="Calibri"/>
+              </a:rPr>
+              <a:t>все сообщения из exchange во все связанные с ним очереди </a:t>
+            </a:r>
+            <a:endParaRPr b="0" lang="ru-RU" sz="2000" spc="-1" strike="noStrike">
+              <a:latin typeface="Arial"/>
+            </a:endParaRPr>
+          </a:p>
+        </p:txBody>
+      </p:sp>
     </p:spTree>
   </p:cSld>
   <mc:AlternateContent>
@@ -23567,7 +23474,7 @@
         <p:spPr>
           <a:xfrm>
             <a:off x="1260000" y="1260000"/>
-            <a:ext cx="1797840" cy="537480"/>
+            <a:ext cx="1797120" cy="536760"/>
           </a:xfrm>
           <a:prstGeom prst="rect">
             <a:avLst/>
@@ -23619,7 +23526,7 @@
         <p:spPr>
           <a:xfrm>
             <a:off x="1396080" y="1959120"/>
-            <a:ext cx="7241760" cy="2358720"/>
+            <a:ext cx="7241040" cy="2358000"/>
           </a:xfrm>
           <a:prstGeom prst="rect">
             <a:avLst/>
@@ -23763,165 +23670,79 @@
       </p:grpSpPr>
       <p:sp>
         <p:nvSpPr>
-          <p:cNvPr id="334" name="PlaceHolder 1"/>
-          <p:cNvSpPr>
-            <a:spLocks noGrp="1"/>
-          </p:cNvSpPr>
-          <p:nvPr>
-            <p:ph type="title"/>
-          </p:nvPr>
-        </p:nvSpPr>
-        <p:spPr>
-          <a:xfrm>
-            <a:off x="1097280" y="286560"/>
-            <a:ext cx="10053360" cy="1445760"/>
-          </a:xfrm>
-          <a:prstGeom prst="rect">
-            <a:avLst/>
-          </a:prstGeom>
-          <a:noFill/>
-          <a:ln w="0">
-            <a:noFill/>
-          </a:ln>
-        </p:spPr>
-        <p:txBody>
-          <a:bodyPr lIns="90000" rIns="90000" tIns="45000" bIns="45000" anchor="b">
+          <p:cNvPr id="332" name=""/>
+          <p:cNvSpPr/>
+          <p:nvPr/>
+        </p:nvSpPr>
+        <p:spPr>
+          <a:xfrm>
+            <a:off x="1224000" y="1116000"/>
+            <a:ext cx="7019640" cy="622080"/>
+          </a:xfrm>
+          <a:prstGeom prst="rect">
+            <a:avLst/>
+          </a:prstGeom>
+          <a:noFill/>
+          <a:ln w="0">
+            <a:noFill/>
+          </a:ln>
+        </p:spPr>
+        <p:style>
+          <a:lnRef idx="0"/>
+          <a:fillRef idx="0"/>
+          <a:effectRef idx="0"/>
+          <a:fontRef idx="minor"/>
+        </p:style>
+        <p:txBody>
+          <a:bodyPr lIns="90000" rIns="90000" tIns="45000" bIns="45000" anchor="t">
             <a:noAutofit/>
           </a:bodyPr>
           <a:p>
             <a:pPr>
               <a:lnSpc>
-                <a:spcPct val="85000"/>
+                <a:spcPct val="100000"/>
               </a:lnSpc>
               <a:buNone/>
             </a:pPr>
             <a:r>
-              <a:rPr b="0" lang="en-US" sz="4800" spc="-52" strike="noStrike">
+              <a:rPr b="0" lang="en-US" sz="3600" spc="-1" strike="noStrike">
                 <a:solidFill>
-                  <a:srgbClr val="404040"/>
+                  <a:srgbClr val="000000"/>
                 </a:solidFill>
-                <a:latin typeface="Calibri Light"/>
-              </a:rPr>
-              <a:t>Durable/transient queues</a:t>
-            </a:r>
-            <a:endParaRPr b="0" lang="ru-RU" sz="4800" spc="-1" strike="noStrike">
-              <a:latin typeface="Arial"/>
-            </a:endParaRPr>
-          </a:p>
-        </p:txBody>
-      </p:sp>
-      <p:sp>
-        <p:nvSpPr>
-          <p:cNvPr id="335" name="PlaceHolder 2"/>
-          <p:cNvSpPr>
-            <a:spLocks noGrp="1"/>
-          </p:cNvSpPr>
-          <p:nvPr>
-            <p:ph/>
-          </p:nvPr>
-        </p:nvSpPr>
-        <p:spPr>
-          <a:xfrm>
-            <a:off x="1097280" y="1845720"/>
-            <a:ext cx="10053360" cy="4018320"/>
-          </a:xfrm>
-          <a:prstGeom prst="rect">
-            <a:avLst/>
-          </a:prstGeom>
-          <a:noFill/>
-          <a:ln w="0">
-            <a:noFill/>
-          </a:ln>
-        </p:spPr>
-        <p:txBody>
-          <a:bodyPr lIns="0" rIns="0" tIns="0" bIns="0" anchor="t">
-            <a:normAutofit/>
-          </a:bodyPr>
-          <a:p>
-            <a:pPr marL="432000" indent="-324000">
-              <a:spcBef>
-                <a:spcPts val="1417"/>
-              </a:spcBef>
-              <a:buClr>
-                <a:srgbClr val="000000"/>
-              </a:buClr>
-              <a:buSzPct val="45000"/>
-              <a:buFont typeface="Wingdings" charset="2"/>
-              <a:buChar char=""/>
-            </a:pPr>
-            <a:r>
-              <a:rPr b="0" lang="ru-RU" sz="1800" spc="-1" strike="noStrike">
-                <a:latin typeface="Arial"/>
-              </a:rPr>
-              <a:t>Очереди могут быть длительными или временными:</a:t>
-            </a:r>
-            <a:endParaRPr b="0" lang="ru-RU" sz="1800" spc="-1" strike="noStrike">
-              <a:latin typeface="Arial"/>
-            </a:endParaRPr>
-          </a:p>
-          <a:p>
-            <a:pPr marL="432000" indent="-324000">
-              <a:spcBef>
-                <a:spcPts val="1417"/>
-              </a:spcBef>
-              <a:buClr>
-                <a:srgbClr val="000000"/>
-              </a:buClr>
-              <a:buSzPct val="45000"/>
-              <a:buFont typeface="Wingdings" charset="2"/>
-              <a:buChar char=""/>
-            </a:pPr>
-            <a:r>
-              <a:rPr b="0" lang="ru-RU" sz="1800" spc="-1" strike="noStrike">
-                <a:latin typeface="Arial"/>
-              </a:rPr>
-              <a:t>Метаданные длительной очереди хранятся на диске, в то время как метаданные временной очереди, когда это возможно, хранятся в памяти. </a:t>
-            </a:r>
-            <a:br>
-              <a:rPr sz="1800"/>
-            </a:br>
-            <a:br>
-              <a:rPr sz="1800"/>
-            </a:br>
-            <a:r>
-              <a:rPr b="0" lang="ru-RU" sz="1800" spc="-1" strike="noStrike">
-                <a:latin typeface="Arial"/>
-              </a:rPr>
-              <a:t>В средах и вариантах использования, где важна долговечность, приложения должны использовать длительные очереди и убедиться, что отправитель помечает опубликованные сообщения как PERSISTENT (delivery-mode = 2)</a:t>
-            </a:r>
-            <a:endParaRPr b="0" lang="ru-RU" sz="1800" spc="-1" strike="noStrike">
-              <a:latin typeface="Arial"/>
-            </a:endParaRPr>
-          </a:p>
-          <a:p>
-            <a:endParaRPr b="0" lang="ru-RU" sz="1800" spc="-1" strike="noStrike">
-              <a:latin typeface="Arial"/>
-            </a:endParaRPr>
-          </a:p>
-          <a:p>
-            <a:pPr marL="432000" indent="-324000">
-              <a:spcBef>
-                <a:spcPts val="1417"/>
-              </a:spcBef>
-              <a:buClr>
-                <a:srgbClr val="000000"/>
-              </a:buClr>
-              <a:buSzPct val="45000"/>
-              <a:buFont typeface="Wingdings" charset="2"/>
-              <a:buChar char=""/>
-            </a:pPr>
-            <a:r>
-              <a:rPr b="0" lang="ru-RU" sz="1800" spc="-1" strike="noStrike">
-                <a:latin typeface="Arial"/>
-              </a:rPr>
-              <a:t>Временные очереди будут удалены при загрузке узла. Поэтому они по замыслу не переживут перезапуск узла. Сообщения в временных очередях также будут отброшены.</a:t>
-            </a:r>
-            <a:endParaRPr b="0" lang="ru-RU" sz="1800" spc="-1" strike="noStrike">
-              <a:latin typeface="Arial"/>
-            </a:endParaRPr>
-          </a:p>
-        </p:txBody>
-      </p:sp>
+                <a:latin typeface="Calibri"/>
+                <a:ea typeface="DejaVu Sans"/>
+              </a:rPr>
+              <a:t>DIRECT EXCHANGE</a:t>
+            </a:r>
+            <a:endParaRPr b="0" lang="ru-RU" sz="3600" spc="-1" strike="noStrike">
+              <a:latin typeface="Arial"/>
+            </a:endParaRPr>
+          </a:p>
+        </p:txBody>
+      </p:sp>
+      <p:pic>
+        <p:nvPicPr>
+          <p:cNvPr id="333" name="" descr=""/>
+          <p:cNvPicPr/>
+          <p:nvPr/>
+        </p:nvPicPr>
+        <p:blipFill>
+          <a:blip r:embed="rId1"/>
+          <a:stretch/>
+        </p:blipFill>
+        <p:spPr>
+          <a:xfrm>
+            <a:off x="1198800" y="1800000"/>
+            <a:ext cx="7980840" cy="4018680"/>
+          </a:xfrm>
+          <a:prstGeom prst="rect">
+            <a:avLst/>
+          </a:prstGeom>
+          <a:ln w="0">
+            <a:noFill/>
+          </a:ln>
+        </p:spPr>
+      </p:pic>
     </p:spTree>
   </p:cSld>
   <mc:AlternateContent>
@@ -23952,181 +23773,72 @@
           <a:chExt cx="0" cy="0"/>
         </a:xfrm>
       </p:grpSpPr>
-      <p:sp>
-        <p:nvSpPr>
-          <p:cNvPr id="336" name="PlaceHolder 1"/>
-          <p:cNvSpPr>
-            <a:spLocks noGrp="1"/>
-          </p:cNvSpPr>
-          <p:nvPr>
-            <p:ph type="title"/>
-          </p:nvPr>
-        </p:nvSpPr>
-        <p:spPr>
-          <a:xfrm>
-            <a:off x="1097280" y="286560"/>
-            <a:ext cx="10053360" cy="1445760"/>
-          </a:xfrm>
-          <a:prstGeom prst="rect">
-            <a:avLst/>
-          </a:prstGeom>
-          <a:noFill/>
-          <a:ln w="0">
-            <a:noFill/>
-          </a:ln>
-        </p:spPr>
-        <p:txBody>
-          <a:bodyPr lIns="90000" rIns="90000" tIns="45000" bIns="45000" anchor="b">
+      <p:pic>
+        <p:nvPicPr>
+          <p:cNvPr id="334" name="" descr=""/>
+          <p:cNvPicPr/>
+          <p:nvPr/>
+        </p:nvPicPr>
+        <p:blipFill>
+          <a:blip r:embed="rId1"/>
+          <a:stretch/>
+        </p:blipFill>
+        <p:spPr>
+          <a:xfrm>
+            <a:off x="1980000" y="1825560"/>
+            <a:ext cx="7271640" cy="4294080"/>
+          </a:xfrm>
+          <a:prstGeom prst="rect">
+            <a:avLst/>
+          </a:prstGeom>
+          <a:ln w="0">
+            <a:noFill/>
+          </a:ln>
+        </p:spPr>
+      </p:pic>
+      <p:sp>
+        <p:nvSpPr>
+          <p:cNvPr id="335" name=""/>
+          <p:cNvSpPr/>
+          <p:nvPr/>
+        </p:nvSpPr>
+        <p:spPr>
+          <a:xfrm>
+            <a:off x="1080000" y="1080000"/>
+            <a:ext cx="5579640" cy="601920"/>
+          </a:xfrm>
+          <a:prstGeom prst="rect">
+            <a:avLst/>
+          </a:prstGeom>
+          <a:noFill/>
+          <a:ln w="0">
+            <a:noFill/>
+          </a:ln>
+        </p:spPr>
+        <p:style>
+          <a:lnRef idx="0"/>
+          <a:fillRef idx="0"/>
+          <a:effectRef idx="0"/>
+          <a:fontRef idx="minor"/>
+        </p:style>
+        <p:txBody>
+          <a:bodyPr lIns="90000" rIns="90000" tIns="45000" bIns="45000" anchor="t">
             <a:noAutofit/>
           </a:bodyPr>
           <a:p>
             <a:pPr>
               <a:lnSpc>
-                <a:spcPct val="85000"/>
+                <a:spcPct val="100000"/>
               </a:lnSpc>
               <a:buNone/>
             </a:pPr>
             <a:r>
-              <a:rPr b="0" lang="en-US" sz="4800" spc="-52" strike="noStrike">
-                <a:solidFill>
-                  <a:srgbClr val="404040"/>
-                </a:solidFill>
-                <a:latin typeface="Calibri Light"/>
-              </a:rPr>
-              <a:t>Persistent/transient (in memory) messages </a:t>
-            </a:r>
-            <a:endParaRPr b="0" lang="ru-RU" sz="4800" spc="-1" strike="noStrike">
-              <a:latin typeface="Arial"/>
-            </a:endParaRPr>
-          </a:p>
-        </p:txBody>
-      </p:sp>
-      <p:sp>
-        <p:nvSpPr>
-          <p:cNvPr id="337" name="PlaceHolder 2"/>
-          <p:cNvSpPr>
-            <a:spLocks noGrp="1"/>
-          </p:cNvSpPr>
-          <p:nvPr>
-            <p:ph/>
-          </p:nvPr>
-        </p:nvSpPr>
-        <p:spPr>
-          <a:xfrm>
-            <a:off x="1097280" y="1845720"/>
-            <a:ext cx="10053360" cy="4018320"/>
-          </a:xfrm>
-          <a:prstGeom prst="rect">
-            <a:avLst/>
-          </a:prstGeom>
-          <a:noFill/>
-          <a:ln w="0">
-            <a:noFill/>
-          </a:ln>
-        </p:spPr>
-        <p:txBody>
-          <a:bodyPr lIns="0" rIns="0" tIns="45000" bIns="45000" anchor="t">
-            <a:normAutofit fontScale="64000"/>
-          </a:bodyPr>
-          <a:p>
-            <a:pPr marL="432000" indent="-324000">
-              <a:spcBef>
-                <a:spcPts val="1417"/>
-              </a:spcBef>
-              <a:buClr>
-                <a:srgbClr val="000000"/>
-              </a:buClr>
-              <a:buSzPct val="45000"/>
-              <a:buFont typeface="Wingdings" charset="2"/>
-              <a:buChar char=""/>
-            </a:pPr>
-            <a:r>
-              <a:rPr b="0" lang="ru-RU" sz="3200" spc="-1" strike="noStrike">
+              <a:rPr b="0" lang="ru-RU" sz="3600" spc="-1" strike="noStrike">
                 <a:latin typeface="Arial"/>
               </a:rPr>
-              <a:t>Постоянные (persistent) сообщения будут записываться на диск, как только они попадут в очередь.</a:t>
-            </a:r>
-            <a:endParaRPr b="0" lang="ru-RU" sz="3200" spc="-1" strike="noStrike">
-              <a:latin typeface="Arial"/>
-            </a:endParaRPr>
-          </a:p>
-          <a:p>
-            <a:pPr marL="432000" indent="-324000">
-              <a:spcBef>
-                <a:spcPts val="1417"/>
-              </a:spcBef>
-              <a:buClr>
-                <a:srgbClr val="000000"/>
-              </a:buClr>
-              <a:buSzPct val="45000"/>
-              <a:buFont typeface="Wingdings" charset="2"/>
-              <a:buChar char=""/>
-            </a:pPr>
-            <a:r>
-              <a:rPr b="0" lang="ru-RU" sz="3200" spc="-1" strike="noStrike">
-                <a:latin typeface="Arial"/>
-              </a:rPr>
-              <a:t>Временные (transient) сообщения будут записываться на диск только для того, чтобы их можно было удалить из памяти при нехватке памяти. (при перезапуске RMQ они будут потеряны)</a:t>
-            </a:r>
-            <a:endParaRPr b="0" lang="ru-RU" sz="3200" spc="-1" strike="noStrike">
-              <a:latin typeface="Arial"/>
-            </a:endParaRPr>
-          </a:p>
-          <a:p>
-            <a:pPr marL="432000" indent="-324000">
-              <a:spcBef>
-                <a:spcPts val="1417"/>
-              </a:spcBef>
-              <a:buClr>
-                <a:srgbClr val="000000"/>
-              </a:buClr>
-              <a:buSzPct val="45000"/>
-              <a:buFont typeface="Wingdings" charset="2"/>
-              <a:buChar char=""/>
-            </a:pPr>
-            <a:endParaRPr b="0" lang="ru-RU" sz="3200" spc="-1" strike="noStrike">
-              <a:latin typeface="Arial"/>
-            </a:endParaRPr>
-          </a:p>
-          <a:p>
-            <a:r>
-              <a:rPr b="0" lang="ru-RU" sz="3200" spc="-1" strike="noStrike">
-                <a:latin typeface="Arial"/>
-              </a:rPr>
-              <a:t>Постоянные сообщения также сохраняются в памяти, когда это возможно, и удаляются из памяти только при нехватке памяти.</a:t>
-            </a:r>
-            <a:endParaRPr b="0" lang="ru-RU" sz="3200" spc="-1" strike="noStrike">
-              <a:latin typeface="Arial"/>
-            </a:endParaRPr>
-          </a:p>
-          <a:p>
-            <a:r>
-              <a:rPr b="0" lang="ru-RU" sz="3200" spc="-1" strike="noStrike">
-                <a:latin typeface="Arial"/>
-              </a:rPr>
-              <a:t>По умолчанию сообщения имеют тип transient, для того, чтобы изменить тип отправляемых в RMQ сообщений, необходимо, при отправке сообщения указать у него DeliveryMode = 2.</a:t>
-            </a:r>
-            <a:endParaRPr b="0" lang="ru-RU" sz="3200" spc="-1" strike="noStrike">
-              <a:latin typeface="Arial"/>
-            </a:endParaRPr>
-          </a:p>
-          <a:p>
-            <a:pPr>
-              <a:lnSpc>
-                <a:spcPct val="90000"/>
-              </a:lnSpc>
-              <a:spcBef>
-                <a:spcPts val="1199"/>
-              </a:spcBef>
-              <a:spcAft>
-                <a:spcPts val="201"/>
-              </a:spcAft>
-              <a:buNone/>
-              <a:tabLst>
-                <a:tab algn="l" pos="0"/>
-              </a:tabLst>
-            </a:pPr>
-            <a:endParaRPr b="0" lang="ru-RU" sz="2000" spc="-1" strike="noStrike">
+              <a:t>TOPIC EXCHANGE</a:t>
+            </a:r>
+            <a:endParaRPr b="0" lang="ru-RU" sz="3600" spc="-1" strike="noStrike">
               <a:latin typeface="Arial"/>
             </a:endParaRPr>
           </a:p>
@@ -24164,282 +23876,75 @@
       </p:grpSpPr>
       <p:sp>
         <p:nvSpPr>
-          <p:cNvPr id="338" name="PlaceHolder 1"/>
-          <p:cNvSpPr>
-            <a:spLocks noGrp="1"/>
-          </p:cNvSpPr>
-          <p:nvPr>
-            <p:ph type="title"/>
-          </p:nvPr>
-        </p:nvSpPr>
-        <p:spPr>
-          <a:xfrm>
-            <a:off x="1097280" y="286560"/>
-            <a:ext cx="10053360" cy="1445760"/>
-          </a:xfrm>
-          <a:prstGeom prst="rect">
-            <a:avLst/>
-          </a:prstGeom>
-          <a:noFill/>
-          <a:ln w="0">
-            <a:noFill/>
-          </a:ln>
-        </p:spPr>
-        <p:txBody>
-          <a:bodyPr lIns="90000" rIns="90000" tIns="45000" bIns="45000" anchor="b">
-            <a:normAutofit fontScale="81000"/>
+          <p:cNvPr id="336" name=""/>
+          <p:cNvSpPr/>
+          <p:nvPr/>
+        </p:nvSpPr>
+        <p:spPr>
+          <a:xfrm>
+            <a:off x="1188000" y="1080000"/>
+            <a:ext cx="6119640" cy="719640"/>
+          </a:xfrm>
+          <a:prstGeom prst="rect">
+            <a:avLst/>
+          </a:prstGeom>
+          <a:noFill/>
+          <a:ln w="0">
+            <a:noFill/>
+          </a:ln>
+        </p:spPr>
+        <p:style>
+          <a:lnRef idx="0"/>
+          <a:fillRef idx="0"/>
+          <a:effectRef idx="0"/>
+          <a:fontRef idx="minor"/>
+        </p:style>
+        <p:txBody>
+          <a:bodyPr lIns="90000" rIns="90000" tIns="45000" bIns="45000" anchor="t">
+            <a:noAutofit/>
           </a:bodyPr>
           <a:p>
             <a:pPr>
               <a:lnSpc>
-                <a:spcPct val="85000"/>
+                <a:spcPct val="100000"/>
               </a:lnSpc>
               <a:buNone/>
             </a:pPr>
             <a:r>
-              <a:rPr b="0" lang="ru-RU" sz="4800" spc="-52" strike="noStrike">
-                <a:solidFill>
-                  <a:srgbClr val="404040"/>
-                </a:solidFill>
-                <a:latin typeface="Calibri Light"/>
-              </a:rPr>
-              <a:t>Подтверждение получения сообщения (</a:t>
-            </a:r>
-            <a:r>
-              <a:rPr b="0" lang="en-US" sz="4800" spc="-52" strike="noStrike">
-                <a:solidFill>
-                  <a:srgbClr val="404040"/>
-                </a:solidFill>
-                <a:latin typeface="Calibri Light"/>
-              </a:rPr>
-              <a:t>Message acknowledgment</a:t>
-            </a:r>
-            <a:r>
-              <a:rPr b="0" lang="ru-RU" sz="4800" spc="-52" strike="noStrike">
-                <a:solidFill>
-                  <a:srgbClr val="404040"/>
-                </a:solidFill>
-                <a:latin typeface="Calibri Light"/>
-              </a:rPr>
-              <a:t>)</a:t>
-            </a:r>
-            <a:endParaRPr b="0" lang="ru-RU" sz="4800" spc="-1" strike="noStrike">
-              <a:latin typeface="Arial"/>
-            </a:endParaRPr>
-          </a:p>
-        </p:txBody>
-      </p:sp>
-      <p:sp>
-        <p:nvSpPr>
-          <p:cNvPr id="339" name="PlaceHolder 2"/>
-          <p:cNvSpPr>
-            <a:spLocks noGrp="1"/>
-          </p:cNvSpPr>
-          <p:nvPr>
-            <p:ph/>
-          </p:nvPr>
-        </p:nvSpPr>
-        <p:spPr>
-          <a:xfrm>
-            <a:off x="1097280" y="1845720"/>
-            <a:ext cx="10053360" cy="4018320"/>
-          </a:xfrm>
-          <a:prstGeom prst="rect">
-            <a:avLst/>
-          </a:prstGeom>
-          <a:noFill/>
-          <a:ln w="0">
-            <a:noFill/>
-          </a:ln>
-        </p:spPr>
-        <p:txBody>
-          <a:bodyPr lIns="0" rIns="0" tIns="45000" bIns="45000" anchor="t">
-            <a:normAutofit fontScale="58000"/>
-          </a:bodyPr>
-          <a:p>
-            <a:pPr marL="432000" indent="-324000">
-              <a:spcBef>
-                <a:spcPts val="1417"/>
-              </a:spcBef>
-              <a:buClr>
-                <a:srgbClr val="000000"/>
-              </a:buClr>
-              <a:buSzPct val="45000"/>
-              <a:buFont typeface="Wingdings" charset="2"/>
-              <a:buChar char=""/>
-            </a:pPr>
-            <a:r>
-              <a:rPr b="0" lang="ru-RU" sz="3200" spc="-1" strike="noStrike">
+              <a:rPr b="0" lang="ru-RU" sz="3600" spc="-1" strike="noStrike">
                 <a:latin typeface="Arial"/>
               </a:rPr>
-              <a:t>В зависимости от используемого режима подтверждения RabbitMQ может считать сообщение успешно доставленным в случаях:</a:t>
-            </a:r>
-            <a:endParaRPr b="0" lang="ru-RU" sz="3200" spc="-1" strike="noStrike">
-              <a:latin typeface="Arial"/>
-            </a:endParaRPr>
-          </a:p>
-          <a:p>
-            <a:pPr marL="432000" indent="-324000">
-              <a:spcBef>
-                <a:spcPts val="1417"/>
-              </a:spcBef>
-              <a:buClr>
-                <a:srgbClr val="000000"/>
-              </a:buClr>
-              <a:buSzPct val="45000"/>
-              <a:buFont typeface="Wingdings" charset="2"/>
-              <a:buChar char=""/>
-            </a:pPr>
-            <a:r>
-              <a:rPr b="0" lang="ru-RU" sz="3200" spc="-1" strike="noStrike">
-                <a:latin typeface="Arial"/>
-              </a:rPr>
-              <a:t> </a:t>
-            </a:r>
-            <a:r>
-              <a:rPr b="0" lang="ru-RU" sz="3200" spc="-1" strike="noStrike">
-                <a:latin typeface="Arial"/>
-              </a:rPr>
-              <a:t>сразу после его отправки (автоматическое подтверждение клиентом)</a:t>
-            </a:r>
-            <a:endParaRPr b="0" lang="ru-RU" sz="3200" spc="-1" strike="noStrike">
-              <a:latin typeface="Arial"/>
-            </a:endParaRPr>
-          </a:p>
-          <a:p>
-            <a:pPr marL="432000" indent="-324000">
-              <a:spcBef>
-                <a:spcPts val="1417"/>
-              </a:spcBef>
-              <a:buClr>
-                <a:srgbClr val="000000"/>
-              </a:buClr>
-              <a:buSzPct val="45000"/>
-              <a:buFont typeface="Wingdings" charset="2"/>
-              <a:buChar char=""/>
-            </a:pPr>
-            <a:r>
-              <a:rPr b="0" lang="ru-RU" sz="3200" spc="-1" strike="noStrike">
-                <a:latin typeface="Arial"/>
-              </a:rPr>
-              <a:t> </a:t>
-            </a:r>
-            <a:r>
-              <a:rPr b="0" lang="ru-RU" sz="3200" spc="-1" strike="noStrike">
-                <a:latin typeface="Arial"/>
-              </a:rPr>
-              <a:t>при получении явного ("ручного") подтверждения клиента (consumer ack). </a:t>
-            </a:r>
-            <a:endParaRPr b="0" lang="ru-RU" sz="3200" spc="-1" strike="noStrike">
-              <a:latin typeface="Arial"/>
-            </a:endParaRPr>
-          </a:p>
-          <a:p>
-            <a:pPr marL="432000" indent="-324000">
-              <a:spcBef>
-                <a:spcPts val="1417"/>
-              </a:spcBef>
-              <a:buClr>
-                <a:srgbClr val="000000"/>
-              </a:buClr>
-              <a:buSzPct val="45000"/>
-              <a:buFont typeface="Wingdings" charset="2"/>
-              <a:buChar char=""/>
-            </a:pPr>
-            <a:endParaRPr b="0" lang="ru-RU" sz="3200" spc="-1" strike="noStrike">
-              <a:latin typeface="Arial"/>
-            </a:endParaRPr>
-          </a:p>
-          <a:p>
-            <a:pPr marL="432000" indent="-324000">
-              <a:spcBef>
-                <a:spcPts val="1417"/>
-              </a:spcBef>
-              <a:buClr>
-                <a:srgbClr val="000000"/>
-              </a:buClr>
-              <a:buSzPct val="45000"/>
-              <a:buFont typeface="Wingdings" charset="2"/>
-              <a:buChar char=""/>
-            </a:pPr>
-            <a:r>
-              <a:rPr b="0" lang="ru-RU" sz="3200" spc="-1" strike="noStrike">
-                <a:latin typeface="Arial"/>
-              </a:rPr>
-              <a:t>Подтверждения, отправленные вручную, могут быть положительными или отрицательными и использовать один из следующих методов протокола: </a:t>
-            </a:r>
-            <a:endParaRPr b="0" lang="ru-RU" sz="3200" spc="-1" strike="noStrike">
-              <a:latin typeface="Arial"/>
-            </a:endParaRPr>
-          </a:p>
-          <a:p>
-            <a:pPr lvl="1" marL="864000" indent="-324000">
-              <a:spcBef>
-                <a:spcPts val="1134"/>
-              </a:spcBef>
-              <a:buClr>
-                <a:srgbClr val="000000"/>
-              </a:buClr>
-              <a:buSzPct val="75000"/>
-              <a:buFont typeface="Symbol" charset="2"/>
-              <a:buChar char=""/>
-            </a:pPr>
-            <a:r>
-              <a:rPr b="0" lang="ru-RU" sz="2800" spc="-1" strike="noStrike">
-                <a:latin typeface="Arial"/>
-              </a:rPr>
-              <a:t>basic.ack используется для положительных подтверждений</a:t>
-            </a:r>
-            <a:endParaRPr b="0" lang="ru-RU" sz="2800" spc="-1" strike="noStrike">
-              <a:latin typeface="Arial"/>
-            </a:endParaRPr>
-          </a:p>
-          <a:p>
-            <a:pPr lvl="1" marL="864000" indent="-324000">
-              <a:spcBef>
-                <a:spcPts val="1134"/>
-              </a:spcBef>
-              <a:buClr>
-                <a:srgbClr val="000000"/>
-              </a:buClr>
-              <a:buSzPct val="75000"/>
-              <a:buFont typeface="Symbol" charset="2"/>
-              <a:buChar char=""/>
-            </a:pPr>
-            <a:r>
-              <a:rPr b="0" lang="ru-RU" sz="2800" spc="-1" strike="noStrike">
-                <a:latin typeface="Arial"/>
-              </a:rPr>
-              <a:t>basic.nack используется для отрицательных подтверждений (сообщение помещается обратно в очередь)</a:t>
-            </a:r>
-            <a:endParaRPr b="0" lang="ru-RU" sz="2800" spc="-1" strike="noStrike">
-              <a:latin typeface="Arial"/>
-            </a:endParaRPr>
-          </a:p>
-          <a:p>
-            <a:pPr lvl="1" marL="864000" indent="-324000">
-              <a:spcBef>
-                <a:spcPts val="1134"/>
-              </a:spcBef>
-              <a:buClr>
-                <a:srgbClr val="000000"/>
-              </a:buClr>
-              <a:buSzPct val="75000"/>
-              <a:buFont typeface="Symbol" charset="2"/>
-              <a:buChar char=""/>
-            </a:pPr>
-            <a:r>
-              <a:rPr b="0" lang="ru-RU" sz="2800" spc="-1" strike="noStrike">
-                <a:latin typeface="Arial"/>
-              </a:rPr>
-              <a:t>basic.reject используется для отрицательных подтверждений (сообщение отбрасывается и удаляется)</a:t>
-            </a:r>
-            <a:endParaRPr b="0" lang="ru-RU" sz="2800" spc="-1" strike="noStrike">
-              <a:latin typeface="Arial"/>
-            </a:endParaRPr>
-          </a:p>
-        </p:txBody>
-      </p:sp>
+              <a:t>HEADERS EXCHANGE</a:t>
+            </a:r>
+            <a:endParaRPr b="0" lang="ru-RU" sz="3600" spc="-1" strike="noStrike">
+              <a:latin typeface="Arial"/>
+            </a:endParaRPr>
+          </a:p>
+        </p:txBody>
+      </p:sp>
+      <p:pic>
+        <p:nvPicPr>
+          <p:cNvPr id="337" name="" descr=""/>
+          <p:cNvPicPr/>
+          <p:nvPr/>
+        </p:nvPicPr>
+        <p:blipFill>
+          <a:blip r:embed="rId1"/>
+          <a:stretch/>
+        </p:blipFill>
+        <p:spPr>
+          <a:xfrm>
+            <a:off x="2700000" y="1808280"/>
+            <a:ext cx="6257160" cy="3771360"/>
+          </a:xfrm>
+          <a:prstGeom prst="rect">
+            <a:avLst/>
+          </a:prstGeom>
+          <a:ln w="0">
+            <a:noFill/>
+          </a:ln>
+        </p:spPr>
+      </p:pic>
     </p:spTree>
   </p:cSld>
   <mc:AlternateContent>
@@ -24472,7 +23977,7 @@
       </p:grpSpPr>
       <p:sp>
         <p:nvSpPr>
-          <p:cNvPr id="340" name="PlaceHolder 1"/>
+          <p:cNvPr id="338" name="PlaceHolder 1"/>
           <p:cNvSpPr>
             <a:spLocks noGrp="1"/>
           </p:cNvSpPr>
@@ -24482,8 +23987,8 @@
         </p:nvSpPr>
         <p:spPr>
           <a:xfrm>
-            <a:off x="1210680" y="2196000"/>
-            <a:ext cx="10053360" cy="2515680"/>
+            <a:off x="1097280" y="286560"/>
+            <a:ext cx="10052640" cy="1445040"/>
           </a:xfrm>
           <a:prstGeom prst="rect">
             <a:avLst/>
@@ -24505,31 +24010,13 @@
               <a:buNone/>
             </a:pPr>
             <a:r>
-              <a:rPr b="0" lang="ru-RU" sz="4800" spc="-52" strike="noStrike">
-                <a:solidFill>
-                  <a:srgbClr val="404040"/>
-                </a:solidFill>
-                <a:latin typeface="Calibri Light"/>
-              </a:rPr>
-              <a:t>Демонстрация отправки и приема сообщений в </a:t>
-            </a:r>
-            <a:r>
               <a:rPr b="0" lang="en-US" sz="4800" spc="-52" strike="noStrike">
                 <a:solidFill>
                   <a:srgbClr val="404040"/>
                 </a:solidFill>
                 <a:latin typeface="Calibri Light"/>
               </a:rPr>
-              <a:t>RabbitMQ на примере консольного приложения на .net</a:t>
-            </a:r>
-            <a:r>
-              <a:rPr b="0" lang="ru-RU" sz="4800" spc="-52" strike="noStrike">
-                <a:solidFill>
-                  <a:srgbClr val="404040"/>
-                </a:solidFill>
-                <a:latin typeface="Calibri Light"/>
-              </a:rPr>
-              <a:t>.</a:t>
+              <a:t>Remote procedure call (RPC)</a:t>
             </a:r>
             <a:endParaRPr b="0" lang="ru-RU" sz="4800" spc="-1" strike="noStrike">
               <a:latin typeface="Arial"/>
@@ -24537,6 +24024,112 @@
           </a:p>
         </p:txBody>
       </p:sp>
+      <p:sp>
+        <p:nvSpPr>
+          <p:cNvPr id="339" name="PlaceHolder 2"/>
+          <p:cNvSpPr>
+            <a:spLocks noGrp="1"/>
+          </p:cNvSpPr>
+          <p:nvPr>
+            <p:ph/>
+          </p:nvPr>
+        </p:nvSpPr>
+        <p:spPr>
+          <a:xfrm>
+            <a:off x="900000" y="1800000"/>
+            <a:ext cx="10799280" cy="1896120"/>
+          </a:xfrm>
+          <a:prstGeom prst="rect">
+            <a:avLst/>
+          </a:prstGeom>
+          <a:noFill/>
+          <a:ln w="0">
+            <a:noFill/>
+          </a:ln>
+        </p:spPr>
+        <p:txBody>
+          <a:bodyPr lIns="0" rIns="0" tIns="45000" bIns="45000" anchor="t">
+            <a:normAutofit fontScale="61000"/>
+          </a:bodyPr>
+          <a:p>
+            <a:pPr marL="432000" indent="-324000">
+              <a:lnSpc>
+                <a:spcPct val="100000"/>
+              </a:lnSpc>
+              <a:spcBef>
+                <a:spcPts val="1417"/>
+              </a:spcBef>
+              <a:buClr>
+                <a:srgbClr val="000000"/>
+              </a:buClr>
+              <a:buSzPct val="45000"/>
+              <a:buFont typeface="Wingdings" charset="2"/>
+              <a:buChar char=""/>
+            </a:pPr>
+            <a:r>
+              <a:rPr b="0" lang="ru-RU" sz="3200" spc="-1" strike="noStrike">
+                <a:latin typeface="Arial"/>
+              </a:rPr>
+              <a:t>Сам MQ основан на асинхронной обработке сообщений. Все отправители отправляют сообщения в RabbitMQ, не зная, была ли успешной или неудачной обработка у потребителя.</a:t>
+            </a:r>
+            <a:br>
+              <a:rPr sz="3200"/>
+            </a:br>
+            <a:br>
+              <a:rPr sz="3200"/>
+            </a:br>
+            <a:r>
+              <a:rPr b="0" lang="ru-RU" sz="3200" spc="-1" strike="noStrike">
+                <a:latin typeface="Arial"/>
+              </a:rPr>
+              <a:t>В реальном сценарии приложения может потребоваться некоторая обработка синхронизации.</a:t>
+            </a:r>
+            <a:endParaRPr b="0" lang="ru-RU" sz="3200" spc="-1" strike="noStrike">
+              <a:latin typeface="Arial"/>
+            </a:endParaRPr>
+          </a:p>
+          <a:p>
+            <a:pPr>
+              <a:lnSpc>
+                <a:spcPct val="90000"/>
+              </a:lnSpc>
+              <a:spcBef>
+                <a:spcPts val="1199"/>
+              </a:spcBef>
+              <a:spcAft>
+                <a:spcPts val="201"/>
+              </a:spcAft>
+              <a:buNone/>
+            </a:pPr>
+            <a:endParaRPr b="0" lang="ru-RU" sz="2000" spc="-1" strike="noStrike">
+              <a:latin typeface="Arial"/>
+            </a:endParaRPr>
+          </a:p>
+        </p:txBody>
+      </p:sp>
+      <p:pic>
+        <p:nvPicPr>
+          <p:cNvPr id="340" name="Picture 2" descr="RabbitMQ "/>
+          <p:cNvPicPr/>
+          <p:nvPr/>
+        </p:nvPicPr>
+        <p:blipFill>
+          <a:blip r:embed="rId1"/>
+          <a:stretch/>
+        </p:blipFill>
+        <p:spPr>
+          <a:xfrm>
+            <a:off x="1121400" y="3837960"/>
+            <a:ext cx="5480640" cy="1899360"/>
+          </a:xfrm>
+          <a:prstGeom prst="rect">
+            <a:avLst/>
+          </a:prstGeom>
+          <a:ln w="0">
+            <a:noFill/>
+          </a:ln>
+        </p:spPr>
+      </p:pic>
     </p:spTree>
   </p:cSld>
   <mc:AlternateContent>
@@ -24579,8 +24172,8 @@
         </p:nvSpPr>
         <p:spPr>
           <a:xfrm>
-            <a:off x="1102680" y="360"/>
-            <a:ext cx="10053360" cy="2515680"/>
+            <a:off x="1097280" y="286560"/>
+            <a:ext cx="10052640" cy="1445040"/>
           </a:xfrm>
           <a:prstGeom prst="rect">
             <a:avLst/>
@@ -24597,38 +24190,97 @@
           <a:p>
             <a:pPr>
               <a:lnSpc>
-                <a:spcPct val="115000"/>
+                <a:spcPct val="85000"/>
               </a:lnSpc>
               <a:buNone/>
             </a:pPr>
             <a:r>
-              <a:rPr b="0" lang="ru-RU" sz="1800" spc="-52" strike="noStrike">
+              <a:rPr b="0" lang="en-US" sz="4800" spc="-52" strike="noStrike">
                 <a:solidFill>
                   <a:srgbClr val="404040"/>
                 </a:solidFill>
+                <a:latin typeface="Calibri Light"/>
+              </a:rPr>
+              <a:t>Durable/transient queues</a:t>
+            </a:r>
+            <a:endParaRPr b="0" lang="ru-RU" sz="4800" spc="-1" strike="noStrike">
+              <a:latin typeface="Arial"/>
+            </a:endParaRPr>
+          </a:p>
+        </p:txBody>
+      </p:sp>
+      <p:sp>
+        <p:nvSpPr>
+          <p:cNvPr id="342" name="PlaceHolder 2"/>
+          <p:cNvSpPr>
+            <a:spLocks noGrp="1"/>
+          </p:cNvSpPr>
+          <p:nvPr>
+            <p:ph/>
+          </p:nvPr>
+        </p:nvSpPr>
+        <p:spPr>
+          <a:xfrm>
+            <a:off x="1097280" y="1845720"/>
+            <a:ext cx="10052640" cy="4017600"/>
+          </a:xfrm>
+          <a:prstGeom prst="rect">
+            <a:avLst/>
+          </a:prstGeom>
+          <a:noFill/>
+          <a:ln w="0">
+            <a:noFill/>
+          </a:ln>
+        </p:spPr>
+        <p:txBody>
+          <a:bodyPr lIns="0" rIns="0" tIns="0" bIns="0" anchor="t">
+            <a:normAutofit/>
+          </a:bodyPr>
+          <a:p>
+            <a:pPr marL="432000" indent="-324000">
+              <a:lnSpc>
+                <a:spcPct val="100000"/>
+              </a:lnSpc>
+              <a:spcBef>
+                <a:spcPts val="1417"/>
+              </a:spcBef>
+              <a:buClr>
+                <a:srgbClr val="000000"/>
+              </a:buClr>
+              <a:buSzPct val="45000"/>
+              <a:buFont typeface="Wingdings" charset="2"/>
+              <a:buChar char=""/>
+            </a:pPr>
+            <a:r>
+              <a:rPr b="0" lang="ru-RU" sz="1800" spc="-1" strike="noStrike">
                 <a:latin typeface="Arial"/>
               </a:rPr>
-              <a:t>Также у RabbitMQ имеется http-api, документация на него доступна по ссылке </a:t>
-            </a:r>
-            <a:r>
-              <a:rPr b="0" lang="ru-RU" sz="1800" spc="-52" strike="noStrike" u="sng">
-                <a:solidFill>
-                  <a:srgbClr val="2998e3"/>
-                </a:solidFill>
-                <a:uFillTx/>
+              <a:t>Очереди могут быть длительными или временными:</a:t>
+            </a:r>
+            <a:endParaRPr b="0" lang="ru-RU" sz="1800" spc="-1" strike="noStrike">
+              <a:latin typeface="Arial"/>
+            </a:endParaRPr>
+          </a:p>
+          <a:p>
+            <a:pPr marL="432000" indent="-324000">
+              <a:lnSpc>
+                <a:spcPct val="100000"/>
+              </a:lnSpc>
+              <a:spcBef>
+                <a:spcPts val="1417"/>
+              </a:spcBef>
+              <a:buClr>
+                <a:srgbClr val="000000"/>
+              </a:buClr>
+              <a:buSzPct val="45000"/>
+              <a:buFont typeface="Wingdings" charset="2"/>
+              <a:buChar char=""/>
+            </a:pPr>
+            <a:r>
+              <a:rPr b="0" lang="ru-RU" sz="1800" spc="-1" strike="noStrike">
                 <a:latin typeface="Arial"/>
-                <a:hlinkClick r:id="rId1"/>
-              </a:rPr>
-              <a:t>http://127.0.0.1:15672/api/index.html</a:t>
-            </a:r>
-            <a:r>
-              <a:rPr b="0" lang="ru-RU" sz="1800" spc="-52" strike="noStrike">
-                <a:solidFill>
-                  <a:srgbClr val="404040"/>
-                </a:solidFill>
-                <a:latin typeface="Arial"/>
-              </a:rPr>
-              <a:t> или по значку HTTP API в правом нижнем углу страницы админки</a:t>
+              </a:rPr>
+              <a:t>Метаданные длительной очереди хранятся на диске, в то время как метаданные временной очереди, когда это возможно, хранятся в памяти. </a:t>
             </a:r>
             <a:br>
               <a:rPr sz="1800"/>
@@ -24636,83 +24288,47 @@
             <a:br>
               <a:rPr sz="1800"/>
             </a:br>
-            <a:br>
-              <a:rPr sz="1800"/>
-            </a:br>
+            <a:r>
+              <a:rPr b="0" lang="ru-RU" sz="1800" spc="-1" strike="noStrike">
+                <a:latin typeface="Arial"/>
+              </a:rPr>
+              <a:t>В средах и вариантах использования, где важна долговечность, приложения должны использовать длительные очереди и убедиться, что отправитель помечает опубликованные сообщения как PERSISTENT (delivery-mode = 2)</a:t>
+            </a:r>
             <a:endParaRPr b="0" lang="ru-RU" sz="1800" spc="-1" strike="noStrike">
               <a:latin typeface="Arial"/>
             </a:endParaRPr>
           </a:p>
-        </p:txBody>
-      </p:sp>
-      <p:pic>
-        <p:nvPicPr>
-          <p:cNvPr id="342" name="" descr=""/>
-          <p:cNvPicPr/>
-          <p:nvPr/>
-        </p:nvPicPr>
-        <p:blipFill>
-          <a:blip r:embed="rId2"/>
-          <a:stretch/>
-        </p:blipFill>
-        <p:spPr>
-          <a:xfrm>
-            <a:off x="864000" y="1899000"/>
-            <a:ext cx="7876440" cy="1805040"/>
-          </a:xfrm>
-          <a:prstGeom prst="rect">
-            <a:avLst/>
-          </a:prstGeom>
-          <a:ln w="0">
-            <a:noFill/>
-          </a:ln>
-        </p:spPr>
-      </p:pic>
-      <p:sp>
-        <p:nvSpPr>
-          <p:cNvPr id="343" name=""/>
-          <p:cNvSpPr/>
-          <p:nvPr/>
-        </p:nvSpPr>
-        <p:spPr>
-          <a:xfrm>
-            <a:off x="1080000" y="3960000"/>
-            <a:ext cx="9536040" cy="1110240"/>
-          </a:xfrm>
-          <a:prstGeom prst="rect">
-            <a:avLst/>
-          </a:prstGeom>
-          <a:noFill/>
-          <a:ln w="0">
-            <a:noFill/>
-          </a:ln>
-        </p:spPr>
-        <p:style>
-          <a:lnRef idx="0"/>
-          <a:fillRef idx="0"/>
-          <a:effectRef idx="0"/>
-          <a:fontRef idx="minor"/>
-        </p:style>
-        <p:txBody>
-          <a:bodyPr lIns="90000" rIns="90000" tIns="45000" bIns="45000" anchor="t">
-            <a:noAutofit/>
-          </a:bodyPr>
           <a:p>
             <a:pPr>
               <a:lnSpc>
-                <a:spcPct val="115000"/>
+                <a:spcPct val="100000"/>
               </a:lnSpc>
               <a:buNone/>
             </a:pPr>
+            <a:endParaRPr b="0" lang="ru-RU" sz="1800" spc="-1" strike="noStrike">
+              <a:latin typeface="Arial"/>
+            </a:endParaRPr>
+          </a:p>
+          <a:p>
+            <a:pPr marL="432000" indent="-324000">
+              <a:lnSpc>
+                <a:spcPct val="100000"/>
+              </a:lnSpc>
+              <a:spcBef>
+                <a:spcPts val="1417"/>
+              </a:spcBef>
+              <a:buClr>
+                <a:srgbClr val="000000"/>
+              </a:buClr>
+              <a:buSzPct val="45000"/>
+              <a:buFont typeface="Wingdings" charset="2"/>
+              <a:buChar char=""/>
+            </a:pPr>
             <a:r>
               <a:rPr b="0" lang="ru-RU" sz="1800" spc="-1" strike="noStrike">
-                <a:solidFill>
-                  <a:srgbClr val="000000"/>
-                </a:solidFill>
                 <a:latin typeface="Arial"/>
-                <a:ea typeface="DejaVu Sans"/>
-              </a:rPr>
-              <a:t>Например при помощи такого запроса можно получить список всех очередей  http://127.0.0.1:15672/api/queues</a:t>
+              </a:rPr>
+              <a:t>Временные очереди будут удалены при загрузке узла. Поэтому они по замыслу не переживут перезапуск узла. Сообщения в временных очередях также будут отброшены.</a:t>
             </a:r>
             <a:endParaRPr b="0" lang="ru-RU" sz="1800" spc="-1" strike="noStrike">
               <a:latin typeface="Arial"/>
@@ -24752,7 +24368,7 @@
       </p:grpSpPr>
       <p:sp>
         <p:nvSpPr>
-          <p:cNvPr id="344" name="PlaceHolder 1"/>
+          <p:cNvPr id="343" name="PlaceHolder 1"/>
           <p:cNvSpPr>
             <a:spLocks noGrp="1"/>
           </p:cNvSpPr>
@@ -24762,8 +24378,8 @@
         </p:nvSpPr>
         <p:spPr>
           <a:xfrm>
-            <a:off x="727560" y="1800000"/>
-            <a:ext cx="10968840" cy="1141200"/>
+            <a:off x="1097280" y="286560"/>
+            <a:ext cx="10052640" cy="1445040"/>
           </a:xfrm>
           <a:prstGeom prst="rect">
             <a:avLst/>
@@ -24780,115 +24396,116 @@
           <a:p>
             <a:pPr>
               <a:lnSpc>
-                <a:spcPct val="115000"/>
+                <a:spcPct val="85000"/>
               </a:lnSpc>
               <a:buNone/>
             </a:pPr>
             <a:r>
-              <a:rPr b="0" lang="ru-RU" sz="1800" spc="-52" strike="noStrike">
+              <a:rPr b="0" lang="en-US" sz="4800" spc="-52" strike="noStrike">
+                <a:solidFill>
+                  <a:srgbClr val="404040"/>
+                </a:solidFill>
+                <a:latin typeface="Calibri Light"/>
+              </a:rPr>
+              <a:t>Persistent/transient (in memory) messages </a:t>
+            </a:r>
+            <a:endParaRPr b="0" lang="ru-RU" sz="4800" spc="-1" strike="noStrike">
+              <a:latin typeface="Arial"/>
+            </a:endParaRPr>
+          </a:p>
+        </p:txBody>
+      </p:sp>
+      <p:sp>
+        <p:nvSpPr>
+          <p:cNvPr id="344" name="PlaceHolder 2"/>
+          <p:cNvSpPr>
+            <a:spLocks noGrp="1"/>
+          </p:cNvSpPr>
+          <p:nvPr>
+            <p:ph/>
+          </p:nvPr>
+        </p:nvSpPr>
+        <p:spPr>
+          <a:xfrm>
+            <a:off x="1097280" y="1845720"/>
+            <a:ext cx="10052640" cy="4017600"/>
+          </a:xfrm>
+          <a:prstGeom prst="rect">
+            <a:avLst/>
+          </a:prstGeom>
+          <a:noFill/>
+          <a:ln w="0">
+            <a:noFill/>
+          </a:ln>
+        </p:spPr>
+        <p:txBody>
+          <a:bodyPr lIns="0" rIns="0" tIns="45000" bIns="45000" anchor="t">
+            <a:normAutofit fontScale="68000"/>
+          </a:bodyPr>
+          <a:p>
+            <a:pPr marL="432000" indent="-324000">
+              <a:lnSpc>
+                <a:spcPct val="100000"/>
+              </a:lnSpc>
+              <a:spcBef>
+                <a:spcPts val="1417"/>
+              </a:spcBef>
+              <a:buClr>
+                <a:srgbClr val="000000"/>
+              </a:buClr>
+              <a:buSzPct val="45000"/>
+              <a:buFont typeface="Wingdings" charset="2"/>
+              <a:buChar char=""/>
+            </a:pPr>
+            <a:r>
+              <a:rPr b="0" lang="ru-RU" sz="3200" spc="-1" strike="noStrike">
                 <a:latin typeface="Arial"/>
               </a:rPr>
-              <a:t>В RabbitMQ также есть возможность задать права пользователям на конфигурирование, чтение и запись. Права задаются регулярными выражениями в разделе Permissions настроек соответствующего пользователя</a:t>
-            </a:r>
-            <a:br>
-              <a:rPr sz="1800"/>
-            </a:br>
-            <a:br>
-              <a:rPr sz="1800"/>
-            </a:br>
-            <a:br>
-              <a:rPr sz="1800"/>
-            </a:br>
-            <a:br>
-              <a:rPr sz="1800"/>
-            </a:br>
-            <a:br>
-              <a:rPr sz="1800"/>
-            </a:br>
-            <a:endParaRPr b="0" lang="ru-RU" sz="1800" spc="-1" strike="noStrike">
-              <a:latin typeface="Arial"/>
-            </a:endParaRPr>
-          </a:p>
-        </p:txBody>
-      </p:sp>
-      <p:sp>
-        <p:nvSpPr>
-          <p:cNvPr id="345" name=""/>
-          <p:cNvSpPr/>
-          <p:nvPr/>
-        </p:nvSpPr>
-        <p:spPr>
-          <a:xfrm>
-            <a:off x="1080000" y="3960000"/>
-            <a:ext cx="9536040" cy="1110240"/>
-          </a:xfrm>
-          <a:prstGeom prst="rect">
-            <a:avLst/>
-          </a:prstGeom>
-          <a:noFill/>
-          <a:ln w="0">
-            <a:noFill/>
-          </a:ln>
-        </p:spPr>
-        <p:style>
-          <a:lnRef idx="0"/>
-          <a:fillRef idx="0"/>
-          <a:effectRef idx="0"/>
-          <a:fontRef idx="minor"/>
-        </p:style>
-      </p:sp>
-      <p:pic>
-        <p:nvPicPr>
-          <p:cNvPr id="346" name="" descr=""/>
-          <p:cNvPicPr/>
-          <p:nvPr/>
-        </p:nvPicPr>
-        <p:blipFill>
-          <a:blip r:embed="rId1"/>
-          <a:stretch/>
-        </p:blipFill>
-        <p:spPr>
-          <a:xfrm>
-            <a:off x="540000" y="1800000"/>
-            <a:ext cx="11496960" cy="3100680"/>
-          </a:xfrm>
-          <a:prstGeom prst="rect">
-            <a:avLst/>
-          </a:prstGeom>
-          <a:ln w="0">
-            <a:noFill/>
-          </a:ln>
-        </p:spPr>
-      </p:pic>
-      <p:sp>
-        <p:nvSpPr>
-          <p:cNvPr id="347" name=""/>
-          <p:cNvSpPr/>
-          <p:nvPr/>
-        </p:nvSpPr>
-        <p:spPr>
-          <a:xfrm>
-            <a:off x="900000" y="5157360"/>
-            <a:ext cx="10468080" cy="599040"/>
-          </a:xfrm>
-          <a:prstGeom prst="rect">
-            <a:avLst/>
-          </a:prstGeom>
-          <a:noFill/>
-          <a:ln w="0">
-            <a:noFill/>
-          </a:ln>
-        </p:spPr>
-        <p:style>
-          <a:lnRef idx="0"/>
-          <a:fillRef idx="0"/>
-          <a:effectRef idx="0"/>
-          <a:fontRef idx="minor"/>
-        </p:style>
-        <p:txBody>
-          <a:bodyPr lIns="90000" rIns="90000" tIns="45000" bIns="45000" anchor="t">
-            <a:noAutofit/>
-          </a:bodyPr>
+              <a:t>Постоянные (persistent) сообщения будут записываться на диск, как только они попадут в очередь.</a:t>
+            </a:r>
+            <a:endParaRPr b="0" lang="ru-RU" sz="3200" spc="-1" strike="noStrike">
+              <a:latin typeface="Arial"/>
+            </a:endParaRPr>
+          </a:p>
+          <a:p>
+            <a:pPr marL="432000" indent="-324000">
+              <a:lnSpc>
+                <a:spcPct val="100000"/>
+              </a:lnSpc>
+              <a:spcBef>
+                <a:spcPts val="1417"/>
+              </a:spcBef>
+              <a:buClr>
+                <a:srgbClr val="000000"/>
+              </a:buClr>
+              <a:buSzPct val="45000"/>
+              <a:buFont typeface="Wingdings" charset="2"/>
+              <a:buChar char=""/>
+            </a:pPr>
+            <a:r>
+              <a:rPr b="0" lang="ru-RU" sz="3200" spc="-1" strike="noStrike">
+                <a:latin typeface="Arial"/>
+              </a:rPr>
+              <a:t>Временные (transient) сообщения будут записываться на диск только для того, чтобы их можно было удалить из памяти при нехватке памяти. (при перезапуске RMQ они будут потеряны)</a:t>
+            </a:r>
+            <a:endParaRPr b="0" lang="ru-RU" sz="3200" spc="-1" strike="noStrike">
+              <a:latin typeface="Arial"/>
+            </a:endParaRPr>
+          </a:p>
+          <a:p>
+            <a:pPr>
+              <a:lnSpc>
+                <a:spcPct val="100000"/>
+              </a:lnSpc>
+              <a:spcBef>
+                <a:spcPts val="1417"/>
+              </a:spcBef>
+              <a:buNone/>
+            </a:pPr>
+            <a:endParaRPr b="0" lang="ru-RU" sz="3200" spc="-1" strike="noStrike">
+              <a:latin typeface="Arial"/>
+            </a:endParaRPr>
+          </a:p>
           <a:p>
             <a:pPr>
               <a:lnSpc>
@@ -24897,40 +24514,49 @@
               <a:buNone/>
             </a:pPr>
             <a:r>
-              <a:rPr b="0" lang="ru-RU" sz="1800" spc="-52" strike="noStrike">
-                <a:solidFill>
-                  <a:srgbClr val="000000"/>
-                </a:solidFill>
+              <a:rPr b="0" lang="ru-RU" sz="3200" spc="-1" strike="noStrike">
                 <a:latin typeface="Arial"/>
-                <a:ea typeface="DejaVu Sans"/>
-              </a:rPr>
-              <a:t>подробнее можно прочитать в документации </a:t>
-            </a:r>
-            <a:r>
-              <a:rPr b="0" lang="ru-RU" sz="1800" spc="-52" strike="noStrike" u="sng">
-                <a:solidFill>
-                  <a:srgbClr val="2998e3"/>
-                </a:solidFill>
-                <a:uFillTx/>
+              </a:rPr>
+              <a:t>Постоянные сообщения также сохраняются в памяти, когда это возможно, и удаляются из памяти только при нехватке памяти.</a:t>
+            </a:r>
+            <a:endParaRPr b="0" lang="ru-RU" sz="3200" spc="-1" strike="noStrike">
+              <a:latin typeface="Arial"/>
+            </a:endParaRPr>
+          </a:p>
+          <a:p>
+            <a:pPr>
+              <a:lnSpc>
+                <a:spcPct val="100000"/>
+              </a:lnSpc>
+              <a:buNone/>
+            </a:pPr>
+            <a:r>
+              <a:rPr b="0" lang="ru-RU" sz="3200" spc="-1" strike="noStrike">
                 <a:latin typeface="Arial"/>
-                <a:ea typeface="DejaVu Sans"/>
-                <a:hlinkClick r:id="rId2"/>
-              </a:rPr>
-              <a:t>https://www.rabbitmq.com/access-control.html#authorisation</a:t>
-            </a:r>
-            <a:r>
-              <a:rPr b="0" lang="ru-RU" sz="1800" spc="-52" strike="noStrike" u="sng">
-                <a:solidFill>
-                  <a:srgbClr val="2998e3"/>
-                </a:solidFill>
-                <a:uFillTx/>
-                <a:latin typeface="Arial"/>
-                <a:ea typeface="DejaVu Sans"/>
-                <a:hlinkClick r:id="rId3"/>
-              </a:rPr>
-              <a:t>https://www.rabbitmq.com/access-control.html#authorisation</a:t>
-            </a:r>
-            <a:endParaRPr b="0" lang="ru-RU" sz="1800" spc="-1" strike="noStrike">
+              </a:rPr>
+              <a:t>По умолчанию сообщения имеют тип transient, для того, чтобы изменить тип отправляемых в RMQ сообщений, необходимо, при отправке сообщения указать у него DeliveryMode = 2.</a:t>
+            </a:r>
+            <a:endParaRPr b="0" lang="ru-RU" sz="3200" spc="-1" strike="noStrike">
+              <a:latin typeface="Arial"/>
+            </a:endParaRPr>
+          </a:p>
+          <a:p>
+            <a:pPr>
+              <a:lnSpc>
+                <a:spcPct val="90000"/>
+              </a:lnSpc>
+              <a:spcBef>
+                <a:spcPts val="1199"/>
+              </a:spcBef>
+              <a:spcAft>
+                <a:spcPts val="201"/>
+              </a:spcAft>
+              <a:buNone/>
+              <a:tabLst>
+                <a:tab algn="l" pos="0"/>
+              </a:tabLst>
+            </a:pPr>
+            <a:endParaRPr b="0" lang="ru-RU" sz="2000" spc="-1" strike="noStrike">
               <a:latin typeface="Arial"/>
             </a:endParaRPr>
           </a:p>
@@ -24968,7 +24594,7 @@
       </p:grpSpPr>
       <p:sp>
         <p:nvSpPr>
-          <p:cNvPr id="348" name="PlaceHolder 1"/>
+          <p:cNvPr id="345" name="PlaceHolder 1"/>
           <p:cNvSpPr>
             <a:spLocks noGrp="1"/>
           </p:cNvSpPr>
@@ -24979,7 +24605,7 @@
         <p:spPr>
           <a:xfrm>
             <a:off x="1097280" y="286560"/>
-            <a:ext cx="10053360" cy="1445760"/>
+            <a:ext cx="10052640" cy="1445040"/>
           </a:xfrm>
           <a:prstGeom prst="rect">
             <a:avLst/>
@@ -24991,7 +24617,7 @@
         </p:spPr>
         <p:txBody>
           <a:bodyPr lIns="90000" rIns="90000" tIns="45000" bIns="45000" anchor="b">
-            <a:noAutofit/>
+            <a:normAutofit fontScale="81000"/>
           </a:bodyPr>
           <a:p>
             <a:pPr>
@@ -25007,7 +24633,25 @@
                 </a:solidFill>
                 <a:latin typeface="Calibri Light"/>
               </a:rPr>
-              <a:t>Спасибо за внимание</a:t>
+              <a:t>Подтверждение получения сообщения (</a:t>
+            </a:r>
+            <a:r>
+              <a:rPr b="0" lang="en-US" sz="4800" spc="-52" strike="noStrike">
+                <a:solidFill>
+                  <a:srgbClr val="404040"/>
+                </a:solidFill>
+                <a:latin typeface="Calibri Light"/>
+              </a:rPr>
+              <a:t>Message acknowledgment</a:t>
+            </a:r>
+            <a:r>
+              <a:rPr b="0" lang="ru-RU" sz="4800" spc="-52" strike="noStrike">
+                <a:solidFill>
+                  <a:srgbClr val="404040"/>
+                </a:solidFill>
+                <a:latin typeface="Calibri Light"/>
+              </a:rPr>
+              <a:t>)</a:t>
             </a:r>
             <a:endParaRPr b="0" lang="ru-RU" sz="4800" spc="-1" strike="noStrike">
               <a:latin typeface="Arial"/>
@@ -25017,14 +24661,472 @@
       </p:sp>
       <p:sp>
         <p:nvSpPr>
-          <p:cNvPr id="349" name=""/>
+          <p:cNvPr id="346" name="PlaceHolder 2"/>
+          <p:cNvSpPr>
+            <a:spLocks noGrp="1"/>
+          </p:cNvSpPr>
+          <p:nvPr>
+            <p:ph/>
+          </p:nvPr>
+        </p:nvSpPr>
+        <p:spPr>
+          <a:xfrm>
+            <a:off x="1097280" y="1845720"/>
+            <a:ext cx="10052640" cy="4017600"/>
+          </a:xfrm>
+          <a:prstGeom prst="rect">
+            <a:avLst/>
+          </a:prstGeom>
+          <a:noFill/>
+          <a:ln w="0">
+            <a:noFill/>
+          </a:ln>
+        </p:spPr>
+        <p:txBody>
+          <a:bodyPr lIns="0" rIns="0" tIns="45000" bIns="45000" anchor="t">
+            <a:normAutofit fontScale="58000"/>
+          </a:bodyPr>
+          <a:p>
+            <a:pPr marL="432000" indent="-324000">
+              <a:lnSpc>
+                <a:spcPct val="100000"/>
+              </a:lnSpc>
+              <a:spcBef>
+                <a:spcPts val="1417"/>
+              </a:spcBef>
+              <a:buClr>
+                <a:srgbClr val="000000"/>
+              </a:buClr>
+              <a:buSzPct val="45000"/>
+              <a:buFont typeface="Wingdings" charset="2"/>
+              <a:buChar char=""/>
+            </a:pPr>
+            <a:r>
+              <a:rPr b="0" lang="ru-RU" sz="3200" spc="-1" strike="noStrike">
+                <a:latin typeface="Arial"/>
+              </a:rPr>
+              <a:t>В зависимости от используемого режима подтверждения RabbitMQ может считать сообщение успешно доставленным в случаях:</a:t>
+            </a:r>
+            <a:endParaRPr b="0" lang="ru-RU" sz="3200" spc="-1" strike="noStrike">
+              <a:latin typeface="Arial"/>
+            </a:endParaRPr>
+          </a:p>
+          <a:p>
+            <a:pPr marL="432000" indent="-324000">
+              <a:lnSpc>
+                <a:spcPct val="100000"/>
+              </a:lnSpc>
+              <a:spcBef>
+                <a:spcPts val="1417"/>
+              </a:spcBef>
+              <a:buClr>
+                <a:srgbClr val="000000"/>
+              </a:buClr>
+              <a:buSzPct val="45000"/>
+              <a:buFont typeface="Wingdings" charset="2"/>
+              <a:buChar char=""/>
+            </a:pPr>
+            <a:r>
+              <a:rPr b="0" lang="ru-RU" sz="3200" spc="-1" strike="noStrike">
+                <a:latin typeface="Arial"/>
+              </a:rPr>
+              <a:t> </a:t>
+            </a:r>
+            <a:r>
+              <a:rPr b="0" lang="ru-RU" sz="3200" spc="-1" strike="noStrike">
+                <a:latin typeface="Arial"/>
+              </a:rPr>
+              <a:t>сразу после его отправки (автоматическое подтверждение клиентом)</a:t>
+            </a:r>
+            <a:endParaRPr b="0" lang="ru-RU" sz="3200" spc="-1" strike="noStrike">
+              <a:latin typeface="Arial"/>
+            </a:endParaRPr>
+          </a:p>
+          <a:p>
+            <a:pPr marL="432000" indent="-324000">
+              <a:lnSpc>
+                <a:spcPct val="100000"/>
+              </a:lnSpc>
+              <a:spcBef>
+                <a:spcPts val="1417"/>
+              </a:spcBef>
+              <a:buClr>
+                <a:srgbClr val="000000"/>
+              </a:buClr>
+              <a:buSzPct val="45000"/>
+              <a:buFont typeface="Wingdings" charset="2"/>
+              <a:buChar char=""/>
+            </a:pPr>
+            <a:r>
+              <a:rPr b="0" lang="ru-RU" sz="3200" spc="-1" strike="noStrike">
+                <a:latin typeface="Arial"/>
+              </a:rPr>
+              <a:t> </a:t>
+            </a:r>
+            <a:r>
+              <a:rPr b="0" lang="ru-RU" sz="3200" spc="-1" strike="noStrike">
+                <a:latin typeface="Arial"/>
+              </a:rPr>
+              <a:t>при получении явного ("ручного") подтверждения клиента (consumer ack). </a:t>
+            </a:r>
+            <a:endParaRPr b="0" lang="ru-RU" sz="3200" spc="-1" strike="noStrike">
+              <a:latin typeface="Arial"/>
+            </a:endParaRPr>
+          </a:p>
+          <a:p>
+            <a:pPr>
+              <a:lnSpc>
+                <a:spcPct val="100000"/>
+              </a:lnSpc>
+              <a:spcBef>
+                <a:spcPts val="1417"/>
+              </a:spcBef>
+              <a:buNone/>
+            </a:pPr>
+            <a:endParaRPr b="0" lang="ru-RU" sz="3200" spc="-1" strike="noStrike">
+              <a:latin typeface="Arial"/>
+            </a:endParaRPr>
+          </a:p>
+          <a:p>
+            <a:pPr marL="432000" indent="-324000">
+              <a:lnSpc>
+                <a:spcPct val="100000"/>
+              </a:lnSpc>
+              <a:spcBef>
+                <a:spcPts val="1417"/>
+              </a:spcBef>
+              <a:buClr>
+                <a:srgbClr val="000000"/>
+              </a:buClr>
+              <a:buSzPct val="45000"/>
+              <a:buFont typeface="Wingdings" charset="2"/>
+              <a:buChar char=""/>
+            </a:pPr>
+            <a:r>
+              <a:rPr b="0" lang="ru-RU" sz="3200" spc="-1" strike="noStrike">
+                <a:latin typeface="Arial"/>
+              </a:rPr>
+              <a:t>Подтверждения, отправленные вручную, могут быть положительными или отрицательными и использовать один из следующих методов протокола: </a:t>
+            </a:r>
+            <a:endParaRPr b="0" lang="ru-RU" sz="3200" spc="-1" strike="noStrike">
+              <a:latin typeface="Arial"/>
+            </a:endParaRPr>
+          </a:p>
+          <a:p>
+            <a:pPr lvl="1" marL="864000" indent="-324000">
+              <a:lnSpc>
+                <a:spcPct val="100000"/>
+              </a:lnSpc>
+              <a:spcBef>
+                <a:spcPts val="1134"/>
+              </a:spcBef>
+              <a:buClr>
+                <a:srgbClr val="000000"/>
+              </a:buClr>
+              <a:buSzPct val="75000"/>
+              <a:buFont typeface="Symbol"/>
+              <a:buChar char=""/>
+            </a:pPr>
+            <a:r>
+              <a:rPr b="0" lang="ru-RU" sz="2800" spc="-1" strike="noStrike">
+                <a:latin typeface="Arial"/>
+              </a:rPr>
+              <a:t>basic.ack используется для положительных подтверждений</a:t>
+            </a:r>
+            <a:endParaRPr b="0" lang="ru-RU" sz="2800" spc="-1" strike="noStrike">
+              <a:latin typeface="Arial"/>
+            </a:endParaRPr>
+          </a:p>
+          <a:p>
+            <a:pPr lvl="1" marL="864000" indent="-324000">
+              <a:lnSpc>
+                <a:spcPct val="100000"/>
+              </a:lnSpc>
+              <a:spcBef>
+                <a:spcPts val="1134"/>
+              </a:spcBef>
+              <a:buClr>
+                <a:srgbClr val="000000"/>
+              </a:buClr>
+              <a:buSzPct val="75000"/>
+              <a:buFont typeface="Symbol"/>
+              <a:buChar char=""/>
+            </a:pPr>
+            <a:r>
+              <a:rPr b="0" lang="ru-RU" sz="2800" spc="-1" strike="noStrike">
+                <a:latin typeface="Arial"/>
+              </a:rPr>
+              <a:t>basic.nack используется для отрицательных подтверждений (сообщение помещается обратно в очередь)</a:t>
+            </a:r>
+            <a:endParaRPr b="0" lang="ru-RU" sz="2800" spc="-1" strike="noStrike">
+              <a:latin typeface="Arial"/>
+            </a:endParaRPr>
+          </a:p>
+          <a:p>
+            <a:pPr lvl="1" marL="864000" indent="-324000">
+              <a:lnSpc>
+                <a:spcPct val="100000"/>
+              </a:lnSpc>
+              <a:spcBef>
+                <a:spcPts val="1134"/>
+              </a:spcBef>
+              <a:buClr>
+                <a:srgbClr val="000000"/>
+              </a:buClr>
+              <a:buSzPct val="75000"/>
+              <a:buFont typeface="Symbol"/>
+              <a:buChar char=""/>
+            </a:pPr>
+            <a:r>
+              <a:rPr b="0" lang="ru-RU" sz="2800" spc="-1" strike="noStrike">
+                <a:latin typeface="Arial"/>
+              </a:rPr>
+              <a:t>basic.reject используется для отрицательных подтверждений (сообщение отбрасывается и удаляется)</a:t>
+            </a:r>
+            <a:endParaRPr b="0" lang="ru-RU" sz="2800" spc="-1" strike="noStrike">
+              <a:latin typeface="Arial"/>
+            </a:endParaRPr>
+          </a:p>
+        </p:txBody>
+      </p:sp>
+    </p:spTree>
+  </p:cSld>
+  <mc:AlternateContent>
+    <mc:Choice Requires="p14">
+      <p:transition spd="slow" p14:dur="2000"/>
+    </mc:Choice>
+    <mc:Fallback>
+      <p:transition spd="slow"/>
+    </mc:Fallback>
+  </mc:AlternateContent>
+</p:sld>
+</file>
+
+<file path=ppt/slides/slide27.xml><?xml version="1.0" encoding="utf-8"?>
+<p:sld xmlns:a="http://schemas.openxmlformats.org/drawingml/2006/main" xmlns:p="http://schemas.openxmlformats.org/presentationml/2006/main" xmlns:r="http://schemas.openxmlformats.org/officeDocument/2006/relationships" xmlns:p14="http://schemas.microsoft.com/office/powerpoint/2010/main" xmlns:p15="http://schemas.microsoft.com/office/powerpoint/2012/main" xmlns:mc="http://schemas.openxmlformats.org/markup-compatibility/2006">
+  <p:cSld>
+    <p:spTree>
+      <p:nvGrpSpPr>
+        <p:cNvPr id="1" name=""/>
+        <p:cNvGrpSpPr/>
+        <p:nvPr/>
+      </p:nvGrpSpPr>
+      <p:grpSpPr>
+        <a:xfrm>
+          <a:off x="0" y="0"/>
+          <a:ext cx="0" cy="0"/>
+          <a:chOff x="0" y="0"/>
+          <a:chExt cx="0" cy="0"/>
+        </a:xfrm>
+      </p:grpSpPr>
+      <p:sp>
+        <p:nvSpPr>
+          <p:cNvPr id="347" name="PlaceHolder 1"/>
+          <p:cNvSpPr>
+            <a:spLocks noGrp="1"/>
+          </p:cNvSpPr>
+          <p:nvPr>
+            <p:ph type="title"/>
+          </p:nvPr>
+        </p:nvSpPr>
+        <p:spPr>
+          <a:xfrm>
+            <a:off x="1210680" y="2196000"/>
+            <a:ext cx="10052640" cy="2514960"/>
+          </a:xfrm>
+          <a:prstGeom prst="rect">
+            <a:avLst/>
+          </a:prstGeom>
+          <a:noFill/>
+          <a:ln w="0">
+            <a:noFill/>
+          </a:ln>
+        </p:spPr>
+        <p:txBody>
+          <a:bodyPr lIns="90000" rIns="90000" tIns="45000" bIns="45000" anchor="b">
+            <a:noAutofit/>
+          </a:bodyPr>
+          <a:p>
+            <a:pPr>
+              <a:lnSpc>
+                <a:spcPct val="85000"/>
+              </a:lnSpc>
+              <a:buNone/>
+            </a:pPr>
+            <a:r>
+              <a:rPr b="0" lang="ru-RU" sz="4800" spc="-52" strike="noStrike">
+                <a:solidFill>
+                  <a:srgbClr val="404040"/>
+                </a:solidFill>
+                <a:latin typeface="Calibri Light"/>
+              </a:rPr>
+              <a:t>Демонстрация отправки и приема сообщений в </a:t>
+            </a:r>
+            <a:r>
+              <a:rPr b="0" lang="en-US" sz="4800" spc="-52" strike="noStrike">
+                <a:solidFill>
+                  <a:srgbClr val="404040"/>
+                </a:solidFill>
+                <a:latin typeface="Calibri Light"/>
+              </a:rPr>
+              <a:t>RabbitMQ на примере консольного приложения на .net</a:t>
+            </a:r>
+            <a:r>
+              <a:rPr b="0" lang="ru-RU" sz="4800" spc="-52" strike="noStrike">
+                <a:solidFill>
+                  <a:srgbClr val="404040"/>
+                </a:solidFill>
+                <a:latin typeface="Calibri Light"/>
+              </a:rPr>
+              <a:t>.</a:t>
+            </a:r>
+            <a:endParaRPr b="0" lang="ru-RU" sz="4800" spc="-1" strike="noStrike">
+              <a:latin typeface="Arial"/>
+            </a:endParaRPr>
+          </a:p>
+        </p:txBody>
+      </p:sp>
+    </p:spTree>
+  </p:cSld>
+  <mc:AlternateContent>
+    <mc:Choice Requires="p14">
+      <p:transition spd="slow" p14:dur="2000"/>
+    </mc:Choice>
+    <mc:Fallback>
+      <p:transition spd="slow"/>
+    </mc:Fallback>
+  </mc:AlternateContent>
+</p:sld>
+</file>
+
+<file path=ppt/slides/slide28.xml><?xml version="1.0" encoding="utf-8"?>
+<p:sld xmlns:a="http://schemas.openxmlformats.org/drawingml/2006/main" xmlns:p="http://schemas.openxmlformats.org/presentationml/2006/main" xmlns:r="http://schemas.openxmlformats.org/officeDocument/2006/relationships" xmlns:p14="http://schemas.microsoft.com/office/powerpoint/2010/main" xmlns:p15="http://schemas.microsoft.com/office/powerpoint/2012/main" xmlns:mc="http://schemas.openxmlformats.org/markup-compatibility/2006">
+  <p:cSld>
+    <p:spTree>
+      <p:nvGrpSpPr>
+        <p:cNvPr id="1" name=""/>
+        <p:cNvGrpSpPr/>
+        <p:nvPr/>
+      </p:nvGrpSpPr>
+      <p:grpSpPr>
+        <a:xfrm>
+          <a:off x="0" y="0"/>
+          <a:ext cx="0" cy="0"/>
+          <a:chOff x="0" y="0"/>
+          <a:chExt cx="0" cy="0"/>
+        </a:xfrm>
+      </p:grpSpPr>
+      <p:sp>
+        <p:nvSpPr>
+          <p:cNvPr id="348" name="PlaceHolder 1"/>
+          <p:cNvSpPr>
+            <a:spLocks noGrp="1"/>
+          </p:cNvSpPr>
+          <p:nvPr>
+            <p:ph type="title"/>
+          </p:nvPr>
+        </p:nvSpPr>
+        <p:spPr>
+          <a:xfrm>
+            <a:off x="1102680" y="360"/>
+            <a:ext cx="10052640" cy="2514960"/>
+          </a:xfrm>
+          <a:prstGeom prst="rect">
+            <a:avLst/>
+          </a:prstGeom>
+          <a:noFill/>
+          <a:ln w="0">
+            <a:noFill/>
+          </a:ln>
+        </p:spPr>
+        <p:txBody>
+          <a:bodyPr lIns="90000" rIns="90000" tIns="45000" bIns="45000" anchor="b">
+            <a:noAutofit/>
+          </a:bodyPr>
+          <a:p>
+            <a:pPr>
+              <a:lnSpc>
+                <a:spcPct val="115000"/>
+              </a:lnSpc>
+              <a:buNone/>
+            </a:pPr>
+            <a:r>
+              <a:rPr b="0" lang="ru-RU" sz="1800" spc="-52" strike="noStrike">
+                <a:solidFill>
+                  <a:srgbClr val="404040"/>
+                </a:solidFill>
+                <a:latin typeface="Arial"/>
+              </a:rPr>
+              <a:t>Также у RabbitMQ имеется http-api, документация на него доступна по ссылке </a:t>
+            </a:r>
+            <a:r>
+              <a:rPr b="0" lang="ru-RU" sz="1800" spc="-52" strike="noStrike" u="sng">
+                <a:solidFill>
+                  <a:srgbClr val="2998e3"/>
+                </a:solidFill>
+                <a:uFillTx/>
+                <a:latin typeface="Arial"/>
+                <a:hlinkClick r:id="rId1"/>
+              </a:rPr>
+              <a:t>http://127.0.0.1:15672/api/index.html</a:t>
+            </a:r>
+            <a:r>
+              <a:rPr b="0" lang="ru-RU" sz="1800" spc="-52" strike="noStrike">
+                <a:solidFill>
+                  <a:srgbClr val="404040"/>
+                </a:solidFill>
+                <a:latin typeface="Arial"/>
+              </a:rPr>
+              <a:t> или по значку HTTP API в правом нижнем углу страницы админки</a:t>
+            </a:r>
+            <a:br>
+              <a:rPr sz="1800"/>
+            </a:br>
+            <a:br>
+              <a:rPr sz="1800"/>
+            </a:br>
+            <a:br>
+              <a:rPr sz="1800"/>
+            </a:br>
+            <a:endParaRPr b="0" lang="ru-RU" sz="1800" spc="-1" strike="noStrike">
+              <a:latin typeface="Arial"/>
+            </a:endParaRPr>
+          </a:p>
+        </p:txBody>
+      </p:sp>
+      <p:pic>
+        <p:nvPicPr>
+          <p:cNvPr id="349" name="" descr=""/>
+          <p:cNvPicPr/>
+          <p:nvPr/>
+        </p:nvPicPr>
+        <p:blipFill>
+          <a:blip r:embed="rId2"/>
+          <a:stretch/>
+        </p:blipFill>
+        <p:spPr>
+          <a:xfrm>
+            <a:off x="864000" y="1899000"/>
+            <a:ext cx="7875720" cy="1804320"/>
+          </a:xfrm>
+          <a:prstGeom prst="rect">
+            <a:avLst/>
+          </a:prstGeom>
+          <a:ln w="0">
+            <a:noFill/>
+          </a:ln>
+        </p:spPr>
+      </p:pic>
+      <p:sp>
+        <p:nvSpPr>
+          <p:cNvPr id="350" name=""/>
           <p:cNvSpPr/>
           <p:nvPr/>
         </p:nvSpPr>
         <p:spPr>
           <a:xfrm>
-            <a:off x="5706000" y="3324960"/>
-            <a:ext cx="834120" cy="228960"/>
+            <a:off x="1080000" y="3960000"/>
+            <a:ext cx="9535320" cy="1109520"/>
           </a:xfrm>
           <a:prstGeom prst="rect">
             <a:avLst/>
@@ -25047,21 +25149,237 @@
           <a:p>
             <a:pPr>
               <a:lnSpc>
-                <a:spcPct val="100000"/>
+                <a:spcPct val="115000"/>
               </a:lnSpc>
               <a:buNone/>
             </a:pPr>
             <a:r>
-              <a:rPr b="0" lang="ru-RU" sz="1000" spc="-1" strike="noStrike">
+              <a:rPr b="0" lang="ru-RU" sz="1800" spc="-1" strike="noStrike">
                 <a:solidFill>
                   <a:srgbClr val="000000"/>
                 </a:solidFill>
                 <a:latin typeface="Arial"/>
                 <a:ea typeface="DejaVu Sans"/>
               </a:rPr>
-              <a:t>^(qwe123)$</a:t>
-            </a:r>
-            <a:endParaRPr b="0" lang="ru-RU" sz="1000" spc="-1" strike="noStrike">
+              <a:t>Например при помощи такого запроса можно получить список всех очередей  http://127.0.0.1:15672/api/queues</a:t>
+            </a:r>
+            <a:endParaRPr b="0" lang="ru-RU" sz="1800" spc="-1" strike="noStrike">
+              <a:latin typeface="Arial"/>
+            </a:endParaRPr>
+          </a:p>
+        </p:txBody>
+      </p:sp>
+    </p:spTree>
+  </p:cSld>
+  <mc:AlternateContent>
+    <mc:Choice Requires="p14">
+      <p:transition spd="slow" p14:dur="2000"/>
+    </mc:Choice>
+    <mc:Fallback>
+      <p:transition spd="slow"/>
+    </mc:Fallback>
+  </mc:AlternateContent>
+</p:sld>
+</file>
+
+<file path=ppt/slides/slide29.xml><?xml version="1.0" encoding="utf-8"?>
+<p:sld xmlns:a="http://schemas.openxmlformats.org/drawingml/2006/main" xmlns:p="http://schemas.openxmlformats.org/presentationml/2006/main" xmlns:r="http://schemas.openxmlformats.org/officeDocument/2006/relationships" xmlns:p14="http://schemas.microsoft.com/office/powerpoint/2010/main" xmlns:p15="http://schemas.microsoft.com/office/powerpoint/2012/main" xmlns:mc="http://schemas.openxmlformats.org/markup-compatibility/2006">
+  <p:cSld>
+    <p:spTree>
+      <p:nvGrpSpPr>
+        <p:cNvPr id="1" name=""/>
+        <p:cNvGrpSpPr/>
+        <p:nvPr/>
+      </p:nvGrpSpPr>
+      <p:grpSpPr>
+        <a:xfrm>
+          <a:off x="0" y="0"/>
+          <a:ext cx="0" cy="0"/>
+          <a:chOff x="0" y="0"/>
+          <a:chExt cx="0" cy="0"/>
+        </a:xfrm>
+      </p:grpSpPr>
+      <p:sp>
+        <p:nvSpPr>
+          <p:cNvPr id="351" name="PlaceHolder 1"/>
+          <p:cNvSpPr>
+            <a:spLocks noGrp="1"/>
+          </p:cNvSpPr>
+          <p:nvPr>
+            <p:ph type="title"/>
+          </p:nvPr>
+        </p:nvSpPr>
+        <p:spPr>
+          <a:xfrm>
+            <a:off x="727560" y="1800000"/>
+            <a:ext cx="10968120" cy="1140480"/>
+          </a:xfrm>
+          <a:prstGeom prst="rect">
+            <a:avLst/>
+          </a:prstGeom>
+          <a:noFill/>
+          <a:ln w="0">
+            <a:noFill/>
+          </a:ln>
+        </p:spPr>
+        <p:txBody>
+          <a:bodyPr lIns="90000" rIns="90000" tIns="45000" bIns="45000" anchor="b">
+            <a:noAutofit/>
+          </a:bodyPr>
+          <a:p>
+            <a:pPr>
+              <a:lnSpc>
+                <a:spcPct val="115000"/>
+              </a:lnSpc>
+              <a:buNone/>
+            </a:pPr>
+            <a:r>
+              <a:rPr b="0" lang="ru-RU" sz="1800" spc="-52" strike="noStrike">
+                <a:latin typeface="Arial"/>
+              </a:rPr>
+              <a:t>В RabbitMQ также есть возможность задать права пользователям на конфигурирование, чтение и запись. Права задаются регулярными выражениями в разделе Permissions настроек соответствующего пользователя</a:t>
+            </a:r>
+            <a:br>
+              <a:rPr sz="1800"/>
+            </a:br>
+            <a:br>
+              <a:rPr sz="1800"/>
+            </a:br>
+            <a:br>
+              <a:rPr sz="1800"/>
+            </a:br>
+            <a:br>
+              <a:rPr sz="1800"/>
+            </a:br>
+            <a:br>
+              <a:rPr sz="1800"/>
+            </a:br>
+            <a:endParaRPr b="0" lang="ru-RU" sz="1800" spc="-1" strike="noStrike">
+              <a:latin typeface="Arial"/>
+            </a:endParaRPr>
+          </a:p>
+        </p:txBody>
+      </p:sp>
+      <p:sp>
+        <p:nvSpPr>
+          <p:cNvPr id="352" name=""/>
+          <p:cNvSpPr/>
+          <p:nvPr/>
+        </p:nvSpPr>
+        <p:spPr>
+          <a:xfrm>
+            <a:off x="1080000" y="3960000"/>
+            <a:ext cx="9535320" cy="1109520"/>
+          </a:xfrm>
+          <a:prstGeom prst="rect">
+            <a:avLst/>
+          </a:prstGeom>
+          <a:noFill/>
+          <a:ln w="0">
+            <a:noFill/>
+          </a:ln>
+        </p:spPr>
+        <p:style>
+          <a:lnRef idx="0"/>
+          <a:fillRef idx="0"/>
+          <a:effectRef idx="0"/>
+          <a:fontRef idx="minor"/>
+        </p:style>
+      </p:sp>
+      <p:pic>
+        <p:nvPicPr>
+          <p:cNvPr id="353" name="" descr=""/>
+          <p:cNvPicPr/>
+          <p:nvPr/>
+        </p:nvPicPr>
+        <p:blipFill>
+          <a:blip r:embed="rId1"/>
+          <a:stretch/>
+        </p:blipFill>
+        <p:spPr>
+          <a:xfrm>
+            <a:off x="540000" y="1800000"/>
+            <a:ext cx="11496240" cy="3099960"/>
+          </a:xfrm>
+          <a:prstGeom prst="rect">
+            <a:avLst/>
+          </a:prstGeom>
+          <a:ln w="0">
+            <a:noFill/>
+          </a:ln>
+        </p:spPr>
+      </p:pic>
+      <p:sp>
+        <p:nvSpPr>
+          <p:cNvPr id="354" name=""/>
+          <p:cNvSpPr/>
+          <p:nvPr/>
+        </p:nvSpPr>
+        <p:spPr>
+          <a:xfrm>
+            <a:off x="900000" y="5157360"/>
+            <a:ext cx="10467360" cy="598320"/>
+          </a:xfrm>
+          <a:prstGeom prst="rect">
+            <a:avLst/>
+          </a:prstGeom>
+          <a:noFill/>
+          <a:ln w="0">
+            <a:noFill/>
+          </a:ln>
+        </p:spPr>
+        <p:style>
+          <a:lnRef idx="0"/>
+          <a:fillRef idx="0"/>
+          <a:effectRef idx="0"/>
+          <a:fontRef idx="minor"/>
+        </p:style>
+        <p:txBody>
+          <a:bodyPr lIns="90000" rIns="90000" tIns="45000" bIns="45000" anchor="t">
+            <a:noAutofit/>
+          </a:bodyPr>
+          <a:p>
+            <a:pPr>
+              <a:lnSpc>
+                <a:spcPct val="100000"/>
+              </a:lnSpc>
+              <a:buNone/>
+            </a:pPr>
+            <a:r>
+              <a:rPr b="0" lang="ru-RU" sz="1800" spc="-52" strike="noStrike">
+                <a:solidFill>
+                  <a:srgbClr val="000000"/>
+                </a:solidFill>
+                <a:latin typeface="Arial"/>
+                <a:ea typeface="DejaVu Sans"/>
+              </a:rPr>
+              <a:t>подробнее можно прочитать в документации </a:t>
+            </a:r>
+            <a:r>
+              <a:rPr b="0" lang="ru-RU" sz="1800" spc="-52" strike="noStrike" u="sng">
+                <a:solidFill>
+                  <a:srgbClr val="2998e3"/>
+                </a:solidFill>
+                <a:uFillTx/>
+                <a:latin typeface="Arial"/>
+                <a:ea typeface="DejaVu Sans"/>
+                <a:hlinkClick r:id="rId2"/>
+              </a:rPr>
+              <a:t>https://www.rabbitmq.com/access-control.html#authorisation</a:t>
+            </a:r>
+            <a:r>
+              <a:rPr b="0" lang="ru-RU" sz="1800" spc="-52" strike="noStrike" u="sng">
+                <a:solidFill>
+                  <a:srgbClr val="2998e3"/>
+                </a:solidFill>
+                <a:uFillTx/>
+                <a:latin typeface="Arial"/>
+                <a:ea typeface="DejaVu Sans"/>
+                <a:hlinkClick r:id="rId3"/>
+              </a:rPr>
+              <a:t>https://www.rabbitmq.com/access-control.html#authorisation</a:t>
+            </a:r>
+            <a:endParaRPr b="0" lang="ru-RU" sz="1800" spc="-1" strike="noStrike">
               <a:latin typeface="Arial"/>
             </a:endParaRPr>
           </a:p>
@@ -25106,7 +25424,7 @@
         <p:spPr>
           <a:xfrm>
             <a:off x="1260000" y="1273680"/>
-            <a:ext cx="8694360" cy="401760"/>
+            <a:ext cx="8693640" cy="401040"/>
           </a:xfrm>
           <a:prstGeom prst="rect">
             <a:avLst/>
@@ -25158,7 +25476,7 @@
         <p:spPr>
           <a:xfrm>
             <a:off x="1023840" y="2001960"/>
-            <a:ext cx="10315440" cy="4079160"/>
+            <a:ext cx="10314720" cy="4078440"/>
           </a:xfrm>
           <a:prstGeom prst="rect">
             <a:avLst/>
@@ -25349,6 +25667,137 @@
               <a:t>Требуется агрегировать и выполнять задачи по расписанию;</a:t>
             </a:r>
             <a:endParaRPr b="0" lang="ru-RU" sz="2000" spc="-1" strike="noStrike">
+              <a:latin typeface="Arial"/>
+            </a:endParaRPr>
+          </a:p>
+        </p:txBody>
+      </p:sp>
+    </p:spTree>
+  </p:cSld>
+  <mc:AlternateContent>
+    <mc:Choice Requires="p14">
+      <p:transition spd="slow" p14:dur="2000"/>
+    </mc:Choice>
+    <mc:Fallback>
+      <p:transition spd="slow"/>
+    </mc:Fallback>
+  </mc:AlternateContent>
+</p:sld>
+</file>
+
+<file path=ppt/slides/slide30.xml><?xml version="1.0" encoding="utf-8"?>
+<p:sld xmlns:a="http://schemas.openxmlformats.org/drawingml/2006/main" xmlns:p="http://schemas.openxmlformats.org/presentationml/2006/main" xmlns:r="http://schemas.openxmlformats.org/officeDocument/2006/relationships" xmlns:p14="http://schemas.microsoft.com/office/powerpoint/2010/main" xmlns:p15="http://schemas.microsoft.com/office/powerpoint/2012/main" xmlns:mc="http://schemas.openxmlformats.org/markup-compatibility/2006">
+  <p:cSld>
+    <p:spTree>
+      <p:nvGrpSpPr>
+        <p:cNvPr id="1" name=""/>
+        <p:cNvGrpSpPr/>
+        <p:nvPr/>
+      </p:nvGrpSpPr>
+      <p:grpSpPr>
+        <a:xfrm>
+          <a:off x="0" y="0"/>
+          <a:ext cx="0" cy="0"/>
+          <a:chOff x="0" y="0"/>
+          <a:chExt cx="0" cy="0"/>
+        </a:xfrm>
+      </p:grpSpPr>
+      <p:sp>
+        <p:nvSpPr>
+          <p:cNvPr id="355" name="PlaceHolder 1"/>
+          <p:cNvSpPr>
+            <a:spLocks noGrp="1"/>
+          </p:cNvSpPr>
+          <p:nvPr>
+            <p:ph type="title"/>
+          </p:nvPr>
+        </p:nvSpPr>
+        <p:spPr>
+          <a:xfrm>
+            <a:off x="1097280" y="286560"/>
+            <a:ext cx="10052640" cy="1445040"/>
+          </a:xfrm>
+          <a:prstGeom prst="rect">
+            <a:avLst/>
+          </a:prstGeom>
+          <a:noFill/>
+          <a:ln w="0">
+            <a:noFill/>
+          </a:ln>
+        </p:spPr>
+        <p:txBody>
+          <a:bodyPr lIns="90000" rIns="90000" tIns="45000" bIns="45000" anchor="b">
+            <a:noAutofit/>
+          </a:bodyPr>
+          <a:p>
+            <a:pPr>
+              <a:lnSpc>
+                <a:spcPct val="85000"/>
+              </a:lnSpc>
+              <a:buNone/>
+            </a:pPr>
+            <a:r>
+              <a:rPr b="0" lang="ru-RU" sz="4800" spc="-52" strike="noStrike">
+                <a:solidFill>
+                  <a:srgbClr val="404040"/>
+                </a:solidFill>
+                <a:latin typeface="Calibri Light"/>
+              </a:rPr>
+              <a:t>Спасибо за внимание</a:t>
+            </a:r>
+            <a:endParaRPr b="0" lang="ru-RU" sz="4800" spc="-1" strike="noStrike">
+              <a:latin typeface="Arial"/>
+            </a:endParaRPr>
+          </a:p>
+        </p:txBody>
+      </p:sp>
+      <p:sp>
+        <p:nvSpPr>
+          <p:cNvPr id="356" name=""/>
+          <p:cNvSpPr/>
+          <p:nvPr/>
+        </p:nvSpPr>
+        <p:spPr>
+          <a:xfrm>
+            <a:off x="5706000" y="3324960"/>
+            <a:ext cx="833400" cy="228240"/>
+          </a:xfrm>
+          <a:prstGeom prst="rect">
+            <a:avLst/>
+          </a:prstGeom>
+          <a:noFill/>
+          <a:ln w="0">
+            <a:noFill/>
+          </a:ln>
+        </p:spPr>
+        <p:style>
+          <a:lnRef idx="0"/>
+          <a:fillRef idx="0"/>
+          <a:effectRef idx="0"/>
+          <a:fontRef idx="minor"/>
+        </p:style>
+        <p:txBody>
+          <a:bodyPr lIns="90000" rIns="90000" tIns="45000" bIns="45000" anchor="t">
+            <a:noAutofit/>
+          </a:bodyPr>
+          <a:p>
+            <a:pPr>
+              <a:lnSpc>
+                <a:spcPct val="100000"/>
+              </a:lnSpc>
+              <a:buNone/>
+            </a:pPr>
+            <a:r>
+              <a:rPr b="0" lang="ru-RU" sz="1000" spc="-1" strike="noStrike">
+                <a:solidFill>
+                  <a:srgbClr val="000000"/>
+                </a:solidFill>
+                <a:latin typeface="Arial"/>
+                <a:ea typeface="DejaVu Sans"/>
+              </a:rPr>
+              <a:t>^(qwe123)$</a:t>
+            </a:r>
+            <a:endParaRPr b="0" lang="ru-RU" sz="1000" spc="-1" strike="noStrike">
               <a:latin typeface="Arial"/>
             </a:endParaRPr>
           </a:p>
@@ -25397,7 +25846,7 @@
         <p:spPr>
           <a:xfrm>
             <a:off x="2160000" y="1783800"/>
-            <a:ext cx="8098200" cy="3974400"/>
+            <a:ext cx="8097480" cy="3973680"/>
           </a:xfrm>
           <a:prstGeom prst="rect">
             <a:avLst/>
@@ -25416,7 +25865,7 @@
         <p:spPr>
           <a:xfrm>
             <a:off x="1199160" y="1080000"/>
-            <a:ext cx="9239400" cy="600480"/>
+            <a:ext cx="9238680" cy="599760"/>
           </a:xfrm>
           <a:prstGeom prst="rect">
             <a:avLst/>
@@ -25502,7 +25951,7 @@
         <p:spPr>
           <a:xfrm>
             <a:off x="1815480" y="2700000"/>
-            <a:ext cx="702720" cy="1140840"/>
+            <a:ext cx="702000" cy="1140120"/>
           </a:xfrm>
           <a:prstGeom prst="rect">
             <a:avLst/>
@@ -25521,7 +25970,7 @@
         <p:spPr>
           <a:xfrm>
             <a:off x="1753560" y="2160000"/>
-            <a:ext cx="1599120" cy="344520"/>
+            <a:ext cx="1598400" cy="343800"/>
           </a:xfrm>
           <a:prstGeom prst="rect">
             <a:avLst/>
@@ -25577,7 +26026,7 @@
         <p:spPr>
           <a:xfrm>
             <a:off x="4140000" y="2118240"/>
-            <a:ext cx="2698200" cy="2199960"/>
+            <a:ext cx="2697480" cy="2199240"/>
           </a:xfrm>
           <a:prstGeom prst="rect">
             <a:avLst/>
@@ -25596,7 +26045,7 @@
         <p:spPr>
           <a:xfrm>
             <a:off x="1188000" y="1080000"/>
-            <a:ext cx="8171280" cy="698400"/>
+            <a:ext cx="8170560" cy="697680"/>
           </a:xfrm>
           <a:prstGeom prst="rect">
             <a:avLst/>
@@ -25652,7 +26101,7 @@
         <p:spPr>
           <a:xfrm>
             <a:off x="7820280" y="2283480"/>
-            <a:ext cx="3141000" cy="493200"/>
+            <a:ext cx="3140280" cy="492480"/>
           </a:xfrm>
           <a:prstGeom prst="rect">
             <a:avLst/>
@@ -25675,7 +26124,7 @@
         <p:spPr>
           <a:xfrm>
             <a:off x="8007840" y="4153680"/>
-            <a:ext cx="1350360" cy="1064520"/>
+            <a:ext cx="1349640" cy="1063800"/>
           </a:xfrm>
           <a:prstGeom prst="rect">
             <a:avLst/>
@@ -25694,7 +26143,7 @@
         <p:spPr>
           <a:xfrm>
             <a:off x="7920000" y="3600000"/>
-            <a:ext cx="2283480" cy="344520"/>
+            <a:ext cx="2282760" cy="343800"/>
           </a:xfrm>
           <a:prstGeom prst="rect">
             <a:avLst/>
@@ -25780,7 +26229,7 @@
         <p:spPr>
           <a:xfrm>
             <a:off x="1252800" y="1800000"/>
-            <a:ext cx="9725400" cy="3627000"/>
+            <a:ext cx="9724680" cy="3626280"/>
           </a:xfrm>
           <a:prstGeom prst="rect">
             <a:avLst/>
@@ -25799,7 +26248,7 @@
         <p:spPr>
           <a:xfrm>
             <a:off x="850680" y="1080000"/>
-            <a:ext cx="10668240" cy="620640"/>
+            <a:ext cx="10667520" cy="619920"/>
           </a:xfrm>
           <a:prstGeom prst="rect">
             <a:avLst/>
@@ -25887,7 +26336,7 @@
         <p:spPr>
           <a:xfrm>
             <a:off x="1080000" y="2213640"/>
-            <a:ext cx="10256760" cy="3042720"/>
+            <a:ext cx="10256040" cy="3042000"/>
           </a:xfrm>
           <a:prstGeom prst="rect">
             <a:avLst/>
@@ -25971,7 +26420,7 @@
         <p:spPr>
           <a:xfrm>
             <a:off x="1080000" y="1260000"/>
-            <a:ext cx="4679280" cy="620640"/>
+            <a:ext cx="4678560" cy="619920"/>
           </a:xfrm>
           <a:prstGeom prst="rect">
             <a:avLst/>
@@ -26063,7 +26512,7 @@
         <p:spPr>
           <a:xfrm>
             <a:off x="1097280" y="286560"/>
-            <a:ext cx="10053360" cy="1445760"/>
+            <a:ext cx="10052640" cy="1445040"/>
           </a:xfrm>
           <a:prstGeom prst="rect">
             <a:avLst/>
@@ -26112,7 +26561,7 @@
         <p:spPr>
           <a:xfrm>
             <a:off x="1080000" y="2385720"/>
-            <a:ext cx="10053360" cy="2293560"/>
+            <a:ext cx="10052640" cy="2292840"/>
           </a:xfrm>
           <a:prstGeom prst="rect">
             <a:avLst/>
@@ -26231,7 +26680,7 @@
         <p:spPr>
           <a:xfrm>
             <a:off x="1097280" y="286560"/>
-            <a:ext cx="10053360" cy="1445760"/>
+            <a:ext cx="10052640" cy="1445040"/>
           </a:xfrm>
           <a:prstGeom prst="rect">
             <a:avLst/>
@@ -26289,7 +26738,7 @@
         <p:spPr>
           <a:xfrm>
             <a:off x="1097280" y="1845720"/>
-            <a:ext cx="10053360" cy="4018320"/>
+            <a:ext cx="10052640" cy="4017600"/>
           </a:xfrm>
           <a:prstGeom prst="rect">
             <a:avLst/>
@@ -26450,16 +26899,7 @@
                 </a:solidFill>
                 <a:latin typeface="Calibri"/>
               </a:rPr>
-              <a:t>  docker run -d --name disconf-rabbit -p 5672:5672 -p 15672:15672 </a:t>
-            </a:r>
-            <a:r>
-              <a:rPr b="0" lang="en-US" sz="2000" spc="-1" strike="noStrike">
-                <a:solidFill>
-                  <a:srgbClr val="404040"/>
-                </a:solidFill>
-                <a:latin typeface="Calibri"/>
-              </a:rPr>
-              <a:t>rabbitmq:3-management</a:t>
+              <a:t>  docker run -d --name disconf-rabbit -p 5672:5672 -p 15672:15672 rabbitmq:3-management</a:t>
             </a:r>
             <a:endParaRPr b="0" lang="ru-RU" sz="2000" spc="-1" strike="noStrike">
               <a:latin typeface="Arial"/>
@@ -26527,16 +26967,7 @@
                 </a:solidFill>
                 <a:latin typeface="Calibri"/>
               </a:rPr>
-              <a:t> </a:t>
-            </a:r>
-            <a:r>
-              <a:rPr b="0" lang="ru-RU" sz="2000" spc="-1" strike="noStrike">
-                <a:solidFill>
-                  <a:srgbClr val="404040"/>
-                </a:solidFill>
-                <a:latin typeface="Calibri"/>
-              </a:rPr>
-              <a:t>(логин/пароль по умолчанию: </a:t>
+              <a:t> (логин/пароль по умолчанию: </a:t>
             </a:r>
             <a:r>
               <a:rPr b="0" lang="en-US" sz="2000" spc="-1" strike="noStrike">

--- a/presentation/RabbitMQ.pptx
+++ b/presentation/RabbitMQ.pptx
@@ -326,7 +326,7 @@
             <a:pPr algn="r">
               <a:buNone/>
             </a:pPr>
-            <a:fld id="{E537D5AF-13AD-4C45-8D67-E9AF3D6680F3}" type="slidenum">
+            <a:fld id="{4F52ECBF-09D0-4728-BF81-48E2692ADAAE}" type="slidenum">
               <a:rPr b="0" lang="ru-RU" sz="1400" spc="-1" strike="noStrike">
                 <a:latin typeface="Times New Roman"/>
               </a:rPr>
@@ -374,7 +374,7 @@
         <p:spPr>
           <a:xfrm>
             <a:off x="914400" y="857160"/>
-            <a:ext cx="7309440" cy="2309040"/>
+            <a:ext cx="7308000" cy="2307600"/>
           </a:xfrm>
           <a:prstGeom prst="rect">
             <a:avLst/>
@@ -397,7 +397,7 @@
         <p:spPr>
           <a:xfrm>
             <a:off x="914400" y="3300480"/>
-            <a:ext cx="7309440" cy="2694600"/>
+            <a:ext cx="7308000" cy="2693160"/>
           </a:xfrm>
           <a:prstGeom prst="rect">
             <a:avLst/>
@@ -474,7 +474,7 @@
         <p:spPr>
           <a:xfrm>
             <a:off x="5179680" y="6513840"/>
-            <a:ext cx="3956400" cy="338400"/>
+            <a:ext cx="3954960" cy="336960"/>
           </a:xfrm>
           <a:prstGeom prst="rect">
             <a:avLst/>
@@ -510,7 +510,7 @@
               </a:lnSpc>
               <a:buNone/>
             </a:pPr>
-            <a:fld id="{75991819-79F1-4622-8DB1-45769E340B12}" type="slidenum">
+            <a:fld id="{446D87FB-CBC1-4152-ABA1-1C7C68AA995E}" type="slidenum">
               <a:rPr b="0" lang="ru-RU" sz="1200" spc="-1" strike="noStrike">
                 <a:solidFill>
                   <a:srgbClr val="000000"/>
@@ -518,7 +518,7 @@
                 <a:latin typeface="+mn-lt"/>
                 <a:ea typeface="+mn-ea"/>
               </a:rPr>
-              <a:t>&lt;номер&gt;</a:t>
+              <a:t>26</a:t>
             </a:fld>
             <a:endParaRPr b="0" lang="ru-RU" sz="1200" spc="-1" strike="noStrike">
               <a:latin typeface="Times New Roman"/>
@@ -561,7 +561,7 @@
         <p:spPr>
           <a:xfrm>
             <a:off x="507960" y="520920"/>
-            <a:ext cx="8121960" cy="2566080"/>
+            <a:ext cx="8120520" cy="2564640"/>
           </a:xfrm>
           <a:prstGeom prst="rect">
             <a:avLst/>
@@ -584,7 +584,7 @@
         <p:spPr>
           <a:xfrm>
             <a:off x="914400" y="3257280"/>
-            <a:ext cx="7309440" cy="3080520"/>
+            <a:ext cx="7308000" cy="3079080"/>
           </a:xfrm>
           <a:prstGeom prst="rect">
             <a:avLst/>
@@ -669,7 +669,7 @@
         <p:spPr>
           <a:xfrm>
             <a:off x="914400" y="857160"/>
-            <a:ext cx="7309440" cy="2309040"/>
+            <a:ext cx="7308000" cy="2307600"/>
           </a:xfrm>
           <a:prstGeom prst="rect">
             <a:avLst/>
@@ -692,7 +692,7 @@
         <p:spPr>
           <a:xfrm>
             <a:off x="914400" y="3300480"/>
-            <a:ext cx="7309440" cy="2694600"/>
+            <a:ext cx="7308000" cy="2693160"/>
           </a:xfrm>
           <a:prstGeom prst="rect">
             <a:avLst/>
@@ -726,7 +726,7 @@
         <p:spPr>
           <a:xfrm>
             <a:off x="5179680" y="6513840"/>
-            <a:ext cx="3956400" cy="338400"/>
+            <a:ext cx="3954960" cy="336960"/>
           </a:xfrm>
           <a:prstGeom prst="rect">
             <a:avLst/>
@@ -762,7 +762,7 @@
               </a:lnSpc>
               <a:buNone/>
             </a:pPr>
-            <a:fld id="{24F2A77E-1A1E-40CF-AC94-883899EF7034}" type="slidenum">
+            <a:fld id="{EB00A6DD-4F60-4F23-AB25-3995DAA99C6F}" type="slidenum">
               <a:rPr b="0" lang="ru-RU" sz="1200" spc="-1" strike="noStrike">
                 <a:solidFill>
                   <a:srgbClr val="000000"/>
@@ -770,7 +770,7 @@
                 <a:latin typeface="+mn-lt"/>
                 <a:ea typeface="+mn-ea"/>
               </a:rPr>
-              <a:t>&lt;номер&gt;</a:t>
+              <a:t>26</a:t>
             </a:fld>
             <a:endParaRPr b="0" lang="ru-RU" sz="1200" spc="-1" strike="noStrike">
               <a:latin typeface="Times New Roman"/>
@@ -813,7 +813,7 @@
         <p:spPr>
           <a:xfrm>
             <a:off x="914400" y="857160"/>
-            <a:ext cx="7309440" cy="2309040"/>
+            <a:ext cx="7308000" cy="2307600"/>
           </a:xfrm>
           <a:prstGeom prst="rect">
             <a:avLst/>
@@ -836,7 +836,7 @@
         <p:spPr>
           <a:xfrm>
             <a:off x="914400" y="3300480"/>
-            <a:ext cx="7309440" cy="2694600"/>
+            <a:ext cx="7308000" cy="2693160"/>
           </a:xfrm>
           <a:prstGeom prst="rect">
             <a:avLst/>
@@ -870,7 +870,7 @@
         <p:spPr>
           <a:xfrm>
             <a:off x="5179680" y="6513840"/>
-            <a:ext cx="3956400" cy="338400"/>
+            <a:ext cx="3954960" cy="336960"/>
           </a:xfrm>
           <a:prstGeom prst="rect">
             <a:avLst/>
@@ -906,7 +906,7 @@
               </a:lnSpc>
               <a:buNone/>
             </a:pPr>
-            <a:fld id="{A7C041B4-4B83-4EEB-8A39-A93F002D93C9}" type="slidenum">
+            <a:fld id="{71A152ED-2248-439B-A149-EFBCFF04D111}" type="slidenum">
               <a:rPr b="0" lang="ru-RU" sz="1200" spc="-1" strike="noStrike">
                 <a:solidFill>
                   <a:srgbClr val="000000"/>
@@ -914,7 +914,7 @@
                 <a:latin typeface="+mn-lt"/>
                 <a:ea typeface="+mn-ea"/>
               </a:rPr>
-              <a:t>&lt;номер&gt;</a:t>
+              <a:t>26</a:t>
             </a:fld>
             <a:endParaRPr b="0" lang="ru-RU" sz="1200" spc="-1" strike="noStrike">
               <a:latin typeface="Times New Roman"/>
@@ -957,7 +957,7 @@
         <p:spPr>
           <a:xfrm>
             <a:off x="914400" y="857160"/>
-            <a:ext cx="7309440" cy="2309040"/>
+            <a:ext cx="7308000" cy="2307600"/>
           </a:xfrm>
           <a:prstGeom prst="rect">
             <a:avLst/>
@@ -980,7 +980,7 @@
         <p:spPr>
           <a:xfrm>
             <a:off x="914400" y="3300480"/>
-            <a:ext cx="7309440" cy="2694600"/>
+            <a:ext cx="7308000" cy="2693160"/>
           </a:xfrm>
           <a:prstGeom prst="rect">
             <a:avLst/>
@@ -1014,7 +1014,7 @@
         <p:spPr>
           <a:xfrm>
             <a:off x="5179680" y="6513840"/>
-            <a:ext cx="3956400" cy="338400"/>
+            <a:ext cx="3954960" cy="336960"/>
           </a:xfrm>
           <a:prstGeom prst="rect">
             <a:avLst/>
@@ -1050,7 +1050,7 @@
               </a:lnSpc>
               <a:buNone/>
             </a:pPr>
-            <a:fld id="{0FA56D6F-83F0-449E-AA9F-F0D83D5EEFE4}" type="slidenum">
+            <a:fld id="{BA16715E-BC9A-4C26-BC35-0974DE4ACC97}" type="slidenum">
               <a:rPr b="0" lang="ru-RU" sz="1200" spc="-1" strike="noStrike">
                 <a:solidFill>
                   <a:srgbClr val="000000"/>
@@ -1058,7 +1058,7 @@
                 <a:latin typeface="+mn-lt"/>
                 <a:ea typeface="+mn-ea"/>
               </a:rPr>
-              <a:t>&lt;номер&gt;</a:t>
+              <a:t>26</a:t>
             </a:fld>
             <a:endParaRPr b="0" lang="ru-RU" sz="1200" spc="-1" strike="noStrike">
               <a:latin typeface="Times New Roman"/>
@@ -1101,7 +1101,7 @@
         <p:spPr>
           <a:xfrm>
             <a:off x="914400" y="857160"/>
-            <a:ext cx="7309440" cy="2309040"/>
+            <a:ext cx="7308000" cy="2307600"/>
           </a:xfrm>
           <a:prstGeom prst="rect">
             <a:avLst/>
@@ -1124,7 +1124,7 @@
         <p:spPr>
           <a:xfrm>
             <a:off x="914400" y="3300480"/>
-            <a:ext cx="7309440" cy="2694600"/>
+            <a:ext cx="7308000" cy="2693160"/>
           </a:xfrm>
           <a:prstGeom prst="rect">
             <a:avLst/>
@@ -1308,7 +1308,7 @@
         <p:spPr>
           <a:xfrm>
             <a:off x="5179680" y="6513840"/>
-            <a:ext cx="3956400" cy="338400"/>
+            <a:ext cx="3954960" cy="336960"/>
           </a:xfrm>
           <a:prstGeom prst="rect">
             <a:avLst/>
@@ -1344,7 +1344,7 @@
               </a:lnSpc>
               <a:buNone/>
             </a:pPr>
-            <a:fld id="{2D69C625-9D77-4D1B-B80C-558DC1C55783}" type="slidenum">
+            <a:fld id="{6C7E16D7-5E86-4F49-B57D-FBFA6C1F96C0}" type="slidenum">
               <a:rPr b="0" lang="ru-RU" sz="1200" spc="-1" strike="noStrike">
                 <a:solidFill>
                   <a:srgbClr val="000000"/>
@@ -1352,7 +1352,7 @@
                 <a:latin typeface="+mn-lt"/>
                 <a:ea typeface="+mn-ea"/>
               </a:rPr>
-              <a:t>&lt;номер&gt;</a:t>
+              <a:t>26</a:t>
             </a:fld>
             <a:endParaRPr b="0" lang="ru-RU" sz="1200" spc="-1" strike="noStrike">
               <a:latin typeface="Times New Roman"/>
@@ -1395,7 +1395,7 @@
         <p:spPr>
           <a:xfrm>
             <a:off x="914400" y="3300480"/>
-            <a:ext cx="7309440" cy="2694600"/>
+            <a:ext cx="7308000" cy="2693160"/>
           </a:xfrm>
           <a:prstGeom prst="rect">
             <a:avLst/>
@@ -2126,7 +2126,7 @@
         <p:spPr>
           <a:xfrm>
             <a:off x="5179680" y="6513840"/>
-            <a:ext cx="3956400" cy="338400"/>
+            <a:ext cx="3954960" cy="336960"/>
           </a:xfrm>
           <a:prstGeom prst="rect">
             <a:avLst/>
@@ -2162,7 +2162,7 @@
               </a:lnSpc>
               <a:buNone/>
             </a:pPr>
-            <a:fld id="{663F456E-8764-454D-8A60-B0119660223A}" type="slidenum">
+            <a:fld id="{09DF80A7-9162-4FF8-B35D-F16BDEA9CA83}" type="slidenum">
               <a:rPr b="0" lang="ru-RU" sz="1200" spc="-1" strike="noStrike">
                 <a:solidFill>
                   <a:srgbClr val="000000"/>
@@ -2170,7 +2170,7 @@
                 <a:latin typeface="+mn-lt"/>
                 <a:ea typeface="+mn-ea"/>
               </a:rPr>
-              <a:t>&lt;номер&gt;</a:t>
+              <a:t>26</a:t>
             </a:fld>
             <a:endParaRPr b="0" lang="ru-RU" sz="1200" spc="-1" strike="noStrike">
               <a:latin typeface="Times New Roman"/>
@@ -2191,7 +2191,7 @@
         <p:spPr>
           <a:xfrm>
             <a:off x="914400" y="857160"/>
-            <a:ext cx="7309440" cy="2309040"/>
+            <a:ext cx="7308000" cy="2307600"/>
           </a:xfrm>
           <a:prstGeom prst="rect">
             <a:avLst/>
@@ -2236,7 +2236,7 @@
         <p:spPr>
           <a:xfrm>
             <a:off x="216000" y="812520"/>
-            <a:ext cx="7123680" cy="4005360"/>
+            <a:ext cx="7122240" cy="4003920"/>
           </a:xfrm>
           <a:prstGeom prst="rect">
             <a:avLst/>
@@ -2259,7 +2259,7 @@
         <p:spPr>
           <a:xfrm>
             <a:off x="756000" y="5078520"/>
-            <a:ext cx="6044040" cy="4807440"/>
+            <a:ext cx="6042600" cy="4806000"/>
           </a:xfrm>
           <a:prstGeom prst="rect">
             <a:avLst/>
@@ -2289,7 +2289,7 @@
         <p:spPr>
           <a:xfrm>
             <a:off x="893880" y="1224000"/>
-            <a:ext cx="1150920" cy="342720"/>
+            <a:ext cx="1149480" cy="341280"/>
           </a:xfrm>
           <a:prstGeom prst="rect">
             <a:avLst/>
@@ -2340,7 +2340,7 @@
         <p:spPr>
           <a:xfrm>
             <a:off x="900000" y="1800000"/>
-            <a:ext cx="5756400" cy="2134440"/>
+            <a:ext cx="5754960" cy="2133000"/>
           </a:xfrm>
           <a:prstGeom prst="rect">
             <a:avLst/>
@@ -2487,7 +2487,7 @@
         <p:spPr>
           <a:xfrm>
             <a:off x="914400" y="857160"/>
-            <a:ext cx="7309440" cy="2309040"/>
+            <a:ext cx="7308000" cy="2307600"/>
           </a:xfrm>
           <a:prstGeom prst="rect">
             <a:avLst/>
@@ -2510,7 +2510,7 @@
         <p:spPr>
           <a:xfrm>
             <a:off x="914400" y="3300480"/>
-            <a:ext cx="7309440" cy="2694600"/>
+            <a:ext cx="7308000" cy="2693160"/>
           </a:xfrm>
           <a:prstGeom prst="rect">
             <a:avLst/>
@@ -2745,7 +2745,7 @@
         <p:spPr>
           <a:xfrm>
             <a:off x="5179680" y="6513840"/>
-            <a:ext cx="3956400" cy="338400"/>
+            <a:ext cx="3954960" cy="336960"/>
           </a:xfrm>
           <a:prstGeom prst="rect">
             <a:avLst/>
@@ -2781,7 +2781,7 @@
               </a:lnSpc>
               <a:buNone/>
             </a:pPr>
-            <a:fld id="{F991A068-2556-4227-A4F1-358C343F237F}" type="slidenum">
+            <a:fld id="{573D8834-50A5-44FF-8D80-D0D76F03D913}" type="slidenum">
               <a:rPr b="0" lang="ru-RU" sz="1200" spc="-1" strike="noStrike">
                 <a:solidFill>
                   <a:srgbClr val="000000"/>
@@ -2789,7 +2789,7 @@
                 <a:latin typeface="+mn-lt"/>
                 <a:ea typeface="+mn-ea"/>
               </a:rPr>
-              <a:t>&lt;номер&gt;</a:t>
+              <a:t>26</a:t>
             </a:fld>
             <a:endParaRPr b="0" lang="ru-RU" sz="1200" spc="-1" strike="noStrike">
               <a:latin typeface="Times New Roman"/>
@@ -2832,7 +2832,7 @@
         <p:spPr>
           <a:xfrm>
             <a:off x="914400" y="857160"/>
-            <a:ext cx="7309440" cy="2309040"/>
+            <a:ext cx="7308000" cy="2307600"/>
           </a:xfrm>
           <a:prstGeom prst="rect">
             <a:avLst/>
@@ -2855,7 +2855,7 @@
         <p:spPr>
           <a:xfrm>
             <a:off x="914400" y="3300480"/>
-            <a:ext cx="7309440" cy="2694600"/>
+            <a:ext cx="7308000" cy="2693160"/>
           </a:xfrm>
           <a:prstGeom prst="rect">
             <a:avLst/>
@@ -2889,7 +2889,7 @@
         <p:spPr>
           <a:xfrm>
             <a:off x="5179680" y="6513840"/>
-            <a:ext cx="3956400" cy="338400"/>
+            <a:ext cx="3954960" cy="336960"/>
           </a:xfrm>
           <a:prstGeom prst="rect">
             <a:avLst/>
@@ -2925,7 +2925,7 @@
               </a:lnSpc>
               <a:buNone/>
             </a:pPr>
-            <a:fld id="{84DE8690-0BCC-4F90-B2D6-E4B0FB86389D}" type="slidenum">
+            <a:fld id="{F166ADB3-90CD-4536-9599-486E9D83DFDB}" type="slidenum">
               <a:rPr b="0" lang="ru-RU" sz="1200" spc="-1" strike="noStrike">
                 <a:solidFill>
                   <a:srgbClr val="000000"/>
@@ -2933,7 +2933,7 @@
                 <a:latin typeface="+mn-lt"/>
                 <a:ea typeface="+mn-ea"/>
               </a:rPr>
-              <a:t>&lt;номер&gt;</a:t>
+              <a:t>26</a:t>
             </a:fld>
             <a:endParaRPr b="0" lang="ru-RU" sz="1200" spc="-1" strike="noStrike">
               <a:latin typeface="Times New Roman"/>
@@ -2976,7 +2976,7 @@
         <p:spPr>
           <a:xfrm>
             <a:off x="914400" y="857160"/>
-            <a:ext cx="7309440" cy="2309040"/>
+            <a:ext cx="7308000" cy="2307600"/>
           </a:xfrm>
           <a:prstGeom prst="rect">
             <a:avLst/>
@@ -2999,7 +2999,7 @@
         <p:spPr>
           <a:xfrm>
             <a:off x="914400" y="3300480"/>
-            <a:ext cx="7309440" cy="2694600"/>
+            <a:ext cx="7308000" cy="2693160"/>
           </a:xfrm>
           <a:prstGeom prst="rect">
             <a:avLst/>
@@ -3084,7 +3084,7 @@
         <p:spPr>
           <a:xfrm>
             <a:off x="5179680" y="6513840"/>
-            <a:ext cx="3956400" cy="338400"/>
+            <a:ext cx="3954960" cy="336960"/>
           </a:xfrm>
           <a:prstGeom prst="rect">
             <a:avLst/>
@@ -3120,7 +3120,7 @@
               </a:lnSpc>
               <a:buNone/>
             </a:pPr>
-            <a:fld id="{06577ED1-C5C2-4DFB-98C8-69EBE2373DE9}" type="slidenum">
+            <a:fld id="{F45603E6-A963-4155-9A1E-2FCAF28A92CC}" type="slidenum">
               <a:rPr b="0" lang="ru-RU" sz="1200" spc="-1" strike="noStrike">
                 <a:solidFill>
                   <a:srgbClr val="000000"/>
@@ -3171,7 +3171,7 @@
         <p:spPr>
           <a:xfrm>
             <a:off x="914400" y="857160"/>
-            <a:ext cx="7309440" cy="2309040"/>
+            <a:ext cx="7308000" cy="2307600"/>
           </a:xfrm>
           <a:prstGeom prst="rect">
             <a:avLst/>
@@ -3194,7 +3194,7 @@
         <p:spPr>
           <a:xfrm>
             <a:off x="914400" y="3300480"/>
-            <a:ext cx="7309440" cy="2694600"/>
+            <a:ext cx="7308000" cy="2693160"/>
           </a:xfrm>
           <a:prstGeom prst="rect">
             <a:avLst/>
@@ -3279,7 +3279,7 @@
         <p:spPr>
           <a:xfrm>
             <a:off x="5179680" y="6513840"/>
-            <a:ext cx="3956400" cy="338400"/>
+            <a:ext cx="3954960" cy="336960"/>
           </a:xfrm>
           <a:prstGeom prst="rect">
             <a:avLst/>
@@ -3315,7 +3315,7 @@
               </a:lnSpc>
               <a:buNone/>
             </a:pPr>
-            <a:fld id="{85361500-DC5B-4714-9C17-04ABC0041717}" type="slidenum">
+            <a:fld id="{514BE1FE-EAAF-456C-83A4-1D3807F37FBE}" type="slidenum">
               <a:rPr b="0" lang="ru-RU" sz="1200" spc="-1" strike="noStrike">
                 <a:solidFill>
                   <a:srgbClr val="000000"/>
@@ -3366,7 +3366,7 @@
         <p:spPr>
           <a:xfrm>
             <a:off x="914400" y="857160"/>
-            <a:ext cx="7309440" cy="2309040"/>
+            <a:ext cx="7308000" cy="2307600"/>
           </a:xfrm>
           <a:prstGeom prst="rect">
             <a:avLst/>
@@ -3389,7 +3389,7 @@
         <p:spPr>
           <a:xfrm>
             <a:off x="914400" y="3300480"/>
-            <a:ext cx="7309440" cy="2694600"/>
+            <a:ext cx="7308000" cy="2693160"/>
           </a:xfrm>
           <a:prstGeom prst="rect">
             <a:avLst/>
@@ -3474,7 +3474,7 @@
         <p:spPr>
           <a:xfrm>
             <a:off x="5179680" y="6513840"/>
-            <a:ext cx="3956400" cy="338400"/>
+            <a:ext cx="3954960" cy="336960"/>
           </a:xfrm>
           <a:prstGeom prst="rect">
             <a:avLst/>
@@ -3510,7 +3510,7 @@
               </a:lnSpc>
               <a:buNone/>
             </a:pPr>
-            <a:fld id="{F4325B92-DF11-4CAD-9ABA-913104873D24}" type="slidenum">
+            <a:fld id="{4F28EB37-25CF-4854-BF38-E14EF8AEE6CB}" type="slidenum">
               <a:rPr b="0" lang="ru-RU" sz="1200" spc="-1" strike="noStrike">
                 <a:solidFill>
                   <a:srgbClr val="000000"/>
@@ -3561,7 +3561,7 @@
         <p:spPr>
           <a:xfrm>
             <a:off x="914400" y="857160"/>
-            <a:ext cx="7309440" cy="2309040"/>
+            <a:ext cx="7308000" cy="2307600"/>
           </a:xfrm>
           <a:prstGeom prst="rect">
             <a:avLst/>
@@ -3584,7 +3584,7 @@
         <p:spPr>
           <a:xfrm>
             <a:off x="914400" y="3300480"/>
-            <a:ext cx="7309440" cy="2694600"/>
+            <a:ext cx="7308000" cy="2693160"/>
           </a:xfrm>
           <a:prstGeom prst="rect">
             <a:avLst/>
@@ -3618,7 +3618,7 @@
         <p:spPr>
           <a:xfrm>
             <a:off x="5179680" y="6513840"/>
-            <a:ext cx="3956400" cy="338400"/>
+            <a:ext cx="3954960" cy="336960"/>
           </a:xfrm>
           <a:prstGeom prst="rect">
             <a:avLst/>
@@ -3654,7 +3654,7 @@
               </a:lnSpc>
               <a:buNone/>
             </a:pPr>
-            <a:fld id="{8B073D2D-DF38-4EA4-97A4-1A94B556F058}" type="slidenum">
+            <a:fld id="{A821C72F-81FE-451E-BF39-DBA869F011A0}" type="slidenum">
               <a:rPr b="0" lang="ru-RU" sz="1200" spc="-1" strike="noStrike">
                 <a:solidFill>
                   <a:srgbClr val="000000"/>
@@ -3705,7 +3705,7 @@
         <p:spPr>
           <a:xfrm>
             <a:off x="914400" y="3300480"/>
-            <a:ext cx="7309440" cy="2694600"/>
+            <a:ext cx="7308000" cy="2693160"/>
           </a:xfrm>
           <a:prstGeom prst="rect">
             <a:avLst/>
@@ -3828,7 +3828,7 @@
         <p:spPr>
           <a:xfrm>
             <a:off x="5179680" y="6513840"/>
-            <a:ext cx="3956400" cy="338400"/>
+            <a:ext cx="3954960" cy="336960"/>
           </a:xfrm>
           <a:prstGeom prst="rect">
             <a:avLst/>
@@ -3864,7 +3864,7 @@
               </a:lnSpc>
               <a:buNone/>
             </a:pPr>
-            <a:fld id="{8C9BDA6E-2592-4B53-B63F-244BF52BA9D2}" type="slidenum">
+            <a:fld id="{B95EF38C-547E-42D2-A200-18C5740A7FE2}" type="slidenum">
               <a:rPr b="0" lang="ru-RU" sz="1200" spc="-1" strike="noStrike">
                 <a:solidFill>
                   <a:srgbClr val="000000"/>
@@ -3872,7 +3872,7 @@
                 <a:latin typeface="+mn-lt"/>
                 <a:ea typeface="+mn-ea"/>
               </a:rPr>
-              <a:t>&lt;номер&gt;</a:t>
+              <a:t>26</a:t>
             </a:fld>
             <a:endParaRPr b="0" lang="ru-RU" sz="1200" spc="-1" strike="noStrike">
               <a:latin typeface="Times New Roman"/>
@@ -3936,7 +3936,7 @@
         <p:txBody>
           <a:bodyPr/>
           <a:p>
-            <a:fld id="{F4B88E81-CAC1-47E5-95DA-236B1B0AE2E5}" type="slidenum">
+            <a:fld id="{0C220230-6229-49E3-954A-5FAACE296B35}" type="slidenum">
               <a:t>&lt;#&gt;</a:t>
             </a:fld>
           </a:p>
@@ -4124,7 +4124,7 @@
         <p:txBody>
           <a:bodyPr/>
           <a:p>
-            <a:fld id="{20EDC8CE-8D04-4B99-9C71-8738EE79CB74}" type="slidenum">
+            <a:fld id="{75886CE3-6987-4783-87D3-599A00D1EC62}" type="slidenum">
               <a:t>&lt;#&gt;</a:t>
             </a:fld>
           </a:p>
@@ -4380,7 +4380,7 @@
         <p:txBody>
           <a:bodyPr/>
           <a:p>
-            <a:fld id="{DF201CE0-8F51-40B9-8DB1-84196E6D2F3D}" type="slidenum">
+            <a:fld id="{4C01769D-4DB5-4832-A134-99C77C40AE84}" type="slidenum">
               <a:t>&lt;#&gt;</a:t>
             </a:fld>
           </a:p>
@@ -4704,7 +4704,7 @@
         <p:txBody>
           <a:bodyPr/>
           <a:p>
-            <a:fld id="{B9382265-F57F-447D-B856-2D1FB071F2C9}" type="slidenum">
+            <a:fld id="{13001479-B2E7-4621-89DE-CFFBF10B1605}" type="slidenum">
               <a:t>&lt;#&gt;</a:t>
             </a:fld>
           </a:p>
@@ -4787,7 +4787,7 @@
         <p:txBody>
           <a:bodyPr/>
           <a:p>
-            <a:fld id="{4A68FDB0-2EBA-437C-BA98-BBD9C8947CE6}" type="slidenum">
+            <a:fld id="{C45B47EA-9008-4C36-9176-4FBF8DD8E11E}" type="slidenum">
               <a:t>&lt;#&gt;</a:t>
             </a:fld>
           </a:p>
@@ -4944,7 +4944,7 @@
         <p:txBody>
           <a:bodyPr/>
           <a:p>
-            <a:fld id="{1266B634-718E-4551-8140-1BDB50D4DF4F}" type="slidenum">
+            <a:fld id="{C530C201-7C13-4C15-83B5-1E3AE5AAF2A8}" type="slidenum">
               <a:t>&lt;#&gt;</a:t>
             </a:fld>
           </a:p>
@@ -5098,7 +5098,7 @@
         <p:txBody>
           <a:bodyPr/>
           <a:p>
-            <a:fld id="{65B13C6F-7432-4E29-9231-F06CCAC01E65}" type="slidenum">
+            <a:fld id="{BCE17435-069C-4E05-9037-7A080C9AC283}" type="slidenum">
               <a:t>&lt;#&gt;</a:t>
             </a:fld>
           </a:p>
@@ -5286,7 +5286,7 @@
         <p:txBody>
           <a:bodyPr/>
           <a:p>
-            <a:fld id="{4931776F-F6EA-4059-B0D6-39358AE09CAD}" type="slidenum">
+            <a:fld id="{3443613B-D6C4-4B4C-8881-5D06DA2DB15D}" type="slidenum">
               <a:t>&lt;#&gt;</a:t>
             </a:fld>
           </a:p>
@@ -5406,7 +5406,7 @@
         <p:txBody>
           <a:bodyPr/>
           <a:p>
-            <a:fld id="{83E35514-57BD-411F-8B02-94CDA742530A}" type="slidenum">
+            <a:fld id="{6766E2D0-0EC2-439D-B247-BBE69BEBC62F}" type="slidenum">
               <a:t>&lt;#&gt;</a:t>
             </a:fld>
           </a:p>
@@ -5526,7 +5526,7 @@
         <p:txBody>
           <a:bodyPr/>
           <a:p>
-            <a:fld id="{A265E11B-168D-47A9-B160-15F08D93F80B}" type="slidenum">
+            <a:fld id="{6DB6E66C-8B84-4E6C-914B-1C4AD1367DC8}" type="slidenum">
               <a:t>&lt;#&gt;</a:t>
             </a:fld>
           </a:p>
@@ -5748,7 +5748,7 @@
         <p:txBody>
           <a:bodyPr/>
           <a:p>
-            <a:fld id="{DC1AE1BB-F96D-4386-BBD8-68BB3923A3F4}" type="slidenum">
+            <a:fld id="{F76F8FE0-A878-443E-AA6E-25B4251F45B6}" type="slidenum">
               <a:t>&lt;#&gt;</a:t>
             </a:fld>
           </a:p>
@@ -5905,7 +5905,7 @@
         <p:txBody>
           <a:bodyPr/>
           <a:p>
-            <a:fld id="{1CF686FD-DCFC-4332-AD64-496FA98CD0FC}" type="slidenum">
+            <a:fld id="{58C9A1E4-8FF6-4D67-BCB9-5C2533145649}" type="slidenum">
               <a:t>&lt;#&gt;</a:t>
             </a:fld>
           </a:p>
@@ -6127,7 +6127,7 @@
         <p:txBody>
           <a:bodyPr/>
           <a:p>
-            <a:fld id="{9F596A11-B0D1-4744-8A7E-4D4B39064619}" type="slidenum">
+            <a:fld id="{18AD0A72-1EED-41D4-A14E-0B3D39D00930}" type="slidenum">
               <a:t>&lt;#&gt;</a:t>
             </a:fld>
           </a:p>
@@ -6349,7 +6349,7 @@
         <p:txBody>
           <a:bodyPr/>
           <a:p>
-            <a:fld id="{3237C6AA-F2E3-4174-8EFE-9F43AAC70771}" type="slidenum">
+            <a:fld id="{D6A34F45-D1A3-4CD2-97A6-6125763F3911}" type="slidenum">
               <a:t>&lt;#&gt;</a:t>
             </a:fld>
           </a:p>
@@ -6537,7 +6537,7 @@
         <p:txBody>
           <a:bodyPr/>
           <a:p>
-            <a:fld id="{AC5BC161-8D9C-41EF-B685-6149A9D8FB78}" type="slidenum">
+            <a:fld id="{6C49DC91-0A6D-455A-8730-F8E9C0E9B88A}" type="slidenum">
               <a:t>&lt;#&gt;</a:t>
             </a:fld>
           </a:p>
@@ -6793,7 +6793,7 @@
         <p:txBody>
           <a:bodyPr/>
           <a:p>
-            <a:fld id="{FB85E083-85BB-49B8-9D7A-2F184D74F0B7}" type="slidenum">
+            <a:fld id="{3FDE7D29-69F5-4A49-9BB2-5D8689D13649}" type="slidenum">
               <a:t>&lt;#&gt;</a:t>
             </a:fld>
           </a:p>
@@ -7117,7 +7117,7 @@
         <p:txBody>
           <a:bodyPr/>
           <a:p>
-            <a:fld id="{D358CA73-6486-43F2-B81A-FD28CC96D0D1}" type="slidenum">
+            <a:fld id="{0311FBBC-AC75-43E3-A76D-93B5001D7E77}" type="slidenum">
               <a:t>&lt;#&gt;</a:t>
             </a:fld>
           </a:p>
@@ -7200,7 +7200,7 @@
         <p:txBody>
           <a:bodyPr/>
           <a:p>
-            <a:fld id="{660B244B-E49A-4923-8858-ADF70770E400}" type="slidenum">
+            <a:fld id="{301FF75A-42F7-4042-ABEF-5DD21B0DDCAB}" type="slidenum">
               <a:t>&lt;#&gt;</a:t>
             </a:fld>
           </a:p>
@@ -7357,7 +7357,7 @@
         <p:txBody>
           <a:bodyPr/>
           <a:p>
-            <a:fld id="{ACD9A4A9-0B06-4A6F-9F34-6178A3D14795}" type="slidenum">
+            <a:fld id="{DAB5617A-9BAC-4665-98AF-5068436C9607}" type="slidenum">
               <a:t>&lt;#&gt;</a:t>
             </a:fld>
           </a:p>
@@ -7511,7 +7511,7 @@
         <p:txBody>
           <a:bodyPr/>
           <a:p>
-            <a:fld id="{7461FE44-9193-459B-B3AD-9DEB1108AAB3}" type="slidenum">
+            <a:fld id="{99C6B015-D8DC-4660-BBD9-851C55FE1550}" type="slidenum">
               <a:t>&lt;#&gt;</a:t>
             </a:fld>
           </a:p>
@@ -7699,7 +7699,7 @@
         <p:txBody>
           <a:bodyPr/>
           <a:p>
-            <a:fld id="{F4CD5342-B6DD-4DBD-8F5C-DEEF454E36B2}" type="slidenum">
+            <a:fld id="{4ACFF9CF-1F38-4758-B893-C65B5FEF7959}" type="slidenum">
               <a:t>&lt;#&gt;</a:t>
             </a:fld>
           </a:p>
@@ -7819,7 +7819,7 @@
         <p:txBody>
           <a:bodyPr/>
           <a:p>
-            <a:fld id="{EBFF1ED6-DB48-41A8-8050-62AD71E63D85}" type="slidenum">
+            <a:fld id="{C46C095D-916C-4EA4-9FE6-74FAA4993EA9}" type="slidenum">
               <a:t>&lt;#&gt;</a:t>
             </a:fld>
           </a:p>
@@ -7973,7 +7973,7 @@
         <p:txBody>
           <a:bodyPr/>
           <a:p>
-            <a:fld id="{681C5192-B0C4-4AFC-B2F3-F5614AED6B68}" type="slidenum">
+            <a:fld id="{F6CA23FD-1A36-4C24-BC99-ECF52773BD4F}" type="slidenum">
               <a:t>&lt;#&gt;</a:t>
             </a:fld>
           </a:p>
@@ -8093,7 +8093,7 @@
         <p:txBody>
           <a:bodyPr/>
           <a:p>
-            <a:fld id="{91929781-C9D5-40A2-A00A-C00335E7CC5A}" type="slidenum">
+            <a:fld id="{EE1EDFFE-FDE0-4D80-BA6A-D969CACCBE27}" type="slidenum">
               <a:t>&lt;#&gt;</a:t>
             </a:fld>
           </a:p>
@@ -8315,7 +8315,7 @@
         <p:txBody>
           <a:bodyPr/>
           <a:p>
-            <a:fld id="{EE39302E-C8D0-4F41-B885-489FE185587B}" type="slidenum">
+            <a:fld id="{CFDA8169-BDE0-46E0-8963-F0278855E728}" type="slidenum">
               <a:t>&lt;#&gt;</a:t>
             </a:fld>
           </a:p>
@@ -8537,7 +8537,7 @@
         <p:txBody>
           <a:bodyPr/>
           <a:p>
-            <a:fld id="{3CC59746-6B6D-4C01-B1AF-67AF0D7ED672}" type="slidenum">
+            <a:fld id="{0355BDB8-26F8-4FFA-9CB1-A1F127BBE0C8}" type="slidenum">
               <a:t>&lt;#&gt;</a:t>
             </a:fld>
           </a:p>
@@ -8759,7 +8759,7 @@
         <p:txBody>
           <a:bodyPr/>
           <a:p>
-            <a:fld id="{7BEA0B74-A859-4B64-BF5E-3A362B3FE55E}" type="slidenum">
+            <a:fld id="{209884E9-7564-4A5F-98EB-D066B532A06B}" type="slidenum">
               <a:t>&lt;#&gt;</a:t>
             </a:fld>
           </a:p>
@@ -8947,7 +8947,7 @@
         <p:txBody>
           <a:bodyPr/>
           <a:p>
-            <a:fld id="{E51C275D-C334-4AB1-8D2A-ECF9F08CABB1}" type="slidenum">
+            <a:fld id="{2DFBC16F-D18B-472D-A1D0-0AB1332CD9C6}" type="slidenum">
               <a:t>&lt;#&gt;</a:t>
             </a:fld>
           </a:p>
@@ -9203,7 +9203,7 @@
         <p:txBody>
           <a:bodyPr/>
           <a:p>
-            <a:fld id="{99FBC5BB-2773-471B-9948-2D23C31D359A}" type="slidenum">
+            <a:fld id="{69ECD5EE-2138-4872-B477-C900873A1532}" type="slidenum">
               <a:t>&lt;#&gt;</a:t>
             </a:fld>
           </a:p>
@@ -9527,7 +9527,7 @@
         <p:txBody>
           <a:bodyPr/>
           <a:p>
-            <a:fld id="{FD029C02-0576-4CDD-AFAD-98AC1D347471}" type="slidenum">
+            <a:fld id="{AE5AC7B7-18B7-45E2-9387-0CA78AE61191}" type="slidenum">
               <a:t>&lt;#&gt;</a:t>
             </a:fld>
           </a:p>
@@ -9610,7 +9610,7 @@
         <p:txBody>
           <a:bodyPr/>
           <a:p>
-            <a:fld id="{330B76C0-6878-4C06-B838-8C3B8E7D8DEE}" type="slidenum">
+            <a:fld id="{DFB656EE-F366-49EF-AED4-5DA490240DA4}" type="slidenum">
               <a:t>&lt;#&gt;</a:t>
             </a:fld>
           </a:p>
@@ -9767,7 +9767,7 @@
         <p:txBody>
           <a:bodyPr/>
           <a:p>
-            <a:fld id="{FD8DD9F0-7F7E-45C8-B897-54ACAA37F088}" type="slidenum">
+            <a:fld id="{85CC1C8F-7C96-4B70-AFB3-2962CA101B58}" type="slidenum">
               <a:t>&lt;#&gt;</a:t>
             </a:fld>
           </a:p>
@@ -9921,7 +9921,7 @@
         <p:txBody>
           <a:bodyPr/>
           <a:p>
-            <a:fld id="{942F8A6F-8BC3-4BAC-9903-641BDCAD0E80}" type="slidenum">
+            <a:fld id="{76A06558-3557-4539-B804-55B194A24081}" type="slidenum">
               <a:t>&lt;#&gt;</a:t>
             </a:fld>
           </a:p>
@@ -10109,7 +10109,7 @@
         <p:txBody>
           <a:bodyPr/>
           <a:p>
-            <a:fld id="{39B5C47C-1ABA-451A-9F23-8BCF3D38B259}" type="slidenum">
+            <a:fld id="{85481479-5917-412F-B4C7-7D57B52D940F}" type="slidenum">
               <a:t>&lt;#&gt;</a:t>
             </a:fld>
           </a:p>
@@ -10297,7 +10297,7 @@
         <p:txBody>
           <a:bodyPr/>
           <a:p>
-            <a:fld id="{26D9D73D-4A5C-4B91-934E-A649ECB909A3}" type="slidenum">
+            <a:fld id="{AAC01A00-C22F-479B-BEE2-FB6C6C4BC4DB}" type="slidenum">
               <a:t>&lt;#&gt;</a:t>
             </a:fld>
           </a:p>
@@ -10417,7 +10417,7 @@
         <p:txBody>
           <a:bodyPr/>
           <a:p>
-            <a:fld id="{DC5398EE-F5B4-4349-BC1C-2D90AB13D4B4}" type="slidenum">
+            <a:fld id="{22B7E229-54E8-4171-9A35-BBEE2CA55AAD}" type="slidenum">
               <a:t>&lt;#&gt;</a:t>
             </a:fld>
           </a:p>
@@ -10537,7 +10537,7 @@
         <p:txBody>
           <a:bodyPr/>
           <a:p>
-            <a:fld id="{132BA1AC-5691-49B3-B75B-90F965C9C171}" type="slidenum">
+            <a:fld id="{DCA3BC30-7398-4ACB-B827-1C29831CEC79}" type="slidenum">
               <a:t>&lt;#&gt;</a:t>
             </a:fld>
           </a:p>
@@ -10759,7 +10759,7 @@
         <p:txBody>
           <a:bodyPr/>
           <a:p>
-            <a:fld id="{C6EDF792-82BF-4B3A-9A15-D3ACD40C3B31}" type="slidenum">
+            <a:fld id="{C45A3988-E293-427B-A297-69D129742157}" type="slidenum">
               <a:t>&lt;#&gt;</a:t>
             </a:fld>
           </a:p>
@@ -10981,7 +10981,7 @@
         <p:txBody>
           <a:bodyPr/>
           <a:p>
-            <a:fld id="{CE9EF4D3-5441-4876-90B5-658CFFFE26C0}" type="slidenum">
+            <a:fld id="{4CE75325-FBE0-4976-A7B5-9C1B716AE307}" type="slidenum">
               <a:t>&lt;#&gt;</a:t>
             </a:fld>
           </a:p>
@@ -11203,7 +11203,7 @@
         <p:txBody>
           <a:bodyPr/>
           <a:p>
-            <a:fld id="{42E88167-1A05-4787-A8F8-AB0197C4DEA6}" type="slidenum">
+            <a:fld id="{4099379C-F353-4B66-8417-0E87C19C0CB4}" type="slidenum">
               <a:t>&lt;#&gt;</a:t>
             </a:fld>
           </a:p>
@@ -11391,7 +11391,7 @@
         <p:txBody>
           <a:bodyPr/>
           <a:p>
-            <a:fld id="{CA89166A-5E76-414E-986D-CEE0530808A7}" type="slidenum">
+            <a:fld id="{0E60A050-E0A9-446C-8935-2BB833D3ED7C}" type="slidenum">
               <a:t>&lt;#&gt;</a:t>
             </a:fld>
           </a:p>
@@ -11647,7 +11647,7 @@
         <p:txBody>
           <a:bodyPr/>
           <a:p>
-            <a:fld id="{84130DAE-D53A-40A7-A96A-55D7F4DCD168}" type="slidenum">
+            <a:fld id="{F390C643-9CCB-4D7A-8206-7E3CDDDCAFE4}" type="slidenum">
               <a:t>&lt;#&gt;</a:t>
             </a:fld>
           </a:p>
@@ -11971,7 +11971,7 @@
         <p:txBody>
           <a:bodyPr/>
           <a:p>
-            <a:fld id="{F6C57042-2881-4FB6-99F0-EDB4D87508F9}" type="slidenum">
+            <a:fld id="{BB641AA5-3126-41C1-8CC3-B944E33C490B}" type="slidenum">
               <a:t>&lt;#&gt;</a:t>
             </a:fld>
           </a:p>
@@ -12054,7 +12054,7 @@
         <p:txBody>
           <a:bodyPr/>
           <a:p>
-            <a:fld id="{973E7111-5992-44B7-AD7B-3741E4896934}" type="slidenum">
+            <a:fld id="{41896B5F-C86B-484F-8A4B-4D963E2C4DC6}" type="slidenum">
               <a:t>&lt;#&gt;</a:t>
             </a:fld>
           </a:p>
@@ -12174,7 +12174,7 @@
         <p:txBody>
           <a:bodyPr/>
           <a:p>
-            <a:fld id="{E29988D3-825F-4D43-899B-36856A41F774}" type="slidenum">
+            <a:fld id="{7313CC39-8CB3-42BE-BEAA-A43069ADA117}" type="slidenum">
               <a:t>&lt;#&gt;</a:t>
             </a:fld>
           </a:p>
@@ -12331,7 +12331,7 @@
         <p:txBody>
           <a:bodyPr/>
           <a:p>
-            <a:fld id="{676D384A-5749-445E-A197-40D548518B7D}" type="slidenum">
+            <a:fld id="{D2365118-6609-4D2C-A9D6-12B4C6BF8394}" type="slidenum">
               <a:t>&lt;#&gt;</a:t>
             </a:fld>
           </a:p>
@@ -12485,7 +12485,7 @@
         <p:txBody>
           <a:bodyPr/>
           <a:p>
-            <a:fld id="{43D26D53-9666-4E6B-AE6B-5E879CC5CD27}" type="slidenum">
+            <a:fld id="{E0EC6C5D-D5D8-4CAE-A869-A90B03C74846}" type="slidenum">
               <a:t>&lt;#&gt;</a:t>
             </a:fld>
           </a:p>
@@ -12673,7 +12673,7 @@
         <p:txBody>
           <a:bodyPr/>
           <a:p>
-            <a:fld id="{F4E16757-B62A-4F93-9823-A8A18EE5D258}" type="slidenum">
+            <a:fld id="{9F810C7B-DF22-45A7-A526-6EF6BA1F1072}" type="slidenum">
               <a:t>&lt;#&gt;</a:t>
             </a:fld>
           </a:p>
@@ -12793,7 +12793,7 @@
         <p:txBody>
           <a:bodyPr/>
           <a:p>
-            <a:fld id="{27D58EE4-3674-4F66-A40F-DD062C2D2BF9}" type="slidenum">
+            <a:fld id="{1E5D7557-64FE-4682-9C45-87C53460A758}" type="slidenum">
               <a:t>&lt;#&gt;</a:t>
             </a:fld>
           </a:p>
@@ -12913,7 +12913,7 @@
         <p:txBody>
           <a:bodyPr/>
           <a:p>
-            <a:fld id="{BE8C0C07-5808-497E-AD55-9D4CF45DDD4A}" type="slidenum">
+            <a:fld id="{643B8DE1-F4E9-496E-A1BD-889F6D0BBA91}" type="slidenum">
               <a:t>&lt;#&gt;</a:t>
             </a:fld>
           </a:p>
@@ -13135,7 +13135,7 @@
         <p:txBody>
           <a:bodyPr/>
           <a:p>
-            <a:fld id="{B5CBCA41-30E6-43D1-AB68-87101DDED7D1}" type="slidenum">
+            <a:fld id="{AF3F0D85-D082-4C56-BDC4-8FF499BBCDD9}" type="slidenum">
               <a:t>&lt;#&gt;</a:t>
             </a:fld>
           </a:p>
@@ -13357,7 +13357,7 @@
         <p:txBody>
           <a:bodyPr/>
           <a:p>
-            <a:fld id="{EE94DB99-3354-4F00-85AF-2688134F3A87}" type="slidenum">
+            <a:fld id="{606D6B13-89A0-49E0-88EC-56CC2FA1D6D6}" type="slidenum">
               <a:t>&lt;#&gt;</a:t>
             </a:fld>
           </a:p>
@@ -13579,7 +13579,7 @@
         <p:txBody>
           <a:bodyPr/>
           <a:p>
-            <a:fld id="{B47A4441-2BF8-49EC-8DB1-BAC00FD91B08}" type="slidenum">
+            <a:fld id="{D5218F95-C276-4A13-8774-10ADCB946964}" type="slidenum">
               <a:t>&lt;#&gt;</a:t>
             </a:fld>
           </a:p>
@@ -13767,7 +13767,7 @@
         <p:txBody>
           <a:bodyPr/>
           <a:p>
-            <a:fld id="{F5273750-58C2-4116-A4D3-403B2AE6F7B9}" type="slidenum">
+            <a:fld id="{5F167654-6B6E-47E9-A414-31E54F65E56E}" type="slidenum">
               <a:t>&lt;#&gt;</a:t>
             </a:fld>
           </a:p>
@@ -14023,7 +14023,7 @@
         <p:txBody>
           <a:bodyPr/>
           <a:p>
-            <a:fld id="{13C30EA5-11CB-4022-94D0-00ADC0231EED}" type="slidenum">
+            <a:fld id="{1246B03B-23BB-4E5F-881E-7920F4C0BEEB}" type="slidenum">
               <a:t>&lt;#&gt;</a:t>
             </a:fld>
           </a:p>
@@ -14143,7 +14143,7 @@
         <p:txBody>
           <a:bodyPr/>
           <a:p>
-            <a:fld id="{1AEABB7A-1213-42D5-8E22-4988D664D4F7}" type="slidenum">
+            <a:fld id="{3CB2E3E8-916B-45CB-A225-24FA0BB2ACB3}" type="slidenum">
               <a:t>&lt;#&gt;</a:t>
             </a:fld>
           </a:p>
@@ -14467,7 +14467,7 @@
         <p:txBody>
           <a:bodyPr/>
           <a:p>
-            <a:fld id="{861B4B25-0A04-4024-B6A5-ADA038922E1A}" type="slidenum">
+            <a:fld id="{3513889A-194C-4B38-B40B-20528F05CD7C}" type="slidenum">
               <a:t>&lt;#&gt;</a:t>
             </a:fld>
           </a:p>
@@ -14550,7 +14550,7 @@
         <p:txBody>
           <a:bodyPr/>
           <a:p>
-            <a:fld id="{CF97AD75-0F82-42AD-8F09-5DC9282C99F5}" type="slidenum">
+            <a:fld id="{4EE9A698-0886-4271-9DC8-B880FAE724AC}" type="slidenum">
               <a:t>&lt;#&gt;</a:t>
             </a:fld>
           </a:p>
@@ -14707,7 +14707,7 @@
         <p:txBody>
           <a:bodyPr/>
           <a:p>
-            <a:fld id="{14D893DD-98C2-4792-9E73-4D337AEE27CF}" type="slidenum">
+            <a:fld id="{B28A0BBC-36E4-4624-9E3C-67CFF16B7413}" type="slidenum">
               <a:t>&lt;#&gt;</a:t>
             </a:fld>
           </a:p>
@@ -14861,7 +14861,7 @@
         <p:txBody>
           <a:bodyPr/>
           <a:p>
-            <a:fld id="{7F79276C-5500-4A1A-90CD-7CB99B6C5FB7}" type="slidenum">
+            <a:fld id="{57845B58-F45B-434C-A228-D28721EDFA2F}" type="slidenum">
               <a:t>&lt;#&gt;</a:t>
             </a:fld>
           </a:p>
@@ -15049,7 +15049,7 @@
         <p:txBody>
           <a:bodyPr/>
           <a:p>
-            <a:fld id="{B55832B6-D295-4343-B23E-BB465BAD43A9}" type="slidenum">
+            <a:fld id="{1BFDD0B8-D42A-4FB6-B1C4-E6D769DE1847}" type="slidenum">
               <a:t>&lt;#&gt;</a:t>
             </a:fld>
           </a:p>
@@ -15169,7 +15169,7 @@
         <p:txBody>
           <a:bodyPr/>
           <a:p>
-            <a:fld id="{138DFE85-A0CD-4D0D-8D54-EFF74423DA08}" type="slidenum">
+            <a:fld id="{13288E67-FBD8-4E32-A61E-5ECE37A66903}" type="slidenum">
               <a:t>&lt;#&gt;</a:t>
             </a:fld>
           </a:p>
@@ -15289,7 +15289,7 @@
         <p:txBody>
           <a:bodyPr/>
           <a:p>
-            <a:fld id="{5AA537FA-C2C5-41AD-8E41-3E9EADC08961}" type="slidenum">
+            <a:fld id="{6B7269B0-273D-4BF4-A963-856970064F7A}" type="slidenum">
               <a:t>&lt;#&gt;</a:t>
             </a:fld>
           </a:p>
@@ -15511,7 +15511,7 @@
         <p:txBody>
           <a:bodyPr/>
           <a:p>
-            <a:fld id="{AE7344D7-2FFA-4168-AEF8-7F466C7E4957}" type="slidenum">
+            <a:fld id="{18B38E52-BDAC-45CC-AD5C-2551C7BA4375}" type="slidenum">
               <a:t>&lt;#&gt;</a:t>
             </a:fld>
           </a:p>
@@ -15733,7 +15733,7 @@
         <p:txBody>
           <a:bodyPr/>
           <a:p>
-            <a:fld id="{2426E223-D59E-45F1-851E-04A1363FDB01}" type="slidenum">
+            <a:fld id="{83ED7358-66AA-4516-8532-5EBFA5020821}" type="slidenum">
               <a:t>&lt;#&gt;</a:t>
             </a:fld>
           </a:p>
@@ -15955,7 +15955,7 @@
         <p:txBody>
           <a:bodyPr/>
           <a:p>
-            <a:fld id="{3968FD1F-05F6-4AA4-AB77-9C407EC2EF13}" type="slidenum">
+            <a:fld id="{5FADB023-6793-48AA-BFB0-8D9F3C48CBFE}" type="slidenum">
               <a:t>&lt;#&gt;</a:t>
             </a:fld>
           </a:p>
@@ -16177,7 +16177,7 @@
         <p:txBody>
           <a:bodyPr/>
           <a:p>
-            <a:fld id="{2B69C277-5487-4660-BD1C-BEE348D9D117}" type="slidenum">
+            <a:fld id="{88591BED-837D-4EE9-8A47-C707DED51CA6}" type="slidenum">
               <a:t>&lt;#&gt;</a:t>
             </a:fld>
           </a:p>
@@ -16365,7 +16365,7 @@
         <p:txBody>
           <a:bodyPr/>
           <a:p>
-            <a:fld id="{9536DA8F-125C-4599-8329-A936DA5C435D}" type="slidenum">
+            <a:fld id="{01A79DDB-A4CB-4221-9002-F09FE1D0C72E}" type="slidenum">
               <a:t>&lt;#&gt;</a:t>
             </a:fld>
           </a:p>
@@ -16621,7 +16621,7 @@
         <p:txBody>
           <a:bodyPr/>
           <a:p>
-            <a:fld id="{E488E68C-6E25-4C84-99B8-5B10D2E0093C}" type="slidenum">
+            <a:fld id="{903ED550-9262-4745-B782-E6FF6D34AA5B}" type="slidenum">
               <a:t>&lt;#&gt;</a:t>
             </a:fld>
           </a:p>
@@ -16945,7 +16945,7 @@
         <p:txBody>
           <a:bodyPr/>
           <a:p>
-            <a:fld id="{0834D5DF-1FEB-4A19-B757-17F3DFB9E4BC}" type="slidenum">
+            <a:fld id="{FCF030D3-3652-452D-9CCA-5FF5AB1C861A}" type="slidenum">
               <a:t>&lt;#&gt;</a:t>
             </a:fld>
           </a:p>
@@ -17167,7 +17167,7 @@
         <p:txBody>
           <a:bodyPr/>
           <a:p>
-            <a:fld id="{E44D0A69-0E52-40A5-8E4F-07602AFB7ECB}" type="slidenum">
+            <a:fld id="{75B4F1F4-08E7-434E-8DBF-004030ABA375}" type="slidenum">
               <a:t>&lt;#&gt;</a:t>
             </a:fld>
           </a:p>
@@ -17389,7 +17389,7 @@
         <p:txBody>
           <a:bodyPr/>
           <a:p>
-            <a:fld id="{CA34AB8F-8576-414C-A5E8-FF8AF3F65461}" type="slidenum">
+            <a:fld id="{6028692C-83A9-4A13-AD31-314EDA814509}" type="slidenum">
               <a:t>&lt;#&gt;</a:t>
             </a:fld>
           </a:p>
@@ -17454,7 +17454,7 @@
         <p:spPr>
           <a:xfrm>
             <a:off x="0" y="6400800"/>
-            <a:ext cx="12186360" cy="451440"/>
+            <a:ext cx="12184920" cy="450000"/>
           </a:xfrm>
           <a:prstGeom prst="rect">
             <a:avLst/>
@@ -17490,7 +17490,7 @@
         <p:spPr>
           <a:xfrm>
             <a:off x="0" y="6334200"/>
-            <a:ext cx="12186360" cy="60120"/>
+            <a:ext cx="12184920" cy="58680"/>
           </a:xfrm>
           <a:prstGeom prst="rect">
             <a:avLst/>
@@ -17564,7 +17564,7 @@
         <p:spPr>
           <a:xfrm>
             <a:off x="11212560" y="5495040"/>
-            <a:ext cx="800640" cy="800640"/>
+            <a:ext cx="799200" cy="799200"/>
           </a:xfrm>
           <a:prstGeom prst="rect">
             <a:avLst/>
@@ -17583,7 +17583,7 @@
         <p:spPr>
           <a:xfrm>
             <a:off x="3240" y="6400800"/>
-            <a:ext cx="12183120" cy="451440"/>
+            <a:ext cx="12181680" cy="450000"/>
           </a:xfrm>
           <a:prstGeom prst="rect">
             <a:avLst/>
@@ -17619,7 +17619,7 @@
         <p:spPr>
           <a:xfrm>
             <a:off x="0" y="6334200"/>
-            <a:ext cx="12183120" cy="58320"/>
+            <a:ext cx="12181680" cy="56880"/>
           </a:xfrm>
           <a:prstGeom prst="rect">
             <a:avLst/>
@@ -17693,7 +17693,7 @@
         <p:spPr>
           <a:xfrm>
             <a:off x="11212560" y="5495040"/>
-            <a:ext cx="800640" cy="800640"/>
+            <a:ext cx="799200" cy="799200"/>
           </a:xfrm>
           <a:prstGeom prst="rect">
             <a:avLst/>
@@ -17716,7 +17716,7 @@
         <p:spPr>
           <a:xfrm>
             <a:off x="3686040" y="6459840"/>
-            <a:ext cx="4817160" cy="359280"/>
+            <a:ext cx="4815720" cy="357840"/>
           </a:xfrm>
           <a:prstGeom prst="rect">
             <a:avLst/>
@@ -17773,7 +17773,7 @@
         <p:spPr>
           <a:xfrm>
             <a:off x="9900360" y="6459840"/>
-            <a:ext cx="1306440" cy="359280"/>
+            <a:ext cx="1305000" cy="357840"/>
           </a:xfrm>
           <a:prstGeom prst="rect">
             <a:avLst/>
@@ -17808,7 +17808,7 @@
               </a:lnSpc>
               <a:buNone/>
             </a:pPr>
-            <a:fld id="{9996BE46-80D0-479C-9278-B40EF41442F8}" type="slidenum">
+            <a:fld id="{F4C3B03A-2FAA-46A2-9712-9EDFB91F05B3}" type="slidenum">
               <a:rPr b="0" lang="ru-RU" sz="1050" spc="-1" strike="noStrike">
                 <a:solidFill>
                   <a:srgbClr val="ffffff"/>
@@ -17836,7 +17836,7 @@
         <p:spPr>
           <a:xfrm>
             <a:off x="1097280" y="6459840"/>
-            <a:ext cx="2466360" cy="359280"/>
+            <a:ext cx="2464920" cy="357840"/>
           </a:xfrm>
           <a:prstGeom prst="rect">
             <a:avLst/>
@@ -18149,7 +18149,7 @@
         <p:spPr>
           <a:xfrm>
             <a:off x="0" y="6400800"/>
-            <a:ext cx="12186360" cy="451440"/>
+            <a:ext cx="12184920" cy="450000"/>
           </a:xfrm>
           <a:prstGeom prst="rect">
             <a:avLst/>
@@ -18185,7 +18185,7 @@
         <p:spPr>
           <a:xfrm>
             <a:off x="0" y="6334200"/>
-            <a:ext cx="12186360" cy="60120"/>
+            <a:ext cx="12184920" cy="58680"/>
           </a:xfrm>
           <a:prstGeom prst="rect">
             <a:avLst/>
@@ -18259,7 +18259,7 @@
         <p:spPr>
           <a:xfrm>
             <a:off x="11212560" y="5495040"/>
-            <a:ext cx="800640" cy="800640"/>
+            <a:ext cx="799200" cy="799200"/>
           </a:xfrm>
           <a:prstGeom prst="rect">
             <a:avLst/>
@@ -18282,7 +18282,7 @@
         <p:spPr>
           <a:xfrm>
             <a:off x="3686040" y="6459840"/>
-            <a:ext cx="4817160" cy="359280"/>
+            <a:ext cx="4815720" cy="357840"/>
           </a:xfrm>
           <a:prstGeom prst="rect">
             <a:avLst/>
@@ -18339,7 +18339,7 @@
         <p:spPr>
           <a:xfrm>
             <a:off x="9900360" y="6459840"/>
-            <a:ext cx="1306440" cy="359280"/>
+            <a:ext cx="1305000" cy="357840"/>
           </a:xfrm>
           <a:prstGeom prst="rect">
             <a:avLst/>
@@ -18374,7 +18374,7 @@
               </a:lnSpc>
               <a:buNone/>
             </a:pPr>
-            <a:fld id="{1689DE3F-DC5A-4DF4-AF5A-B0D45121C9F0}" type="slidenum">
+            <a:fld id="{05E079A2-5A7E-463E-B15C-121F92038BE1}" type="slidenum">
               <a:rPr b="0" lang="ru-RU" sz="1050" spc="-1" strike="noStrike">
                 <a:solidFill>
                   <a:srgbClr val="ffffff"/>
@@ -18402,7 +18402,7 @@
         <p:spPr>
           <a:xfrm>
             <a:off x="1097280" y="6459840"/>
-            <a:ext cx="2466360" cy="359280"/>
+            <a:ext cx="2464920" cy="357840"/>
           </a:xfrm>
           <a:prstGeom prst="rect">
             <a:avLst/>
@@ -18715,7 +18715,7 @@
         <p:spPr>
           <a:xfrm>
             <a:off x="0" y="6400800"/>
-            <a:ext cx="12186360" cy="451440"/>
+            <a:ext cx="12184920" cy="450000"/>
           </a:xfrm>
           <a:prstGeom prst="rect">
             <a:avLst/>
@@ -18751,7 +18751,7 @@
         <p:spPr>
           <a:xfrm>
             <a:off x="0" y="6334200"/>
-            <a:ext cx="12186360" cy="60120"/>
+            <a:ext cx="12184920" cy="58680"/>
           </a:xfrm>
           <a:prstGeom prst="rect">
             <a:avLst/>
@@ -18825,7 +18825,7 @@
         <p:spPr>
           <a:xfrm>
             <a:off x="11212560" y="5495040"/>
-            <a:ext cx="800640" cy="800640"/>
+            <a:ext cx="799200" cy="799200"/>
           </a:xfrm>
           <a:prstGeom prst="rect">
             <a:avLst/>
@@ -18848,7 +18848,7 @@
         <p:spPr>
           <a:xfrm>
             <a:off x="3686040" y="6459840"/>
-            <a:ext cx="4817160" cy="359280"/>
+            <a:ext cx="4815720" cy="357840"/>
           </a:xfrm>
           <a:prstGeom prst="rect">
             <a:avLst/>
@@ -18905,7 +18905,7 @@
         <p:spPr>
           <a:xfrm>
             <a:off x="9900360" y="6459840"/>
-            <a:ext cx="1306440" cy="359280"/>
+            <a:ext cx="1305000" cy="357840"/>
           </a:xfrm>
           <a:prstGeom prst="rect">
             <a:avLst/>
@@ -18940,7 +18940,7 @@
               </a:lnSpc>
               <a:buNone/>
             </a:pPr>
-            <a:fld id="{6A6BE893-313C-4D42-A177-86FFEA8D02E2}" type="slidenum">
+            <a:fld id="{18BBD6C5-4BD0-4547-899A-0EF962519D12}" type="slidenum">
               <a:rPr b="0" lang="ru-RU" sz="1050" spc="-1" strike="noStrike">
                 <a:solidFill>
                   <a:srgbClr val="ffffff"/>
@@ -18968,7 +18968,7 @@
         <p:spPr>
           <a:xfrm>
             <a:off x="1097280" y="6459840"/>
-            <a:ext cx="2466360" cy="359280"/>
+            <a:ext cx="2464920" cy="357840"/>
           </a:xfrm>
           <a:prstGeom prst="rect">
             <a:avLst/>
@@ -19281,7 +19281,7 @@
         <p:spPr>
           <a:xfrm>
             <a:off x="0" y="6400800"/>
-            <a:ext cx="12186360" cy="451440"/>
+            <a:ext cx="12184920" cy="450000"/>
           </a:xfrm>
           <a:prstGeom prst="rect">
             <a:avLst/>
@@ -19317,7 +19317,7 @@
         <p:spPr>
           <a:xfrm>
             <a:off x="0" y="6334200"/>
-            <a:ext cx="12186360" cy="60120"/>
+            <a:ext cx="12184920" cy="58680"/>
           </a:xfrm>
           <a:prstGeom prst="rect">
             <a:avLst/>
@@ -19391,7 +19391,7 @@
         <p:spPr>
           <a:xfrm>
             <a:off x="11212560" y="5495040"/>
-            <a:ext cx="800640" cy="800640"/>
+            <a:ext cx="799200" cy="799200"/>
           </a:xfrm>
           <a:prstGeom prst="rect">
             <a:avLst/>
@@ -19414,7 +19414,7 @@
         <p:spPr>
           <a:xfrm>
             <a:off x="333360" y="1993680"/>
-            <a:ext cx="2181600" cy="4160520"/>
+            <a:ext cx="2180160" cy="4159080"/>
           </a:xfrm>
           <a:prstGeom prst="rect">
             <a:avLst/>
@@ -19477,7 +19477,7 @@
         <p:spPr>
           <a:xfrm>
             <a:off x="3686040" y="6459840"/>
-            <a:ext cx="4817160" cy="359280"/>
+            <a:ext cx="4815720" cy="357840"/>
           </a:xfrm>
           <a:prstGeom prst="rect">
             <a:avLst/>
@@ -19534,7 +19534,7 @@
         <p:spPr>
           <a:xfrm>
             <a:off x="9900360" y="6459840"/>
-            <a:ext cx="1306440" cy="359280"/>
+            <a:ext cx="1305000" cy="357840"/>
           </a:xfrm>
           <a:prstGeom prst="rect">
             <a:avLst/>
@@ -19569,7 +19569,7 @@
               </a:lnSpc>
               <a:buNone/>
             </a:pPr>
-            <a:fld id="{6CA29B12-80CB-4267-8E73-2F0703475F4E}" type="slidenum">
+            <a:fld id="{1C2513D3-1404-4CD4-8510-98682E4EDB72}" type="slidenum">
               <a:rPr b="0" lang="ru-RU" sz="1050" spc="-1" strike="noStrike">
                 <a:solidFill>
                   <a:srgbClr val="ffffff"/>
@@ -19597,7 +19597,7 @@
         <p:spPr>
           <a:xfrm>
             <a:off x="1097280" y="6459840"/>
-            <a:ext cx="2466360" cy="359280"/>
+            <a:ext cx="2464920" cy="357840"/>
           </a:xfrm>
           <a:prstGeom prst="rect">
             <a:avLst/>
@@ -19867,7 +19867,7 @@
         <p:spPr>
           <a:xfrm>
             <a:off x="0" y="6400800"/>
-            <a:ext cx="12186360" cy="451440"/>
+            <a:ext cx="12184920" cy="450000"/>
           </a:xfrm>
           <a:prstGeom prst="rect">
             <a:avLst/>
@@ -19903,7 +19903,7 @@
         <p:spPr>
           <a:xfrm>
             <a:off x="0" y="6334200"/>
-            <a:ext cx="12186360" cy="60120"/>
+            <a:ext cx="12184920" cy="58680"/>
           </a:xfrm>
           <a:prstGeom prst="rect">
             <a:avLst/>
@@ -19977,7 +19977,7 @@
         <p:spPr>
           <a:xfrm>
             <a:off x="11212560" y="5495040"/>
-            <a:ext cx="800640" cy="800640"/>
+            <a:ext cx="799200" cy="799200"/>
           </a:xfrm>
           <a:prstGeom prst="rect">
             <a:avLst/>
@@ -20040,7 +20040,7 @@
         <p:spPr>
           <a:xfrm>
             <a:off x="3686040" y="6459840"/>
-            <a:ext cx="4817160" cy="359280"/>
+            <a:ext cx="4815720" cy="357840"/>
           </a:xfrm>
           <a:prstGeom prst="rect">
             <a:avLst/>
@@ -20097,7 +20097,7 @@
         <p:spPr>
           <a:xfrm>
             <a:off x="9900360" y="6459840"/>
-            <a:ext cx="1306440" cy="359280"/>
+            <a:ext cx="1305000" cy="357840"/>
           </a:xfrm>
           <a:prstGeom prst="rect">
             <a:avLst/>
@@ -20132,7 +20132,7 @@
               </a:lnSpc>
               <a:buNone/>
             </a:pPr>
-            <a:fld id="{7C2FEF4F-B264-4425-B955-E775B4DB56B1}" type="slidenum">
+            <a:fld id="{678E3707-1832-440B-8AC7-B35417811EA0}" type="slidenum">
               <a:rPr b="0" lang="ru-RU" sz="1050" spc="-1" strike="noStrike">
                 <a:solidFill>
                   <a:srgbClr val="ffffff"/>
@@ -20160,7 +20160,7 @@
         <p:spPr>
           <a:xfrm>
             <a:off x="1097280" y="6459840"/>
-            <a:ext cx="2466360" cy="359280"/>
+            <a:ext cx="2464920" cy="357840"/>
           </a:xfrm>
           <a:prstGeom prst="rect">
             <a:avLst/>
@@ -20430,7 +20430,7 @@
         <p:spPr>
           <a:xfrm>
             <a:off x="0" y="6400800"/>
-            <a:ext cx="12186360" cy="451440"/>
+            <a:ext cx="12184920" cy="450000"/>
           </a:xfrm>
           <a:prstGeom prst="rect">
             <a:avLst/>
@@ -20466,7 +20466,7 @@
         <p:spPr>
           <a:xfrm>
             <a:off x="0" y="6334200"/>
-            <a:ext cx="12186360" cy="60120"/>
+            <a:ext cx="12184920" cy="58680"/>
           </a:xfrm>
           <a:prstGeom prst="rect">
             <a:avLst/>
@@ -20540,7 +20540,7 @@
         <p:spPr>
           <a:xfrm>
             <a:off x="11212560" y="5495040"/>
-            <a:ext cx="800640" cy="800640"/>
+            <a:ext cx="799200" cy="799200"/>
           </a:xfrm>
           <a:prstGeom prst="rect">
             <a:avLst/>
@@ -20563,7 +20563,7 @@
         <p:spPr>
           <a:xfrm>
             <a:off x="4917960" y="2125440"/>
-            <a:ext cx="2293560" cy="4073400"/>
+            <a:ext cx="2292120" cy="4071960"/>
           </a:xfrm>
           <a:prstGeom prst="rect">
             <a:avLst/>
@@ -20586,7 +20586,7 @@
         <p:spPr>
           <a:xfrm>
             <a:off x="3686040" y="6459840"/>
-            <a:ext cx="4817160" cy="359280"/>
+            <a:ext cx="4815720" cy="357840"/>
           </a:xfrm>
           <a:prstGeom prst="rect">
             <a:avLst/>
@@ -20643,7 +20643,7 @@
         <p:spPr>
           <a:xfrm>
             <a:off x="9900360" y="6459840"/>
-            <a:ext cx="1306440" cy="359280"/>
+            <a:ext cx="1305000" cy="357840"/>
           </a:xfrm>
           <a:prstGeom prst="rect">
             <a:avLst/>
@@ -20678,7 +20678,7 @@
               </a:lnSpc>
               <a:buNone/>
             </a:pPr>
-            <a:fld id="{AC0DCE75-5C76-46BB-A270-74889C425540}" type="slidenum">
+            <a:fld id="{00A16D0F-3AAD-41F2-B027-5701375C7965}" type="slidenum">
               <a:rPr b="0" lang="ru-RU" sz="1050" spc="-1" strike="noStrike">
                 <a:solidFill>
                   <a:srgbClr val="ffffff"/>
@@ -20706,7 +20706,7 @@
         <p:spPr>
           <a:xfrm>
             <a:off x="1097280" y="6459840"/>
-            <a:ext cx="2466360" cy="359280"/>
+            <a:ext cx="2464920" cy="357840"/>
           </a:xfrm>
           <a:prstGeom prst="rect">
             <a:avLst/>
@@ -21016,7 +21016,7 @@
         <p:spPr>
           <a:xfrm>
             <a:off x="1260000" y="1440000"/>
-            <a:ext cx="9894960" cy="2660400"/>
+            <a:ext cx="9893520" cy="2658960"/>
           </a:xfrm>
           <a:prstGeom prst="rect">
             <a:avLst/>
@@ -21104,7 +21104,7 @@
         <p:spPr>
           <a:xfrm>
             <a:off x="1097280" y="286560"/>
-            <a:ext cx="10417320" cy="1445040"/>
+            <a:ext cx="10415880" cy="1443600"/>
           </a:xfrm>
           <a:prstGeom prst="rect">
             <a:avLst/>
@@ -21158,7 +21158,7 @@
         <p:spPr>
           <a:xfrm>
             <a:off x="1080000" y="1737000"/>
-            <a:ext cx="10074600" cy="4314600"/>
+            <a:ext cx="10073160" cy="4313160"/>
           </a:xfrm>
           <a:prstGeom prst="rect">
             <a:avLst/>
@@ -21565,7 +21565,7 @@
         <p:spPr>
           <a:xfrm>
             <a:off x="0" y="0"/>
-            <a:ext cx="12186360" cy="6852240"/>
+            <a:ext cx="12184920" cy="6850800"/>
           </a:xfrm>
           <a:prstGeom prst="rect">
             <a:avLst/>
@@ -21618,7 +21618,7 @@
         <p:spPr>
           <a:xfrm>
             <a:off x="14400" y="14400"/>
-            <a:ext cx="12171960" cy="6837840"/>
+            <a:ext cx="12170520" cy="6836400"/>
           </a:xfrm>
           <a:prstGeom prst="rect">
             <a:avLst/>
@@ -21671,7 +21671,7 @@
         <p:spPr>
           <a:xfrm>
             <a:off x="1097280" y="286560"/>
-            <a:ext cx="10052640" cy="1445040"/>
+            <a:ext cx="10051200" cy="1443600"/>
           </a:xfrm>
           <a:prstGeom prst="rect">
             <a:avLst/>
@@ -21750,7 +21750,7 @@
         <p:spPr>
           <a:xfrm>
             <a:off x="609480" y="273600"/>
-            <a:ext cx="10969560" cy="1141920"/>
+            <a:ext cx="10968120" cy="1140480"/>
           </a:xfrm>
           <a:prstGeom prst="rect">
             <a:avLst/>
@@ -21796,7 +21796,7 @@
         <p:spPr>
           <a:xfrm>
             <a:off x="1260000" y="1823400"/>
-            <a:ext cx="9897120" cy="3770640"/>
+            <a:ext cx="9895680" cy="3769200"/>
           </a:xfrm>
           <a:prstGeom prst="rect">
             <a:avLst/>
@@ -21849,7 +21849,7 @@
         <p:spPr>
           <a:xfrm>
             <a:off x="1097280" y="286560"/>
-            <a:ext cx="10052640" cy="1445040"/>
+            <a:ext cx="10051200" cy="1443600"/>
           </a:xfrm>
           <a:prstGeom prst="rect">
             <a:avLst/>
@@ -21898,7 +21898,7 @@
         <p:spPr>
           <a:xfrm>
             <a:off x="1097280" y="1845720"/>
-            <a:ext cx="10052640" cy="1115280"/>
+            <a:ext cx="10051200" cy="1113840"/>
           </a:xfrm>
           <a:prstGeom prst="rect">
             <a:avLst/>
@@ -21966,7 +21966,7 @@
         <p:spPr>
           <a:xfrm>
             <a:off x="1176840" y="2873520"/>
-            <a:ext cx="3728160" cy="546840"/>
+            <a:ext cx="3726720" cy="545400"/>
           </a:xfrm>
           <a:prstGeom prst="rect">
             <a:avLst/>
@@ -21989,7 +21989,7 @@
         <p:spPr>
           <a:xfrm>
             <a:off x="1176840" y="5138640"/>
-            <a:ext cx="3156480" cy="1051560"/>
+            <a:ext cx="3155040" cy="1050120"/>
           </a:xfrm>
           <a:prstGeom prst="rect">
             <a:avLst/>
@@ -22008,7 +22008,7 @@
         <p:spPr>
           <a:xfrm>
             <a:off x="1097280" y="3721680"/>
-            <a:ext cx="10052640" cy="1115280"/>
+            <a:ext cx="10051200" cy="1113840"/>
           </a:xfrm>
           <a:prstGeom prst="rect">
             <a:avLst/>
@@ -22104,7 +22104,7 @@
         <p:spPr>
           <a:xfrm>
             <a:off x="1097280" y="286560"/>
-            <a:ext cx="10052640" cy="1445040"/>
+            <a:ext cx="10051200" cy="1443600"/>
           </a:xfrm>
           <a:prstGeom prst="rect">
             <a:avLst/>
@@ -22153,7 +22153,7 @@
         <p:spPr>
           <a:xfrm>
             <a:off x="1097280" y="1845720"/>
-            <a:ext cx="9792000" cy="1271160"/>
+            <a:ext cx="9790560" cy="1269720"/>
           </a:xfrm>
           <a:prstGeom prst="rect">
             <a:avLst/>
@@ -22191,7 +22191,16 @@
                 </a:solidFill>
                 <a:latin typeface="Calibri"/>
               </a:rPr>
-              <a:t>Отправитель шлет сообщение в Exchange (X на рисунке ниже), а Exchange направляет сообщение в одну или несколько очередей (или отбрасывает).</a:t>
+              <a:t>Отправитель шлет сообщение в Exchange (X на рисунке ниже), а Exchange направляет сообщение в одну или несколько </a:t>
+            </a:r>
+            <a:r>
+              <a:rPr b="0" lang="ru-RU" sz="2000" spc="-1" strike="noStrike">
+                <a:solidFill>
+                  <a:srgbClr val="404040"/>
+                </a:solidFill>
+                <a:latin typeface="Calibri"/>
+              </a:rPr>
+              <a:t>очередей (или отбрасывает).</a:t>
             </a:r>
             <a:endParaRPr b="0" lang="ru-RU" sz="2000" spc="-1" strike="noStrike">
               <a:latin typeface="Arial"/>
@@ -22212,7 +22221,7 @@
         <p:spPr>
           <a:xfrm>
             <a:off x="1097280" y="2839320"/>
-            <a:ext cx="3156480" cy="1041840"/>
+            <a:ext cx="3155040" cy="1040400"/>
           </a:xfrm>
           <a:prstGeom prst="rect">
             <a:avLst/>
@@ -22231,7 +22240,7 @@
         <p:spPr>
           <a:xfrm>
             <a:off x="1097280" y="4326840"/>
-            <a:ext cx="9792000" cy="699480"/>
+            <a:ext cx="9790560" cy="699480"/>
           </a:xfrm>
           <a:prstGeom prst="rect">
             <a:avLst/>
@@ -22317,7 +22326,7 @@
         <p:spPr>
           <a:xfrm>
             <a:off x="1097280" y="286560"/>
-            <a:ext cx="10052640" cy="1445040"/>
+            <a:ext cx="10051200" cy="1443600"/>
           </a:xfrm>
           <a:prstGeom prst="rect">
             <a:avLst/>
@@ -22366,7 +22375,7 @@
         <p:spPr>
           <a:xfrm>
             <a:off x="1097280" y="1845720"/>
-            <a:ext cx="10052640" cy="1703160"/>
+            <a:ext cx="10051200" cy="1701720"/>
           </a:xfrm>
           <a:prstGeom prst="rect">
             <a:avLst/>
@@ -22619,7 +22628,7 @@
         <p:spPr>
           <a:xfrm>
             <a:off x="2873520" y="4003560"/>
-            <a:ext cx="3061440" cy="851400"/>
+            <a:ext cx="3060000" cy="849960"/>
           </a:xfrm>
           <a:prstGeom prst="rect">
             <a:avLst/>
@@ -22638,7 +22647,7 @@
         <p:spPr>
           <a:xfrm>
             <a:off x="1097280" y="4989240"/>
-            <a:ext cx="10052640" cy="984600"/>
+            <a:ext cx="10051200" cy="983160"/>
           </a:xfrm>
           <a:prstGeom prst="rect">
             <a:avLst/>
@@ -22848,7 +22857,7 @@
         <p:spPr>
           <a:xfrm>
             <a:off x="1066680" y="840240"/>
-            <a:ext cx="10052640" cy="750960"/>
+            <a:ext cx="10051200" cy="749520"/>
           </a:xfrm>
           <a:prstGeom prst="rect">
             <a:avLst/>
@@ -22906,7 +22915,7 @@
         <p:spPr>
           <a:xfrm>
             <a:off x="1025280" y="1871640"/>
-            <a:ext cx="9950040" cy="1003680"/>
+            <a:ext cx="9948600" cy="1002240"/>
           </a:xfrm>
           <a:prstGeom prst="rect">
             <a:avLst/>
@@ -23042,7 +23051,7 @@
         <p:spPr>
           <a:xfrm>
             <a:off x="1041480" y="4118400"/>
-            <a:ext cx="9398520" cy="700200"/>
+            <a:ext cx="9397080" cy="699480"/>
           </a:xfrm>
           <a:prstGeom prst="rect">
             <a:avLst/>
@@ -23148,7 +23157,7 @@
         <p:spPr>
           <a:xfrm>
             <a:off x="1044000" y="5322960"/>
-            <a:ext cx="9396000" cy="972000"/>
+            <a:ext cx="9394560" cy="970560"/>
           </a:xfrm>
           <a:prstGeom prst="rect">
             <a:avLst/>
@@ -23225,7 +23234,7 @@
         <p:spPr>
           <a:xfrm>
             <a:off x="1014480" y="3060000"/>
-            <a:ext cx="9605520" cy="975960"/>
+            <a:ext cx="9604080" cy="974520"/>
           </a:xfrm>
           <a:prstGeom prst="rect">
             <a:avLst/>
@@ -23326,7 +23335,7 @@
         <p:spPr>
           <a:xfrm>
             <a:off x="1260000" y="1980000"/>
-            <a:ext cx="8639640" cy="3504600"/>
+            <a:ext cx="8638200" cy="3503160"/>
           </a:xfrm>
           <a:prstGeom prst="rect">
             <a:avLst/>
@@ -23345,7 +23354,7 @@
         <p:spPr>
           <a:xfrm>
             <a:off x="1116000" y="1080000"/>
-            <a:ext cx="5939640" cy="719640"/>
+            <a:ext cx="5938200" cy="718200"/>
           </a:xfrm>
           <a:prstGeom prst="rect">
             <a:avLst/>
@@ -23374,7 +23383,11 @@
             </a:pPr>
             <a:r>
               <a:rPr b="0" lang="ru-RU" sz="3600" spc="-1" strike="noStrike">
+                <a:solidFill>
+                  <a:srgbClr val="000000"/>
+                </a:solidFill>
                 <a:latin typeface="Arial"/>
+                <a:ea typeface="DejaVu Sans"/>
               </a:rPr>
               <a:t>FANOUT EXCHANGE</a:t>
             </a:r>
@@ -23393,7 +23406,7 @@
         <p:spPr>
           <a:xfrm>
             <a:off x="1453320" y="5362200"/>
-            <a:ext cx="8446320" cy="757440"/>
+            <a:ext cx="8444880" cy="756000"/>
           </a:xfrm>
           <a:prstGeom prst="rect">
             <a:avLst/>
@@ -23426,6 +23439,7 @@
                   <a:srgbClr val="000000"/>
                 </a:solidFill>
                 <a:latin typeface="Calibri"/>
+                <a:ea typeface="DejaVu Sans"/>
               </a:rPr>
               <a:t>все сообщения из exchange во все связанные с ним очереди </a:t>
             </a:r>
@@ -23474,7 +23488,7 @@
         <p:spPr>
           <a:xfrm>
             <a:off x="1260000" y="1260000"/>
-            <a:ext cx="1797120" cy="536760"/>
+            <a:ext cx="1795680" cy="535320"/>
           </a:xfrm>
           <a:prstGeom prst="rect">
             <a:avLst/>
@@ -23526,7 +23540,7 @@
         <p:spPr>
           <a:xfrm>
             <a:off x="1396080" y="1959120"/>
-            <a:ext cx="7241040" cy="2358000"/>
+            <a:ext cx="7239600" cy="2356560"/>
           </a:xfrm>
           <a:prstGeom prst="rect">
             <a:avLst/>
@@ -23624,7 +23638,7 @@
                 <a:latin typeface="Arial"/>
                 <a:ea typeface="DejaVu Sans"/>
               </a:rPr>
-              <a:t>Также успел поучаствовать во многих других проектах компании (ДИТ, ЕАИС, ЦЗН, Сокол, ММЦ, УЖО, ИСУЗ).</a:t>
+              <a:t>Также успел поучаствовать в многих других проектах компании (ДИТ, ЕАИС, ЦЗН, Сокол, ММЦ, УЖО).</a:t>
             </a:r>
             <a:br>
               <a:rPr sz="2000"/>
@@ -23677,7 +23691,7 @@
         <p:spPr>
           <a:xfrm>
             <a:off x="1224000" y="1116000"/>
-            <a:ext cx="7019640" cy="622080"/>
+            <a:ext cx="7018200" cy="620640"/>
           </a:xfrm>
           <a:prstGeom prst="rect">
             <a:avLst/>
@@ -23733,7 +23747,7 @@
         <p:spPr>
           <a:xfrm>
             <a:off x="1198800" y="1800000"/>
-            <a:ext cx="7980840" cy="4018680"/>
+            <a:ext cx="7979400" cy="4017240"/>
           </a:xfrm>
           <a:prstGeom prst="rect">
             <a:avLst/>
@@ -23786,7 +23800,7 @@
         <p:spPr>
           <a:xfrm>
             <a:off x="1980000" y="1825560"/>
-            <a:ext cx="7271640" cy="4294080"/>
+            <a:ext cx="7270200" cy="4292640"/>
           </a:xfrm>
           <a:prstGeom prst="rect">
             <a:avLst/>
@@ -23805,7 +23819,7 @@
         <p:spPr>
           <a:xfrm>
             <a:off x="1080000" y="1080000"/>
-            <a:ext cx="5579640" cy="601920"/>
+            <a:ext cx="5578200" cy="600480"/>
           </a:xfrm>
           <a:prstGeom prst="rect">
             <a:avLst/>
@@ -23834,7 +23848,11 @@
             </a:pPr>
             <a:r>
               <a:rPr b="0" lang="ru-RU" sz="3600" spc="-1" strike="noStrike">
+                <a:solidFill>
+                  <a:srgbClr val="000000"/>
+                </a:solidFill>
                 <a:latin typeface="Arial"/>
+                <a:ea typeface="DejaVu Sans"/>
               </a:rPr>
               <a:t>TOPIC EXCHANGE</a:t>
             </a:r>
@@ -23883,7 +23901,7 @@
         <p:spPr>
           <a:xfrm>
             <a:off x="1188000" y="1080000"/>
-            <a:ext cx="6119640" cy="719640"/>
+            <a:ext cx="6118200" cy="718200"/>
           </a:xfrm>
           <a:prstGeom prst="rect">
             <a:avLst/>
@@ -23912,7 +23930,11 @@
             </a:pPr>
             <a:r>
               <a:rPr b="0" lang="ru-RU" sz="3600" spc="-1" strike="noStrike">
+                <a:solidFill>
+                  <a:srgbClr val="000000"/>
+                </a:solidFill>
                 <a:latin typeface="Arial"/>
+                <a:ea typeface="DejaVu Sans"/>
               </a:rPr>
               <a:t>HEADERS EXCHANGE</a:t>
             </a:r>
@@ -23935,7 +23957,7 @@
         <p:spPr>
           <a:xfrm>
             <a:off x="2700000" y="1808280"/>
-            <a:ext cx="6257160" cy="3771360"/>
+            <a:ext cx="6255720" cy="3769920"/>
           </a:xfrm>
           <a:prstGeom prst="rect">
             <a:avLst/>
@@ -23988,7 +24010,7 @@
         <p:spPr>
           <a:xfrm>
             <a:off x="1097280" y="286560"/>
-            <a:ext cx="10052640" cy="1445040"/>
+            <a:ext cx="10051200" cy="1443600"/>
           </a:xfrm>
           <a:prstGeom prst="rect">
             <a:avLst/>
@@ -24037,7 +24059,7 @@
         <p:spPr>
           <a:xfrm>
             <a:off x="900000" y="1800000"/>
-            <a:ext cx="10799280" cy="1896120"/>
+            <a:ext cx="10797840" cy="1894680"/>
           </a:xfrm>
           <a:prstGeom prst="rect">
             <a:avLst/>
@@ -24120,7 +24142,7 @@
         <p:spPr>
           <a:xfrm>
             <a:off x="1121400" y="3837960"/>
-            <a:ext cx="5480640" cy="1899360"/>
+            <a:ext cx="5479200" cy="1897920"/>
           </a:xfrm>
           <a:prstGeom prst="rect">
             <a:avLst/>
@@ -24173,7 +24195,7 @@
         <p:spPr>
           <a:xfrm>
             <a:off x="1097280" y="286560"/>
-            <a:ext cx="10052640" cy="1445040"/>
+            <a:ext cx="10051200" cy="1443600"/>
           </a:xfrm>
           <a:prstGeom prst="rect">
             <a:avLst/>
@@ -24222,7 +24244,7 @@
         <p:spPr>
           <a:xfrm>
             <a:off x="1097280" y="1845720"/>
-            <a:ext cx="10052640" cy="4017600"/>
+            <a:ext cx="10051200" cy="4016160"/>
           </a:xfrm>
           <a:prstGeom prst="rect">
             <a:avLst/>
@@ -24379,7 +24401,7 @@
         <p:spPr>
           <a:xfrm>
             <a:off x="1097280" y="286560"/>
-            <a:ext cx="10052640" cy="1445040"/>
+            <a:ext cx="10051200" cy="1443600"/>
           </a:xfrm>
           <a:prstGeom prst="rect">
             <a:avLst/>
@@ -24428,7 +24450,7 @@
         <p:spPr>
           <a:xfrm>
             <a:off x="1097280" y="1845720"/>
-            <a:ext cx="10052640" cy="4017600"/>
+            <a:ext cx="10051200" cy="4016160"/>
           </a:xfrm>
           <a:prstGeom prst="rect">
             <a:avLst/>
@@ -24605,7 +24627,7 @@
         <p:spPr>
           <a:xfrm>
             <a:off x="1097280" y="286560"/>
-            <a:ext cx="10052640" cy="1445040"/>
+            <a:ext cx="10051200" cy="1443600"/>
           </a:xfrm>
           <a:prstGeom prst="rect">
             <a:avLst/>
@@ -24661,33 +24683,49 @@
       </p:sp>
       <p:sp>
         <p:nvSpPr>
-          <p:cNvPr id="346" name="PlaceHolder 2"/>
-          <p:cNvSpPr>
-            <a:spLocks noGrp="1"/>
-          </p:cNvSpPr>
-          <p:nvPr>
-            <p:ph/>
-          </p:nvPr>
-        </p:nvSpPr>
-        <p:spPr>
-          <a:xfrm>
-            <a:off x="1097280" y="1845720"/>
-            <a:ext cx="10052640" cy="4017600"/>
-          </a:xfrm>
-          <a:prstGeom prst="rect">
-            <a:avLst/>
-          </a:prstGeom>
-          <a:noFill/>
-          <a:ln w="0">
-            <a:noFill/>
-          </a:ln>
-        </p:spPr>
-        <p:txBody>
-          <a:bodyPr lIns="0" rIns="0" tIns="45000" bIns="45000" anchor="t">
-            <a:normAutofit fontScale="58000"/>
-          </a:bodyPr>
-          <a:p>
-            <a:pPr marL="432000" indent="-324000">
+          <p:cNvPr id="346" name=""/>
+          <p:cNvSpPr txBox="1"/>
+          <p:nvPr/>
+        </p:nvSpPr>
+        <p:spPr>
+          <a:xfrm>
+            <a:off x="1080000" y="1800000"/>
+            <a:ext cx="10080000" cy="4133880"/>
+          </a:xfrm>
+          <a:prstGeom prst="rect">
+            <a:avLst/>
+          </a:prstGeom>
+          <a:noFill/>
+          <a:ln w="0">
+            <a:noFill/>
+          </a:ln>
+        </p:spPr>
+        <p:txBody>
+          <a:bodyPr lIns="90000" rIns="90000" tIns="45000" bIns="45000" anchor="t">
+            <a:noAutofit/>
+          </a:bodyPr>
+          <a:p>
+            <a:pPr>
+              <a:lnSpc>
+                <a:spcPct val="100000"/>
+              </a:lnSpc>
+              <a:spcBef>
+                <a:spcPts val="1417"/>
+              </a:spcBef>
+              <a:buNone/>
+            </a:pPr>
+            <a:r>
+              <a:rPr b="0" lang="ru-RU" sz="1800" spc="-1" strike="noStrike">
+                <a:latin typeface="Arial"/>
+              </a:rPr>
+              <a:t>В зависимости от используемого режима подтверждения RabbitMQ может считать сообщение успешно доставленным в случаях:</a:t>
+            </a:r>
+            <a:endParaRPr b="0" lang="ru-RU" sz="1800" spc="-1" strike="noStrike">
+              <a:latin typeface="Arial"/>
+            </a:endParaRPr>
+          </a:p>
+          <a:p>
+            <a:pPr marL="360000">
               <a:lnSpc>
                 <a:spcPct val="100000"/>
               </a:lnSpc>
@@ -24702,17 +24740,17 @@
               <a:buChar char=""/>
             </a:pPr>
             <a:r>
-              <a:rPr b="0" lang="ru-RU" sz="3200" spc="-1" strike="noStrike">
+              <a:rPr b="0" lang="ru-RU" sz="1800" spc="-1" strike="noStrike">
                 <a:latin typeface="Arial"/>
               </a:rPr>
-              <a:t>В зависимости от используемого режима подтверждения RabbitMQ может считать сообщение успешно доставленным в случаях:</a:t>
-            </a:r>
-            <a:endParaRPr b="0" lang="ru-RU" sz="3200" spc="-1" strike="noStrike">
-              <a:latin typeface="Arial"/>
-            </a:endParaRPr>
-          </a:p>
-          <a:p>
-            <a:pPr marL="432000" indent="-324000">
+              <a:t>сразу после его отправки (автоматическое подтверждение клиентом)</a:t>
+            </a:r>
+            <a:endParaRPr b="0" lang="ru-RU" sz="1800" spc="-1" strike="noStrike">
+              <a:latin typeface="Arial"/>
+            </a:endParaRPr>
+          </a:p>
+          <a:p>
+            <a:pPr marL="360000">
               <a:lnSpc>
                 <a:spcPct val="100000"/>
               </a:lnSpc>
@@ -24727,49 +24765,23 @@
               <a:buChar char=""/>
             </a:pPr>
             <a:r>
-              <a:rPr b="0" lang="ru-RU" sz="3200" spc="-1" strike="noStrike">
+              <a:rPr b="0" lang="ru-RU" sz="1800" spc="-1" strike="noStrike">
                 <a:latin typeface="Arial"/>
               </a:rPr>
-              <a:t> </a:t>
-            </a:r>
-            <a:r>
-              <a:rPr b="0" lang="ru-RU" sz="3200" spc="-1" strike="noStrike">
-                <a:latin typeface="Arial"/>
-              </a:rPr>
-              <a:t>сразу после его отправки (автоматическое подтверждение клиентом)</a:t>
-            </a:r>
-            <a:endParaRPr b="0" lang="ru-RU" sz="3200" spc="-1" strike="noStrike">
-              <a:latin typeface="Arial"/>
-            </a:endParaRPr>
-          </a:p>
-          <a:p>
-            <a:pPr marL="432000" indent="-324000">
+              <a:t>при получении явного ("ручного") подтверждения клиента (consumer ack). </a:t>
+            </a:r>
+            <a:endParaRPr b="0" lang="ru-RU" sz="1800" spc="-1" strike="noStrike">
+              <a:latin typeface="Arial"/>
+            </a:endParaRPr>
+          </a:p>
+          <a:p>
+            <a:pPr>
               <a:lnSpc>
                 <a:spcPct val="100000"/>
               </a:lnSpc>
-              <a:spcBef>
-                <a:spcPts val="1417"/>
-              </a:spcBef>
-              <a:buClr>
-                <a:srgbClr val="000000"/>
-              </a:buClr>
-              <a:buSzPct val="45000"/>
-              <a:buFont typeface="Wingdings" charset="2"/>
-              <a:buChar char=""/>
+              <a:buNone/>
             </a:pPr>
-            <a:r>
-              <a:rPr b="0" lang="ru-RU" sz="3200" spc="-1" strike="noStrike">
-                <a:latin typeface="Arial"/>
-              </a:rPr>
-              <a:t> </a:t>
-            </a:r>
-            <a:r>
-              <a:rPr b="0" lang="ru-RU" sz="3200" spc="-1" strike="noStrike">
-                <a:latin typeface="Arial"/>
-              </a:rPr>
-              <a:t>при получении явного ("ручного") подтверждения клиента (consumer ack). </a:t>
-            </a:r>
-            <a:endParaRPr b="0" lang="ru-RU" sz="3200" spc="-1" strike="noStrike">
+            <a:endParaRPr b="0" lang="ru-RU" sz="1800" spc="-1" strike="noStrike">
               <a:latin typeface="Arial"/>
             </a:endParaRPr>
           </a:p>
@@ -24783,37 +24795,18 @@
               </a:spcBef>
               <a:buNone/>
             </a:pPr>
-            <a:endParaRPr b="0" lang="ru-RU" sz="3200" spc="-1" strike="noStrike">
-              <a:latin typeface="Arial"/>
-            </a:endParaRPr>
-          </a:p>
-          <a:p>
-            <a:pPr marL="432000" indent="-324000">
-              <a:lnSpc>
-                <a:spcPct val="100000"/>
-              </a:lnSpc>
-              <a:spcBef>
-                <a:spcPts val="1417"/>
-              </a:spcBef>
-              <a:buClr>
-                <a:srgbClr val="000000"/>
-              </a:buClr>
-              <a:buSzPct val="45000"/>
-              <a:buFont typeface="Wingdings" charset="2"/>
-              <a:buChar char=""/>
-            </a:pPr>
-            <a:r>
-              <a:rPr b="0" lang="ru-RU" sz="3200" spc="-1" strike="noStrike">
+            <a:r>
+              <a:rPr b="0" lang="ru-RU" sz="1800" spc="-1" strike="noStrike">
                 <a:latin typeface="Arial"/>
               </a:rPr>
               <a:t>Подтверждения, отправленные вручную, могут быть положительными или отрицательными и использовать один из следующих методов протокола: </a:t>
             </a:r>
-            <a:endParaRPr b="0" lang="ru-RU" sz="3200" spc="-1" strike="noStrike">
-              <a:latin typeface="Arial"/>
-            </a:endParaRPr>
-          </a:p>
-          <a:p>
-            <a:pPr lvl="1" marL="864000" indent="-324000">
+            <a:endParaRPr b="0" lang="ru-RU" sz="1800" spc="-1" strike="noStrike">
+              <a:latin typeface="Arial"/>
+            </a:endParaRPr>
+          </a:p>
+          <a:p>
+            <a:pPr marL="360000">
               <a:lnSpc>
                 <a:spcPct val="100000"/>
               </a:lnSpc>
@@ -24823,22 +24816,22 @@
               <a:buClr>
                 <a:srgbClr val="000000"/>
               </a:buClr>
-              <a:buSzPct val="75000"/>
-              <a:buFont typeface="Symbol"/>
-              <a:buChar char=""/>
+              <a:buSzPct val="45000"/>
+              <a:buFont typeface="Wingdings" charset="2"/>
+              <a:buChar char=""/>
             </a:pPr>
             <a:r>
-              <a:rPr b="0" lang="ru-RU" sz="2800" spc="-1" strike="noStrike">
+              <a:rPr b="0" lang="ru-RU" sz="1800" spc="-1" strike="noStrike">
                 <a:latin typeface="Arial"/>
               </a:rPr>
               <a:t>basic.ack используется для положительных подтверждений</a:t>
             </a:r>
-            <a:endParaRPr b="0" lang="ru-RU" sz="2800" spc="-1" strike="noStrike">
-              <a:latin typeface="Arial"/>
-            </a:endParaRPr>
-          </a:p>
-          <a:p>
-            <a:pPr lvl="1" marL="864000" indent="-324000">
+            <a:endParaRPr b="0" lang="ru-RU" sz="1800" spc="-1" strike="noStrike">
+              <a:latin typeface="Arial"/>
+            </a:endParaRPr>
+          </a:p>
+          <a:p>
+            <a:pPr marL="360000">
               <a:lnSpc>
                 <a:spcPct val="100000"/>
               </a:lnSpc>
@@ -24848,22 +24841,22 @@
               <a:buClr>
                 <a:srgbClr val="000000"/>
               </a:buClr>
-              <a:buSzPct val="75000"/>
-              <a:buFont typeface="Symbol"/>
-              <a:buChar char=""/>
+              <a:buSzPct val="45000"/>
+              <a:buFont typeface="Wingdings" charset="2"/>
+              <a:buChar char=""/>
             </a:pPr>
             <a:r>
-              <a:rPr b="0" lang="ru-RU" sz="2800" spc="-1" strike="noStrike">
+              <a:rPr b="0" lang="ru-RU" sz="1800" spc="-1" strike="noStrike">
                 <a:latin typeface="Arial"/>
               </a:rPr>
               <a:t>basic.nack используется для отрицательных подтверждений (сообщение помещается обратно в очередь)</a:t>
             </a:r>
-            <a:endParaRPr b="0" lang="ru-RU" sz="2800" spc="-1" strike="noStrike">
-              <a:latin typeface="Arial"/>
-            </a:endParaRPr>
-          </a:p>
-          <a:p>
-            <a:pPr lvl="1" marL="864000" indent="-324000">
+            <a:endParaRPr b="0" lang="ru-RU" sz="1800" spc="-1" strike="noStrike">
+              <a:latin typeface="Arial"/>
+            </a:endParaRPr>
+          </a:p>
+          <a:p>
+            <a:pPr marL="360000">
               <a:lnSpc>
                 <a:spcPct val="100000"/>
               </a:lnSpc>
@@ -24873,17 +24866,17 @@
               <a:buClr>
                 <a:srgbClr val="000000"/>
               </a:buClr>
-              <a:buSzPct val="75000"/>
-              <a:buFont typeface="Symbol"/>
-              <a:buChar char=""/>
+              <a:buSzPct val="45000"/>
+              <a:buFont typeface="Wingdings" charset="2"/>
+              <a:buChar char=""/>
             </a:pPr>
             <a:r>
-              <a:rPr b="0" lang="ru-RU" sz="2800" spc="-1" strike="noStrike">
+              <a:rPr b="0" lang="ru-RU" sz="1800" spc="-1" strike="noStrike">
                 <a:latin typeface="Arial"/>
               </a:rPr>
               <a:t>basic.reject используется для отрицательных подтверждений (сообщение отбрасывается и удаляется)</a:t>
             </a:r>
-            <a:endParaRPr b="0" lang="ru-RU" sz="2800" spc="-1" strike="noStrike">
+            <a:endParaRPr b="0" lang="ru-RU" sz="1800" spc="-1" strike="noStrike">
               <a:latin typeface="Arial"/>
             </a:endParaRPr>
           </a:p>
@@ -24932,7 +24925,7 @@
         <p:spPr>
           <a:xfrm>
             <a:off x="1210680" y="2196000"/>
-            <a:ext cx="10052640" cy="2514960"/>
+            <a:ext cx="10051200" cy="2513520"/>
           </a:xfrm>
           <a:prstGeom prst="rect">
             <a:avLst/>
@@ -25029,7 +25022,7 @@
         <p:spPr>
           <a:xfrm>
             <a:off x="1102680" y="360"/>
-            <a:ext cx="10052640" cy="2514960"/>
+            <a:ext cx="10051200" cy="2513520"/>
           </a:xfrm>
           <a:prstGeom prst="rect">
             <a:avLst/>
@@ -25107,7 +25100,7 @@
         <p:spPr>
           <a:xfrm>
             <a:off x="864000" y="1899000"/>
-            <a:ext cx="7875720" cy="1804320"/>
+            <a:ext cx="7874280" cy="1802880"/>
           </a:xfrm>
           <a:prstGeom prst="rect">
             <a:avLst/>
@@ -25126,7 +25119,7 @@
         <p:spPr>
           <a:xfrm>
             <a:off x="1080000" y="3960000"/>
-            <a:ext cx="9535320" cy="1109520"/>
+            <a:ext cx="9533880" cy="1108080"/>
           </a:xfrm>
           <a:prstGeom prst="rect">
             <a:avLst/>
@@ -25212,7 +25205,7 @@
         <p:spPr>
           <a:xfrm>
             <a:off x="727560" y="1800000"/>
-            <a:ext cx="10968120" cy="1140480"/>
+            <a:ext cx="10966680" cy="1139040"/>
           </a:xfrm>
           <a:prstGeom prst="rect">
             <a:avLst/>
@@ -25269,7 +25262,7 @@
         <p:spPr>
           <a:xfrm>
             <a:off x="1080000" y="3960000"/>
-            <a:ext cx="9535320" cy="1109520"/>
+            <a:ext cx="9533880" cy="1108080"/>
           </a:xfrm>
           <a:prstGeom prst="rect">
             <a:avLst/>
@@ -25299,7 +25292,7 @@
         <p:spPr>
           <a:xfrm>
             <a:off x="540000" y="1800000"/>
-            <a:ext cx="11496240" cy="3099960"/>
+            <a:ext cx="11494800" cy="3098520"/>
           </a:xfrm>
           <a:prstGeom prst="rect">
             <a:avLst/>
@@ -25318,7 +25311,7 @@
         <p:spPr>
           <a:xfrm>
             <a:off x="900000" y="5157360"/>
-            <a:ext cx="10467360" cy="598320"/>
+            <a:ext cx="10465920" cy="596880"/>
           </a:xfrm>
           <a:prstGeom prst="rect">
             <a:avLst/>
@@ -25424,7 +25417,7 @@
         <p:spPr>
           <a:xfrm>
             <a:off x="1260000" y="1273680"/>
-            <a:ext cx="8693640" cy="401040"/>
+            <a:ext cx="8692200" cy="399600"/>
           </a:xfrm>
           <a:prstGeom prst="rect">
             <a:avLst/>
@@ -25476,7 +25469,7 @@
         <p:spPr>
           <a:xfrm>
             <a:off x="1023840" y="2001960"/>
-            <a:ext cx="10314720" cy="4078440"/>
+            <a:ext cx="10313280" cy="4077000"/>
           </a:xfrm>
           <a:prstGeom prst="rect">
             <a:avLst/>
@@ -25715,7 +25708,7 @@
         <p:spPr>
           <a:xfrm>
             <a:off x="1097280" y="286560"/>
-            <a:ext cx="10052640" cy="1445040"/>
+            <a:ext cx="10051200" cy="1443600"/>
           </a:xfrm>
           <a:prstGeom prst="rect">
             <a:avLst/>
@@ -25760,7 +25753,7 @@
         <p:spPr>
           <a:xfrm>
             <a:off x="5706000" y="3324960"/>
-            <a:ext cx="833400" cy="228240"/>
+            <a:ext cx="831960" cy="226800"/>
           </a:xfrm>
           <a:prstGeom prst="rect">
             <a:avLst/>
@@ -25846,7 +25839,7 @@
         <p:spPr>
           <a:xfrm>
             <a:off x="2160000" y="1783800"/>
-            <a:ext cx="8097480" cy="3973680"/>
+            <a:ext cx="8096040" cy="3972240"/>
           </a:xfrm>
           <a:prstGeom prst="rect">
             <a:avLst/>
@@ -25865,7 +25858,7 @@
         <p:spPr>
           <a:xfrm>
             <a:off x="1199160" y="1080000"/>
-            <a:ext cx="9238680" cy="599760"/>
+            <a:ext cx="9237240" cy="598320"/>
           </a:xfrm>
           <a:prstGeom prst="rect">
             <a:avLst/>
@@ -25951,7 +25944,7 @@
         <p:spPr>
           <a:xfrm>
             <a:off x="1815480" y="2700000"/>
-            <a:ext cx="702000" cy="1140120"/>
+            <a:ext cx="700560" cy="1138680"/>
           </a:xfrm>
           <a:prstGeom prst="rect">
             <a:avLst/>
@@ -25969,8 +25962,8 @@
         </p:nvSpPr>
         <p:spPr>
           <a:xfrm>
-            <a:off x="1753560" y="2160000"/>
-            <a:ext cx="1598400" cy="343800"/>
+            <a:off x="1753560" y="1980000"/>
+            <a:ext cx="1596960" cy="646920"/>
           </a:xfrm>
           <a:prstGeom prst="rect">
             <a:avLst/>
@@ -26026,7 +26019,7 @@
         <p:spPr>
           <a:xfrm>
             <a:off x="4140000" y="2118240"/>
-            <a:ext cx="2697480" cy="2199240"/>
+            <a:ext cx="2696040" cy="2197800"/>
           </a:xfrm>
           <a:prstGeom prst="rect">
             <a:avLst/>
@@ -26045,7 +26038,7 @@
         <p:spPr>
           <a:xfrm>
             <a:off x="1188000" y="1080000"/>
-            <a:ext cx="8170560" cy="697680"/>
+            <a:ext cx="8169120" cy="696240"/>
           </a:xfrm>
           <a:prstGeom prst="rect">
             <a:avLst/>
@@ -26101,7 +26094,7 @@
         <p:spPr>
           <a:xfrm>
             <a:off x="7820280" y="2283480"/>
-            <a:ext cx="3140280" cy="492480"/>
+            <a:ext cx="3138840" cy="491040"/>
           </a:xfrm>
           <a:prstGeom prst="rect">
             <a:avLst/>
@@ -26124,7 +26117,7 @@
         <p:spPr>
           <a:xfrm>
             <a:off x="8007840" y="4153680"/>
-            <a:ext cx="1349640" cy="1063800"/>
+            <a:ext cx="1348200" cy="1062360"/>
           </a:xfrm>
           <a:prstGeom prst="rect">
             <a:avLst/>
@@ -26143,7 +26136,7 @@
         <p:spPr>
           <a:xfrm>
             <a:off x="7920000" y="3600000"/>
-            <a:ext cx="2282760" cy="343800"/>
+            <a:ext cx="2698920" cy="538920"/>
           </a:xfrm>
           <a:prstGeom prst="rect">
             <a:avLst/>
@@ -26229,7 +26222,7 @@
         <p:spPr>
           <a:xfrm>
             <a:off x="1252800" y="1800000"/>
-            <a:ext cx="9724680" cy="3626280"/>
+            <a:ext cx="9723240" cy="3624840"/>
           </a:xfrm>
           <a:prstGeom prst="rect">
             <a:avLst/>
@@ -26248,7 +26241,7 @@
         <p:spPr>
           <a:xfrm>
             <a:off x="850680" y="1080000"/>
-            <a:ext cx="10667520" cy="619920"/>
+            <a:ext cx="10666080" cy="618480"/>
           </a:xfrm>
           <a:prstGeom prst="rect">
             <a:avLst/>
@@ -26336,7 +26329,7 @@
         <p:spPr>
           <a:xfrm>
             <a:off x="1080000" y="2213640"/>
-            <a:ext cx="10256040" cy="3042000"/>
+            <a:ext cx="10254600" cy="3040560"/>
           </a:xfrm>
           <a:prstGeom prst="rect">
             <a:avLst/>
@@ -26420,7 +26413,7 @@
         <p:spPr>
           <a:xfrm>
             <a:off x="1080000" y="1260000"/>
-            <a:ext cx="4678560" cy="619920"/>
+            <a:ext cx="4677120" cy="618480"/>
           </a:xfrm>
           <a:prstGeom prst="rect">
             <a:avLst/>
@@ -26512,7 +26505,7 @@
         <p:spPr>
           <a:xfrm>
             <a:off x="1097280" y="286560"/>
-            <a:ext cx="10052640" cy="1445040"/>
+            <a:ext cx="10051200" cy="1443600"/>
           </a:xfrm>
           <a:prstGeom prst="rect">
             <a:avLst/>
@@ -26561,7 +26554,7 @@
         <p:spPr>
           <a:xfrm>
             <a:off x="1080000" y="2385720"/>
-            <a:ext cx="10052640" cy="2292840"/>
+            <a:ext cx="10051200" cy="2291400"/>
           </a:xfrm>
           <a:prstGeom prst="rect">
             <a:avLst/>
@@ -26680,7 +26673,7 @@
         <p:spPr>
           <a:xfrm>
             <a:off x="1097280" y="286560"/>
-            <a:ext cx="10052640" cy="1445040"/>
+            <a:ext cx="10051200" cy="1443600"/>
           </a:xfrm>
           <a:prstGeom prst="rect">
             <a:avLst/>
@@ -26738,7 +26731,7 @@
         <p:spPr>
           <a:xfrm>
             <a:off x="1097280" y="1845720"/>
-            <a:ext cx="10052640" cy="4017600"/>
+            <a:ext cx="10051200" cy="4016160"/>
           </a:xfrm>
           <a:prstGeom prst="rect">
             <a:avLst/>
